--- a/cmu/SurePark/Pictures_v1.1.pptx
+++ b/cmu/SurePark/Pictures_v1.1.pptx
@@ -276,7 +276,7 @@
           <a:p>
             <a:fld id="{30D46686-9C38-4F0D-B0C6-D73A6F36E862}" type="datetimeFigureOut">
               <a:rPr lang="ko-KR" altLang="en-US" smtClean="0"/>
-              <a:t>2016-06-20</a:t>
+              <a:t>2016-06-19</a:t>
             </a:fld>
             <a:endParaRPr lang="ko-KR" altLang="en-US"/>
           </a:p>
@@ -446,7 +446,7 @@
           <a:p>
             <a:fld id="{30D46686-9C38-4F0D-B0C6-D73A6F36E862}" type="datetimeFigureOut">
               <a:rPr lang="ko-KR" altLang="en-US" smtClean="0"/>
-              <a:t>2016-06-20</a:t>
+              <a:t>2016-06-19</a:t>
             </a:fld>
             <a:endParaRPr lang="ko-KR" altLang="en-US"/>
           </a:p>
@@ -626,7 +626,7 @@
           <a:p>
             <a:fld id="{30D46686-9C38-4F0D-B0C6-D73A6F36E862}" type="datetimeFigureOut">
               <a:rPr lang="ko-KR" altLang="en-US" smtClean="0"/>
-              <a:t>2016-06-20</a:t>
+              <a:t>2016-06-19</a:t>
             </a:fld>
             <a:endParaRPr lang="ko-KR" altLang="en-US"/>
           </a:p>
@@ -796,7 +796,7 @@
           <a:p>
             <a:fld id="{30D46686-9C38-4F0D-B0C6-D73A6F36E862}" type="datetimeFigureOut">
               <a:rPr lang="ko-KR" altLang="en-US" smtClean="0"/>
-              <a:t>2016-06-20</a:t>
+              <a:t>2016-06-19</a:t>
             </a:fld>
             <a:endParaRPr lang="ko-KR" altLang="en-US"/>
           </a:p>
@@ -1040,7 +1040,7 @@
           <a:p>
             <a:fld id="{30D46686-9C38-4F0D-B0C6-D73A6F36E862}" type="datetimeFigureOut">
               <a:rPr lang="ko-KR" altLang="en-US" smtClean="0"/>
-              <a:t>2016-06-20</a:t>
+              <a:t>2016-06-19</a:t>
             </a:fld>
             <a:endParaRPr lang="ko-KR" altLang="en-US"/>
           </a:p>
@@ -1272,7 +1272,7 @@
           <a:p>
             <a:fld id="{30D46686-9C38-4F0D-B0C6-D73A6F36E862}" type="datetimeFigureOut">
               <a:rPr lang="ko-KR" altLang="en-US" smtClean="0"/>
-              <a:t>2016-06-20</a:t>
+              <a:t>2016-06-19</a:t>
             </a:fld>
             <a:endParaRPr lang="ko-KR" altLang="en-US"/>
           </a:p>
@@ -1639,7 +1639,7 @@
           <a:p>
             <a:fld id="{30D46686-9C38-4F0D-B0C6-D73A6F36E862}" type="datetimeFigureOut">
               <a:rPr lang="ko-KR" altLang="en-US" smtClean="0"/>
-              <a:t>2016-06-20</a:t>
+              <a:t>2016-06-19</a:t>
             </a:fld>
             <a:endParaRPr lang="ko-KR" altLang="en-US"/>
           </a:p>
@@ -1757,7 +1757,7 @@
           <a:p>
             <a:fld id="{30D46686-9C38-4F0D-B0C6-D73A6F36E862}" type="datetimeFigureOut">
               <a:rPr lang="ko-KR" altLang="en-US" smtClean="0"/>
-              <a:t>2016-06-20</a:t>
+              <a:t>2016-06-19</a:t>
             </a:fld>
             <a:endParaRPr lang="ko-KR" altLang="en-US"/>
           </a:p>
@@ -1852,7 +1852,7 @@
           <a:p>
             <a:fld id="{30D46686-9C38-4F0D-B0C6-D73A6F36E862}" type="datetimeFigureOut">
               <a:rPr lang="ko-KR" altLang="en-US" smtClean="0"/>
-              <a:t>2016-06-20</a:t>
+              <a:t>2016-06-19</a:t>
             </a:fld>
             <a:endParaRPr lang="ko-KR" altLang="en-US"/>
           </a:p>
@@ -2129,7 +2129,7 @@
           <a:p>
             <a:fld id="{30D46686-9C38-4F0D-B0C6-D73A6F36E862}" type="datetimeFigureOut">
               <a:rPr lang="ko-KR" altLang="en-US" smtClean="0"/>
-              <a:t>2016-06-20</a:t>
+              <a:t>2016-06-19</a:t>
             </a:fld>
             <a:endParaRPr lang="ko-KR" altLang="en-US"/>
           </a:p>
@@ -2386,7 +2386,7 @@
           <a:p>
             <a:fld id="{30D46686-9C38-4F0D-B0C6-D73A6F36E862}" type="datetimeFigureOut">
               <a:rPr lang="ko-KR" altLang="en-US" smtClean="0"/>
-              <a:t>2016-06-20</a:t>
+              <a:t>2016-06-19</a:t>
             </a:fld>
             <a:endParaRPr lang="ko-KR" altLang="en-US"/>
           </a:p>
@@ -2599,7 +2599,7 @@
           <a:p>
             <a:fld id="{30D46686-9C38-4F0D-B0C6-D73A6F36E862}" type="datetimeFigureOut">
               <a:rPr lang="ko-KR" altLang="en-US" smtClean="0"/>
-              <a:t>2016-06-20</a:t>
+              <a:t>2016-06-19</a:t>
             </a:fld>
             <a:endParaRPr lang="ko-KR" altLang="en-US"/>
           </a:p>
@@ -3095,52 +3095,51 @@
       </p:grpSpPr>
       <p:grpSp>
         <p:nvGrpSpPr>
-          <p:cNvPr id="24" name="그룹 23"/>
+          <p:cNvPr id="63" name="그룹 62"/>
           <p:cNvGrpSpPr/>
           <p:nvPr/>
         </p:nvGrpSpPr>
         <p:grpSpPr>
           <a:xfrm>
-            <a:off x="2248494" y="951709"/>
-            <a:ext cx="1944000" cy="1440000"/>
-            <a:chOff x="969671" y="2167565"/>
-            <a:chExt cx="1944000" cy="1440000"/>
+            <a:off x="455787" y="1023601"/>
+            <a:ext cx="7971521" cy="5393681"/>
+            <a:chOff x="455787" y="570514"/>
+            <a:chExt cx="7971521" cy="5393681"/>
           </a:xfrm>
         </p:grpSpPr>
         <p:sp>
           <p:nvSpPr>
-            <p:cNvPr id="4" name="직사각형 3"/>
+            <p:cNvPr id="2" name="직사각형 1"/>
             <p:cNvSpPr/>
             <p:nvPr/>
           </p:nvSpPr>
           <p:spPr>
             <a:xfrm>
-              <a:off x="969671" y="2311565"/>
-              <a:ext cx="1944000" cy="1296000"/>
+              <a:off x="766116" y="887999"/>
+              <a:ext cx="4555525" cy="3288585"/>
             </a:xfrm>
             <a:prstGeom prst="rect">
               <a:avLst/>
             </a:prstGeom>
-            <a:solidFill>
-              <a:schemeClr val="bg1"/>
-            </a:solidFill>
-            <a:ln>
+            <a:noFill/>
+            <a:ln w="25400">
               <a:solidFill>
-                <a:schemeClr val="tx1"/>
+                <a:srgbClr val="FF0000"/>
               </a:solidFill>
+              <a:prstDash val="sysDash"/>
             </a:ln>
           </p:spPr>
           <p:style>
             <a:lnRef idx="2">
-              <a:schemeClr val="accent3">
+              <a:schemeClr val="accent1">
                 <a:shade val="50000"/>
               </a:schemeClr>
             </a:lnRef>
             <a:fillRef idx="1">
-              <a:schemeClr val="accent3"/>
+              <a:schemeClr val="accent1"/>
             </a:fillRef>
             <a:effectRef idx="0">
-              <a:schemeClr val="accent3"/>
+              <a:schemeClr val="accent1"/>
             </a:effectRef>
             <a:fontRef idx="minor">
               <a:schemeClr val="lt1"/>
@@ -3151,15 +3150,464 @@
             <a:lstStyle/>
             <a:p>
               <a:pPr algn="ctr"/>
+              <a:endParaRPr lang="ko-KR" altLang="en-US"/>
+            </a:p>
+          </p:txBody>
+        </p:sp>
+        <p:grpSp>
+          <p:nvGrpSpPr>
+            <p:cNvPr id="24" name="그룹 23"/>
+            <p:cNvGrpSpPr/>
+            <p:nvPr/>
+          </p:nvGrpSpPr>
+          <p:grpSpPr>
+            <a:xfrm>
+              <a:off x="1207535" y="1136231"/>
+              <a:ext cx="1498913" cy="1148940"/>
+              <a:chOff x="969671" y="2167565"/>
+              <a:chExt cx="1944000" cy="1440000"/>
+            </a:xfrm>
+          </p:grpSpPr>
+          <p:sp>
+            <p:nvSpPr>
+              <p:cNvPr id="4" name="직사각형 3"/>
+              <p:cNvSpPr/>
+              <p:nvPr/>
+            </p:nvSpPr>
+            <p:spPr>
+              <a:xfrm>
+                <a:off x="969671" y="2311565"/>
+                <a:ext cx="1944000" cy="1296000"/>
+              </a:xfrm>
+              <a:prstGeom prst="rect">
+                <a:avLst/>
+              </a:prstGeom>
+              <a:solidFill>
+                <a:schemeClr val="bg1"/>
+              </a:solidFill>
+              <a:ln>
+                <a:solidFill>
+                  <a:schemeClr val="tx1"/>
+                </a:solidFill>
+              </a:ln>
+            </p:spPr>
+            <p:style>
+              <a:lnRef idx="2">
+                <a:schemeClr val="accent3">
+                  <a:shade val="50000"/>
+                </a:schemeClr>
+              </a:lnRef>
+              <a:fillRef idx="1">
+                <a:schemeClr val="accent3"/>
+              </a:fillRef>
+              <a:effectRef idx="0">
+                <a:schemeClr val="accent3"/>
+              </a:effectRef>
+              <a:fontRef idx="minor">
+                <a:schemeClr val="lt1"/>
+              </a:fontRef>
+            </p:style>
+            <p:txBody>
+              <a:bodyPr rtlCol="0" anchor="ctr"/>
+              <a:lstStyle/>
+              <a:p>
+                <a:pPr algn="ctr"/>
+                <a:r>
+                  <a:rPr lang="en-US" altLang="ko-KR" sz="1600" dirty="0" smtClean="0">
+                    <a:solidFill>
+                      <a:schemeClr val="tx1"/>
+                    </a:solidFill>
+                  </a:rPr>
+                  <a:t>Common</a:t>
+                </a:r>
+                <a:endParaRPr lang="ko-KR" altLang="en-US" sz="1600">
+                  <a:solidFill>
+                    <a:schemeClr val="tx1"/>
+                  </a:solidFill>
+                </a:endParaRPr>
+              </a:p>
+            </p:txBody>
+          </p:sp>
+          <p:sp>
+            <p:nvSpPr>
+              <p:cNvPr id="5" name="사다리꼴 4"/>
+              <p:cNvSpPr/>
+              <p:nvPr/>
+            </p:nvSpPr>
+            <p:spPr>
+              <a:xfrm>
+                <a:off x="969671" y="2167565"/>
+                <a:ext cx="720000" cy="144000"/>
+              </a:xfrm>
+              <a:prstGeom prst="trapezoid">
+                <a:avLst>
+                  <a:gd name="adj" fmla="val 47951"/>
+                </a:avLst>
+              </a:prstGeom>
+              <a:solidFill>
+                <a:schemeClr val="bg1"/>
+              </a:solidFill>
+              <a:ln>
+                <a:solidFill>
+                  <a:schemeClr val="tx1"/>
+                </a:solidFill>
+              </a:ln>
+            </p:spPr>
+            <p:style>
+              <a:lnRef idx="2">
+                <a:schemeClr val="accent1">
+                  <a:shade val="50000"/>
+                </a:schemeClr>
+              </a:lnRef>
+              <a:fillRef idx="1">
+                <a:schemeClr val="accent1"/>
+              </a:fillRef>
+              <a:effectRef idx="0">
+                <a:schemeClr val="accent1"/>
+              </a:effectRef>
+              <a:fontRef idx="minor">
+                <a:schemeClr val="lt1"/>
+              </a:fontRef>
+            </p:style>
+            <p:txBody>
+              <a:bodyPr rtlCol="0" anchor="ctr"/>
+              <a:lstStyle/>
+              <a:p>
+                <a:pPr algn="ctr"/>
+                <a:endParaRPr lang="ko-KR" altLang="en-US"/>
+              </a:p>
+            </p:txBody>
+          </p:sp>
+        </p:grpSp>
+        <p:grpSp>
+          <p:nvGrpSpPr>
+            <p:cNvPr id="25" name="그룹 24"/>
+            <p:cNvGrpSpPr/>
+            <p:nvPr/>
+          </p:nvGrpSpPr>
+          <p:grpSpPr>
+            <a:xfrm>
+              <a:off x="3346541" y="1108238"/>
+              <a:ext cx="1489039" cy="1176934"/>
+              <a:chOff x="969671" y="4516440"/>
+              <a:chExt cx="1944000" cy="1440000"/>
+            </a:xfrm>
+          </p:grpSpPr>
+          <p:sp>
+            <p:nvSpPr>
+              <p:cNvPr id="6" name="직사각형 5"/>
+              <p:cNvSpPr/>
+              <p:nvPr/>
+            </p:nvSpPr>
+            <p:spPr>
+              <a:xfrm>
+                <a:off x="969671" y="4660440"/>
+                <a:ext cx="1944000" cy="1296000"/>
+              </a:xfrm>
+              <a:prstGeom prst="rect">
+                <a:avLst/>
+              </a:prstGeom>
+              <a:solidFill>
+                <a:schemeClr val="bg1"/>
+              </a:solidFill>
+              <a:ln>
+                <a:solidFill>
+                  <a:schemeClr val="tx1"/>
+                </a:solidFill>
+              </a:ln>
+            </p:spPr>
+            <p:style>
+              <a:lnRef idx="2">
+                <a:schemeClr val="accent3">
+                  <a:shade val="50000"/>
+                </a:schemeClr>
+              </a:lnRef>
+              <a:fillRef idx="1">
+                <a:schemeClr val="accent3"/>
+              </a:fillRef>
+              <a:effectRef idx="0">
+                <a:schemeClr val="accent3"/>
+              </a:effectRef>
+              <a:fontRef idx="minor">
+                <a:schemeClr val="lt1"/>
+              </a:fontRef>
+            </p:style>
+            <p:txBody>
+              <a:bodyPr rtlCol="0" anchor="ctr"/>
+              <a:lstStyle/>
+              <a:p>
+                <a:pPr algn="ctr"/>
+                <a:r>
+                  <a:rPr lang="en-US" altLang="ko-KR" sz="1600" dirty="0" smtClean="0">
+                    <a:solidFill>
+                      <a:schemeClr val="tx1"/>
+                    </a:solidFill>
+                  </a:rPr>
+                  <a:t>Management Service</a:t>
+                </a:r>
+                <a:endParaRPr lang="ko-KR" altLang="en-US" sz="1600">
+                  <a:solidFill>
+                    <a:schemeClr val="tx1"/>
+                  </a:solidFill>
+                </a:endParaRPr>
+              </a:p>
+            </p:txBody>
+          </p:sp>
+          <p:sp>
+            <p:nvSpPr>
+              <p:cNvPr id="7" name="사다리꼴 6"/>
+              <p:cNvSpPr/>
+              <p:nvPr/>
+            </p:nvSpPr>
+            <p:spPr>
+              <a:xfrm>
+                <a:off x="969671" y="4516440"/>
+                <a:ext cx="720000" cy="144000"/>
+              </a:xfrm>
+              <a:prstGeom prst="trapezoid">
+                <a:avLst>
+                  <a:gd name="adj" fmla="val 47951"/>
+                </a:avLst>
+              </a:prstGeom>
+              <a:solidFill>
+                <a:schemeClr val="bg1"/>
+              </a:solidFill>
+              <a:ln>
+                <a:solidFill>
+                  <a:schemeClr val="tx1"/>
+                </a:solidFill>
+              </a:ln>
+            </p:spPr>
+            <p:style>
+              <a:lnRef idx="2">
+                <a:schemeClr val="accent1">
+                  <a:shade val="50000"/>
+                </a:schemeClr>
+              </a:lnRef>
+              <a:fillRef idx="1">
+                <a:schemeClr val="accent1"/>
+              </a:fillRef>
+              <a:effectRef idx="0">
+                <a:schemeClr val="accent1"/>
+              </a:effectRef>
+              <a:fontRef idx="minor">
+                <a:schemeClr val="lt1"/>
+              </a:fontRef>
+            </p:style>
+            <p:txBody>
+              <a:bodyPr rtlCol="0" anchor="ctr"/>
+              <a:lstStyle/>
+              <a:p>
+                <a:pPr algn="ctr"/>
+                <a:endParaRPr lang="ko-KR" altLang="en-US"/>
+              </a:p>
+            </p:txBody>
+          </p:sp>
+        </p:grpSp>
+        <p:grpSp>
+          <p:nvGrpSpPr>
+            <p:cNvPr id="26" name="그룹 25"/>
+            <p:cNvGrpSpPr/>
+            <p:nvPr/>
+          </p:nvGrpSpPr>
+          <p:grpSpPr>
+            <a:xfrm>
+              <a:off x="1222185" y="2628699"/>
+              <a:ext cx="1469612" cy="1204357"/>
+              <a:chOff x="4051117" y="4516440"/>
+              <a:chExt cx="1944000" cy="1440000"/>
+            </a:xfrm>
+          </p:grpSpPr>
+          <p:sp>
+            <p:nvSpPr>
+              <p:cNvPr id="8" name="직사각형 7"/>
+              <p:cNvSpPr/>
+              <p:nvPr/>
+            </p:nvSpPr>
+            <p:spPr>
+              <a:xfrm>
+                <a:off x="4051117" y="4660440"/>
+                <a:ext cx="1944000" cy="1296000"/>
+              </a:xfrm>
+              <a:prstGeom prst="rect">
+                <a:avLst/>
+              </a:prstGeom>
+              <a:solidFill>
+                <a:schemeClr val="bg1"/>
+              </a:solidFill>
+              <a:ln>
+                <a:solidFill>
+                  <a:schemeClr val="tx1"/>
+                </a:solidFill>
+              </a:ln>
+            </p:spPr>
+            <p:style>
+              <a:lnRef idx="2">
+                <a:schemeClr val="accent3">
+                  <a:shade val="50000"/>
+                </a:schemeClr>
+              </a:lnRef>
+              <a:fillRef idx="1">
+                <a:schemeClr val="accent3"/>
+              </a:fillRef>
+              <a:effectRef idx="0">
+                <a:schemeClr val="accent3"/>
+              </a:effectRef>
+              <a:fontRef idx="minor">
+                <a:schemeClr val="lt1"/>
+              </a:fontRef>
+            </p:style>
+            <p:txBody>
+              <a:bodyPr rtlCol="0" anchor="ctr"/>
+              <a:lstStyle/>
+              <a:p>
+                <a:pPr algn="ctr"/>
+                <a:r>
+                  <a:rPr lang="en-US" altLang="ko-KR" sz="1600" dirty="0" smtClean="0">
+                    <a:solidFill>
+                      <a:schemeClr val="tx1"/>
+                    </a:solidFill>
+                  </a:rPr>
+                  <a:t>Control Service</a:t>
+                </a:r>
+                <a:endParaRPr lang="ko-KR" altLang="en-US" sz="1600">
+                  <a:solidFill>
+                    <a:schemeClr val="tx1"/>
+                  </a:solidFill>
+                </a:endParaRPr>
+              </a:p>
+            </p:txBody>
+          </p:sp>
+          <p:sp>
+            <p:nvSpPr>
+              <p:cNvPr id="9" name="사다리꼴 8"/>
+              <p:cNvSpPr/>
+              <p:nvPr/>
+            </p:nvSpPr>
+            <p:spPr>
+              <a:xfrm>
+                <a:off x="4051117" y="4516440"/>
+                <a:ext cx="720000" cy="144000"/>
+              </a:xfrm>
+              <a:prstGeom prst="trapezoid">
+                <a:avLst>
+                  <a:gd name="adj" fmla="val 47951"/>
+                </a:avLst>
+              </a:prstGeom>
+              <a:solidFill>
+                <a:schemeClr val="bg1"/>
+              </a:solidFill>
+              <a:ln>
+                <a:solidFill>
+                  <a:schemeClr val="tx1"/>
+                </a:solidFill>
+              </a:ln>
+            </p:spPr>
+            <p:style>
+              <a:lnRef idx="2">
+                <a:schemeClr val="accent1">
+                  <a:shade val="50000"/>
+                </a:schemeClr>
+              </a:lnRef>
+              <a:fillRef idx="1">
+                <a:schemeClr val="accent1"/>
+              </a:fillRef>
+              <a:effectRef idx="0">
+                <a:schemeClr val="accent1"/>
+              </a:effectRef>
+              <a:fontRef idx="minor">
+                <a:schemeClr val="lt1"/>
+              </a:fontRef>
+            </p:style>
+            <p:txBody>
+              <a:bodyPr rtlCol="0" anchor="ctr"/>
+              <a:lstStyle/>
+              <a:p>
+                <a:pPr algn="ctr"/>
+                <a:endParaRPr lang="ko-KR" altLang="en-US"/>
+              </a:p>
+            </p:txBody>
+          </p:sp>
+        </p:grpSp>
+        <p:sp>
+          <p:nvSpPr>
+            <p:cNvPr id="10" name="모서리가 접힌 도형 9"/>
+            <p:cNvSpPr/>
+            <p:nvPr/>
+          </p:nvSpPr>
+          <p:spPr>
+            <a:xfrm>
+              <a:off x="3496895" y="3152854"/>
+              <a:ext cx="1019750" cy="944968"/>
+            </a:xfrm>
+            <a:prstGeom prst="foldedCorner">
+              <a:avLst/>
+            </a:prstGeom>
+            <a:solidFill>
+              <a:schemeClr val="accent1">
+                <a:lumMod val="20000"/>
+                <a:lumOff val="80000"/>
+              </a:schemeClr>
+            </a:solidFill>
+            <a:ln>
+              <a:solidFill>
+                <a:schemeClr val="tx1"/>
+              </a:solidFill>
+            </a:ln>
+          </p:spPr>
+          <p:style>
+            <a:lnRef idx="2">
+              <a:schemeClr val="accent1">
+                <a:shade val="50000"/>
+              </a:schemeClr>
+            </a:lnRef>
+            <a:fillRef idx="1">
+              <a:schemeClr val="accent1"/>
+            </a:fillRef>
+            <a:effectRef idx="0">
+              <a:schemeClr val="accent1"/>
+            </a:effectRef>
+            <a:fontRef idx="minor">
+              <a:schemeClr val="lt1"/>
+            </a:fontRef>
+          </p:style>
+          <p:txBody>
+            <a:bodyPr rtlCol="0" anchor="ctr">
+              <a:scene3d>
+                <a:camera prst="orthographicFront">
+                  <a:rot lat="0" lon="0" rev="0"/>
+                </a:camera>
+                <a:lightRig rig="threePt" dir="t"/>
+              </a:scene3d>
+            </a:bodyPr>
+            <a:lstStyle/>
+            <a:p>
+              <a:pPr algn="ctr"/>
               <a:r>
-                <a:rPr lang="en-US" altLang="ko-KR" sz="1600" dirty="0" smtClean="0">
+                <a:rPr lang="en-US" altLang="ko-KR" sz="1400" dirty="0">
                   <a:solidFill>
                     <a:schemeClr val="tx1"/>
                   </a:solidFill>
                 </a:rPr>
-                <a:t>Common</a:t>
+                <a:t>Shares </a:t>
               </a:r>
-              <a:endParaRPr lang="ko-KR" altLang="en-US" sz="1600">
+              <a:endParaRPr lang="en-US" altLang="ko-KR" sz="1400" dirty="0" smtClean="0">
+                <a:solidFill>
+                  <a:schemeClr val="tx1"/>
+                </a:solidFill>
+              </a:endParaRPr>
+            </a:p>
+            <a:p>
+              <a:pPr algn="ctr"/>
+              <a:r>
+                <a:rPr lang="en-US" altLang="ko-KR" sz="1400" dirty="0" smtClean="0">
+                  <a:solidFill>
+                    <a:schemeClr val="tx1"/>
+                  </a:solidFill>
+                </a:rPr>
+                <a:t>FC-SM protocol</a:t>
+              </a:r>
+              <a:endParaRPr lang="ko-KR" altLang="en-US" sz="1400">
                 <a:solidFill>
                   <a:schemeClr val="tx1"/>
                 </a:solidFill>
@@ -3169,23 +3617,203 @@
         </p:sp>
         <p:sp>
           <p:nvSpPr>
-            <p:cNvPr id="5" name="사다리꼴 4"/>
+            <p:cNvPr id="11" name="모서리가 접힌 도형 10"/>
             <p:cNvSpPr/>
             <p:nvPr/>
           </p:nvSpPr>
           <p:spPr>
             <a:xfrm>
-              <a:off x="969671" y="2167565"/>
-              <a:ext cx="720000" cy="144000"/>
+              <a:off x="5531871" y="2681878"/>
+              <a:ext cx="2295396" cy="919599"/>
             </a:xfrm>
-            <a:prstGeom prst="trapezoid">
-              <a:avLst>
-                <a:gd name="adj" fmla="val 47951"/>
-              </a:avLst>
+            <a:prstGeom prst="foldedCorner">
+              <a:avLst/>
             </a:prstGeom>
             <a:solidFill>
-              <a:schemeClr val="bg1"/>
+              <a:schemeClr val="accent1">
+                <a:lumMod val="20000"/>
+                <a:lumOff val="80000"/>
+              </a:schemeClr>
             </a:solidFill>
+            <a:ln>
+              <a:solidFill>
+                <a:schemeClr val="tx1"/>
+              </a:solidFill>
+            </a:ln>
+          </p:spPr>
+          <p:style>
+            <a:lnRef idx="2">
+              <a:schemeClr val="accent1">
+                <a:shade val="50000"/>
+              </a:schemeClr>
+            </a:lnRef>
+            <a:fillRef idx="1">
+              <a:schemeClr val="accent1"/>
+            </a:fillRef>
+            <a:effectRef idx="0">
+              <a:schemeClr val="accent1"/>
+            </a:effectRef>
+            <a:fontRef idx="minor">
+              <a:schemeClr val="lt1"/>
+            </a:fontRef>
+          </p:style>
+          <p:txBody>
+            <a:bodyPr rtlCol="0" anchor="ctr">
+              <a:scene3d>
+                <a:camera prst="orthographicFront">
+                  <a:rot lat="0" lon="0" rev="0"/>
+                </a:camera>
+                <a:lightRig rig="threePt" dir="t"/>
+              </a:scene3d>
+            </a:bodyPr>
+            <a:lstStyle/>
+            <a:p>
+              <a:pPr algn="ctr"/>
+              <a:r>
+                <a:rPr lang="en-US" altLang="ko-KR" sz="1400" dirty="0" smtClean="0">
+                  <a:solidFill>
+                    <a:schemeClr val="tx1"/>
+                  </a:solidFill>
+                </a:rPr>
+                <a:t>Shares </a:t>
+              </a:r>
+              <a:r>
+                <a:rPr lang="en-US" altLang="ko-KR" sz="1400" dirty="0" smtClean="0">
+                  <a:solidFill>
+                    <a:schemeClr val="tx1"/>
+                  </a:solidFill>
+                </a:rPr>
+                <a:t>common DB </a:t>
+              </a:r>
+              <a:r>
+                <a:rPr lang="en-US" altLang="ko-KR" sz="1400" dirty="0" smtClean="0">
+                  <a:solidFill>
+                    <a:schemeClr val="tx1"/>
+                  </a:solidFill>
+                </a:rPr>
+                <a:t>schema</a:t>
+              </a:r>
+            </a:p>
+            <a:p>
+              <a:pPr algn="ctr"/>
+              <a:r>
+                <a:rPr lang="en-US" altLang="ko-KR" sz="1400" dirty="0" smtClean="0">
+                  <a:solidFill>
+                    <a:schemeClr val="tx1"/>
+                  </a:solidFill>
+                </a:rPr>
+                <a:t>&amp;</a:t>
+              </a:r>
+            </a:p>
+            <a:p>
+              <a:pPr algn="ctr"/>
+              <a:r>
+                <a:rPr lang="en-US" altLang="ko-KR" sz="1400" dirty="0" smtClean="0">
+                  <a:solidFill>
+                    <a:schemeClr val="tx1"/>
+                  </a:solidFill>
+                </a:rPr>
+                <a:t>Shares SM-WS protocol</a:t>
+              </a:r>
+              <a:endParaRPr lang="ko-KR" altLang="en-US" sz="1400">
+                <a:solidFill>
+                  <a:schemeClr val="tx1"/>
+                </a:solidFill>
+              </a:endParaRPr>
+            </a:p>
+          </p:txBody>
+        </p:sp>
+        <p:cxnSp>
+          <p:nvCxnSpPr>
+            <p:cNvPr id="13" name="직선 연결선 12"/>
+            <p:cNvCxnSpPr>
+              <a:endCxn id="10" idx="1"/>
+            </p:cNvCxnSpPr>
+            <p:nvPr/>
+          </p:nvCxnSpPr>
+          <p:spPr>
+            <a:xfrm>
+              <a:off x="2537158" y="3502510"/>
+              <a:ext cx="959737" cy="122828"/>
+            </a:xfrm>
+            <a:prstGeom prst="line">
+              <a:avLst/>
+            </a:prstGeom>
+            <a:ln w="12700">
+              <a:solidFill>
+                <a:schemeClr val="tx1"/>
+              </a:solidFill>
+              <a:prstDash val="sysDot"/>
+              <a:headEnd type="oval"/>
+            </a:ln>
+          </p:spPr>
+          <p:style>
+            <a:lnRef idx="1">
+              <a:schemeClr val="accent1"/>
+            </a:lnRef>
+            <a:fillRef idx="0">
+              <a:schemeClr val="accent1"/>
+            </a:fillRef>
+            <a:effectRef idx="0">
+              <a:schemeClr val="accent1"/>
+            </a:effectRef>
+            <a:fontRef idx="minor">
+              <a:schemeClr val="tx1"/>
+            </a:fontRef>
+          </p:style>
+        </p:cxnSp>
+        <p:cxnSp>
+          <p:nvCxnSpPr>
+            <p:cNvPr id="15" name="직선 연결선 14"/>
+            <p:cNvCxnSpPr/>
+            <p:nvPr/>
+          </p:nvCxnSpPr>
+          <p:spPr>
+            <a:xfrm>
+              <a:off x="4756909" y="1716111"/>
+              <a:ext cx="1336354" cy="972806"/>
+            </a:xfrm>
+            <a:prstGeom prst="line">
+              <a:avLst/>
+            </a:prstGeom>
+            <a:ln w="12700">
+              <a:solidFill>
+                <a:schemeClr val="tx1"/>
+              </a:solidFill>
+              <a:prstDash val="sysDot"/>
+              <a:headEnd type="oval"/>
+            </a:ln>
+          </p:spPr>
+          <p:style>
+            <a:lnRef idx="1">
+              <a:schemeClr val="accent1"/>
+            </a:lnRef>
+            <a:fillRef idx="0">
+              <a:schemeClr val="accent1"/>
+            </a:fillRef>
+            <a:effectRef idx="0">
+              <a:schemeClr val="accent1"/>
+            </a:effectRef>
+            <a:fontRef idx="minor">
+              <a:schemeClr val="tx1"/>
+            </a:fontRef>
+          </p:style>
+        </p:cxnSp>
+        <p:sp>
+          <p:nvSpPr>
+            <p:cNvPr id="16" name="직사각형 15"/>
+            <p:cNvSpPr/>
+            <p:nvPr/>
+          </p:nvSpPr>
+          <p:spPr>
+            <a:xfrm>
+              <a:off x="3707025" y="4413826"/>
+              <a:ext cx="4200179" cy="1270826"/>
+            </a:xfrm>
+            <a:prstGeom prst="rect">
+              <a:avLst/>
+            </a:prstGeom>
+            <a:noFill/>
             <a:ln>
               <a:solidFill>
                 <a:schemeClr val="tx1"/>
@@ -3217,37 +3845,197 @@
             </a:p>
           </p:txBody>
         </p:sp>
-      </p:grpSp>
-      <p:grpSp>
-        <p:nvGrpSpPr>
-          <p:cNvPr id="25" name="그룹 24"/>
-          <p:cNvGrpSpPr/>
-          <p:nvPr/>
-        </p:nvGrpSpPr>
-        <p:grpSpPr>
-          <a:xfrm>
-            <a:off x="1024494" y="2881900"/>
-            <a:ext cx="1944000" cy="1440000"/>
-            <a:chOff x="969671" y="4516440"/>
-            <a:chExt cx="1944000" cy="1440000"/>
-          </a:xfrm>
-        </p:grpSpPr>
         <p:sp>
           <p:nvSpPr>
-            <p:cNvPr id="6" name="직사각형 5"/>
+            <p:cNvPr id="17" name="직사각형 16"/>
             <p:cNvSpPr/>
             <p:nvPr/>
           </p:nvSpPr>
           <p:spPr>
             <a:xfrm>
-              <a:off x="969671" y="4660440"/>
-              <a:ext cx="1944000" cy="1296000"/>
+              <a:off x="3713705" y="4439349"/>
+              <a:ext cx="1637800" cy="360000"/>
             </a:xfrm>
             <a:prstGeom prst="rect">
               <a:avLst/>
             </a:prstGeom>
+            <a:noFill/>
+            <a:ln>
+              <a:noFill/>
+            </a:ln>
+          </p:spPr>
+          <p:style>
+            <a:lnRef idx="2">
+              <a:schemeClr val="accent1">
+                <a:shade val="50000"/>
+              </a:schemeClr>
+            </a:lnRef>
+            <a:fillRef idx="1">
+              <a:schemeClr val="accent1"/>
+            </a:fillRef>
+            <a:effectRef idx="0">
+              <a:schemeClr val="accent1"/>
+            </a:effectRef>
+            <a:fontRef idx="minor">
+              <a:schemeClr val="lt1"/>
+            </a:fontRef>
+          </p:style>
+          <p:txBody>
+            <a:bodyPr lIns="144000" rtlCol="0" anchor="ctr"/>
+            <a:lstStyle/>
+            <a:p>
+              <a:r>
+                <a:rPr lang="en-US" altLang="ko-KR" sz="1400" b="1" i="1" u="sng" dirty="0" smtClean="0">
+                  <a:solidFill>
+                    <a:schemeClr val="tx1"/>
+                  </a:solidFill>
+                </a:rPr>
+                <a:t>Legend</a:t>
+              </a:r>
+              <a:endParaRPr lang="ko-KR" altLang="en-US" sz="1400" b="1" i="1" u="sng">
+                <a:solidFill>
+                  <a:schemeClr val="tx1"/>
+                </a:solidFill>
+              </a:endParaRPr>
+            </a:p>
+          </p:txBody>
+        </p:sp>
+        <p:grpSp>
+          <p:nvGrpSpPr>
+            <p:cNvPr id="19" name="그룹 18"/>
+            <p:cNvGrpSpPr/>
+            <p:nvPr/>
+          </p:nvGrpSpPr>
+          <p:grpSpPr>
+            <a:xfrm>
+              <a:off x="3906743" y="5271926"/>
+              <a:ext cx="336756" cy="263021"/>
+              <a:chOff x="5057814" y="590160"/>
+              <a:chExt cx="1944000" cy="1440000"/>
+            </a:xfrm>
+          </p:grpSpPr>
+          <p:sp>
+            <p:nvSpPr>
+              <p:cNvPr id="20" name="직사각형 19"/>
+              <p:cNvSpPr/>
+              <p:nvPr/>
+            </p:nvSpPr>
+            <p:spPr>
+              <a:xfrm>
+                <a:off x="5057814" y="734160"/>
+                <a:ext cx="1944000" cy="1296000"/>
+              </a:xfrm>
+              <a:prstGeom prst="rect">
+                <a:avLst/>
+              </a:prstGeom>
+              <a:solidFill>
+                <a:schemeClr val="bg1"/>
+              </a:solidFill>
+              <a:ln>
+                <a:solidFill>
+                  <a:schemeClr val="tx1"/>
+                </a:solidFill>
+              </a:ln>
+            </p:spPr>
+            <p:style>
+              <a:lnRef idx="2">
+                <a:schemeClr val="accent3">
+                  <a:shade val="50000"/>
+                </a:schemeClr>
+              </a:lnRef>
+              <a:fillRef idx="1">
+                <a:schemeClr val="accent3"/>
+              </a:fillRef>
+              <a:effectRef idx="0">
+                <a:schemeClr val="accent3"/>
+              </a:effectRef>
+              <a:fontRef idx="minor">
+                <a:schemeClr val="lt1"/>
+              </a:fontRef>
+            </p:style>
+            <p:txBody>
+              <a:bodyPr rtlCol="0" anchor="ctr"/>
+              <a:lstStyle/>
+              <a:p>
+                <a:pPr algn="ctr"/>
+                <a:endParaRPr lang="ko-KR" altLang="en-US" sz="1600" dirty="0">
+                  <a:solidFill>
+                    <a:schemeClr val="tx1"/>
+                  </a:solidFill>
+                </a:endParaRPr>
+              </a:p>
+            </p:txBody>
+          </p:sp>
+          <p:sp>
+            <p:nvSpPr>
+              <p:cNvPr id="21" name="사다리꼴 20"/>
+              <p:cNvSpPr/>
+              <p:nvPr/>
+            </p:nvSpPr>
+            <p:spPr>
+              <a:xfrm>
+                <a:off x="5057814" y="590160"/>
+                <a:ext cx="720000" cy="144000"/>
+              </a:xfrm>
+              <a:prstGeom prst="trapezoid">
+                <a:avLst>
+                  <a:gd name="adj" fmla="val 47951"/>
+                </a:avLst>
+              </a:prstGeom>
+              <a:solidFill>
+                <a:schemeClr val="bg1"/>
+              </a:solidFill>
+              <a:ln>
+                <a:solidFill>
+                  <a:schemeClr val="tx1"/>
+                </a:solidFill>
+              </a:ln>
+            </p:spPr>
+            <p:style>
+              <a:lnRef idx="2">
+                <a:schemeClr val="accent1">
+                  <a:shade val="50000"/>
+                </a:schemeClr>
+              </a:lnRef>
+              <a:fillRef idx="1">
+                <a:schemeClr val="accent1"/>
+              </a:fillRef>
+              <a:effectRef idx="0">
+                <a:schemeClr val="accent1"/>
+              </a:effectRef>
+              <a:fontRef idx="minor">
+                <a:schemeClr val="lt1"/>
+              </a:fontRef>
+            </p:style>
+            <p:txBody>
+              <a:bodyPr rtlCol="0" anchor="ctr"/>
+              <a:lstStyle/>
+              <a:p>
+                <a:pPr algn="ctr"/>
+                <a:endParaRPr lang="ko-KR" altLang="en-US"/>
+              </a:p>
+            </p:txBody>
+          </p:sp>
+        </p:grpSp>
+        <p:sp>
+          <p:nvSpPr>
+            <p:cNvPr id="22" name="모서리가 접힌 도형 21"/>
+            <p:cNvSpPr/>
+            <p:nvPr/>
+          </p:nvSpPr>
+          <p:spPr>
+            <a:xfrm>
+              <a:off x="6259763" y="4845608"/>
+              <a:ext cx="378377" cy="276614"/>
+            </a:xfrm>
+            <a:prstGeom prst="foldedCorner">
+              <a:avLst/>
+            </a:prstGeom>
             <a:solidFill>
-              <a:schemeClr val="bg1"/>
+              <a:schemeClr val="accent1">
+                <a:lumMod val="20000"/>
+                <a:lumOff val="80000"/>
+              </a:schemeClr>
             </a:solidFill>
             <a:ln>
               <a:solidFill>
@@ -3257,34 +4045,33 @@
           </p:spPr>
           <p:style>
             <a:lnRef idx="2">
-              <a:schemeClr val="accent3">
+              <a:schemeClr val="accent1">
                 <a:shade val="50000"/>
               </a:schemeClr>
             </a:lnRef>
             <a:fillRef idx="1">
-              <a:schemeClr val="accent3"/>
+              <a:schemeClr val="accent1"/>
             </a:fillRef>
             <a:effectRef idx="0">
-              <a:schemeClr val="accent3"/>
+              <a:schemeClr val="accent1"/>
             </a:effectRef>
             <a:fontRef idx="minor">
               <a:schemeClr val="lt1"/>
             </a:fontRef>
           </p:style>
           <p:txBody>
-            <a:bodyPr rtlCol="0" anchor="ctr"/>
+            <a:bodyPr rtlCol="0" anchor="ctr">
+              <a:scene3d>
+                <a:camera prst="orthographicFront">
+                  <a:rot lat="0" lon="0" rev="0"/>
+                </a:camera>
+                <a:lightRig rig="threePt" dir="t"/>
+              </a:scene3d>
+            </a:bodyPr>
             <a:lstStyle/>
             <a:p>
               <a:pPr algn="ctr"/>
-              <a:r>
-                <a:rPr lang="en-US" altLang="ko-KR" sz="1600" dirty="0" smtClean="0">
-                  <a:solidFill>
-                    <a:schemeClr val="tx1"/>
-                  </a:solidFill>
-                </a:rPr>
-                <a:t>Management Service</a:t>
-              </a:r>
-              <a:endParaRPr lang="ko-KR" altLang="en-US" sz="1600">
+              <a:endParaRPr lang="ko-KR" altLang="en-US" sz="1400" dirty="0">
                 <a:solidFill>
                   <a:schemeClr val="tx1"/>
                 </a:solidFill>
@@ -3294,23 +4081,19 @@
         </p:sp>
         <p:sp>
           <p:nvSpPr>
-            <p:cNvPr id="7" name="사다리꼴 6"/>
+            <p:cNvPr id="23" name="직사각형 22"/>
             <p:cNvSpPr/>
             <p:nvPr/>
           </p:nvSpPr>
           <p:spPr>
             <a:xfrm>
-              <a:off x="969671" y="4516440"/>
-              <a:ext cx="720000" cy="144000"/>
+              <a:off x="455787" y="570514"/>
+              <a:ext cx="7971521" cy="5393681"/>
             </a:xfrm>
-            <a:prstGeom prst="trapezoid">
-              <a:avLst>
-                <a:gd name="adj" fmla="val 47951"/>
-              </a:avLst>
+            <a:prstGeom prst="rect">
+              <a:avLst/>
             </a:prstGeom>
-            <a:solidFill>
-              <a:schemeClr val="bg1"/>
-            </a:solidFill>
+            <a:noFill/>
             <a:ln>
               <a:solidFill>
                 <a:schemeClr val="tx1"/>
@@ -3342,104 +4125,428 @@
             </a:p>
           </p:txBody>
         </p:sp>
-      </p:grpSp>
-      <p:grpSp>
-        <p:nvGrpSpPr>
-          <p:cNvPr id="26" name="그룹 25"/>
-          <p:cNvGrpSpPr/>
-          <p:nvPr/>
-        </p:nvGrpSpPr>
-        <p:grpSpPr>
-          <a:xfrm>
-            <a:off x="3646085" y="2881900"/>
-            <a:ext cx="1944000" cy="1440000"/>
-            <a:chOff x="4051117" y="4516440"/>
-            <a:chExt cx="1944000" cy="1440000"/>
-          </a:xfrm>
-        </p:grpSpPr>
+        <p:cxnSp>
+          <p:nvCxnSpPr>
+            <p:cNvPr id="30" name="직선 화살표 연결선 29"/>
+            <p:cNvCxnSpPr/>
+            <p:nvPr/>
+          </p:nvCxnSpPr>
+          <p:spPr>
+            <a:xfrm flipH="1">
+              <a:off x="2713342" y="1730256"/>
+              <a:ext cx="605615" cy="1423"/>
+            </a:xfrm>
+            <a:prstGeom prst="straightConnector1">
+              <a:avLst/>
+            </a:prstGeom>
+            <a:ln w="12700">
+              <a:prstDash val="dash"/>
+              <a:tailEnd type="triangle"/>
+            </a:ln>
+          </p:spPr>
+          <p:style>
+            <a:lnRef idx="1">
+              <a:schemeClr val="dk1"/>
+            </a:lnRef>
+            <a:fillRef idx="0">
+              <a:schemeClr val="dk1"/>
+            </a:fillRef>
+            <a:effectRef idx="0">
+              <a:schemeClr val="dk1"/>
+            </a:effectRef>
+            <a:fontRef idx="minor">
+              <a:schemeClr val="tx1"/>
+            </a:fontRef>
+          </p:style>
+        </p:cxnSp>
+        <p:cxnSp>
+          <p:nvCxnSpPr>
+            <p:cNvPr id="32" name="직선 화살표 연결선 31"/>
+            <p:cNvCxnSpPr/>
+            <p:nvPr/>
+          </p:nvCxnSpPr>
+          <p:spPr>
+            <a:xfrm flipH="1" flipV="1">
+              <a:off x="2439856" y="2285173"/>
+              <a:ext cx="6782" cy="466265"/>
+            </a:xfrm>
+            <a:prstGeom prst="straightConnector1">
+              <a:avLst/>
+            </a:prstGeom>
+            <a:ln w="12700">
+              <a:prstDash val="dash"/>
+              <a:tailEnd type="triangle"/>
+            </a:ln>
+          </p:spPr>
+          <p:style>
+            <a:lnRef idx="1">
+              <a:schemeClr val="dk1"/>
+            </a:lnRef>
+            <a:fillRef idx="0">
+              <a:schemeClr val="dk1"/>
+            </a:fillRef>
+            <a:effectRef idx="0">
+              <a:schemeClr val="dk1"/>
+            </a:effectRef>
+            <a:fontRef idx="minor">
+              <a:schemeClr val="tx1"/>
+            </a:fontRef>
+          </p:style>
+        </p:cxnSp>
+        <p:cxnSp>
+          <p:nvCxnSpPr>
+            <p:cNvPr id="36" name="직선 화살표 연결선 35"/>
+            <p:cNvCxnSpPr/>
+            <p:nvPr/>
+          </p:nvCxnSpPr>
+          <p:spPr>
+            <a:xfrm flipV="1">
+              <a:off x="5231314" y="5385722"/>
+              <a:ext cx="424168" cy="12201"/>
+            </a:xfrm>
+            <a:prstGeom prst="straightConnector1">
+              <a:avLst/>
+            </a:prstGeom>
+            <a:ln w="12700">
+              <a:prstDash val="dash"/>
+              <a:tailEnd type="triangle"/>
+            </a:ln>
+          </p:spPr>
+          <p:style>
+            <a:lnRef idx="1">
+              <a:schemeClr val="dk1"/>
+            </a:lnRef>
+            <a:fillRef idx="0">
+              <a:schemeClr val="dk1"/>
+            </a:fillRef>
+            <a:effectRef idx="0">
+              <a:schemeClr val="dk1"/>
+            </a:effectRef>
+            <a:fontRef idx="minor">
+              <a:schemeClr val="tx1"/>
+            </a:fontRef>
+          </p:style>
+        </p:cxnSp>
+        <p:grpSp>
+          <p:nvGrpSpPr>
+            <p:cNvPr id="31" name="그룹 30"/>
+            <p:cNvGrpSpPr/>
+            <p:nvPr/>
+          </p:nvGrpSpPr>
+          <p:grpSpPr>
+            <a:xfrm>
+              <a:off x="1207535" y="4350107"/>
+              <a:ext cx="1498913" cy="1148940"/>
+              <a:chOff x="969671" y="2167565"/>
+              <a:chExt cx="1944000" cy="1440000"/>
+            </a:xfrm>
+          </p:grpSpPr>
+          <p:sp>
+            <p:nvSpPr>
+              <p:cNvPr id="33" name="직사각형 32"/>
+              <p:cNvSpPr/>
+              <p:nvPr/>
+            </p:nvSpPr>
+            <p:spPr>
+              <a:xfrm>
+                <a:off x="969671" y="2311565"/>
+                <a:ext cx="1944000" cy="1296000"/>
+              </a:xfrm>
+              <a:prstGeom prst="rect">
+                <a:avLst/>
+              </a:prstGeom>
+              <a:solidFill>
+                <a:schemeClr val="bg1"/>
+              </a:solidFill>
+              <a:ln>
+                <a:solidFill>
+                  <a:schemeClr val="tx1"/>
+                </a:solidFill>
+              </a:ln>
+            </p:spPr>
+            <p:style>
+              <a:lnRef idx="2">
+                <a:schemeClr val="accent3">
+                  <a:shade val="50000"/>
+                </a:schemeClr>
+              </a:lnRef>
+              <a:fillRef idx="1">
+                <a:schemeClr val="accent3"/>
+              </a:fillRef>
+              <a:effectRef idx="0">
+                <a:schemeClr val="accent3"/>
+              </a:effectRef>
+              <a:fontRef idx="minor">
+                <a:schemeClr val="lt1"/>
+              </a:fontRef>
+            </p:style>
+            <p:txBody>
+              <a:bodyPr rtlCol="0" anchor="ctr"/>
+              <a:lstStyle/>
+              <a:p>
+                <a:pPr algn="ctr"/>
+                <a:r>
+                  <a:rPr lang="en-US" altLang="ko-KR" sz="1600" dirty="0">
+                    <a:solidFill>
+                      <a:schemeClr val="tx1"/>
+                    </a:solidFill>
+                  </a:rPr>
+                  <a:t>Facility Controller</a:t>
+                </a:r>
+                <a:endParaRPr lang="ko-KR" altLang="en-US" sz="1600">
+                  <a:solidFill>
+                    <a:schemeClr val="tx1"/>
+                  </a:solidFill>
+                </a:endParaRPr>
+              </a:p>
+            </p:txBody>
+          </p:sp>
+          <p:sp>
+            <p:nvSpPr>
+              <p:cNvPr id="34" name="사다리꼴 33"/>
+              <p:cNvSpPr/>
+              <p:nvPr/>
+            </p:nvSpPr>
+            <p:spPr>
+              <a:xfrm>
+                <a:off x="969671" y="2167565"/>
+                <a:ext cx="720000" cy="144000"/>
+              </a:xfrm>
+              <a:prstGeom prst="trapezoid">
+                <a:avLst>
+                  <a:gd name="adj" fmla="val 47951"/>
+                </a:avLst>
+              </a:prstGeom>
+              <a:solidFill>
+                <a:schemeClr val="bg1"/>
+              </a:solidFill>
+              <a:ln>
+                <a:solidFill>
+                  <a:schemeClr val="tx1"/>
+                </a:solidFill>
+              </a:ln>
+            </p:spPr>
+            <p:style>
+              <a:lnRef idx="2">
+                <a:schemeClr val="accent1">
+                  <a:shade val="50000"/>
+                </a:schemeClr>
+              </a:lnRef>
+              <a:fillRef idx="1">
+                <a:schemeClr val="accent1"/>
+              </a:fillRef>
+              <a:effectRef idx="0">
+                <a:schemeClr val="accent1"/>
+              </a:effectRef>
+              <a:fontRef idx="minor">
+                <a:schemeClr val="lt1"/>
+              </a:fontRef>
+            </p:style>
+            <p:txBody>
+              <a:bodyPr rtlCol="0" anchor="ctr"/>
+              <a:lstStyle/>
+              <a:p>
+                <a:pPr algn="ctr"/>
+                <a:endParaRPr lang="ko-KR" altLang="en-US"/>
+              </a:p>
+            </p:txBody>
+          </p:sp>
+        </p:grpSp>
+        <p:grpSp>
+          <p:nvGrpSpPr>
+            <p:cNvPr id="39" name="그룹 38"/>
+            <p:cNvGrpSpPr/>
+            <p:nvPr/>
+          </p:nvGrpSpPr>
+          <p:grpSpPr>
+            <a:xfrm>
+              <a:off x="5816789" y="1225827"/>
+              <a:ext cx="1492962" cy="1071945"/>
+              <a:chOff x="969671" y="2167565"/>
+              <a:chExt cx="1944000" cy="1440000"/>
+            </a:xfrm>
+          </p:grpSpPr>
+          <p:sp>
+            <p:nvSpPr>
+              <p:cNvPr id="40" name="직사각형 39"/>
+              <p:cNvSpPr/>
+              <p:nvPr/>
+            </p:nvSpPr>
+            <p:spPr>
+              <a:xfrm>
+                <a:off x="969671" y="2311565"/>
+                <a:ext cx="1944000" cy="1296000"/>
+              </a:xfrm>
+              <a:prstGeom prst="rect">
+                <a:avLst/>
+              </a:prstGeom>
+              <a:solidFill>
+                <a:schemeClr val="bg1"/>
+              </a:solidFill>
+              <a:ln>
+                <a:solidFill>
+                  <a:schemeClr val="tx1"/>
+                </a:solidFill>
+              </a:ln>
+            </p:spPr>
+            <p:style>
+              <a:lnRef idx="2">
+                <a:schemeClr val="accent3">
+                  <a:shade val="50000"/>
+                </a:schemeClr>
+              </a:lnRef>
+              <a:fillRef idx="1">
+                <a:schemeClr val="accent3"/>
+              </a:fillRef>
+              <a:effectRef idx="0">
+                <a:schemeClr val="accent3"/>
+              </a:effectRef>
+              <a:fontRef idx="minor">
+                <a:schemeClr val="lt1"/>
+              </a:fontRef>
+            </p:style>
+            <p:txBody>
+              <a:bodyPr rtlCol="0" anchor="ctr"/>
+              <a:lstStyle/>
+              <a:p>
+                <a:pPr algn="ctr"/>
+                <a:r>
+                  <a:rPr lang="en-US" altLang="ko-KR" sz="1600" dirty="0" smtClean="0">
+                    <a:solidFill>
+                      <a:schemeClr val="tx1"/>
+                    </a:solidFill>
+                  </a:rPr>
+                  <a:t>Web</a:t>
+                </a:r>
+              </a:p>
+              <a:p>
+                <a:pPr algn="ctr"/>
+                <a:r>
+                  <a:rPr lang="en-US" altLang="ko-KR" sz="1600" dirty="0" smtClean="0">
+                    <a:solidFill>
+                      <a:schemeClr val="tx1"/>
+                    </a:solidFill>
+                  </a:rPr>
+                  <a:t>Service</a:t>
+                </a:r>
+                <a:endParaRPr lang="ko-KR" altLang="en-US" sz="1600">
+                  <a:solidFill>
+                    <a:schemeClr val="tx1"/>
+                  </a:solidFill>
+                </a:endParaRPr>
+              </a:p>
+            </p:txBody>
+          </p:sp>
+          <p:sp>
+            <p:nvSpPr>
+              <p:cNvPr id="41" name="사다리꼴 40"/>
+              <p:cNvSpPr/>
+              <p:nvPr/>
+            </p:nvSpPr>
+            <p:spPr>
+              <a:xfrm>
+                <a:off x="969671" y="2167565"/>
+                <a:ext cx="720000" cy="144000"/>
+              </a:xfrm>
+              <a:prstGeom prst="trapezoid">
+                <a:avLst>
+                  <a:gd name="adj" fmla="val 47951"/>
+                </a:avLst>
+              </a:prstGeom>
+              <a:solidFill>
+                <a:schemeClr val="bg1"/>
+              </a:solidFill>
+              <a:ln>
+                <a:solidFill>
+                  <a:schemeClr val="tx1"/>
+                </a:solidFill>
+              </a:ln>
+            </p:spPr>
+            <p:style>
+              <a:lnRef idx="2">
+                <a:schemeClr val="accent1">
+                  <a:shade val="50000"/>
+                </a:schemeClr>
+              </a:lnRef>
+              <a:fillRef idx="1">
+                <a:schemeClr val="accent1"/>
+              </a:fillRef>
+              <a:effectRef idx="0">
+                <a:schemeClr val="accent1"/>
+              </a:effectRef>
+              <a:fontRef idx="minor">
+                <a:schemeClr val="lt1"/>
+              </a:fontRef>
+            </p:style>
+            <p:txBody>
+              <a:bodyPr rtlCol="0" anchor="ctr"/>
+              <a:lstStyle/>
+              <a:p>
+                <a:pPr algn="ctr"/>
+                <a:endParaRPr lang="ko-KR" altLang="en-US"/>
+              </a:p>
+            </p:txBody>
+          </p:sp>
+        </p:grpSp>
+        <p:cxnSp>
+          <p:nvCxnSpPr>
+            <p:cNvPr id="44" name="직선 연결선 43"/>
+            <p:cNvCxnSpPr>
+              <a:endCxn id="10" idx="1"/>
+            </p:cNvCxnSpPr>
+            <p:nvPr/>
+          </p:nvCxnSpPr>
+          <p:spPr>
+            <a:xfrm flipV="1">
+              <a:off x="2446638" y="3625338"/>
+              <a:ext cx="1050257" cy="1299239"/>
+            </a:xfrm>
+            <a:prstGeom prst="line">
+              <a:avLst/>
+            </a:prstGeom>
+            <a:ln w="12700">
+              <a:solidFill>
+                <a:schemeClr val="tx1"/>
+              </a:solidFill>
+              <a:prstDash val="sysDot"/>
+              <a:headEnd type="oval"/>
+            </a:ln>
+          </p:spPr>
+          <p:style>
+            <a:lnRef idx="1">
+              <a:schemeClr val="accent1"/>
+            </a:lnRef>
+            <a:fillRef idx="0">
+              <a:schemeClr val="accent1"/>
+            </a:fillRef>
+            <a:effectRef idx="0">
+              <a:schemeClr val="accent1"/>
+            </a:effectRef>
+            <a:fontRef idx="minor">
+              <a:schemeClr val="tx1"/>
+            </a:fontRef>
+          </p:style>
+        </p:cxnSp>
         <p:sp>
           <p:nvSpPr>
-            <p:cNvPr id="8" name="직사각형 7"/>
+            <p:cNvPr id="48" name="직사각형 47"/>
             <p:cNvSpPr/>
             <p:nvPr/>
           </p:nvSpPr>
           <p:spPr>
             <a:xfrm>
-              <a:off x="4051117" y="4660440"/>
-              <a:ext cx="1944000" cy="1296000"/>
+              <a:off x="3890483" y="4845608"/>
+              <a:ext cx="353016" cy="276614"/>
             </a:xfrm>
             <a:prstGeom prst="rect">
               <a:avLst/>
             </a:prstGeom>
-            <a:solidFill>
-              <a:schemeClr val="bg1"/>
-            </a:solidFill>
-            <a:ln>
+            <a:noFill/>
+            <a:ln w="25400">
               <a:solidFill>
-                <a:schemeClr val="tx1"/>
+                <a:srgbClr val="FF0000"/>
               </a:solidFill>
-            </a:ln>
-          </p:spPr>
-          <p:style>
-            <a:lnRef idx="2">
-              <a:schemeClr val="accent3">
-                <a:shade val="50000"/>
-              </a:schemeClr>
-            </a:lnRef>
-            <a:fillRef idx="1">
-              <a:schemeClr val="accent3"/>
-            </a:fillRef>
-            <a:effectRef idx="0">
-              <a:schemeClr val="accent3"/>
-            </a:effectRef>
-            <a:fontRef idx="minor">
-              <a:schemeClr val="lt1"/>
-            </a:fontRef>
-          </p:style>
-          <p:txBody>
-            <a:bodyPr rtlCol="0" anchor="ctr"/>
-            <a:lstStyle/>
-            <a:p>
-              <a:pPr algn="ctr"/>
-              <a:r>
-                <a:rPr lang="en-US" altLang="ko-KR" sz="1600" dirty="0" smtClean="0">
-                  <a:solidFill>
-                    <a:schemeClr val="tx1"/>
-                  </a:solidFill>
-                </a:rPr>
-                <a:t>Control Service</a:t>
-              </a:r>
-              <a:endParaRPr lang="ko-KR" altLang="en-US" sz="1600">
-                <a:solidFill>
-                  <a:schemeClr val="tx1"/>
-                </a:solidFill>
-              </a:endParaRPr>
-            </a:p>
-          </p:txBody>
-        </p:sp>
-        <p:sp>
-          <p:nvSpPr>
-            <p:cNvPr id="9" name="사다리꼴 8"/>
-            <p:cNvSpPr/>
-            <p:nvPr/>
-          </p:nvSpPr>
-          <p:spPr>
-            <a:xfrm>
-              <a:off x="4051117" y="4516440"/>
-              <a:ext cx="720000" cy="144000"/>
-            </a:xfrm>
-            <a:prstGeom prst="trapezoid">
-              <a:avLst>
-                <a:gd name="adj" fmla="val 47951"/>
-              </a:avLst>
-            </a:prstGeom>
-            <a:solidFill>
-              <a:schemeClr val="bg1"/>
-            </a:solidFill>
-            <a:ln>
-              <a:solidFill>
-                <a:schemeClr val="tx1"/>
-              </a:solidFill>
+              <a:prstDash val="sysDash"/>
             </a:ln>
           </p:spPr>
           <p:style>
@@ -3467,745 +4574,202 @@
             </a:p>
           </p:txBody>
         </p:sp>
-      </p:grpSp>
-      <p:sp>
-        <p:nvSpPr>
-          <p:cNvPr id="10" name="모서리가 접힌 도형 9"/>
-          <p:cNvSpPr/>
-          <p:nvPr/>
-        </p:nvSpPr>
-        <p:spPr>
-          <a:xfrm>
-            <a:off x="4438085" y="4730902"/>
-            <a:ext cx="1152000" cy="1296000"/>
-          </a:xfrm>
-          <a:prstGeom prst="foldedCorner">
-            <a:avLst/>
-          </a:prstGeom>
-          <a:solidFill>
-            <a:schemeClr val="accent1">
-              <a:lumMod val="20000"/>
-              <a:lumOff val="80000"/>
-            </a:schemeClr>
-          </a:solidFill>
-          <a:ln>
-            <a:solidFill>
-              <a:schemeClr val="tx1"/>
-            </a:solidFill>
-          </a:ln>
-        </p:spPr>
-        <p:style>
-          <a:lnRef idx="2">
-            <a:schemeClr val="accent1">
-              <a:shade val="50000"/>
-            </a:schemeClr>
-          </a:lnRef>
-          <a:fillRef idx="1">
-            <a:schemeClr val="accent1"/>
-          </a:fillRef>
-          <a:effectRef idx="0">
-            <a:schemeClr val="accent1"/>
-          </a:effectRef>
-          <a:fontRef idx="minor">
-            <a:schemeClr val="lt1"/>
-          </a:fontRef>
-        </p:style>
-        <p:txBody>
-          <a:bodyPr rtlCol="0" anchor="ctr">
-            <a:scene3d>
-              <a:camera prst="orthographicFront">
-                <a:rot lat="0" lon="0" rev="0"/>
-              </a:camera>
-              <a:lightRig rig="threePt" dir="t"/>
-            </a:scene3d>
-          </a:bodyPr>
-          <a:lstStyle/>
-          <a:p>
-            <a:pPr algn="ctr"/>
-            <a:r>
-              <a:rPr lang="en-US" altLang="ko-KR" sz="1400" dirty="0" smtClean="0">
-                <a:solidFill>
-                  <a:schemeClr val="tx1"/>
-                </a:solidFill>
-              </a:rPr>
-              <a:t>Needs to shares common protocol</a:t>
-            </a:r>
-            <a:endParaRPr lang="ko-KR" altLang="en-US" sz="1400">
-              <a:solidFill>
-                <a:schemeClr val="tx1"/>
-              </a:solidFill>
-            </a:endParaRPr>
-          </a:p>
-        </p:txBody>
-      </p:sp>
-      <p:sp>
-        <p:nvSpPr>
-          <p:cNvPr id="11" name="모서리가 접힌 도형 10"/>
-          <p:cNvSpPr/>
-          <p:nvPr/>
-        </p:nvSpPr>
-        <p:spPr>
-          <a:xfrm>
-            <a:off x="1655880" y="4730902"/>
-            <a:ext cx="1152000" cy="1296000"/>
-          </a:xfrm>
-          <a:prstGeom prst="foldedCorner">
-            <a:avLst/>
-          </a:prstGeom>
-          <a:solidFill>
-            <a:schemeClr val="accent1">
-              <a:lumMod val="20000"/>
-              <a:lumOff val="80000"/>
-            </a:schemeClr>
-          </a:solidFill>
-          <a:ln>
-            <a:solidFill>
-              <a:schemeClr val="tx1"/>
-            </a:solidFill>
-          </a:ln>
-        </p:spPr>
-        <p:style>
-          <a:lnRef idx="2">
-            <a:schemeClr val="accent1">
-              <a:shade val="50000"/>
-            </a:schemeClr>
-          </a:lnRef>
-          <a:fillRef idx="1">
-            <a:schemeClr val="accent1"/>
-          </a:fillRef>
-          <a:effectRef idx="0">
-            <a:schemeClr val="accent1"/>
-          </a:effectRef>
-          <a:fontRef idx="minor">
-            <a:schemeClr val="lt1"/>
-          </a:fontRef>
-        </p:style>
-        <p:txBody>
-          <a:bodyPr rtlCol="0" anchor="ctr">
-            <a:scene3d>
-              <a:camera prst="orthographicFront">
-                <a:rot lat="0" lon="0" rev="0"/>
-              </a:camera>
-              <a:lightRig rig="threePt" dir="t"/>
-            </a:scene3d>
-          </a:bodyPr>
-          <a:lstStyle/>
-          <a:p>
-            <a:pPr algn="ctr"/>
-            <a:r>
-              <a:rPr lang="en-US" altLang="ko-KR" sz="1400" dirty="0" smtClean="0">
-                <a:solidFill>
-                  <a:schemeClr val="tx1"/>
-                </a:solidFill>
-              </a:rPr>
-              <a:t>Needs to shares common DB schema</a:t>
-            </a:r>
-            <a:endParaRPr lang="ko-KR" altLang="en-US" sz="1400">
-              <a:solidFill>
-                <a:schemeClr val="tx1"/>
-              </a:solidFill>
-            </a:endParaRPr>
-          </a:p>
-        </p:txBody>
-      </p:sp>
-      <p:cxnSp>
-        <p:nvCxnSpPr>
-          <p:cNvPr id="13" name="직선 연결선 12"/>
-          <p:cNvCxnSpPr>
-            <a:endCxn id="10" idx="0"/>
-          </p:cNvCxnSpPr>
-          <p:nvPr/>
-        </p:nvCxnSpPr>
-        <p:spPr>
-          <a:xfrm>
-            <a:off x="4865995" y="4042601"/>
-            <a:ext cx="148090" cy="688301"/>
-          </a:xfrm>
-          <a:prstGeom prst="line">
-            <a:avLst/>
-          </a:prstGeom>
-          <a:ln w="12700">
-            <a:solidFill>
-              <a:schemeClr val="tx1"/>
-            </a:solidFill>
-            <a:prstDash val="sysDot"/>
-            <a:headEnd type="oval"/>
-          </a:ln>
-        </p:spPr>
-        <p:style>
-          <a:lnRef idx="1">
-            <a:schemeClr val="accent1"/>
-          </a:lnRef>
-          <a:fillRef idx="0">
-            <a:schemeClr val="accent1"/>
-          </a:fillRef>
-          <a:effectRef idx="0">
-            <a:schemeClr val="accent1"/>
-          </a:effectRef>
-          <a:fontRef idx="minor">
-            <a:schemeClr val="tx1"/>
-          </a:fontRef>
-        </p:style>
-      </p:cxnSp>
-      <p:cxnSp>
-        <p:nvCxnSpPr>
-          <p:cNvPr id="15" name="직선 연결선 14"/>
-          <p:cNvCxnSpPr>
-            <a:endCxn id="11" idx="0"/>
-          </p:cNvCxnSpPr>
-          <p:nvPr/>
-        </p:nvCxnSpPr>
-        <p:spPr>
-          <a:xfrm>
-            <a:off x="2183148" y="4006985"/>
-            <a:ext cx="48732" cy="723917"/>
-          </a:xfrm>
-          <a:prstGeom prst="line">
-            <a:avLst/>
-          </a:prstGeom>
-          <a:ln w="12700">
-            <a:solidFill>
-              <a:schemeClr val="tx1"/>
-            </a:solidFill>
-            <a:prstDash val="sysDot"/>
-            <a:headEnd type="oval"/>
-          </a:ln>
-        </p:spPr>
-        <p:style>
-          <a:lnRef idx="1">
-            <a:schemeClr val="accent1"/>
-          </a:lnRef>
-          <a:fillRef idx="0">
-            <a:schemeClr val="accent1"/>
-          </a:fillRef>
-          <a:effectRef idx="0">
-            <a:schemeClr val="accent1"/>
-          </a:effectRef>
-          <a:fontRef idx="minor">
-            <a:schemeClr val="tx1"/>
-          </a:fontRef>
-        </p:style>
-      </p:cxnSp>
-      <p:sp>
-        <p:nvSpPr>
-          <p:cNvPr id="16" name="직사각형 15"/>
-          <p:cNvSpPr/>
-          <p:nvPr/>
-        </p:nvSpPr>
-        <p:spPr>
-          <a:xfrm>
-            <a:off x="6171424" y="989538"/>
-            <a:ext cx="1637800" cy="2067609"/>
-          </a:xfrm>
-          <a:prstGeom prst="rect">
-            <a:avLst/>
-          </a:prstGeom>
-          <a:noFill/>
-          <a:ln>
-            <a:solidFill>
-              <a:schemeClr val="tx1"/>
-            </a:solidFill>
-          </a:ln>
-        </p:spPr>
-        <p:style>
-          <a:lnRef idx="2">
-            <a:schemeClr val="accent1">
-              <a:shade val="50000"/>
-            </a:schemeClr>
-          </a:lnRef>
-          <a:fillRef idx="1">
-            <a:schemeClr val="accent1"/>
-          </a:fillRef>
-          <a:effectRef idx="0">
-            <a:schemeClr val="accent1"/>
-          </a:effectRef>
-          <a:fontRef idx="minor">
-            <a:schemeClr val="lt1"/>
-          </a:fontRef>
-        </p:style>
-        <p:txBody>
-          <a:bodyPr rtlCol="0" anchor="ctr"/>
-          <a:lstStyle/>
-          <a:p>
-            <a:pPr algn="ctr"/>
-            <a:endParaRPr lang="ko-KR" altLang="en-US"/>
-          </a:p>
-        </p:txBody>
-      </p:sp>
-      <p:sp>
-        <p:nvSpPr>
-          <p:cNvPr id="17" name="직사각형 16"/>
-          <p:cNvSpPr/>
-          <p:nvPr/>
-        </p:nvSpPr>
-        <p:spPr>
-          <a:xfrm>
-            <a:off x="6171424" y="1033194"/>
-            <a:ext cx="1637800" cy="360000"/>
-          </a:xfrm>
-          <a:prstGeom prst="rect">
-            <a:avLst/>
-          </a:prstGeom>
-          <a:noFill/>
-          <a:ln>
-            <a:noFill/>
-          </a:ln>
-        </p:spPr>
-        <p:style>
-          <a:lnRef idx="2">
-            <a:schemeClr val="accent1">
-              <a:shade val="50000"/>
-            </a:schemeClr>
-          </a:lnRef>
-          <a:fillRef idx="1">
-            <a:schemeClr val="accent1"/>
-          </a:fillRef>
-          <a:effectRef idx="0">
-            <a:schemeClr val="accent1"/>
-          </a:effectRef>
-          <a:fontRef idx="minor">
-            <a:schemeClr val="lt1"/>
-          </a:fontRef>
-        </p:style>
-        <p:txBody>
-          <a:bodyPr lIns="144000" rtlCol="0" anchor="ctr"/>
-          <a:lstStyle/>
-          <a:p>
-            <a:r>
-              <a:rPr lang="en-US" altLang="ko-KR" sz="1400" b="1" i="1" u="sng" dirty="0" smtClean="0">
-                <a:solidFill>
-                  <a:schemeClr val="tx1"/>
-                </a:solidFill>
-              </a:rPr>
-              <a:t>Legend</a:t>
-            </a:r>
-            <a:endParaRPr lang="ko-KR" altLang="en-US" sz="1400" b="1" i="1" u="sng">
-              <a:solidFill>
-                <a:schemeClr val="tx1"/>
-              </a:solidFill>
-            </a:endParaRPr>
-          </a:p>
-        </p:txBody>
-      </p:sp>
-      <p:graphicFrame>
-        <p:nvGraphicFramePr>
-          <p:cNvPr id="18" name="표 17"/>
-          <p:cNvGraphicFramePr>
-            <a:graphicFrameLocks noGrp="1"/>
-          </p:cNvGraphicFramePr>
-          <p:nvPr>
-            <p:extLst>
-              <p:ext uri="{D42A27DB-BD31-4B8C-83A1-F6EECF244321}">
-                <p14:modId xmlns:p14="http://schemas.microsoft.com/office/powerpoint/2010/main" val="3668799010"/>
-              </p:ext>
-            </p:extLst>
-          </p:nvPr>
-        </p:nvGraphicFramePr>
-        <p:xfrm>
-          <a:off x="6903972" y="1395594"/>
-          <a:ext cx="900402" cy="1517554"/>
-        </p:xfrm>
-        <a:graphic>
-          <a:graphicData uri="http://schemas.openxmlformats.org/drawingml/2006/table">
-            <a:tbl>
-              <a:tblPr firstRow="1" bandRow="1">
-                <a:tableStyleId>{2D5ABB26-0587-4C30-8999-92F81FD0307C}</a:tableStyleId>
-              </a:tblPr>
-              <a:tblGrid>
-                <a:gridCol w="900402"/>
-              </a:tblGrid>
-              <a:tr h="758777">
-                <a:tc>
-                  <a:txBody>
-                    <a:bodyPr/>
-                    <a:lstStyle/>
-                    <a:p>
-                      <a:pPr algn="l" latinLnBrk="1"/>
-                      <a:r>
-                        <a:rPr lang="en-US" altLang="ko-KR" sz="1400" dirty="0" smtClean="0">
-                          <a:latin typeface="+mn-lt"/>
-                        </a:rPr>
-                        <a:t>Package</a:t>
-                      </a:r>
-                      <a:endParaRPr lang="ko-KR" altLang="en-US" sz="1400" dirty="0">
-                        <a:latin typeface="+mn-lt"/>
-                      </a:endParaRPr>
-                    </a:p>
-                  </a:txBody>
-                  <a:tcPr anchor="ctr"/>
-                </a:tc>
-              </a:tr>
-              <a:tr h="758777">
-                <a:tc>
-                  <a:txBody>
-                    <a:bodyPr/>
-                    <a:lstStyle/>
-                    <a:p>
-                      <a:pPr algn="l" latinLnBrk="1"/>
-                      <a:r>
-                        <a:rPr lang="en-US" altLang="ko-KR" sz="1400" dirty="0" smtClean="0">
-                          <a:latin typeface="+mn-lt"/>
-                        </a:rPr>
-                        <a:t>Note</a:t>
-                      </a:r>
-                    </a:p>
-                    <a:p>
-                      <a:pPr algn="l" latinLnBrk="1"/>
-                      <a:endParaRPr lang="en-US" altLang="ko-KR" sz="1400" dirty="0" smtClean="0">
-                        <a:latin typeface="+mn-lt"/>
-                      </a:endParaRPr>
-                    </a:p>
-                    <a:p>
-                      <a:pPr algn="l" latinLnBrk="1"/>
-                      <a:r>
-                        <a:rPr lang="en-US" altLang="ko-KR" sz="1400" dirty="0" smtClean="0">
-                          <a:latin typeface="+mn-lt"/>
-                        </a:rPr>
-                        <a:t>Uses</a:t>
-                      </a:r>
-                      <a:endParaRPr lang="ko-KR" altLang="en-US" sz="1400">
-                        <a:latin typeface="+mn-lt"/>
-                      </a:endParaRPr>
-                    </a:p>
-                  </a:txBody>
-                  <a:tcPr anchor="ctr"/>
-                </a:tc>
-              </a:tr>
-            </a:tbl>
-          </a:graphicData>
-        </a:graphic>
-      </p:graphicFrame>
-      <p:grpSp>
-        <p:nvGrpSpPr>
-          <p:cNvPr id="19" name="그룹 18"/>
-          <p:cNvGrpSpPr/>
-          <p:nvPr/>
-        </p:nvGrpSpPr>
-        <p:grpSpPr>
-          <a:xfrm>
-            <a:off x="6332333" y="1469225"/>
-            <a:ext cx="442635" cy="361564"/>
-            <a:chOff x="5057814" y="590160"/>
-            <a:chExt cx="1944000" cy="1440000"/>
-          </a:xfrm>
-        </p:grpSpPr>
         <p:sp>
           <p:nvSpPr>
-            <p:cNvPr id="20" name="직사각형 19"/>
-            <p:cNvSpPr/>
+            <p:cNvPr id="50" name="TextBox 49"/>
+            <p:cNvSpPr txBox="1"/>
             <p:nvPr/>
           </p:nvSpPr>
           <p:spPr>
             <a:xfrm>
-              <a:off x="5057814" y="734160"/>
-              <a:ext cx="1944000" cy="1296000"/>
+              <a:off x="4277795" y="4849585"/>
+              <a:ext cx="1981968" cy="261610"/>
             </a:xfrm>
             <a:prstGeom prst="rect">
               <a:avLst/>
             </a:prstGeom>
-            <a:solidFill>
-              <a:schemeClr val="bg1"/>
-            </a:solidFill>
-            <a:ln>
-              <a:solidFill>
-                <a:schemeClr val="tx1"/>
-              </a:solidFill>
-            </a:ln>
+            <a:noFill/>
           </p:spPr>
-          <p:style>
-            <a:lnRef idx="2">
-              <a:schemeClr val="accent3">
-                <a:shade val="50000"/>
-              </a:schemeClr>
-            </a:lnRef>
-            <a:fillRef idx="1">
-              <a:schemeClr val="accent3"/>
-            </a:fillRef>
-            <a:effectRef idx="0">
-              <a:schemeClr val="accent3"/>
-            </a:effectRef>
-            <a:fontRef idx="minor">
-              <a:schemeClr val="lt1"/>
-            </a:fontRef>
-          </p:style>
           <p:txBody>
-            <a:bodyPr rtlCol="0" anchor="ctr"/>
+            <a:bodyPr wrap="square" rtlCol="0">
+              <a:spAutoFit/>
+            </a:bodyPr>
             <a:lstStyle/>
             <a:p>
-              <a:pPr algn="ctr"/>
-              <a:endParaRPr lang="ko-KR" altLang="en-US" sz="1600" dirty="0">
-                <a:solidFill>
-                  <a:schemeClr val="tx1"/>
-                </a:solidFill>
-              </a:endParaRPr>
+              <a:r>
+                <a:rPr lang="en-US" altLang="ko-KR" sz="1100" dirty="0" err="1" smtClean="0"/>
+                <a:t>SurePark</a:t>
+              </a:r>
+              <a:r>
+                <a:rPr lang="en-US" altLang="ko-KR" sz="1100" dirty="0" smtClean="0"/>
+                <a:t> Manager Boundary</a:t>
+              </a:r>
+              <a:endParaRPr lang="ko-KR" altLang="en-US" sz="1100"/>
             </a:p>
           </p:txBody>
         </p:sp>
         <p:sp>
           <p:nvSpPr>
-            <p:cNvPr id="21" name="사다리꼴 20"/>
-            <p:cNvSpPr/>
+            <p:cNvPr id="51" name="TextBox 50"/>
+            <p:cNvSpPr txBox="1"/>
             <p:nvPr/>
           </p:nvSpPr>
           <p:spPr>
             <a:xfrm>
-              <a:off x="5057814" y="590160"/>
-              <a:ext cx="720000" cy="144000"/>
+              <a:off x="4360521" y="5267118"/>
+              <a:ext cx="769931" cy="261610"/>
             </a:xfrm>
-            <a:prstGeom prst="trapezoid">
-              <a:avLst>
-                <a:gd name="adj" fmla="val 47951"/>
-              </a:avLst>
+            <a:prstGeom prst="rect">
+              <a:avLst/>
             </a:prstGeom>
-            <a:solidFill>
-              <a:schemeClr val="bg1"/>
-            </a:solidFill>
-            <a:ln>
+            <a:noFill/>
+          </p:spPr>
+          <p:txBody>
+            <a:bodyPr wrap="square" rtlCol="0">
+              <a:spAutoFit/>
+            </a:bodyPr>
+            <a:lstStyle/>
+            <a:p>
+              <a:r>
+                <a:rPr lang="en-US" altLang="ko-KR" sz="1100" dirty="0" smtClean="0"/>
+                <a:t>Package</a:t>
+              </a:r>
+              <a:endParaRPr lang="ko-KR" altLang="en-US" sz="1100"/>
+            </a:p>
+          </p:txBody>
+        </p:sp>
+        <p:sp>
+          <p:nvSpPr>
+            <p:cNvPr id="52" name="TextBox 51"/>
+            <p:cNvSpPr txBox="1"/>
+            <p:nvPr/>
+          </p:nvSpPr>
+          <p:spPr>
+            <a:xfrm>
+              <a:off x="6653683" y="4845608"/>
+              <a:ext cx="769931" cy="261610"/>
+            </a:xfrm>
+            <a:prstGeom prst="rect">
+              <a:avLst/>
+            </a:prstGeom>
+            <a:noFill/>
+          </p:spPr>
+          <p:txBody>
+            <a:bodyPr wrap="square" rtlCol="0">
+              <a:spAutoFit/>
+            </a:bodyPr>
+            <a:lstStyle/>
+            <a:p>
+              <a:r>
+                <a:rPr lang="en-US" altLang="ko-KR" sz="1100" dirty="0" smtClean="0"/>
+                <a:t>Note</a:t>
+              </a:r>
+              <a:endParaRPr lang="ko-KR" altLang="en-US" sz="1100"/>
+            </a:p>
+          </p:txBody>
+        </p:sp>
+        <p:sp>
+          <p:nvSpPr>
+            <p:cNvPr id="53" name="TextBox 52"/>
+            <p:cNvSpPr txBox="1"/>
+            <p:nvPr/>
+          </p:nvSpPr>
+          <p:spPr>
+            <a:xfrm>
+              <a:off x="5690386" y="5269619"/>
+              <a:ext cx="474691" cy="261610"/>
+            </a:xfrm>
+            <a:prstGeom prst="rect">
+              <a:avLst/>
+            </a:prstGeom>
+            <a:noFill/>
+          </p:spPr>
+          <p:txBody>
+            <a:bodyPr wrap="square" rtlCol="0">
+              <a:spAutoFit/>
+            </a:bodyPr>
+            <a:lstStyle/>
+            <a:p>
+              <a:r>
+                <a:rPr lang="en-US" altLang="ko-KR" sz="1100" dirty="0" smtClean="0"/>
+                <a:t>Uses</a:t>
+              </a:r>
+              <a:endParaRPr lang="ko-KR" altLang="en-US" sz="1100"/>
+            </a:p>
+          </p:txBody>
+        </p:sp>
+        <p:cxnSp>
+          <p:nvCxnSpPr>
+            <p:cNvPr id="59" name="직선 연결선 58"/>
+            <p:cNvCxnSpPr/>
+            <p:nvPr/>
+          </p:nvCxnSpPr>
+          <p:spPr>
+            <a:xfrm flipH="1">
+              <a:off x="6090965" y="2176927"/>
+              <a:ext cx="550609" cy="505101"/>
+            </a:xfrm>
+            <a:prstGeom prst="line">
+              <a:avLst/>
+            </a:prstGeom>
+            <a:ln w="12700">
               <a:solidFill>
                 <a:schemeClr val="tx1"/>
               </a:solidFill>
+              <a:prstDash val="sysDot"/>
+              <a:headEnd type="oval"/>
             </a:ln>
           </p:spPr>
           <p:style>
-            <a:lnRef idx="2">
-              <a:schemeClr val="accent1">
-                <a:shade val="50000"/>
-              </a:schemeClr>
+            <a:lnRef idx="1">
+              <a:schemeClr val="accent1"/>
             </a:lnRef>
-            <a:fillRef idx="1">
+            <a:fillRef idx="0">
               <a:schemeClr val="accent1"/>
             </a:fillRef>
             <a:effectRef idx="0">
               <a:schemeClr val="accent1"/>
             </a:effectRef>
             <a:fontRef idx="minor">
-              <a:schemeClr val="lt1"/>
+              <a:schemeClr val="tx1"/>
             </a:fontRef>
           </p:style>
-          <p:txBody>
-            <a:bodyPr rtlCol="0" anchor="ctr"/>
-            <a:lstStyle/>
-            <a:p>
-              <a:pPr algn="ctr"/>
-              <a:endParaRPr lang="ko-KR" altLang="en-US"/>
-            </a:p>
-          </p:txBody>
-        </p:sp>
+        </p:cxnSp>
       </p:grpSp>
       <p:sp>
         <p:nvSpPr>
-          <p:cNvPr id="22" name="모서리가 접힌 도형 21"/>
-          <p:cNvSpPr/>
+          <p:cNvPr id="64" name="TextBox 63"/>
+          <p:cNvSpPr txBox="1"/>
           <p:nvPr/>
         </p:nvSpPr>
         <p:spPr>
           <a:xfrm>
-            <a:off x="6332333" y="2050444"/>
-            <a:ext cx="451846" cy="325408"/>
-          </a:xfrm>
-          <a:prstGeom prst="foldedCorner">
-            <a:avLst/>
-          </a:prstGeom>
-          <a:solidFill>
-            <a:schemeClr val="accent1">
-              <a:lumMod val="20000"/>
-              <a:lumOff val="80000"/>
-            </a:schemeClr>
-          </a:solidFill>
-          <a:ln>
-            <a:solidFill>
-              <a:schemeClr val="tx1"/>
-            </a:solidFill>
-          </a:ln>
-        </p:spPr>
-        <p:style>
-          <a:lnRef idx="2">
-            <a:schemeClr val="accent1">
-              <a:shade val="50000"/>
-            </a:schemeClr>
-          </a:lnRef>
-          <a:fillRef idx="1">
-            <a:schemeClr val="accent1"/>
-          </a:fillRef>
-          <a:effectRef idx="0">
-            <a:schemeClr val="accent1"/>
-          </a:effectRef>
-          <a:fontRef idx="minor">
-            <a:schemeClr val="lt1"/>
-          </a:fontRef>
-        </p:style>
-        <p:txBody>
-          <a:bodyPr rtlCol="0" anchor="ctr">
-            <a:scene3d>
-              <a:camera prst="orthographicFront">
-                <a:rot lat="0" lon="0" rev="0"/>
-              </a:camera>
-              <a:lightRig rig="threePt" dir="t"/>
-            </a:scene3d>
-          </a:bodyPr>
-          <a:lstStyle/>
-          <a:p>
-            <a:pPr algn="ctr"/>
-            <a:endParaRPr lang="ko-KR" altLang="en-US" sz="1400" dirty="0">
-              <a:solidFill>
-                <a:schemeClr val="tx1"/>
-              </a:solidFill>
-            </a:endParaRPr>
-          </a:p>
-        </p:txBody>
-      </p:sp>
-      <p:sp>
-        <p:nvSpPr>
-          <p:cNvPr id="23" name="직사각형 22"/>
-          <p:cNvSpPr/>
-          <p:nvPr/>
-        </p:nvSpPr>
-        <p:spPr>
-          <a:xfrm>
-            <a:off x="601675" y="686707"/>
-            <a:ext cx="7541338" cy="5533024"/>
+            <a:off x="659027" y="378941"/>
+            <a:ext cx="3163110" cy="369332"/>
           </a:xfrm>
           <a:prstGeom prst="rect">
             <a:avLst/>
           </a:prstGeom>
           <a:noFill/>
-          <a:ln>
-            <a:solidFill>
-              <a:schemeClr val="tx1"/>
-            </a:solidFill>
-          </a:ln>
-        </p:spPr>
-        <p:style>
-          <a:lnRef idx="2">
-            <a:schemeClr val="accent1">
-              <a:shade val="50000"/>
-            </a:schemeClr>
-          </a:lnRef>
-          <a:fillRef idx="1">
-            <a:schemeClr val="accent1"/>
-          </a:fillRef>
-          <a:effectRef idx="0">
-            <a:schemeClr val="accent1"/>
-          </a:effectRef>
-          <a:fontRef idx="minor">
-            <a:schemeClr val="lt1"/>
-          </a:fontRef>
-        </p:style>
-        <p:txBody>
-          <a:bodyPr rtlCol="0" anchor="ctr"/>
-          <a:lstStyle/>
-          <a:p>
-            <a:pPr algn="ctr"/>
+        </p:spPr>
+        <p:txBody>
+          <a:bodyPr wrap="none" rtlCol="0">
+            <a:spAutoFit/>
+          </a:bodyPr>
+          <a:lstStyle/>
+          <a:p>
+            <a:r>
+              <a:rPr lang="en-US" altLang="ko-KR" dirty="0" err="1" smtClean="0"/>
+              <a:t>SurePark</a:t>
+            </a:r>
+            <a:r>
+              <a:rPr lang="en-US" altLang="ko-KR" dirty="0" smtClean="0"/>
+              <a:t> Manager – Static View</a:t>
+            </a:r>
             <a:endParaRPr lang="ko-KR" altLang="en-US"/>
           </a:p>
         </p:txBody>
       </p:sp>
-      <p:cxnSp>
-        <p:nvCxnSpPr>
-          <p:cNvPr id="30" name="직선 화살표 연결선 29"/>
-          <p:cNvCxnSpPr>
-            <a:stCxn id="6" idx="0"/>
-          </p:cNvCxnSpPr>
-          <p:nvPr/>
-        </p:nvCxnSpPr>
-        <p:spPr>
-          <a:xfrm flipV="1">
-            <a:off x="1996494" y="2391709"/>
-            <a:ext cx="972000" cy="634191"/>
-          </a:xfrm>
-          <a:prstGeom prst="straightConnector1">
-            <a:avLst/>
-          </a:prstGeom>
-          <a:ln>
-            <a:prstDash val="sysDash"/>
-            <a:tailEnd type="triangle"/>
-          </a:ln>
-        </p:spPr>
-        <p:style>
-          <a:lnRef idx="1">
-            <a:schemeClr val="dk1"/>
-          </a:lnRef>
-          <a:fillRef idx="0">
-            <a:schemeClr val="dk1"/>
-          </a:fillRef>
-          <a:effectRef idx="0">
-            <a:schemeClr val="dk1"/>
-          </a:effectRef>
-          <a:fontRef idx="minor">
-            <a:schemeClr val="tx1"/>
-          </a:fontRef>
-        </p:style>
-      </p:cxnSp>
-      <p:cxnSp>
-        <p:nvCxnSpPr>
-          <p:cNvPr id="32" name="직선 화살표 연결선 31"/>
-          <p:cNvCxnSpPr>
-            <a:stCxn id="8" idx="0"/>
-          </p:cNvCxnSpPr>
-          <p:nvPr/>
-        </p:nvCxnSpPr>
-        <p:spPr>
-          <a:xfrm flipH="1" flipV="1">
-            <a:off x="3595900" y="2391709"/>
-            <a:ext cx="1022185" cy="634191"/>
-          </a:xfrm>
-          <a:prstGeom prst="straightConnector1">
-            <a:avLst/>
-          </a:prstGeom>
-          <a:ln>
-            <a:prstDash val="sysDash"/>
-            <a:tailEnd type="triangle"/>
-          </a:ln>
-        </p:spPr>
-        <p:style>
-          <a:lnRef idx="1">
-            <a:schemeClr val="dk1"/>
-          </a:lnRef>
-          <a:fillRef idx="0">
-            <a:schemeClr val="dk1"/>
-          </a:fillRef>
-          <a:effectRef idx="0">
-            <a:schemeClr val="dk1"/>
-          </a:effectRef>
-          <a:fontRef idx="minor">
-            <a:schemeClr val="tx1"/>
-          </a:fontRef>
-        </p:style>
-      </p:cxnSp>
-      <p:cxnSp>
-        <p:nvCxnSpPr>
-          <p:cNvPr id="36" name="직선 화살표 연결선 35"/>
-          <p:cNvCxnSpPr/>
-          <p:nvPr/>
-        </p:nvCxnSpPr>
-        <p:spPr>
-          <a:xfrm flipV="1">
-            <a:off x="6360011" y="2740052"/>
-            <a:ext cx="424168" cy="12201"/>
-          </a:xfrm>
-          <a:prstGeom prst="straightConnector1">
-            <a:avLst/>
-          </a:prstGeom>
-          <a:ln>
-            <a:prstDash val="sysDash"/>
-            <a:tailEnd type="triangle"/>
-          </a:ln>
-        </p:spPr>
-        <p:style>
-          <a:lnRef idx="1">
-            <a:schemeClr val="dk1"/>
-          </a:lnRef>
-          <a:fillRef idx="0">
-            <a:schemeClr val="dk1"/>
-          </a:fillRef>
-          <a:effectRef idx="0">
-            <a:schemeClr val="dk1"/>
-          </a:effectRef>
-          <a:fontRef idx="minor">
-            <a:schemeClr val="tx1"/>
-          </a:fontRef>
-        </p:style>
-      </p:cxnSp>
     </p:spTree>
     <p:extLst>
       <p:ext uri="{BB962C8B-B14F-4D97-AF65-F5344CB8AC3E}">
@@ -4245,1805 +4809,1270 @@
       </p:grpSpPr>
       <p:sp>
         <p:nvSpPr>
-          <p:cNvPr id="12" name="직사각형 11"/>
-          <p:cNvSpPr/>
+          <p:cNvPr id="38" name="TextBox 37"/>
+          <p:cNvSpPr txBox="1"/>
           <p:nvPr/>
         </p:nvSpPr>
         <p:spPr>
           <a:xfrm>
-            <a:off x="612000" y="1767840"/>
-            <a:ext cx="7920000" cy="4680000"/>
+            <a:off x="358572" y="272932"/>
+            <a:ext cx="3461397" cy="369332"/>
           </a:xfrm>
           <a:prstGeom prst="rect">
             <a:avLst/>
           </a:prstGeom>
           <a:noFill/>
         </p:spPr>
-        <p:style>
-          <a:lnRef idx="2">
-            <a:schemeClr val="dk1"/>
-          </a:lnRef>
-          <a:fillRef idx="1">
-            <a:schemeClr val="lt1"/>
-          </a:fillRef>
-          <a:effectRef idx="0">
-            <a:schemeClr val="dk1"/>
-          </a:effectRef>
-          <a:fontRef idx="minor">
-            <a:schemeClr val="dk1"/>
-          </a:fontRef>
-        </p:style>
-        <p:txBody>
-          <a:bodyPr rtlCol="0" anchor="ctr"/>
-          <a:lstStyle/>
-          <a:p>
-            <a:pPr algn="ctr"/>
-            <a:endParaRPr lang="ko-KR" altLang="en-US" dirty="0"/>
-          </a:p>
-        </p:txBody>
-      </p:sp>
-      <p:sp>
-        <p:nvSpPr>
-          <p:cNvPr id="48" name="정육면체 47"/>
-          <p:cNvSpPr/>
+        <p:txBody>
+          <a:bodyPr wrap="none" rtlCol="0">
+            <a:spAutoFit/>
+          </a:bodyPr>
+          <a:lstStyle/>
+          <a:p>
+            <a:r>
+              <a:rPr lang="en-US" altLang="ko-KR" dirty="0" err="1" smtClean="0"/>
+              <a:t>SurePark</a:t>
+            </a:r>
+            <a:r>
+              <a:rPr lang="en-US" altLang="ko-KR" dirty="0" smtClean="0"/>
+              <a:t> Manager – Dynamic View</a:t>
+            </a:r>
+            <a:endParaRPr lang="ko-KR" altLang="en-US"/>
+          </a:p>
+        </p:txBody>
+      </p:sp>
+      <p:grpSp>
+        <p:nvGrpSpPr>
+          <p:cNvPr id="76" name="그룹 75"/>
+          <p:cNvGrpSpPr/>
           <p:nvPr/>
-        </p:nvSpPr>
-        <p:spPr>
+        </p:nvGrpSpPr>
+        <p:grpSpPr>
           <a:xfrm>
-            <a:off x="1341981" y="3573043"/>
-            <a:ext cx="4583331" cy="2675193"/>
-          </a:xfrm>
-          <a:prstGeom prst="cube">
-            <a:avLst>
-              <a:gd name="adj" fmla="val 3461"/>
-            </a:avLst>
-          </a:prstGeom>
-          <a:solidFill>
-            <a:schemeClr val="bg1">
-              <a:lumMod val="75000"/>
-            </a:schemeClr>
-          </a:solidFill>
-        </p:spPr>
-        <p:style>
-          <a:lnRef idx="2">
-            <a:schemeClr val="accent3">
-              <a:shade val="50000"/>
-            </a:schemeClr>
-          </a:lnRef>
-          <a:fillRef idx="1">
-            <a:schemeClr val="accent3"/>
-          </a:fillRef>
-          <a:effectRef idx="0">
-            <a:schemeClr val="accent3"/>
-          </a:effectRef>
-          <a:fontRef idx="minor">
-            <a:schemeClr val="lt1"/>
-          </a:fontRef>
-        </p:style>
-        <p:txBody>
-          <a:bodyPr rtlCol="0" anchor="ctr"/>
-          <a:lstStyle/>
-          <a:p>
-            <a:pPr algn="ctr"/>
-            <a:endParaRPr lang="ko-KR" altLang="en-US"/>
-          </a:p>
-        </p:txBody>
-      </p:sp>
-      <p:sp>
-        <p:nvSpPr>
-          <p:cNvPr id="4" name="직사각형 3"/>
-          <p:cNvSpPr/>
-          <p:nvPr/>
-        </p:nvSpPr>
-        <p:spPr>
-          <a:xfrm>
-            <a:off x="3672054" y="2047815"/>
-            <a:ext cx="1224000" cy="1008000"/>
-          </a:xfrm>
-          <a:prstGeom prst="rect">
-            <a:avLst/>
-          </a:prstGeom>
-          <a:solidFill>
-            <a:schemeClr val="bg1">
-              <a:lumMod val="75000"/>
-            </a:schemeClr>
-          </a:solidFill>
-        </p:spPr>
-        <p:style>
-          <a:lnRef idx="2">
-            <a:schemeClr val="accent3">
-              <a:shade val="50000"/>
-            </a:schemeClr>
-          </a:lnRef>
-          <a:fillRef idx="1">
-            <a:schemeClr val="accent3"/>
-          </a:fillRef>
-          <a:effectRef idx="0">
-            <a:schemeClr val="accent3"/>
-          </a:effectRef>
-          <a:fontRef idx="minor">
-            <a:schemeClr val="lt1"/>
-          </a:fontRef>
-        </p:style>
-        <p:txBody>
-          <a:bodyPr rtlCol="0" anchor="ctr"/>
-          <a:lstStyle/>
-          <a:p>
-            <a:pPr algn="ctr"/>
-            <a:endParaRPr lang="ko-KR" altLang="en-US"/>
-          </a:p>
-        </p:txBody>
-      </p:sp>
-      <p:sp>
-        <p:nvSpPr>
-          <p:cNvPr id="2" name="제목 1"/>
-          <p:cNvSpPr>
-            <a:spLocks noGrp="1"/>
-          </p:cNvSpPr>
-          <p:nvPr>
-            <p:ph type="title"/>
-          </p:nvPr>
-        </p:nvSpPr>
-        <p:spPr/>
-        <p:txBody>
-          <a:bodyPr/>
-          <a:lstStyle/>
-          <a:p>
-            <a:r>
-              <a:rPr lang="en-US" altLang="ko-KR" dirty="0" smtClean="0"/>
-              <a:t>Physical </a:t>
-            </a:r>
-            <a:r>
-              <a:rPr lang="en-US" altLang="ko-KR" dirty="0" smtClean="0"/>
-              <a:t>View (Demo System)</a:t>
-            </a:r>
-            <a:endParaRPr lang="ko-KR" altLang="en-US"/>
-          </a:p>
-        </p:txBody>
-      </p:sp>
-      <p:sp>
-        <p:nvSpPr>
-          <p:cNvPr id="7" name="모서리가 둥근 직사각형 6"/>
-          <p:cNvSpPr/>
-          <p:nvPr/>
-        </p:nvSpPr>
-        <p:spPr>
-          <a:xfrm>
-            <a:off x="4493149" y="3943329"/>
-            <a:ext cx="1080000" cy="720000"/>
-          </a:xfrm>
-          <a:prstGeom prst="roundRect">
-            <a:avLst>
-              <a:gd name="adj" fmla="val 9611"/>
-            </a:avLst>
-          </a:prstGeom>
-          <a:solidFill>
-            <a:schemeClr val="bg1"/>
-          </a:solidFill>
-          <a:ln w="12700">
+            <a:off x="358572" y="825893"/>
+            <a:ext cx="7971521" cy="5393681"/>
+            <a:chOff x="358572" y="825893"/>
+            <a:chExt cx="7971521" cy="5393681"/>
+          </a:xfrm>
+        </p:grpSpPr>
+        <p:sp>
+          <p:nvSpPr>
+            <p:cNvPr id="41" name="모서리가 둥근 직사각형 40"/>
+            <p:cNvSpPr/>
+            <p:nvPr/>
+          </p:nvSpPr>
+          <p:spPr>
+            <a:xfrm>
+              <a:off x="6676466" y="1751202"/>
+              <a:ext cx="1080000" cy="720000"/>
+            </a:xfrm>
+            <a:prstGeom prst="roundRect">
+              <a:avLst>
+                <a:gd name="adj" fmla="val 9611"/>
+              </a:avLst>
+            </a:prstGeom>
             <a:solidFill>
-              <a:schemeClr val="tx1"/>
+              <a:schemeClr val="bg1"/>
             </a:solidFill>
-          </a:ln>
-        </p:spPr>
-        <p:style>
-          <a:lnRef idx="2">
-            <a:schemeClr val="accent1">
-              <a:shade val="50000"/>
-            </a:schemeClr>
-          </a:lnRef>
-          <a:fillRef idx="1">
-            <a:schemeClr val="accent1"/>
-          </a:fillRef>
-          <a:effectRef idx="0">
-            <a:schemeClr val="accent1"/>
-          </a:effectRef>
-          <a:fontRef idx="minor">
-            <a:schemeClr val="lt1"/>
-          </a:fontRef>
-        </p:style>
-        <p:txBody>
-          <a:bodyPr rtlCol="0" anchor="ctr"/>
-          <a:lstStyle/>
-          <a:p>
-            <a:pPr algn="ctr"/>
-            <a:r>
-              <a:rPr lang="en-US" altLang="ko-KR" sz="1400" dirty="0" err="1" smtClean="0">
+            <a:ln w="12700">
+              <a:solidFill>
+                <a:schemeClr val="tx1"/>
+              </a:solidFill>
+            </a:ln>
+          </p:spPr>
+          <p:style>
+            <a:lnRef idx="2">
+              <a:schemeClr val="accent1">
+                <a:shade val="50000"/>
+              </a:schemeClr>
+            </a:lnRef>
+            <a:fillRef idx="1">
+              <a:schemeClr val="accent1"/>
+            </a:fillRef>
+            <a:effectRef idx="0">
+              <a:schemeClr val="accent1"/>
+            </a:effectRef>
+            <a:fontRef idx="minor">
+              <a:schemeClr val="lt1"/>
+            </a:fontRef>
+          </p:style>
+          <p:txBody>
+            <a:bodyPr rtlCol="0" anchor="ctr"/>
+            <a:lstStyle/>
+            <a:p>
+              <a:pPr algn="ctr"/>
+              <a:r>
+                <a:rPr lang="en-US" altLang="ko-KR" sz="1400" dirty="0" smtClean="0">
+                  <a:solidFill>
+                    <a:schemeClr val="tx1"/>
+                  </a:solidFill>
+                </a:rPr>
+                <a:t>Web Service</a:t>
+              </a:r>
+              <a:endParaRPr lang="ko-KR" altLang="en-US" sz="1400" dirty="0">
                 <a:solidFill>
                   <a:schemeClr val="tx1"/>
                 </a:solidFill>
-              </a:rPr>
-              <a:t>SurePark</a:t>
-            </a:r>
-            <a:r>
-              <a:rPr lang="en-US" altLang="ko-KR" sz="1400" dirty="0" smtClean="0">
+              </a:endParaRPr>
+            </a:p>
+          </p:txBody>
+        </p:sp>
+        <p:sp>
+          <p:nvSpPr>
+            <p:cNvPr id="45" name="모서리가 둥근 직사각형 44"/>
+            <p:cNvSpPr/>
+            <p:nvPr/>
+          </p:nvSpPr>
+          <p:spPr>
+            <a:xfrm>
+              <a:off x="597048" y="1744610"/>
+              <a:ext cx="972000" cy="720000"/>
+            </a:xfrm>
+            <a:prstGeom prst="roundRect">
+              <a:avLst>
+                <a:gd name="adj" fmla="val 9611"/>
+              </a:avLst>
+            </a:prstGeom>
+            <a:solidFill>
+              <a:schemeClr val="bg1"/>
+            </a:solidFill>
+            <a:ln w="12700">
+              <a:solidFill>
+                <a:schemeClr val="tx1"/>
+              </a:solidFill>
+            </a:ln>
+          </p:spPr>
+          <p:style>
+            <a:lnRef idx="2">
+              <a:schemeClr val="accent1">
+                <a:shade val="50000"/>
+              </a:schemeClr>
+            </a:lnRef>
+            <a:fillRef idx="1">
+              <a:schemeClr val="accent1"/>
+            </a:fillRef>
+            <a:effectRef idx="0">
+              <a:schemeClr val="accent1"/>
+            </a:effectRef>
+            <a:fontRef idx="minor">
+              <a:schemeClr val="lt1"/>
+            </a:fontRef>
+          </p:style>
+          <p:txBody>
+            <a:bodyPr rtlCol="0" anchor="ctr"/>
+            <a:lstStyle/>
+            <a:p>
+              <a:pPr algn="ctr"/>
+              <a:r>
+                <a:rPr lang="en-US" altLang="ko-KR" sz="1400" dirty="0" smtClean="0">
+                  <a:solidFill>
+                    <a:schemeClr val="tx1"/>
+                  </a:solidFill>
+                </a:rPr>
+                <a:t>Facility </a:t>
+              </a:r>
+              <a:r>
+                <a:rPr lang="en-US" altLang="ko-KR" sz="1400" dirty="0" smtClean="0">
+                  <a:solidFill>
+                    <a:schemeClr val="tx1"/>
+                  </a:solidFill>
+                </a:rPr>
+                <a:t>Controller</a:t>
+              </a:r>
+              <a:endParaRPr lang="ko-KR" altLang="en-US" sz="1400" dirty="0">
                 <a:solidFill>
                   <a:schemeClr val="tx1"/>
                 </a:solidFill>
-              </a:rPr>
-              <a:t> </a:t>
-            </a:r>
-            <a:r>
-              <a:rPr lang="en-US" altLang="ko-KR" sz="1400" dirty="0" smtClean="0">
+              </a:endParaRPr>
+            </a:p>
+          </p:txBody>
+        </p:sp>
+        <p:sp>
+          <p:nvSpPr>
+            <p:cNvPr id="46" name="직사각형 45"/>
+            <p:cNvSpPr/>
+            <p:nvPr/>
+          </p:nvSpPr>
+          <p:spPr>
+            <a:xfrm>
+              <a:off x="650790" y="4537391"/>
+              <a:ext cx="7274013" cy="1270826"/>
+            </a:xfrm>
+            <a:prstGeom prst="rect">
+              <a:avLst/>
+            </a:prstGeom>
+            <a:noFill/>
+            <a:ln>
+              <a:solidFill>
+                <a:schemeClr val="tx1"/>
+              </a:solidFill>
+            </a:ln>
+          </p:spPr>
+          <p:style>
+            <a:lnRef idx="2">
+              <a:schemeClr val="accent1">
+                <a:shade val="50000"/>
+              </a:schemeClr>
+            </a:lnRef>
+            <a:fillRef idx="1">
+              <a:schemeClr val="accent1"/>
+            </a:fillRef>
+            <a:effectRef idx="0">
+              <a:schemeClr val="accent1"/>
+            </a:effectRef>
+            <a:fontRef idx="minor">
+              <a:schemeClr val="lt1"/>
+            </a:fontRef>
+          </p:style>
+          <p:txBody>
+            <a:bodyPr rtlCol="0" anchor="ctr"/>
+            <a:lstStyle/>
+            <a:p>
+              <a:pPr algn="ctr"/>
+              <a:endParaRPr lang="ko-KR" altLang="en-US"/>
+            </a:p>
+          </p:txBody>
+        </p:sp>
+        <p:sp>
+          <p:nvSpPr>
+            <p:cNvPr id="50" name="직사각형 49"/>
+            <p:cNvSpPr/>
+            <p:nvPr/>
+          </p:nvSpPr>
+          <p:spPr>
+            <a:xfrm>
+              <a:off x="657470" y="4562914"/>
+              <a:ext cx="1637800" cy="360000"/>
+            </a:xfrm>
+            <a:prstGeom prst="rect">
+              <a:avLst/>
+            </a:prstGeom>
+            <a:noFill/>
+            <a:ln>
+              <a:noFill/>
+            </a:ln>
+          </p:spPr>
+          <p:style>
+            <a:lnRef idx="2">
+              <a:schemeClr val="accent1">
+                <a:shade val="50000"/>
+              </a:schemeClr>
+            </a:lnRef>
+            <a:fillRef idx="1">
+              <a:schemeClr val="accent1"/>
+            </a:fillRef>
+            <a:effectRef idx="0">
+              <a:schemeClr val="accent1"/>
+            </a:effectRef>
+            <a:fontRef idx="minor">
+              <a:schemeClr val="lt1"/>
+            </a:fontRef>
+          </p:style>
+          <p:txBody>
+            <a:bodyPr lIns="144000" rtlCol="0" anchor="ctr"/>
+            <a:lstStyle/>
+            <a:p>
+              <a:r>
+                <a:rPr lang="en-US" altLang="ko-KR" sz="1400" b="1" i="1" u="sng" dirty="0" smtClean="0">
+                  <a:solidFill>
+                    <a:schemeClr val="tx1"/>
+                  </a:solidFill>
+                </a:rPr>
+                <a:t>Legend</a:t>
+              </a:r>
+              <a:endParaRPr lang="ko-KR" altLang="en-US" sz="1400" b="1" i="1" u="sng">
                 <a:solidFill>
                   <a:schemeClr val="tx1"/>
                 </a:solidFill>
-              </a:rPr>
-              <a:t>Manager-A</a:t>
-            </a:r>
-            <a:endParaRPr lang="ko-KR" altLang="en-US" sz="1400" dirty="0">
+              </a:endParaRPr>
+            </a:p>
+          </p:txBody>
+        </p:sp>
+        <p:sp>
+          <p:nvSpPr>
+            <p:cNvPr id="51" name="모서리가 둥근 직사각형 50"/>
+            <p:cNvSpPr/>
+            <p:nvPr/>
+          </p:nvSpPr>
+          <p:spPr>
+            <a:xfrm>
+              <a:off x="803327" y="5337090"/>
+              <a:ext cx="340143" cy="272792"/>
+            </a:xfrm>
+            <a:prstGeom prst="roundRect">
+              <a:avLst>
+                <a:gd name="adj" fmla="val 9611"/>
+              </a:avLst>
+            </a:prstGeom>
+            <a:solidFill>
+              <a:schemeClr val="bg1"/>
+            </a:solidFill>
+            <a:ln w="12700">
               <a:solidFill>
                 <a:schemeClr val="tx1"/>
               </a:solidFill>
-            </a:endParaRPr>
-          </a:p>
-        </p:txBody>
-      </p:sp>
-      <p:sp>
-        <p:nvSpPr>
-          <p:cNvPr id="11" name="모서리가 둥근 직사각형 10"/>
-          <p:cNvSpPr/>
-          <p:nvPr/>
-        </p:nvSpPr>
-        <p:spPr>
-          <a:xfrm>
-            <a:off x="3798054" y="2191815"/>
-            <a:ext cx="972000" cy="720000"/>
-          </a:xfrm>
-          <a:prstGeom prst="roundRect">
-            <a:avLst>
-              <a:gd name="adj" fmla="val 9611"/>
-            </a:avLst>
-          </a:prstGeom>
-          <a:solidFill>
-            <a:schemeClr val="bg1"/>
-          </a:solidFill>
-          <a:ln w="12700">
-            <a:solidFill>
-              <a:schemeClr val="tx1"/>
-            </a:solidFill>
-          </a:ln>
-        </p:spPr>
-        <p:style>
-          <a:lnRef idx="2">
-            <a:schemeClr val="accent1">
-              <a:shade val="50000"/>
-            </a:schemeClr>
-          </a:lnRef>
-          <a:fillRef idx="1">
-            <a:schemeClr val="accent1"/>
-          </a:fillRef>
-          <a:effectRef idx="0">
-            <a:schemeClr val="accent1"/>
-          </a:effectRef>
-          <a:fontRef idx="minor">
-            <a:schemeClr val="lt1"/>
-          </a:fontRef>
-        </p:style>
-        <p:txBody>
-          <a:bodyPr rtlCol="0" anchor="ctr"/>
-          <a:lstStyle/>
-          <a:p>
-            <a:pPr algn="ctr"/>
-            <a:r>
-              <a:rPr lang="en-US" altLang="ko-KR" sz="1400" dirty="0" smtClean="0">
+            </a:ln>
+          </p:spPr>
+          <p:style>
+            <a:lnRef idx="2">
+              <a:schemeClr val="accent1">
+                <a:shade val="50000"/>
+              </a:schemeClr>
+            </a:lnRef>
+            <a:fillRef idx="1">
+              <a:schemeClr val="accent1"/>
+            </a:fillRef>
+            <a:effectRef idx="0">
+              <a:schemeClr val="accent1"/>
+            </a:effectRef>
+            <a:fontRef idx="minor">
+              <a:schemeClr val="lt1"/>
+            </a:fontRef>
+          </p:style>
+          <p:txBody>
+            <a:bodyPr rtlCol="0" anchor="ctr"/>
+            <a:lstStyle/>
+            <a:p>
+              <a:pPr algn="ctr"/>
+              <a:endParaRPr lang="ko-KR" altLang="en-US" sz="1400" dirty="0">
                 <a:solidFill>
                   <a:schemeClr val="tx1"/>
                 </a:solidFill>
-              </a:rPr>
-              <a:t>Facility </a:t>
-            </a:r>
-            <a:r>
-              <a:rPr lang="en-US" altLang="ko-KR" sz="1400" dirty="0" smtClean="0">
+              </a:endParaRPr>
+            </a:p>
+          </p:txBody>
+        </p:sp>
+        <p:sp>
+          <p:nvSpPr>
+            <p:cNvPr id="52" name="TextBox 51"/>
+            <p:cNvSpPr txBox="1"/>
+            <p:nvPr/>
+          </p:nvSpPr>
+          <p:spPr>
+            <a:xfrm>
+              <a:off x="1202727" y="5348272"/>
+              <a:ext cx="664124" cy="261610"/>
+            </a:xfrm>
+            <a:prstGeom prst="rect">
+              <a:avLst/>
+            </a:prstGeom>
+            <a:noFill/>
+          </p:spPr>
+          <p:txBody>
+            <a:bodyPr wrap="square" rtlCol="0">
+              <a:spAutoFit/>
+            </a:bodyPr>
+            <a:lstStyle/>
+            <a:p>
+              <a:r>
+                <a:rPr lang="en-US" altLang="ko-KR" sz="1100" dirty="0" smtClean="0"/>
+                <a:t>Process</a:t>
+              </a:r>
+              <a:endParaRPr lang="ko-KR" altLang="en-US" sz="1100"/>
+            </a:p>
+          </p:txBody>
+        </p:sp>
+        <p:sp>
+          <p:nvSpPr>
+            <p:cNvPr id="54" name="TextBox 53"/>
+            <p:cNvSpPr txBox="1"/>
+            <p:nvPr/>
+          </p:nvSpPr>
+          <p:spPr>
+            <a:xfrm>
+              <a:off x="1202727" y="4945132"/>
+              <a:ext cx="1981968" cy="261610"/>
+            </a:xfrm>
+            <a:prstGeom prst="rect">
+              <a:avLst/>
+            </a:prstGeom>
+            <a:noFill/>
+          </p:spPr>
+          <p:txBody>
+            <a:bodyPr wrap="square" rtlCol="0">
+              <a:spAutoFit/>
+            </a:bodyPr>
+            <a:lstStyle/>
+            <a:p>
+              <a:r>
+                <a:rPr lang="en-US" altLang="ko-KR" sz="1100" dirty="0" err="1" smtClean="0"/>
+                <a:t>SurePark</a:t>
+              </a:r>
+              <a:r>
+                <a:rPr lang="en-US" altLang="ko-KR" sz="1100" dirty="0" smtClean="0"/>
+                <a:t> Manager Process</a:t>
+              </a:r>
+              <a:endParaRPr lang="ko-KR" altLang="en-US" sz="1100"/>
+            </a:p>
+          </p:txBody>
+        </p:sp>
+        <p:sp>
+          <p:nvSpPr>
+            <p:cNvPr id="10" name="모서리가 둥근 직사각형 9"/>
+            <p:cNvSpPr/>
+            <p:nvPr/>
+          </p:nvSpPr>
+          <p:spPr>
+            <a:xfrm>
+              <a:off x="2006661" y="1084725"/>
+              <a:ext cx="3924584" cy="2014620"/>
+            </a:xfrm>
+            <a:prstGeom prst="roundRect">
+              <a:avLst/>
+            </a:prstGeom>
+            <a:noFill/>
+            <a:ln w="19050">
+              <a:solidFill>
+                <a:srgbClr val="FF0000"/>
+              </a:solidFill>
+              <a:prstDash val="sysDash"/>
+            </a:ln>
+          </p:spPr>
+          <p:style>
+            <a:lnRef idx="2">
+              <a:schemeClr val="accent1">
+                <a:shade val="50000"/>
+              </a:schemeClr>
+            </a:lnRef>
+            <a:fillRef idx="1">
+              <a:schemeClr val="accent1"/>
+            </a:fillRef>
+            <a:effectRef idx="0">
+              <a:schemeClr val="accent1"/>
+            </a:effectRef>
+            <a:fontRef idx="minor">
+              <a:schemeClr val="lt1"/>
+            </a:fontRef>
+          </p:style>
+          <p:txBody>
+            <a:bodyPr rtlCol="0" anchor="ctr"/>
+            <a:lstStyle/>
+            <a:p>
+              <a:pPr algn="ctr"/>
+              <a:endParaRPr lang="ko-KR" altLang="en-US"/>
+            </a:p>
+          </p:txBody>
+        </p:sp>
+        <p:sp>
+          <p:nvSpPr>
+            <p:cNvPr id="56" name="모서리가 둥근 직사각형 55"/>
+            <p:cNvSpPr/>
+            <p:nvPr/>
+          </p:nvSpPr>
+          <p:spPr>
+            <a:xfrm>
+              <a:off x="803327" y="4922914"/>
+              <a:ext cx="340143" cy="261610"/>
+            </a:xfrm>
+            <a:prstGeom prst="roundRect">
+              <a:avLst/>
+            </a:prstGeom>
+            <a:noFill/>
+            <a:ln w="19050">
+              <a:solidFill>
+                <a:srgbClr val="FF0000"/>
+              </a:solidFill>
+              <a:prstDash val="sysDash"/>
+            </a:ln>
+          </p:spPr>
+          <p:style>
+            <a:lnRef idx="2">
+              <a:schemeClr val="accent1">
+                <a:shade val="50000"/>
+              </a:schemeClr>
+            </a:lnRef>
+            <a:fillRef idx="1">
+              <a:schemeClr val="accent1"/>
+            </a:fillRef>
+            <a:effectRef idx="0">
+              <a:schemeClr val="accent1"/>
+            </a:effectRef>
+            <a:fontRef idx="minor">
+              <a:schemeClr val="lt1"/>
+            </a:fontRef>
+          </p:style>
+          <p:txBody>
+            <a:bodyPr rtlCol="0" anchor="ctr"/>
+            <a:lstStyle/>
+            <a:p>
+              <a:pPr algn="ctr"/>
+              <a:endParaRPr lang="ko-KR" altLang="en-US"/>
+            </a:p>
+          </p:txBody>
+        </p:sp>
+        <p:sp>
+          <p:nvSpPr>
+            <p:cNvPr id="14" name="타원 13"/>
+            <p:cNvSpPr/>
+            <p:nvPr/>
+          </p:nvSpPr>
+          <p:spPr>
+            <a:xfrm>
+              <a:off x="1871738" y="5331128"/>
+              <a:ext cx="321973" cy="284715"/>
+            </a:xfrm>
+            <a:prstGeom prst="ellipse">
+              <a:avLst/>
+            </a:prstGeom>
+            <a:noFill/>
+            <a:ln>
+              <a:solidFill>
+                <a:schemeClr val="tx1"/>
+              </a:solidFill>
+            </a:ln>
+          </p:spPr>
+          <p:style>
+            <a:lnRef idx="2">
+              <a:schemeClr val="accent1">
+                <a:shade val="50000"/>
+              </a:schemeClr>
+            </a:lnRef>
+            <a:fillRef idx="1">
+              <a:schemeClr val="accent1"/>
+            </a:fillRef>
+            <a:effectRef idx="0">
+              <a:schemeClr val="accent1"/>
+            </a:effectRef>
+            <a:fontRef idx="minor">
+              <a:schemeClr val="lt1"/>
+            </a:fontRef>
+          </p:style>
+          <p:txBody>
+            <a:bodyPr rtlCol="0" anchor="ctr"/>
+            <a:lstStyle/>
+            <a:p>
+              <a:pPr algn="ctr"/>
+              <a:endParaRPr lang="ko-KR" altLang="en-US"/>
+            </a:p>
+          </p:txBody>
+        </p:sp>
+        <p:sp>
+          <p:nvSpPr>
+            <p:cNvPr id="57" name="TextBox 56"/>
+            <p:cNvSpPr txBox="1"/>
+            <p:nvPr/>
+          </p:nvSpPr>
+          <p:spPr>
+            <a:xfrm>
+              <a:off x="2277089" y="5353884"/>
+              <a:ext cx="664124" cy="261610"/>
+            </a:xfrm>
+            <a:prstGeom prst="rect">
+              <a:avLst/>
+            </a:prstGeom>
+            <a:noFill/>
+          </p:spPr>
+          <p:txBody>
+            <a:bodyPr wrap="square" rtlCol="0">
+              <a:spAutoFit/>
+            </a:bodyPr>
+            <a:lstStyle/>
+            <a:p>
+              <a:r>
+                <a:rPr lang="en-US" altLang="ko-KR" sz="1100" dirty="0" smtClean="0"/>
+                <a:t>Object</a:t>
+              </a:r>
+              <a:endParaRPr lang="ko-KR" altLang="en-US" sz="1100"/>
+            </a:p>
+          </p:txBody>
+        </p:sp>
+        <p:sp>
+          <p:nvSpPr>
+            <p:cNvPr id="58" name="타원 57"/>
+            <p:cNvSpPr/>
+            <p:nvPr/>
+          </p:nvSpPr>
+          <p:spPr>
+            <a:xfrm>
+              <a:off x="2517689" y="1640976"/>
+              <a:ext cx="1049295" cy="953943"/>
+            </a:xfrm>
+            <a:prstGeom prst="ellipse">
+              <a:avLst/>
+            </a:prstGeom>
+            <a:noFill/>
+            <a:ln>
+              <a:solidFill>
+                <a:schemeClr val="tx1"/>
+              </a:solidFill>
+            </a:ln>
+          </p:spPr>
+          <p:style>
+            <a:lnRef idx="2">
+              <a:schemeClr val="accent1">
+                <a:shade val="50000"/>
+              </a:schemeClr>
+            </a:lnRef>
+            <a:fillRef idx="1">
+              <a:schemeClr val="accent1"/>
+            </a:fillRef>
+            <a:effectRef idx="0">
+              <a:schemeClr val="accent1"/>
+            </a:effectRef>
+            <a:fontRef idx="minor">
+              <a:schemeClr val="lt1"/>
+            </a:fontRef>
+          </p:style>
+          <p:txBody>
+            <a:bodyPr rtlCol="0" anchor="ctr"/>
+            <a:lstStyle/>
+            <a:p>
+              <a:pPr algn="ctr"/>
+              <a:r>
+                <a:rPr lang="en-US" altLang="ko-KR" sz="1400" dirty="0" smtClean="0">
+                  <a:solidFill>
+                    <a:schemeClr val="tx1"/>
+                  </a:solidFill>
+                </a:rPr>
+                <a:t>Control Service</a:t>
+              </a:r>
+              <a:endParaRPr lang="ko-KR" altLang="en-US" sz="1400" dirty="0">
                 <a:solidFill>
                   <a:schemeClr val="tx1"/>
                 </a:solidFill>
-              </a:rPr>
-              <a:t>Controller #1</a:t>
-            </a:r>
-            <a:endParaRPr lang="ko-KR" altLang="en-US" sz="1400" dirty="0">
+              </a:endParaRPr>
+            </a:p>
+          </p:txBody>
+        </p:sp>
+        <p:sp>
+          <p:nvSpPr>
+            <p:cNvPr id="59" name="타원 58"/>
+            <p:cNvSpPr/>
+            <p:nvPr/>
+          </p:nvSpPr>
+          <p:spPr>
+            <a:xfrm>
+              <a:off x="4333870" y="1640975"/>
+              <a:ext cx="1049295" cy="953943"/>
+            </a:xfrm>
+            <a:prstGeom prst="ellipse">
+              <a:avLst/>
+            </a:prstGeom>
+            <a:noFill/>
+            <a:ln>
               <a:solidFill>
                 <a:schemeClr val="tx1"/>
               </a:solidFill>
-            </a:endParaRPr>
-          </a:p>
-        </p:txBody>
-      </p:sp>
-      <p:sp>
-        <p:nvSpPr>
-          <p:cNvPr id="13" name="원통 12"/>
-          <p:cNvSpPr/>
-          <p:nvPr/>
-        </p:nvSpPr>
-        <p:spPr>
-          <a:xfrm>
-            <a:off x="3021210" y="5195013"/>
-            <a:ext cx="1080000" cy="864000"/>
-          </a:xfrm>
-          <a:prstGeom prst="can">
-            <a:avLst/>
-          </a:prstGeom>
-          <a:solidFill>
-            <a:schemeClr val="bg1"/>
-          </a:solidFill>
-          <a:ln>
-            <a:solidFill>
-              <a:schemeClr val="tx1"/>
-            </a:solidFill>
-          </a:ln>
-        </p:spPr>
-        <p:style>
-          <a:lnRef idx="2">
-            <a:schemeClr val="accent1">
-              <a:shade val="50000"/>
-            </a:schemeClr>
-          </a:lnRef>
-          <a:fillRef idx="1">
-            <a:schemeClr val="accent1"/>
-          </a:fillRef>
-          <a:effectRef idx="0">
-            <a:schemeClr val="accent1"/>
-          </a:effectRef>
-          <a:fontRef idx="minor">
-            <a:schemeClr val="lt1"/>
-          </a:fontRef>
-        </p:style>
-        <p:txBody>
-          <a:bodyPr rtlCol="0" anchor="ctr"/>
-          <a:lstStyle/>
-          <a:p>
-            <a:pPr algn="ctr"/>
-            <a:r>
-              <a:rPr lang="en-US" altLang="ko-KR" sz="1400" dirty="0" err="1" smtClean="0">
+            </a:ln>
+          </p:spPr>
+          <p:style>
+            <a:lnRef idx="2">
+              <a:schemeClr val="accent1">
+                <a:shade val="50000"/>
+              </a:schemeClr>
+            </a:lnRef>
+            <a:fillRef idx="1">
+              <a:schemeClr val="accent1"/>
+            </a:fillRef>
+            <a:effectRef idx="0">
+              <a:schemeClr val="accent1"/>
+            </a:effectRef>
+            <a:fontRef idx="minor">
+              <a:schemeClr val="lt1"/>
+            </a:fontRef>
+          </p:style>
+          <p:txBody>
+            <a:bodyPr rtlCol="0" anchor="ctr"/>
+            <a:lstStyle/>
+            <a:p>
+              <a:pPr algn="ctr"/>
+              <a:r>
+                <a:rPr lang="en-US" altLang="ko-KR" sz="1400" dirty="0" smtClean="0">
+                  <a:solidFill>
+                    <a:schemeClr val="tx1"/>
+                  </a:solidFill>
+                </a:rPr>
+                <a:t>Management</a:t>
+              </a:r>
+            </a:p>
+            <a:p>
+              <a:pPr algn="ctr"/>
+              <a:r>
+                <a:rPr lang="en-US" altLang="ko-KR" sz="1400" dirty="0" smtClean="0">
+                  <a:solidFill>
+                    <a:schemeClr val="tx1"/>
+                  </a:solidFill>
+                </a:rPr>
+                <a:t>Service</a:t>
+              </a:r>
+              <a:endParaRPr lang="ko-KR" altLang="en-US" sz="1400" dirty="0">
                 <a:solidFill>
                   <a:schemeClr val="tx1"/>
                 </a:solidFill>
-              </a:rPr>
-              <a:t>SurePark</a:t>
-            </a:r>
-            <a:r>
-              <a:rPr lang="en-US" altLang="ko-KR" sz="1400" dirty="0" smtClean="0">
+              </a:endParaRPr>
+            </a:p>
+          </p:txBody>
+        </p:sp>
+        <p:sp>
+          <p:nvSpPr>
+            <p:cNvPr id="60" name="원통 59"/>
+            <p:cNvSpPr/>
+            <p:nvPr/>
+          </p:nvSpPr>
+          <p:spPr>
+            <a:xfrm>
+              <a:off x="5728712" y="3454647"/>
+              <a:ext cx="1080000" cy="864000"/>
+            </a:xfrm>
+            <a:prstGeom prst="can">
+              <a:avLst/>
+            </a:prstGeom>
+            <a:solidFill>
+              <a:schemeClr val="bg1"/>
+            </a:solidFill>
+            <a:ln>
+              <a:solidFill>
+                <a:schemeClr val="tx1"/>
+              </a:solidFill>
+            </a:ln>
+          </p:spPr>
+          <p:style>
+            <a:lnRef idx="2">
+              <a:schemeClr val="accent1">
+                <a:shade val="50000"/>
+              </a:schemeClr>
+            </a:lnRef>
+            <a:fillRef idx="1">
+              <a:schemeClr val="accent1"/>
+            </a:fillRef>
+            <a:effectRef idx="0">
+              <a:schemeClr val="accent1"/>
+            </a:effectRef>
+            <a:fontRef idx="minor">
+              <a:schemeClr val="lt1"/>
+            </a:fontRef>
+          </p:style>
+          <p:txBody>
+            <a:bodyPr rtlCol="0" anchor="ctr"/>
+            <a:lstStyle/>
+            <a:p>
+              <a:pPr algn="ctr"/>
+              <a:r>
+                <a:rPr lang="en-US" altLang="ko-KR" sz="1400" dirty="0" err="1" smtClean="0">
+                  <a:solidFill>
+                    <a:schemeClr val="tx1"/>
+                  </a:solidFill>
+                </a:rPr>
+                <a:t>SurePark</a:t>
+              </a:r>
+              <a:r>
+                <a:rPr lang="en-US" altLang="ko-KR" sz="1400" dirty="0" smtClean="0">
+                  <a:solidFill>
+                    <a:schemeClr val="tx1"/>
+                  </a:solidFill>
+                </a:rPr>
+                <a:t> DB</a:t>
+              </a:r>
+              <a:endParaRPr lang="ko-KR" altLang="en-US" sz="1400">
                 <a:solidFill>
                   <a:schemeClr val="tx1"/>
                 </a:solidFill>
-              </a:rPr>
-              <a:t> DB</a:t>
-            </a:r>
-            <a:endParaRPr lang="ko-KR" altLang="en-US" sz="1400">
+              </a:endParaRPr>
+            </a:p>
+          </p:txBody>
+        </p:sp>
+        <p:cxnSp>
+          <p:nvCxnSpPr>
+            <p:cNvPr id="16" name="직선 화살표 연결선 15"/>
+            <p:cNvCxnSpPr>
+              <a:endCxn id="58" idx="2"/>
+            </p:cNvCxnSpPr>
+            <p:nvPr/>
+          </p:nvCxnSpPr>
+          <p:spPr>
+            <a:xfrm>
+              <a:off x="1573427" y="2117946"/>
+              <a:ext cx="944262" cy="2"/>
+            </a:xfrm>
+            <a:prstGeom prst="straightConnector1">
+              <a:avLst/>
+            </a:prstGeom>
+            <a:ln w="12700">
               <a:solidFill>
                 <a:schemeClr val="tx1"/>
               </a:solidFill>
-            </a:endParaRPr>
-          </a:p>
-        </p:txBody>
-      </p:sp>
-      <p:sp>
-        <p:nvSpPr>
-          <p:cNvPr id="33" name="직사각형 32"/>
-          <p:cNvSpPr/>
-          <p:nvPr/>
-        </p:nvSpPr>
-        <p:spPr>
-          <a:xfrm>
-            <a:off x="6609868" y="2335024"/>
-            <a:ext cx="1788075" cy="3913212"/>
-          </a:xfrm>
-          <a:prstGeom prst="rect">
-            <a:avLst/>
-          </a:prstGeom>
-          <a:noFill/>
-          <a:ln>
-            <a:solidFill>
+              <a:headEnd type="triangle"/>
+              <a:tailEnd type="triangle"/>
+            </a:ln>
+          </p:spPr>
+          <p:style>
+            <a:lnRef idx="1">
+              <a:schemeClr val="accent1"/>
+            </a:lnRef>
+            <a:fillRef idx="0">
+              <a:schemeClr val="accent1"/>
+            </a:fillRef>
+            <a:effectRef idx="0">
+              <a:schemeClr val="accent1"/>
+            </a:effectRef>
+            <a:fontRef idx="minor">
               <a:schemeClr val="tx1"/>
-            </a:solidFill>
-          </a:ln>
-        </p:spPr>
-        <p:style>
-          <a:lnRef idx="2">
-            <a:schemeClr val="accent1">
-              <a:shade val="50000"/>
-            </a:schemeClr>
-          </a:lnRef>
-          <a:fillRef idx="1">
-            <a:schemeClr val="accent1"/>
-          </a:fillRef>
-          <a:effectRef idx="0">
-            <a:schemeClr val="accent1"/>
-          </a:effectRef>
-          <a:fontRef idx="minor">
-            <a:schemeClr val="lt1"/>
-          </a:fontRef>
-        </p:style>
-        <p:txBody>
-          <a:bodyPr rtlCol="0" anchor="ctr"/>
-          <a:lstStyle/>
-          <a:p>
-            <a:pPr algn="ctr"/>
-            <a:endParaRPr lang="ko-KR" altLang="en-US"/>
-          </a:p>
-        </p:txBody>
-      </p:sp>
-      <p:sp>
-        <p:nvSpPr>
-          <p:cNvPr id="34" name="직사각형 33"/>
-          <p:cNvSpPr/>
-          <p:nvPr/>
-        </p:nvSpPr>
-        <p:spPr>
-          <a:xfrm>
-            <a:off x="6609869" y="2378680"/>
-            <a:ext cx="1637800" cy="360000"/>
-          </a:xfrm>
-          <a:prstGeom prst="rect">
-            <a:avLst/>
-          </a:prstGeom>
-          <a:noFill/>
-          <a:ln>
-            <a:noFill/>
-          </a:ln>
-        </p:spPr>
-        <p:style>
-          <a:lnRef idx="2">
-            <a:schemeClr val="accent1">
-              <a:shade val="50000"/>
-            </a:schemeClr>
-          </a:lnRef>
-          <a:fillRef idx="1">
-            <a:schemeClr val="accent1"/>
-          </a:fillRef>
-          <a:effectRef idx="0">
-            <a:schemeClr val="accent1"/>
-          </a:effectRef>
-          <a:fontRef idx="minor">
-            <a:schemeClr val="lt1"/>
-          </a:fontRef>
-        </p:style>
-        <p:txBody>
-          <a:bodyPr lIns="144000" rtlCol="0" anchor="ctr"/>
-          <a:lstStyle/>
-          <a:p>
-            <a:r>
-              <a:rPr lang="en-US" altLang="ko-KR" sz="1400" b="1" i="1" u="sng" dirty="0" smtClean="0">
-                <a:solidFill>
-                  <a:schemeClr val="tx1"/>
-                </a:solidFill>
-              </a:rPr>
-              <a:t>Legend</a:t>
-            </a:r>
-            <a:endParaRPr lang="ko-KR" altLang="en-US" sz="1400" b="1" i="1" u="sng">
+            </a:fontRef>
+          </p:style>
+        </p:cxnSp>
+        <p:cxnSp>
+          <p:nvCxnSpPr>
+            <p:cNvPr id="61" name="직선 화살표 연결선 60"/>
+            <p:cNvCxnSpPr/>
+            <p:nvPr/>
+          </p:nvCxnSpPr>
+          <p:spPr>
+            <a:xfrm>
+              <a:off x="5387544" y="2111202"/>
+              <a:ext cx="1288922" cy="2"/>
+            </a:xfrm>
+            <a:prstGeom prst="straightConnector1">
+              <a:avLst/>
+            </a:prstGeom>
+            <a:ln w="12700">
               <a:solidFill>
                 <a:schemeClr val="tx1"/>
               </a:solidFill>
-            </a:endParaRPr>
-          </a:p>
-        </p:txBody>
-      </p:sp>
-      <p:sp>
-        <p:nvSpPr>
-          <p:cNvPr id="35" name="모서리가 둥근 직사각형 34"/>
-          <p:cNvSpPr/>
-          <p:nvPr/>
-        </p:nvSpPr>
-        <p:spPr>
-          <a:xfrm>
-            <a:off x="6760143" y="4319165"/>
-            <a:ext cx="432000" cy="324000"/>
-          </a:xfrm>
-          <a:prstGeom prst="roundRect">
-            <a:avLst>
-              <a:gd name="adj" fmla="val 9611"/>
-            </a:avLst>
-          </a:prstGeom>
-          <a:solidFill>
-            <a:schemeClr val="bg1"/>
-          </a:solidFill>
-          <a:ln w="12700">
-            <a:solidFill>
+              <a:headEnd type="triangle"/>
+              <a:tailEnd type="triangle"/>
+            </a:ln>
+          </p:spPr>
+          <p:style>
+            <a:lnRef idx="1">
+              <a:schemeClr val="accent1"/>
+            </a:lnRef>
+            <a:fillRef idx="0">
+              <a:schemeClr val="accent1"/>
+            </a:fillRef>
+            <a:effectRef idx="0">
+              <a:schemeClr val="accent1"/>
+            </a:effectRef>
+            <a:fontRef idx="minor">
               <a:schemeClr val="tx1"/>
-            </a:solidFill>
-          </a:ln>
-        </p:spPr>
-        <p:style>
-          <a:lnRef idx="2">
-            <a:schemeClr val="accent1">
-              <a:shade val="50000"/>
-            </a:schemeClr>
-          </a:lnRef>
-          <a:fillRef idx="1">
-            <a:schemeClr val="accent1"/>
-          </a:fillRef>
-          <a:effectRef idx="0">
-            <a:schemeClr val="accent1"/>
-          </a:effectRef>
-          <a:fontRef idx="minor">
-            <a:schemeClr val="lt1"/>
-          </a:fontRef>
-        </p:style>
-        <p:txBody>
-          <a:bodyPr rtlCol="0" anchor="ctr"/>
-          <a:lstStyle/>
-          <a:p>
-            <a:pPr algn="ctr"/>
-            <a:endParaRPr lang="ko-KR" altLang="en-US" sz="1400" dirty="0">
+            </a:fontRef>
+          </p:style>
+        </p:cxnSp>
+        <p:cxnSp>
+          <p:nvCxnSpPr>
+            <p:cNvPr id="62" name="직선 화살표 연결선 61"/>
+            <p:cNvCxnSpPr/>
+            <p:nvPr/>
+          </p:nvCxnSpPr>
+          <p:spPr>
+            <a:xfrm>
+              <a:off x="2998874" y="5473483"/>
+              <a:ext cx="415785" cy="2"/>
+            </a:xfrm>
+            <a:prstGeom prst="straightConnector1">
+              <a:avLst/>
+            </a:prstGeom>
+            <a:ln w="12700">
               <a:solidFill>
                 <a:schemeClr val="tx1"/>
               </a:solidFill>
-            </a:endParaRPr>
-          </a:p>
-        </p:txBody>
-      </p:sp>
-      <p:graphicFrame>
-        <p:nvGraphicFramePr>
-          <p:cNvPr id="36" name="표 35"/>
-          <p:cNvGraphicFramePr>
-            <a:graphicFrameLocks noGrp="1"/>
-          </p:cNvGraphicFramePr>
-          <p:nvPr>
-            <p:extLst/>
-          </p:nvPr>
-        </p:nvGraphicFramePr>
-        <p:xfrm>
-          <a:off x="7342417" y="2741080"/>
-          <a:ext cx="1055526" cy="3405610"/>
-        </p:xfrm>
-        <a:graphic>
-          <a:graphicData uri="http://schemas.openxmlformats.org/drawingml/2006/table">
-            <a:tbl>
-              <a:tblPr firstRow="1" bandRow="1">
-                <a:tableStyleId>{2D5ABB26-0587-4C30-8999-92F81FD0307C}</a:tableStyleId>
-              </a:tblPr>
-              <a:tblGrid>
-                <a:gridCol w="1055526"/>
-              </a:tblGrid>
-              <a:tr h="407405">
-                <a:tc>
-                  <a:txBody>
-                    <a:bodyPr/>
-                    <a:lstStyle/>
-                    <a:p>
-                      <a:pPr algn="l" latinLnBrk="1"/>
-                      <a:r>
-                        <a:rPr lang="en-US" altLang="ko-KR" sz="1400" dirty="0" smtClean="0">
-                          <a:latin typeface="+mn-lt"/>
-                        </a:rPr>
-                        <a:t>Arduino </a:t>
-                      </a:r>
-                      <a:r>
-                        <a:rPr lang="en-US" altLang="ko-KR" sz="1400" baseline="0" dirty="0" smtClean="0">
-                          <a:latin typeface="+mn-lt"/>
-                        </a:rPr>
-                        <a:t>Hardware</a:t>
-                      </a:r>
-                      <a:endParaRPr lang="ko-KR" altLang="en-US" sz="1400" dirty="0">
-                        <a:latin typeface="+mn-lt"/>
-                      </a:endParaRPr>
-                    </a:p>
-                  </a:txBody>
-                  <a:tcPr anchor="ctr"/>
-                </a:tc>
-              </a:tr>
-              <a:tr h="407405">
-                <a:tc>
-                  <a:txBody>
-                    <a:bodyPr/>
-                    <a:lstStyle/>
-                    <a:p>
-                      <a:pPr algn="l" latinLnBrk="1"/>
-                      <a:r>
-                        <a:rPr lang="en-US" altLang="ko-KR" sz="1400" dirty="0" smtClean="0">
-                          <a:latin typeface="+mn-lt"/>
-                        </a:rPr>
-                        <a:t>Client Machine</a:t>
-                      </a:r>
-                      <a:endParaRPr lang="ko-KR" altLang="en-US" sz="1400">
-                        <a:latin typeface="+mn-lt"/>
-                      </a:endParaRPr>
-                    </a:p>
-                  </a:txBody>
-                  <a:tcPr anchor="ctr"/>
-                </a:tc>
-              </a:tr>
-              <a:tr h="407405">
-                <a:tc>
-                  <a:txBody>
-                    <a:bodyPr/>
-                    <a:lstStyle/>
-                    <a:p>
-                      <a:pPr algn="l" latinLnBrk="1"/>
-                      <a:r>
-                        <a:rPr lang="en-US" altLang="ko-KR" sz="1400" dirty="0" smtClean="0">
-                          <a:latin typeface="+mn-lt"/>
-                        </a:rPr>
-                        <a:t>Server Machine</a:t>
-                      </a:r>
-                      <a:endParaRPr lang="ko-KR" altLang="en-US" sz="1400">
-                        <a:latin typeface="+mn-lt"/>
-                      </a:endParaRPr>
-                    </a:p>
-                  </a:txBody>
-                  <a:tcPr anchor="ctr"/>
-                </a:tc>
-              </a:tr>
-              <a:tr h="407405">
-                <a:tc>
-                  <a:txBody>
-                    <a:bodyPr/>
-                    <a:lstStyle/>
-                    <a:p>
-                      <a:pPr algn="l" latinLnBrk="1"/>
-                      <a:r>
-                        <a:rPr lang="en-US" altLang="ko-KR" sz="1400" dirty="0" smtClean="0">
-                          <a:latin typeface="+mn-lt"/>
-                        </a:rPr>
-                        <a:t>Process</a:t>
-                      </a:r>
-                      <a:endParaRPr lang="ko-KR" altLang="en-US" sz="1400">
-                        <a:latin typeface="+mn-lt"/>
-                      </a:endParaRPr>
-                    </a:p>
-                  </a:txBody>
-                  <a:tcPr anchor="ctr"/>
-                </a:tc>
-              </a:tr>
-              <a:tr h="407405">
-                <a:tc>
-                  <a:txBody>
-                    <a:bodyPr/>
-                    <a:lstStyle/>
-                    <a:p>
-                      <a:pPr algn="l" latinLnBrk="1"/>
-                      <a:r>
-                        <a:rPr lang="en-US" altLang="ko-KR" sz="1400" dirty="0" smtClean="0">
-                          <a:latin typeface="+mn-lt"/>
-                        </a:rPr>
-                        <a:t>Database</a:t>
-                      </a:r>
-                      <a:endParaRPr lang="ko-KR" altLang="en-US" sz="1400">
-                        <a:latin typeface="+mn-lt"/>
-                      </a:endParaRPr>
-                    </a:p>
-                  </a:txBody>
-                  <a:tcPr anchor="ctr"/>
-                </a:tc>
-              </a:tr>
-              <a:tr h="407405">
-                <a:tc>
-                  <a:txBody>
-                    <a:bodyPr/>
-                    <a:lstStyle/>
-                    <a:p>
-                      <a:pPr algn="l" latinLnBrk="1"/>
-                      <a:r>
-                        <a:rPr lang="en-US" altLang="ko-KR" sz="1400" dirty="0" smtClean="0">
-                          <a:latin typeface="+mn-lt"/>
-                        </a:rPr>
-                        <a:t>Network</a:t>
-                      </a:r>
-                      <a:r>
-                        <a:rPr lang="en-US" altLang="ko-KR" sz="1400" baseline="0" dirty="0" smtClean="0">
-                          <a:latin typeface="+mn-lt"/>
-                        </a:rPr>
-                        <a:t> </a:t>
-                      </a:r>
-                      <a:r>
-                        <a:rPr lang="en-US" altLang="ko-KR" sz="1400" baseline="0" dirty="0" smtClean="0">
-                          <a:latin typeface="+mn-lt"/>
-                        </a:rPr>
-                        <a:t>Connection</a:t>
-                      </a:r>
-                      <a:endParaRPr lang="ko-KR" altLang="en-US" sz="1400">
-                        <a:latin typeface="+mn-lt"/>
-                      </a:endParaRPr>
-                    </a:p>
-                  </a:txBody>
-                  <a:tcPr anchor="ctr"/>
-                </a:tc>
-              </a:tr>
-              <a:tr h="407405">
-                <a:tc>
-                  <a:txBody>
-                    <a:bodyPr/>
-                    <a:lstStyle/>
-                    <a:p>
-                      <a:pPr algn="l" latinLnBrk="1"/>
-                      <a:r>
-                        <a:rPr lang="en-US" altLang="ko-KR" sz="1400" dirty="0" smtClean="0">
-                          <a:latin typeface="+mn-lt"/>
-                        </a:rPr>
-                        <a:t>Garage Boundary</a:t>
-                      </a:r>
-                      <a:endParaRPr lang="ko-KR" altLang="en-US" sz="1400" dirty="0">
-                        <a:latin typeface="+mn-lt"/>
-                      </a:endParaRPr>
-                    </a:p>
-                  </a:txBody>
-                  <a:tcPr anchor="ctr"/>
-                </a:tc>
-              </a:tr>
-            </a:tbl>
-          </a:graphicData>
-        </a:graphic>
-      </p:graphicFrame>
-      <p:sp>
-        <p:nvSpPr>
-          <p:cNvPr id="40" name="원통 39"/>
-          <p:cNvSpPr/>
-          <p:nvPr/>
-        </p:nvSpPr>
-        <p:spPr>
-          <a:xfrm>
-            <a:off x="6760143" y="4760610"/>
-            <a:ext cx="432000" cy="324000"/>
-          </a:xfrm>
-          <a:prstGeom prst="can">
-            <a:avLst/>
-          </a:prstGeom>
-          <a:solidFill>
-            <a:schemeClr val="bg1"/>
-          </a:solidFill>
-          <a:ln>
-            <a:solidFill>
+              <a:headEnd type="triangle"/>
+              <a:tailEnd type="triangle"/>
+            </a:ln>
+          </p:spPr>
+          <p:style>
+            <a:lnRef idx="1">
+              <a:schemeClr val="accent1"/>
+            </a:lnRef>
+            <a:fillRef idx="0">
+              <a:schemeClr val="accent1"/>
+            </a:fillRef>
+            <a:effectRef idx="0">
+              <a:schemeClr val="accent1"/>
+            </a:effectRef>
+            <a:fontRef idx="minor">
               <a:schemeClr val="tx1"/>
-            </a:solidFill>
-          </a:ln>
-        </p:spPr>
-        <p:style>
-          <a:lnRef idx="2">
-            <a:schemeClr val="accent1">
-              <a:shade val="50000"/>
-            </a:schemeClr>
-          </a:lnRef>
-          <a:fillRef idx="1">
-            <a:schemeClr val="accent1"/>
-          </a:fillRef>
-          <a:effectRef idx="0">
-            <a:schemeClr val="accent1"/>
-          </a:effectRef>
-          <a:fontRef idx="minor">
-            <a:schemeClr val="lt1"/>
-          </a:fontRef>
-        </p:style>
-        <p:txBody>
-          <a:bodyPr rtlCol="0" anchor="ctr"/>
-          <a:lstStyle/>
-          <a:p>
-            <a:pPr algn="ctr"/>
-            <a:endParaRPr lang="ko-KR" altLang="en-US" sz="1400" dirty="0">
+            </a:fontRef>
+          </p:style>
+        </p:cxnSp>
+        <p:sp>
+          <p:nvSpPr>
+            <p:cNvPr id="65" name="TextBox 64"/>
+            <p:cNvSpPr txBox="1"/>
+            <p:nvPr/>
+          </p:nvSpPr>
+          <p:spPr>
+            <a:xfrm>
+              <a:off x="3414658" y="5348272"/>
+              <a:ext cx="1644597" cy="261610"/>
+            </a:xfrm>
+            <a:prstGeom prst="rect">
+              <a:avLst/>
+            </a:prstGeom>
+            <a:noFill/>
+          </p:spPr>
+          <p:txBody>
+            <a:bodyPr wrap="square" rtlCol="0">
+              <a:spAutoFit/>
+            </a:bodyPr>
+            <a:lstStyle/>
+            <a:p>
+              <a:r>
+                <a:rPr lang="en-US" altLang="ko-KR" sz="1100" dirty="0" smtClean="0"/>
+                <a:t>TCP/IP Packet data flow</a:t>
+              </a:r>
+              <a:endParaRPr lang="ko-KR" altLang="en-US" sz="1100"/>
+            </a:p>
+          </p:txBody>
+        </p:sp>
+        <p:cxnSp>
+          <p:nvCxnSpPr>
+            <p:cNvPr id="66" name="직선 화살표 연결선 65"/>
+            <p:cNvCxnSpPr/>
+            <p:nvPr/>
+          </p:nvCxnSpPr>
+          <p:spPr>
+            <a:xfrm>
+              <a:off x="5046699" y="5484925"/>
+              <a:ext cx="415785" cy="2"/>
+            </a:xfrm>
+            <a:prstGeom prst="straightConnector1">
+              <a:avLst/>
+            </a:prstGeom>
+            <a:ln w="12700">
               <a:solidFill>
                 <a:schemeClr val="tx1"/>
               </a:solidFill>
-            </a:endParaRPr>
-          </a:p>
-        </p:txBody>
-      </p:sp>
-      <p:sp>
-        <p:nvSpPr>
-          <p:cNvPr id="31" name="직사각형 30"/>
-          <p:cNvSpPr/>
-          <p:nvPr/>
-        </p:nvSpPr>
-        <p:spPr>
-          <a:xfrm>
-            <a:off x="1817796" y="2304967"/>
-            <a:ext cx="542952" cy="360000"/>
-          </a:xfrm>
-          <a:prstGeom prst="rect">
-            <a:avLst/>
-          </a:prstGeom>
-          <a:noFill/>
-          <a:ln>
+              <a:prstDash val="dash"/>
+              <a:headEnd type="triangle"/>
+              <a:tailEnd type="triangle"/>
+            </a:ln>
+          </p:spPr>
+          <p:style>
+            <a:lnRef idx="1">
+              <a:schemeClr val="accent1"/>
+            </a:lnRef>
+            <a:fillRef idx="0">
+              <a:schemeClr val="accent1"/>
+            </a:fillRef>
+            <a:effectRef idx="0">
+              <a:schemeClr val="accent1"/>
+            </a:effectRef>
+            <a:fontRef idx="minor">
+              <a:schemeClr val="tx1"/>
+            </a:fontRef>
+          </p:style>
+        </p:cxnSp>
+        <p:sp>
+          <p:nvSpPr>
+            <p:cNvPr id="67" name="TextBox 66"/>
+            <p:cNvSpPr txBox="1"/>
+            <p:nvPr/>
+          </p:nvSpPr>
+          <p:spPr>
+            <a:xfrm>
+              <a:off x="5524746" y="5339366"/>
+              <a:ext cx="1402507" cy="261610"/>
+            </a:xfrm>
+            <a:prstGeom prst="rect">
+              <a:avLst/>
+            </a:prstGeom>
             <a:noFill/>
-          </a:ln>
-        </p:spPr>
-        <p:style>
-          <a:lnRef idx="2">
-            <a:schemeClr val="accent1">
-              <a:shade val="50000"/>
-            </a:schemeClr>
-          </a:lnRef>
-          <a:fillRef idx="1">
-            <a:schemeClr val="accent1"/>
-          </a:fillRef>
-          <a:effectRef idx="0">
-            <a:schemeClr val="accent1"/>
-          </a:effectRef>
-          <a:fontRef idx="minor">
-            <a:schemeClr val="lt1"/>
-          </a:fontRef>
-        </p:style>
-        <p:txBody>
-          <a:bodyPr lIns="72000" rIns="72000" rtlCol="0" anchor="ctr"/>
-          <a:lstStyle/>
-          <a:p>
-            <a:pPr algn="ctr"/>
-            <a:r>
-              <a:rPr lang="en-US" altLang="ko-KR" b="1" dirty="0" smtClean="0">
-                <a:solidFill>
-                  <a:schemeClr val="tx1"/>
-                </a:solidFill>
-              </a:rPr>
-              <a:t>…</a:t>
-            </a:r>
-            <a:endParaRPr lang="ko-KR" altLang="en-US" b="1">
+          </p:spPr>
+          <p:txBody>
+            <a:bodyPr wrap="square" rtlCol="0">
+              <a:spAutoFit/>
+            </a:bodyPr>
+            <a:lstStyle/>
+            <a:p>
+              <a:r>
+                <a:rPr lang="en-US" altLang="ko-KR" sz="1100" dirty="0" smtClean="0"/>
+                <a:t>DB control flow</a:t>
+              </a:r>
+              <a:endParaRPr lang="ko-KR" altLang="en-US" sz="1100"/>
+            </a:p>
+          </p:txBody>
+        </p:sp>
+        <p:cxnSp>
+          <p:nvCxnSpPr>
+            <p:cNvPr id="68" name="직선 화살표 연결선 67"/>
+            <p:cNvCxnSpPr/>
+            <p:nvPr/>
+          </p:nvCxnSpPr>
+          <p:spPr>
+            <a:xfrm>
+              <a:off x="5073782" y="2594918"/>
+              <a:ext cx="990600" cy="859729"/>
+            </a:xfrm>
+            <a:prstGeom prst="straightConnector1">
+              <a:avLst/>
+            </a:prstGeom>
+            <a:ln w="12700">
               <a:solidFill>
                 <a:schemeClr val="tx1"/>
               </a:solidFill>
-            </a:endParaRPr>
-          </a:p>
-        </p:txBody>
-      </p:sp>
-      <p:sp>
-        <p:nvSpPr>
-          <p:cNvPr id="32" name="직사각형 31"/>
-          <p:cNvSpPr/>
-          <p:nvPr/>
-        </p:nvSpPr>
-        <p:spPr>
-          <a:xfrm>
-            <a:off x="5159216" y="2043315"/>
-            <a:ext cx="1224000" cy="1008000"/>
-          </a:xfrm>
-          <a:prstGeom prst="rect">
-            <a:avLst/>
-          </a:prstGeom>
-          <a:solidFill>
-            <a:schemeClr val="bg1">
-              <a:lumMod val="75000"/>
-            </a:schemeClr>
-          </a:solidFill>
-        </p:spPr>
-        <p:style>
-          <a:lnRef idx="2">
-            <a:schemeClr val="accent3">
-              <a:shade val="50000"/>
-            </a:schemeClr>
-          </a:lnRef>
-          <a:fillRef idx="1">
-            <a:schemeClr val="accent3"/>
-          </a:fillRef>
-          <a:effectRef idx="0">
-            <a:schemeClr val="accent3"/>
-          </a:effectRef>
-          <a:fontRef idx="minor">
-            <a:schemeClr val="lt1"/>
-          </a:fontRef>
-        </p:style>
-        <p:txBody>
-          <a:bodyPr rtlCol="0" anchor="ctr"/>
-          <a:lstStyle/>
-          <a:p>
-            <a:pPr algn="ctr"/>
-            <a:endParaRPr lang="ko-KR" altLang="en-US"/>
-          </a:p>
-        </p:txBody>
-      </p:sp>
-      <p:sp>
-        <p:nvSpPr>
-          <p:cNvPr id="42" name="모서리가 둥근 직사각형 41"/>
-          <p:cNvSpPr/>
-          <p:nvPr/>
-        </p:nvSpPr>
-        <p:spPr>
-          <a:xfrm>
-            <a:off x="5285216" y="2187315"/>
-            <a:ext cx="972000" cy="720000"/>
-          </a:xfrm>
-          <a:prstGeom prst="roundRect">
-            <a:avLst>
-              <a:gd name="adj" fmla="val 9611"/>
-            </a:avLst>
-          </a:prstGeom>
-          <a:solidFill>
-            <a:schemeClr val="bg1"/>
-          </a:solidFill>
-          <a:ln w="12700">
-            <a:solidFill>
+              <a:prstDash val="dash"/>
+              <a:headEnd type="triangle"/>
+              <a:tailEnd type="triangle"/>
+            </a:ln>
+          </p:spPr>
+          <p:style>
+            <a:lnRef idx="1">
+              <a:schemeClr val="accent1"/>
+            </a:lnRef>
+            <a:fillRef idx="0">
+              <a:schemeClr val="accent1"/>
+            </a:fillRef>
+            <a:effectRef idx="0">
+              <a:schemeClr val="accent1"/>
+            </a:effectRef>
+            <a:fontRef idx="minor">
               <a:schemeClr val="tx1"/>
-            </a:solidFill>
-          </a:ln>
-        </p:spPr>
-        <p:style>
-          <a:lnRef idx="2">
-            <a:schemeClr val="accent1">
-              <a:shade val="50000"/>
-            </a:schemeClr>
-          </a:lnRef>
-          <a:fillRef idx="1">
-            <a:schemeClr val="accent1"/>
-          </a:fillRef>
-          <a:effectRef idx="0">
-            <a:schemeClr val="accent1"/>
-          </a:effectRef>
-          <a:fontRef idx="minor">
-            <a:schemeClr val="lt1"/>
-          </a:fontRef>
-        </p:style>
-        <p:txBody>
-          <a:bodyPr rtlCol="0" anchor="ctr"/>
-          <a:lstStyle/>
-          <a:p>
-            <a:pPr algn="ctr"/>
-            <a:r>
-              <a:rPr lang="en-US" altLang="ko-KR" sz="1400" dirty="0" smtClean="0">
-                <a:solidFill>
-                  <a:schemeClr val="tx1"/>
-                </a:solidFill>
-              </a:rPr>
-              <a:t>Facility </a:t>
-            </a:r>
-            <a:r>
-              <a:rPr lang="en-US" altLang="ko-KR" sz="1400" dirty="0" smtClean="0">
-                <a:solidFill>
-                  <a:schemeClr val="tx1"/>
-                </a:solidFill>
-              </a:rPr>
-              <a:t>Controller</a:t>
-            </a:r>
-          </a:p>
-          <a:p>
-            <a:pPr algn="ctr"/>
-            <a:r>
-              <a:rPr lang="en-US" altLang="ko-KR" sz="1400" dirty="0" smtClean="0">
-                <a:solidFill>
-                  <a:schemeClr val="tx1"/>
-                </a:solidFill>
-              </a:rPr>
-              <a:t>#n</a:t>
-            </a:r>
-            <a:endParaRPr lang="ko-KR" altLang="en-US" sz="1400" dirty="0">
+            </a:fontRef>
+          </p:style>
+        </p:cxnSp>
+        <p:sp>
+          <p:nvSpPr>
+            <p:cNvPr id="23" name="TextBox 22"/>
+            <p:cNvSpPr txBox="1"/>
+            <p:nvPr/>
+          </p:nvSpPr>
+          <p:spPr>
+            <a:xfrm>
+              <a:off x="5079730" y="3170037"/>
+              <a:ext cx="851515" cy="261610"/>
+            </a:xfrm>
+            <a:prstGeom prst="rect">
+              <a:avLst/>
+            </a:prstGeom>
+            <a:noFill/>
+          </p:spPr>
+          <p:txBody>
+            <a:bodyPr wrap="none" rtlCol="0">
+              <a:spAutoFit/>
+            </a:bodyPr>
+            <a:lstStyle/>
+            <a:p>
+              <a:r>
+                <a:rPr lang="en-US" altLang="ko-KR" sz="1100" dirty="0" smtClean="0"/>
+                <a:t>Read/Write</a:t>
+              </a:r>
+              <a:endParaRPr lang="ko-KR" altLang="en-US" sz="1100"/>
+            </a:p>
+          </p:txBody>
+        </p:sp>
+        <p:cxnSp>
+          <p:nvCxnSpPr>
+            <p:cNvPr id="72" name="직선 화살표 연결선 71"/>
+            <p:cNvCxnSpPr>
+              <a:stCxn id="41" idx="2"/>
+            </p:cNvCxnSpPr>
+            <p:nvPr/>
+          </p:nvCxnSpPr>
+          <p:spPr>
+            <a:xfrm flipH="1">
+              <a:off x="6442273" y="2471202"/>
+              <a:ext cx="774193" cy="983445"/>
+            </a:xfrm>
+            <a:prstGeom prst="straightConnector1">
+              <a:avLst/>
+            </a:prstGeom>
+            <a:ln w="12700">
               <a:solidFill>
                 <a:schemeClr val="tx1"/>
               </a:solidFill>
-            </a:endParaRPr>
-          </a:p>
-        </p:txBody>
-      </p:sp>
-      <p:sp>
-        <p:nvSpPr>
-          <p:cNvPr id="44" name="직사각형 43"/>
-          <p:cNvSpPr/>
-          <p:nvPr/>
-        </p:nvSpPr>
-        <p:spPr>
-          <a:xfrm>
-            <a:off x="4762533" y="2298497"/>
-            <a:ext cx="542952" cy="360000"/>
-          </a:xfrm>
-          <a:prstGeom prst="rect">
-            <a:avLst/>
-          </a:prstGeom>
-          <a:noFill/>
-          <a:ln>
+              <a:prstDash val="dash"/>
+              <a:headEnd type="triangle"/>
+              <a:tailEnd type="none"/>
+            </a:ln>
+          </p:spPr>
+          <p:style>
+            <a:lnRef idx="1">
+              <a:schemeClr val="accent1"/>
+            </a:lnRef>
+            <a:fillRef idx="0">
+              <a:schemeClr val="accent1"/>
+            </a:fillRef>
+            <a:effectRef idx="0">
+              <a:schemeClr val="accent1"/>
+            </a:effectRef>
+            <a:fontRef idx="minor">
+              <a:schemeClr val="tx1"/>
+            </a:fontRef>
+          </p:style>
+        </p:cxnSp>
+        <p:sp>
+          <p:nvSpPr>
+            <p:cNvPr id="75" name="TextBox 74"/>
+            <p:cNvSpPr txBox="1"/>
+            <p:nvPr/>
+          </p:nvSpPr>
+          <p:spPr>
+            <a:xfrm>
+              <a:off x="6676466" y="3102572"/>
+              <a:ext cx="473206" cy="261610"/>
+            </a:xfrm>
+            <a:prstGeom prst="rect">
+              <a:avLst/>
+            </a:prstGeom>
             <a:noFill/>
-          </a:ln>
-        </p:spPr>
-        <p:style>
-          <a:lnRef idx="2">
-            <a:schemeClr val="accent1">
-              <a:shade val="50000"/>
-            </a:schemeClr>
-          </a:lnRef>
-          <a:fillRef idx="1">
-            <a:schemeClr val="accent1"/>
-          </a:fillRef>
-          <a:effectRef idx="0">
-            <a:schemeClr val="accent1"/>
-          </a:effectRef>
-          <a:fontRef idx="minor">
-            <a:schemeClr val="lt1"/>
-          </a:fontRef>
-        </p:style>
-        <p:txBody>
-          <a:bodyPr lIns="72000" rIns="72000" rtlCol="0" anchor="ctr"/>
-          <a:lstStyle/>
-          <a:p>
-            <a:pPr algn="ctr"/>
-            <a:r>
-              <a:rPr lang="en-US" altLang="ko-KR" b="1" dirty="0" smtClean="0">
-                <a:solidFill>
-                  <a:schemeClr val="tx1"/>
-                </a:solidFill>
-              </a:rPr>
-              <a:t>…</a:t>
-            </a:r>
-            <a:endParaRPr lang="ko-KR" altLang="en-US" b="1">
+          </p:spPr>
+          <p:txBody>
+            <a:bodyPr wrap="none" rtlCol="0">
+              <a:spAutoFit/>
+            </a:bodyPr>
+            <a:lstStyle/>
+            <a:p>
+              <a:r>
+                <a:rPr lang="en-US" altLang="ko-KR" sz="1100" dirty="0" smtClean="0"/>
+                <a:t>Read</a:t>
+              </a:r>
+              <a:endParaRPr lang="ko-KR" altLang="en-US" sz="1100"/>
+            </a:p>
+          </p:txBody>
+        </p:sp>
+        <p:cxnSp>
+          <p:nvCxnSpPr>
+            <p:cNvPr id="30" name="직선 화살표 연결선 29"/>
+            <p:cNvCxnSpPr/>
+            <p:nvPr/>
+          </p:nvCxnSpPr>
+          <p:spPr>
+            <a:xfrm flipH="1">
+              <a:off x="3561795" y="2089462"/>
+              <a:ext cx="766886" cy="1"/>
+            </a:xfrm>
+            <a:prstGeom prst="straightConnector1">
+              <a:avLst/>
+            </a:prstGeom>
+            <a:ln w="12700">
               <a:solidFill>
                 <a:schemeClr val="tx1"/>
               </a:solidFill>
-            </a:endParaRPr>
-          </a:p>
-        </p:txBody>
-      </p:sp>
-      <p:sp>
-        <p:nvSpPr>
-          <p:cNvPr id="49" name="모서리가 둥근 직사각형 48"/>
-          <p:cNvSpPr/>
-          <p:nvPr/>
-        </p:nvSpPr>
-        <p:spPr>
-          <a:xfrm>
-            <a:off x="1549272" y="3951448"/>
-            <a:ext cx="1080000" cy="720000"/>
-          </a:xfrm>
-          <a:prstGeom prst="roundRect">
-            <a:avLst>
-              <a:gd name="adj" fmla="val 9611"/>
-            </a:avLst>
-          </a:prstGeom>
-          <a:solidFill>
-            <a:schemeClr val="bg1"/>
-          </a:solidFill>
-          <a:ln w="12700">
-            <a:solidFill>
+              <a:prstDash val="sysDot"/>
+              <a:headEnd type="triangle"/>
+              <a:tailEnd type="triangle"/>
+            </a:ln>
+          </p:spPr>
+          <p:style>
+            <a:lnRef idx="1">
+              <a:schemeClr val="accent1"/>
+            </a:lnRef>
+            <a:fillRef idx="0">
+              <a:schemeClr val="accent1"/>
+            </a:fillRef>
+            <a:effectRef idx="0">
+              <a:schemeClr val="accent1"/>
+            </a:effectRef>
+            <a:fontRef idx="minor">
               <a:schemeClr val="tx1"/>
-            </a:solidFill>
-          </a:ln>
-        </p:spPr>
-        <p:style>
-          <a:lnRef idx="2">
-            <a:schemeClr val="accent1">
-              <a:shade val="50000"/>
-            </a:schemeClr>
-          </a:lnRef>
-          <a:fillRef idx="1">
-            <a:schemeClr val="accent1"/>
-          </a:fillRef>
-          <a:effectRef idx="0">
-            <a:schemeClr val="accent1"/>
-          </a:effectRef>
-          <a:fontRef idx="minor">
-            <a:schemeClr val="lt1"/>
-          </a:fontRef>
-        </p:style>
-        <p:txBody>
-          <a:bodyPr rtlCol="0" anchor="ctr"/>
-          <a:lstStyle/>
-          <a:p>
-            <a:pPr algn="ctr"/>
-            <a:r>
-              <a:rPr lang="en-US" altLang="ko-KR" sz="1400" dirty="0" smtClean="0">
-                <a:solidFill>
-                  <a:schemeClr val="tx1"/>
-                </a:solidFill>
-              </a:rPr>
-              <a:t>Web Service</a:t>
-            </a:r>
-            <a:endParaRPr lang="ko-KR" altLang="en-US" sz="1400" dirty="0">
+            </a:fontRef>
+          </p:style>
+        </p:cxnSp>
+        <p:cxnSp>
+          <p:nvCxnSpPr>
+            <p:cNvPr id="86" name="직선 화살표 연결선 85"/>
+            <p:cNvCxnSpPr/>
+            <p:nvPr/>
+          </p:nvCxnSpPr>
+          <p:spPr>
+            <a:xfrm flipV="1">
+              <a:off x="2999022" y="5069136"/>
+              <a:ext cx="473312" cy="1246"/>
+            </a:xfrm>
+            <a:prstGeom prst="straightConnector1">
+              <a:avLst/>
+            </a:prstGeom>
+            <a:ln w="12700">
               <a:solidFill>
                 <a:schemeClr val="tx1"/>
               </a:solidFill>
-            </a:endParaRPr>
-          </a:p>
-        </p:txBody>
-      </p:sp>
-      <p:sp>
-        <p:nvSpPr>
-          <p:cNvPr id="101" name="직사각형 100"/>
-          <p:cNvSpPr/>
-          <p:nvPr/>
-        </p:nvSpPr>
-        <p:spPr>
-          <a:xfrm>
-            <a:off x="2221468" y="2034386"/>
-            <a:ext cx="1224000" cy="1008000"/>
-          </a:xfrm>
-          <a:prstGeom prst="rect">
-            <a:avLst/>
-          </a:prstGeom>
-          <a:pattFill prst="dkUpDiag">
-            <a:fgClr>
-              <a:schemeClr val="bg1">
-                <a:lumMod val="75000"/>
-              </a:schemeClr>
-            </a:fgClr>
-            <a:bgClr>
-              <a:schemeClr val="bg1"/>
-            </a:bgClr>
-          </a:pattFill>
-        </p:spPr>
-        <p:style>
-          <a:lnRef idx="2">
-            <a:schemeClr val="accent3">
-              <a:shade val="50000"/>
-            </a:schemeClr>
-          </a:lnRef>
-          <a:fillRef idx="1">
-            <a:schemeClr val="accent3"/>
-          </a:fillRef>
-          <a:effectRef idx="0">
-            <a:schemeClr val="accent3"/>
-          </a:effectRef>
-          <a:fontRef idx="minor">
-            <a:schemeClr val="lt1"/>
-          </a:fontRef>
-        </p:style>
-        <p:txBody>
-          <a:bodyPr rtlCol="0" anchor="ctr"/>
-          <a:lstStyle/>
-          <a:p>
-            <a:pPr algn="ctr"/>
-            <a:endParaRPr lang="ko-KR" altLang="en-US"/>
-          </a:p>
-        </p:txBody>
-      </p:sp>
-      <p:sp>
-        <p:nvSpPr>
-          <p:cNvPr id="102" name="모서리가 둥근 직사각형 101"/>
-          <p:cNvSpPr/>
-          <p:nvPr/>
-        </p:nvSpPr>
-        <p:spPr>
-          <a:xfrm>
-            <a:off x="2347468" y="2178386"/>
-            <a:ext cx="972000" cy="720000"/>
-          </a:xfrm>
-          <a:prstGeom prst="roundRect">
-            <a:avLst>
-              <a:gd name="adj" fmla="val 9611"/>
-            </a:avLst>
-          </a:prstGeom>
-          <a:solidFill>
-            <a:schemeClr val="bg1"/>
-          </a:solidFill>
-          <a:ln w="12700">
-            <a:solidFill>
+              <a:prstDash val="sysDot"/>
+              <a:headEnd type="triangle"/>
+              <a:tailEnd type="triangle"/>
+            </a:ln>
+          </p:spPr>
+          <p:style>
+            <a:lnRef idx="1">
+              <a:schemeClr val="accent1"/>
+            </a:lnRef>
+            <a:fillRef idx="0">
+              <a:schemeClr val="accent1"/>
+            </a:fillRef>
+            <a:effectRef idx="0">
+              <a:schemeClr val="accent1"/>
+            </a:effectRef>
+            <a:fontRef idx="minor">
               <a:schemeClr val="tx1"/>
-            </a:solidFill>
-          </a:ln>
-        </p:spPr>
-        <p:style>
-          <a:lnRef idx="2">
-            <a:schemeClr val="accent1">
-              <a:shade val="50000"/>
-            </a:schemeClr>
-          </a:lnRef>
-          <a:fillRef idx="1">
-            <a:schemeClr val="accent1"/>
-          </a:fillRef>
-          <a:effectRef idx="0">
-            <a:schemeClr val="accent1"/>
-          </a:effectRef>
-          <a:fontRef idx="minor">
-            <a:schemeClr val="lt1"/>
-          </a:fontRef>
-        </p:style>
-        <p:txBody>
-          <a:bodyPr rtlCol="0" anchor="ctr"/>
-          <a:lstStyle/>
-          <a:p>
-            <a:pPr algn="ctr"/>
-            <a:r>
-              <a:rPr lang="en-US" altLang="ko-KR" sz="1400" dirty="0" smtClean="0">
-                <a:solidFill>
-                  <a:schemeClr val="tx1"/>
-                </a:solidFill>
-              </a:rPr>
-              <a:t>Web Browser</a:t>
-            </a:r>
-            <a:endParaRPr lang="ko-KR" altLang="en-US" sz="1400" dirty="0">
+            </a:fontRef>
+          </p:style>
+        </p:cxnSp>
+        <p:sp>
+          <p:nvSpPr>
+            <p:cNvPr id="89" name="TextBox 88"/>
+            <p:cNvSpPr txBox="1"/>
+            <p:nvPr/>
+          </p:nvSpPr>
+          <p:spPr>
+            <a:xfrm>
+              <a:off x="3527216" y="4922914"/>
+              <a:ext cx="1210291" cy="261610"/>
+            </a:xfrm>
+            <a:prstGeom prst="rect">
+              <a:avLst/>
+            </a:prstGeom>
+            <a:noFill/>
+          </p:spPr>
+          <p:txBody>
+            <a:bodyPr wrap="square" rtlCol="0">
+              <a:spAutoFit/>
+            </a:bodyPr>
+            <a:lstStyle/>
+            <a:p>
+              <a:r>
+                <a:rPr lang="en-US" altLang="ko-KR" sz="1100" dirty="0" smtClean="0"/>
+                <a:t>Call-Return</a:t>
+              </a:r>
+              <a:endParaRPr lang="ko-KR" altLang="en-US" sz="1100"/>
+            </a:p>
+          </p:txBody>
+        </p:sp>
+        <p:sp>
+          <p:nvSpPr>
+            <p:cNvPr id="91" name="직사각형 90"/>
+            <p:cNvSpPr/>
+            <p:nvPr/>
+          </p:nvSpPr>
+          <p:spPr>
+            <a:xfrm>
+              <a:off x="358572" y="825893"/>
+              <a:ext cx="7971521" cy="5393681"/>
+            </a:xfrm>
+            <a:prstGeom prst="rect">
+              <a:avLst/>
+            </a:prstGeom>
+            <a:noFill/>
+            <a:ln>
               <a:solidFill>
                 <a:schemeClr val="tx1"/>
               </a:solidFill>
-            </a:endParaRPr>
-          </a:p>
-        </p:txBody>
-      </p:sp>
-      <p:sp>
-        <p:nvSpPr>
-          <p:cNvPr id="105" name="직사각형 104"/>
-          <p:cNvSpPr/>
-          <p:nvPr/>
-        </p:nvSpPr>
-        <p:spPr>
-          <a:xfrm>
-            <a:off x="729982" y="2042706"/>
-            <a:ext cx="1224000" cy="1008000"/>
-          </a:xfrm>
-          <a:prstGeom prst="rect">
-            <a:avLst/>
-          </a:prstGeom>
-          <a:pattFill prst="dkUpDiag">
-            <a:fgClr>
-              <a:schemeClr val="bg1">
-                <a:lumMod val="75000"/>
+            </a:ln>
+          </p:spPr>
+          <p:style>
+            <a:lnRef idx="2">
+              <a:schemeClr val="accent1">
+                <a:shade val="50000"/>
               </a:schemeClr>
-            </a:fgClr>
-            <a:bgClr>
-              <a:schemeClr val="bg1"/>
-            </a:bgClr>
-          </a:pattFill>
-        </p:spPr>
-        <p:style>
-          <a:lnRef idx="2">
-            <a:schemeClr val="accent3">
-              <a:shade val="50000"/>
-            </a:schemeClr>
-          </a:lnRef>
-          <a:fillRef idx="1">
-            <a:schemeClr val="accent3"/>
-          </a:fillRef>
-          <a:effectRef idx="0">
-            <a:schemeClr val="accent3"/>
-          </a:effectRef>
-          <a:fontRef idx="minor">
-            <a:schemeClr val="lt1"/>
-          </a:fontRef>
-        </p:style>
-        <p:txBody>
-          <a:bodyPr rtlCol="0" anchor="ctr"/>
-          <a:lstStyle/>
-          <a:p>
-            <a:pPr algn="ctr"/>
-            <a:endParaRPr lang="ko-KR" altLang="en-US"/>
-          </a:p>
-        </p:txBody>
-      </p:sp>
-      <p:sp>
-        <p:nvSpPr>
-          <p:cNvPr id="106" name="모서리가 둥근 직사각형 105"/>
-          <p:cNvSpPr/>
-          <p:nvPr/>
-        </p:nvSpPr>
-        <p:spPr>
-          <a:xfrm>
-            <a:off x="855982" y="2186706"/>
-            <a:ext cx="972000" cy="720000"/>
-          </a:xfrm>
-          <a:prstGeom prst="roundRect">
-            <a:avLst>
-              <a:gd name="adj" fmla="val 9611"/>
-            </a:avLst>
-          </a:prstGeom>
-          <a:solidFill>
-            <a:schemeClr val="bg1"/>
-          </a:solidFill>
-          <a:ln w="12700">
-            <a:solidFill>
-              <a:schemeClr val="tx1"/>
-            </a:solidFill>
-          </a:ln>
-        </p:spPr>
-        <p:style>
-          <a:lnRef idx="2">
-            <a:schemeClr val="accent1">
-              <a:shade val="50000"/>
-            </a:schemeClr>
-          </a:lnRef>
-          <a:fillRef idx="1">
-            <a:schemeClr val="accent1"/>
-          </a:fillRef>
-          <a:effectRef idx="0">
-            <a:schemeClr val="accent1"/>
-          </a:effectRef>
-          <a:fontRef idx="minor">
-            <a:schemeClr val="lt1"/>
-          </a:fontRef>
-        </p:style>
-        <p:txBody>
-          <a:bodyPr rtlCol="0" anchor="ctr"/>
-          <a:lstStyle/>
-          <a:p>
-            <a:pPr algn="ctr"/>
-            <a:r>
-              <a:rPr lang="en-US" altLang="ko-KR" sz="1400" dirty="0" smtClean="0">
-                <a:solidFill>
-                  <a:schemeClr val="tx1"/>
-                </a:solidFill>
-              </a:rPr>
-              <a:t>Web Browser</a:t>
-            </a:r>
-            <a:endParaRPr lang="ko-KR" altLang="en-US" sz="1400" dirty="0">
-              <a:solidFill>
-                <a:schemeClr val="tx1"/>
-              </a:solidFill>
-            </a:endParaRPr>
-          </a:p>
-        </p:txBody>
-      </p:sp>
-      <p:cxnSp>
-        <p:nvCxnSpPr>
-          <p:cNvPr id="127" name="직선 화살표 연결선 126"/>
-          <p:cNvCxnSpPr>
-            <a:stCxn id="49" idx="3"/>
-            <a:endCxn id="7" idx="1"/>
-          </p:cNvCxnSpPr>
-          <p:nvPr/>
-        </p:nvCxnSpPr>
-        <p:spPr>
-          <a:xfrm flipV="1">
-            <a:off x="2629272" y="4303329"/>
-            <a:ext cx="1863877" cy="8119"/>
-          </a:xfrm>
-          <a:prstGeom prst="straightConnector1">
-            <a:avLst/>
-          </a:prstGeom>
-          <a:ln w="44450" cmpd="sng">
-            <a:solidFill>
-              <a:schemeClr val="tx1"/>
-            </a:solidFill>
-            <a:headEnd type="triangle" w="med" len="med"/>
-            <a:tailEnd type="triangle" w="med" len="med"/>
-          </a:ln>
-        </p:spPr>
-        <p:style>
-          <a:lnRef idx="1">
-            <a:schemeClr val="accent1"/>
-          </a:lnRef>
-          <a:fillRef idx="0">
-            <a:schemeClr val="accent1"/>
-          </a:fillRef>
-          <a:effectRef idx="0">
-            <a:schemeClr val="accent1"/>
-          </a:effectRef>
-          <a:fontRef idx="minor">
-            <a:schemeClr val="tx1"/>
-          </a:fontRef>
-        </p:style>
-      </p:cxnSp>
-      <p:cxnSp>
-        <p:nvCxnSpPr>
-          <p:cNvPr id="130" name="직선 화살표 연결선 129"/>
-          <p:cNvCxnSpPr>
-            <a:stCxn id="101" idx="2"/>
-            <a:endCxn id="49" idx="0"/>
-          </p:cNvCxnSpPr>
-          <p:nvPr/>
-        </p:nvCxnSpPr>
-        <p:spPr>
-          <a:xfrm flipH="1">
-            <a:off x="2089272" y="3042386"/>
-            <a:ext cx="744196" cy="909062"/>
-          </a:xfrm>
-          <a:prstGeom prst="straightConnector1">
-            <a:avLst/>
-          </a:prstGeom>
-          <a:ln w="44450" cmpd="sng">
-            <a:solidFill>
-              <a:schemeClr val="tx1"/>
-            </a:solidFill>
-            <a:headEnd type="triangle" w="med" len="med"/>
-            <a:tailEnd type="triangle" w="med" len="med"/>
-          </a:ln>
-        </p:spPr>
-        <p:style>
-          <a:lnRef idx="1">
-            <a:schemeClr val="accent1"/>
-          </a:lnRef>
-          <a:fillRef idx="0">
-            <a:schemeClr val="accent1"/>
-          </a:fillRef>
-          <a:effectRef idx="0">
-            <a:schemeClr val="accent1"/>
-          </a:effectRef>
-          <a:fontRef idx="minor">
-            <a:schemeClr val="tx1"/>
-          </a:fontRef>
-        </p:style>
-      </p:cxnSp>
-      <p:cxnSp>
-        <p:nvCxnSpPr>
-          <p:cNvPr id="152" name="직선 화살표 연결선 151"/>
-          <p:cNvCxnSpPr>
-            <a:stCxn id="13" idx="4"/>
-            <a:endCxn id="7" idx="2"/>
-          </p:cNvCxnSpPr>
-          <p:nvPr/>
-        </p:nvCxnSpPr>
-        <p:spPr>
-          <a:xfrm flipV="1">
-            <a:off x="4101210" y="4663329"/>
-            <a:ext cx="931939" cy="963684"/>
-          </a:xfrm>
-          <a:prstGeom prst="bentConnector2">
-            <a:avLst/>
-          </a:prstGeom>
-          <a:ln w="44450" cmpd="sng">
-            <a:solidFill>
-              <a:schemeClr val="tx1"/>
-            </a:solidFill>
-            <a:headEnd type="triangle" w="med" len="med"/>
-            <a:tailEnd type="triangle" w="med" len="med"/>
-          </a:ln>
-        </p:spPr>
-        <p:style>
-          <a:lnRef idx="1">
-            <a:schemeClr val="accent1"/>
-          </a:lnRef>
-          <a:fillRef idx="0">
-            <a:schemeClr val="accent1"/>
-          </a:fillRef>
-          <a:effectRef idx="0">
-            <a:schemeClr val="accent1"/>
-          </a:effectRef>
-          <a:fontRef idx="minor">
-            <a:schemeClr val="tx1"/>
-          </a:fontRef>
-        </p:style>
-      </p:cxnSp>
-      <p:cxnSp>
-        <p:nvCxnSpPr>
-          <p:cNvPr id="155" name="직선 화살표 연결선 151"/>
-          <p:cNvCxnSpPr>
-            <a:stCxn id="13" idx="2"/>
-            <a:endCxn id="49" idx="2"/>
-          </p:cNvCxnSpPr>
-          <p:nvPr/>
-        </p:nvCxnSpPr>
-        <p:spPr>
-          <a:xfrm rot="10800000">
-            <a:off x="2089272" y="4671449"/>
-            <a:ext cx="931938" cy="955565"/>
-          </a:xfrm>
-          <a:prstGeom prst="bentConnector2">
-            <a:avLst/>
-          </a:prstGeom>
-          <a:ln w="44450" cmpd="sng">
-            <a:solidFill>
-              <a:schemeClr val="tx1"/>
-            </a:solidFill>
-            <a:headEnd type="none" w="med" len="med"/>
-            <a:tailEnd type="triangle" w="med" len="med"/>
-          </a:ln>
-        </p:spPr>
-        <p:style>
-          <a:lnRef idx="1">
-            <a:schemeClr val="accent1"/>
-          </a:lnRef>
-          <a:fillRef idx="0">
-            <a:schemeClr val="accent1"/>
-          </a:fillRef>
-          <a:effectRef idx="0">
-            <a:schemeClr val="accent1"/>
-          </a:effectRef>
-          <a:fontRef idx="minor">
-            <a:schemeClr val="tx1"/>
-          </a:fontRef>
-        </p:style>
-      </p:cxnSp>
-      <p:sp>
-        <p:nvSpPr>
-          <p:cNvPr id="161" name="직사각형 160"/>
-          <p:cNvSpPr/>
-          <p:nvPr/>
-        </p:nvSpPr>
-        <p:spPr>
-          <a:xfrm>
-            <a:off x="6768751" y="2828734"/>
-            <a:ext cx="432000" cy="324000"/>
-          </a:xfrm>
-          <a:prstGeom prst="rect">
-            <a:avLst/>
-          </a:prstGeom>
-          <a:solidFill>
-            <a:schemeClr val="bg1">
-              <a:lumMod val="75000"/>
-            </a:schemeClr>
-          </a:solidFill>
-        </p:spPr>
-        <p:style>
-          <a:lnRef idx="2">
-            <a:schemeClr val="accent3">
-              <a:shade val="50000"/>
-            </a:schemeClr>
-          </a:lnRef>
-          <a:fillRef idx="1">
-            <a:schemeClr val="accent3"/>
-          </a:fillRef>
-          <a:effectRef idx="0">
-            <a:schemeClr val="accent3"/>
-          </a:effectRef>
-          <a:fontRef idx="minor">
-            <a:schemeClr val="lt1"/>
-          </a:fontRef>
-        </p:style>
-        <p:txBody>
-          <a:bodyPr rtlCol="0" anchor="ctr"/>
-          <a:lstStyle/>
-          <a:p>
-            <a:pPr algn="ctr"/>
-            <a:endParaRPr lang="ko-KR" altLang="en-US"/>
-          </a:p>
-        </p:txBody>
-      </p:sp>
-      <p:sp>
-        <p:nvSpPr>
-          <p:cNvPr id="162" name="직사각형 161"/>
-          <p:cNvSpPr/>
-          <p:nvPr/>
-        </p:nvSpPr>
-        <p:spPr>
-          <a:xfrm>
-            <a:off x="6760143" y="3350793"/>
-            <a:ext cx="432000" cy="324000"/>
-          </a:xfrm>
-          <a:prstGeom prst="rect">
-            <a:avLst/>
-          </a:prstGeom>
-          <a:pattFill prst="dkUpDiag">
-            <a:fgClr>
-              <a:schemeClr val="bg1">
-                <a:lumMod val="75000"/>
-              </a:schemeClr>
-            </a:fgClr>
-            <a:bgClr>
-              <a:schemeClr val="bg1"/>
-            </a:bgClr>
-          </a:pattFill>
-        </p:spPr>
-        <p:style>
-          <a:lnRef idx="2">
-            <a:schemeClr val="accent3">
-              <a:shade val="50000"/>
-            </a:schemeClr>
-          </a:lnRef>
-          <a:fillRef idx="1">
-            <a:schemeClr val="accent3"/>
-          </a:fillRef>
-          <a:effectRef idx="0">
-            <a:schemeClr val="accent3"/>
-          </a:effectRef>
-          <a:fontRef idx="minor">
-            <a:schemeClr val="lt1"/>
-          </a:fontRef>
-        </p:style>
-        <p:txBody>
-          <a:bodyPr rtlCol="0" anchor="ctr"/>
-          <a:lstStyle/>
-          <a:p>
-            <a:pPr algn="ctr"/>
-            <a:endParaRPr lang="ko-KR" altLang="en-US"/>
-          </a:p>
-        </p:txBody>
-      </p:sp>
-      <p:sp>
-        <p:nvSpPr>
-          <p:cNvPr id="163" name="정육면체 162"/>
-          <p:cNvSpPr/>
-          <p:nvPr/>
-        </p:nvSpPr>
-        <p:spPr>
-          <a:xfrm>
-            <a:off x="6760143" y="3877720"/>
-            <a:ext cx="432000" cy="324000"/>
-          </a:xfrm>
-          <a:prstGeom prst="cube">
-            <a:avLst>
-              <a:gd name="adj" fmla="val 6712"/>
-            </a:avLst>
-          </a:prstGeom>
-          <a:solidFill>
-            <a:schemeClr val="bg1">
-              <a:lumMod val="75000"/>
-            </a:schemeClr>
-          </a:solidFill>
-        </p:spPr>
-        <p:style>
-          <a:lnRef idx="2">
-            <a:schemeClr val="accent3">
-              <a:shade val="50000"/>
-            </a:schemeClr>
-          </a:lnRef>
-          <a:fillRef idx="1">
-            <a:schemeClr val="accent3"/>
-          </a:fillRef>
-          <a:effectRef idx="0">
-            <a:schemeClr val="accent3"/>
-          </a:effectRef>
-          <a:fontRef idx="minor">
-            <a:schemeClr val="lt1"/>
-          </a:fontRef>
-        </p:style>
-        <p:txBody>
-          <a:bodyPr rtlCol="0" anchor="ctr"/>
-          <a:lstStyle/>
-          <a:p>
-            <a:pPr algn="ctr"/>
-            <a:endParaRPr lang="ko-KR" altLang="en-US"/>
-          </a:p>
-        </p:txBody>
-      </p:sp>
-      <p:cxnSp>
-        <p:nvCxnSpPr>
-          <p:cNvPr id="165" name="직선 화살표 연결선 164"/>
-          <p:cNvCxnSpPr/>
-          <p:nvPr/>
-        </p:nvCxnSpPr>
-        <p:spPr>
-          <a:xfrm flipV="1">
-            <a:off x="6760143" y="5374543"/>
-            <a:ext cx="432000" cy="2110"/>
-          </a:xfrm>
-          <a:prstGeom prst="straightConnector1">
-            <a:avLst/>
-          </a:prstGeom>
-          <a:ln w="44450" cmpd="sng">
-            <a:solidFill>
-              <a:schemeClr val="tx1"/>
-            </a:solidFill>
-            <a:headEnd type="triangle" w="med" len="med"/>
-            <a:tailEnd type="triangle" w="med" len="med"/>
-          </a:ln>
-        </p:spPr>
-        <p:style>
-          <a:lnRef idx="1">
-            <a:schemeClr val="accent1"/>
-          </a:lnRef>
-          <a:fillRef idx="0">
-            <a:schemeClr val="accent1"/>
-          </a:fillRef>
-          <a:effectRef idx="0">
-            <a:schemeClr val="accent1"/>
-          </a:effectRef>
-          <a:fontRef idx="minor">
-            <a:schemeClr val="tx1"/>
-          </a:fontRef>
-        </p:style>
-      </p:cxnSp>
-      <p:cxnSp>
-        <p:nvCxnSpPr>
-          <p:cNvPr id="37" name="직선 화살표 연결선 36"/>
-          <p:cNvCxnSpPr>
-            <a:stCxn id="105" idx="2"/>
-            <a:endCxn id="49" idx="0"/>
-          </p:cNvCxnSpPr>
-          <p:nvPr/>
-        </p:nvCxnSpPr>
-        <p:spPr>
-          <a:xfrm>
-            <a:off x="1341982" y="3050706"/>
-            <a:ext cx="747290" cy="900742"/>
-          </a:xfrm>
-          <a:prstGeom prst="straightConnector1">
-            <a:avLst/>
-          </a:prstGeom>
-          <a:ln w="44450" cmpd="sng">
-            <a:solidFill>
-              <a:schemeClr val="tx1"/>
-            </a:solidFill>
-            <a:headEnd type="triangle" w="med" len="med"/>
-            <a:tailEnd type="triangle" w="med" len="med"/>
-          </a:ln>
-        </p:spPr>
-        <p:style>
-          <a:lnRef idx="1">
-            <a:schemeClr val="accent1"/>
-          </a:lnRef>
-          <a:fillRef idx="0">
-            <a:schemeClr val="accent1"/>
-          </a:fillRef>
-          <a:effectRef idx="0">
-            <a:schemeClr val="accent1"/>
-          </a:effectRef>
-          <a:fontRef idx="minor">
-            <a:schemeClr val="tx1"/>
-          </a:fontRef>
-        </p:style>
-      </p:cxnSp>
-      <p:cxnSp>
-        <p:nvCxnSpPr>
-          <p:cNvPr id="39" name="직선 화살표 연결선 38"/>
-          <p:cNvCxnSpPr>
-            <a:stCxn id="4" idx="2"/>
-            <a:endCxn id="7" idx="0"/>
-          </p:cNvCxnSpPr>
-          <p:nvPr/>
-        </p:nvCxnSpPr>
-        <p:spPr>
-          <a:xfrm>
-            <a:off x="4284054" y="3055815"/>
-            <a:ext cx="749095" cy="887514"/>
-          </a:xfrm>
-          <a:prstGeom prst="straightConnector1">
-            <a:avLst/>
-          </a:prstGeom>
-          <a:ln w="44450" cmpd="sng">
-            <a:solidFill>
-              <a:schemeClr val="tx1"/>
-            </a:solidFill>
-            <a:headEnd type="triangle" w="med" len="med"/>
-            <a:tailEnd type="triangle" w="med" len="med"/>
-          </a:ln>
-        </p:spPr>
-        <p:style>
-          <a:lnRef idx="1">
-            <a:schemeClr val="accent1"/>
-          </a:lnRef>
-          <a:fillRef idx="0">
-            <a:schemeClr val="accent1"/>
-          </a:fillRef>
-          <a:effectRef idx="0">
-            <a:schemeClr val="accent1"/>
-          </a:effectRef>
-          <a:fontRef idx="minor">
-            <a:schemeClr val="tx1"/>
-          </a:fontRef>
-        </p:style>
-      </p:cxnSp>
-      <p:cxnSp>
-        <p:nvCxnSpPr>
-          <p:cNvPr id="43" name="직선 화살표 연결선 42"/>
-          <p:cNvCxnSpPr>
-            <a:stCxn id="32" idx="2"/>
-            <a:endCxn id="7" idx="0"/>
-          </p:cNvCxnSpPr>
-          <p:nvPr/>
-        </p:nvCxnSpPr>
-        <p:spPr>
-          <a:xfrm flipH="1">
-            <a:off x="5033149" y="3051315"/>
-            <a:ext cx="738067" cy="892014"/>
-          </a:xfrm>
-          <a:prstGeom prst="straightConnector1">
-            <a:avLst/>
-          </a:prstGeom>
-          <a:ln w="44450" cmpd="sng">
-            <a:solidFill>
-              <a:schemeClr val="tx1"/>
-            </a:solidFill>
-            <a:headEnd type="triangle" w="med" len="med"/>
-            <a:tailEnd type="triangle" w="med" len="med"/>
-          </a:ln>
-        </p:spPr>
-        <p:style>
-          <a:lnRef idx="1">
-            <a:schemeClr val="accent1"/>
-          </a:lnRef>
-          <a:fillRef idx="0">
-            <a:schemeClr val="accent1"/>
-          </a:fillRef>
-          <a:effectRef idx="0">
-            <a:schemeClr val="accent1"/>
-          </a:effectRef>
-          <a:fontRef idx="minor">
-            <a:schemeClr val="tx1"/>
-          </a:fontRef>
-        </p:style>
-      </p:cxnSp>
-      <p:sp>
-        <p:nvSpPr>
-          <p:cNvPr id="47" name="직사각형 46"/>
-          <p:cNvSpPr/>
-          <p:nvPr/>
-        </p:nvSpPr>
-        <p:spPr>
-          <a:xfrm>
-            <a:off x="6761244" y="5735013"/>
-            <a:ext cx="430899" cy="324000"/>
-          </a:xfrm>
-          <a:prstGeom prst="rect">
-            <a:avLst/>
-          </a:prstGeom>
-          <a:noFill/>
-          <a:ln w="31750">
-            <a:solidFill>
-              <a:srgbClr val="FF0000"/>
-            </a:solidFill>
-            <a:prstDash val="sysDash"/>
-          </a:ln>
-        </p:spPr>
-        <p:style>
-          <a:lnRef idx="2">
-            <a:schemeClr val="dk1"/>
-          </a:lnRef>
-          <a:fillRef idx="1">
-            <a:schemeClr val="lt1"/>
-          </a:fillRef>
-          <a:effectRef idx="0">
-            <a:schemeClr val="dk1"/>
-          </a:effectRef>
-          <a:fontRef idx="minor">
-            <a:schemeClr val="dk1"/>
-          </a:fontRef>
-        </p:style>
-        <p:txBody>
-          <a:bodyPr rtlCol="0" anchor="ctr"/>
-          <a:lstStyle/>
-          <a:p>
-            <a:pPr algn="ctr"/>
-            <a:endParaRPr lang="ko-KR" altLang="en-US"/>
-          </a:p>
-        </p:txBody>
-      </p:sp>
+            </a:lnRef>
+            <a:fillRef idx="1">
+              <a:schemeClr val="accent1"/>
+            </a:fillRef>
+            <a:effectRef idx="0">
+              <a:schemeClr val="accent1"/>
+            </a:effectRef>
+            <a:fontRef idx="minor">
+              <a:schemeClr val="lt1"/>
+            </a:fontRef>
+          </p:style>
+          <p:txBody>
+            <a:bodyPr rtlCol="0" anchor="ctr"/>
+            <a:lstStyle/>
+            <a:p>
+              <a:pPr algn="ctr"/>
+              <a:endParaRPr lang="ko-KR" altLang="en-US"/>
+            </a:p>
+          </p:txBody>
+        </p:sp>
+      </p:grpSp>
     </p:spTree>
     <p:extLst>
       <p:ext uri="{BB962C8B-B14F-4D97-AF65-F5344CB8AC3E}">
@@ -6341,15 +6370,7 @@
                   <a:schemeClr val="tx1"/>
                 </a:solidFill>
               </a:rPr>
-              <a:t> </a:t>
-            </a:r>
-            <a:r>
-              <a:rPr lang="en-US" altLang="ko-KR" sz="1400" dirty="0" smtClean="0">
-                <a:solidFill>
-                  <a:schemeClr val="tx1"/>
-                </a:solidFill>
-              </a:rPr>
-              <a:t>Manager-A</a:t>
+              <a:t> Manager-A</a:t>
             </a:r>
             <a:endParaRPr lang="ko-KR" altLang="en-US" sz="1400" dirty="0">
               <a:solidFill>
@@ -6411,15 +6432,7 @@
                   <a:schemeClr val="tx1"/>
                 </a:solidFill>
               </a:rPr>
-              <a:t>Facility </a:t>
-            </a:r>
-            <a:r>
-              <a:rPr lang="en-US" altLang="ko-KR" sz="1400" dirty="0" smtClean="0">
-                <a:solidFill>
-                  <a:schemeClr val="tx1"/>
-                </a:solidFill>
-              </a:rPr>
-              <a:t>Controller #1</a:t>
+              <a:t>Facility Controller #1</a:t>
             </a:r>
             <a:endParaRPr lang="ko-KR" altLang="en-US" sz="1400" dirty="0">
               <a:solidFill>
@@ -6807,13 +6820,7 @@
                         <a:rPr lang="en-US" altLang="ko-KR" sz="1400" baseline="0" dirty="0" smtClean="0">
                           <a:latin typeface="+mn-lt"/>
                         </a:rPr>
-                        <a:t> </a:t>
-                      </a:r>
-                      <a:r>
-                        <a:rPr lang="en-US" altLang="ko-KR" sz="1400" baseline="0" dirty="0" smtClean="0">
-                          <a:latin typeface="+mn-lt"/>
-                        </a:rPr>
-                        <a:t>Connection</a:t>
+                        <a:t> Connection</a:t>
                       </a:r>
                       <a:endParaRPr lang="ko-KR" altLang="en-US" sz="1400">
                         <a:latin typeface="+mn-lt"/>
@@ -7053,15 +7060,7 @@
                   <a:schemeClr val="tx1"/>
                 </a:solidFill>
               </a:rPr>
-              <a:t>Facility </a:t>
-            </a:r>
-            <a:r>
-              <a:rPr lang="en-US" altLang="ko-KR" sz="1400" dirty="0" smtClean="0">
-                <a:solidFill>
-                  <a:schemeClr val="tx1"/>
-                </a:solidFill>
-              </a:rPr>
-              <a:t>Controller</a:t>
+              <a:t>Facility Controller</a:t>
             </a:r>
           </a:p>
           <a:p>
@@ -8315,11 +8314,7 @@
           <a:p>
             <a:r>
               <a:rPr lang="en-US" altLang="ko-KR" dirty="0" smtClean="0"/>
-              <a:t>Physical </a:t>
-            </a:r>
-            <a:r>
-              <a:rPr lang="en-US" altLang="ko-KR" dirty="0" smtClean="0"/>
-              <a:t>View (Demo System)</a:t>
+              <a:t>Physical View (Demo System)</a:t>
             </a:r>
             <a:endParaRPr lang="ko-KR" altLang="en-US"/>
           </a:p>
@@ -8385,15 +8380,7 @@
                   <a:schemeClr val="tx1"/>
                 </a:solidFill>
               </a:rPr>
-              <a:t> </a:t>
-            </a:r>
-            <a:r>
-              <a:rPr lang="en-US" altLang="ko-KR" sz="1400" dirty="0" smtClean="0">
-                <a:solidFill>
-                  <a:schemeClr val="tx1"/>
-                </a:solidFill>
-              </a:rPr>
-              <a:t>Manager-A</a:t>
+              <a:t> Manager-A</a:t>
             </a:r>
             <a:endParaRPr lang="ko-KR" altLang="en-US" sz="1400" dirty="0">
               <a:solidFill>
@@ -8455,15 +8442,7 @@
                   <a:schemeClr val="tx1"/>
                 </a:solidFill>
               </a:rPr>
-              <a:t>Facility </a:t>
-            </a:r>
-            <a:r>
-              <a:rPr lang="en-US" altLang="ko-KR" sz="1400" dirty="0" smtClean="0">
-                <a:solidFill>
-                  <a:schemeClr val="tx1"/>
-                </a:solidFill>
-              </a:rPr>
-              <a:t>Controller #1</a:t>
+              <a:t>Facility Controller #1</a:t>
             </a:r>
             <a:endParaRPr lang="ko-KR" altLang="en-US" sz="1400" dirty="0">
               <a:solidFill>
@@ -8851,13 +8830,7 @@
                         <a:rPr lang="en-US" altLang="ko-KR" sz="1400" baseline="0" dirty="0" smtClean="0">
                           <a:latin typeface="+mn-lt"/>
                         </a:rPr>
-                        <a:t> </a:t>
-                      </a:r>
-                      <a:r>
-                        <a:rPr lang="en-US" altLang="ko-KR" sz="1400" baseline="0" dirty="0" smtClean="0">
-                          <a:latin typeface="+mn-lt"/>
-                        </a:rPr>
-                        <a:t>Connection</a:t>
+                        <a:t> Connection</a:t>
                       </a:r>
                       <a:endParaRPr lang="ko-KR" altLang="en-US" sz="1400">
                         <a:latin typeface="+mn-lt"/>
@@ -9974,15 +9947,7 @@
                   <a:schemeClr val="tx1"/>
                 </a:solidFill>
               </a:rPr>
-              <a:t> </a:t>
-            </a:r>
-            <a:r>
-              <a:rPr lang="en-US" altLang="ko-KR" sz="1400" dirty="0" smtClean="0">
-                <a:solidFill>
-                  <a:schemeClr val="tx1"/>
-                </a:solidFill>
-              </a:rPr>
-              <a:t>Manager-A</a:t>
+              <a:t> Manager-A</a:t>
             </a:r>
             <a:endParaRPr lang="ko-KR" altLang="en-US" sz="1400" dirty="0">
               <a:solidFill>
@@ -10152,15 +10117,7 @@
                   <a:schemeClr val="tx1"/>
                 </a:solidFill>
               </a:rPr>
-              <a:t>Facility </a:t>
-            </a:r>
-            <a:r>
-              <a:rPr lang="en-US" altLang="ko-KR" sz="1400" dirty="0" smtClean="0">
-                <a:solidFill>
-                  <a:schemeClr val="tx1"/>
-                </a:solidFill>
-              </a:rPr>
-              <a:t>Controller</a:t>
+              <a:t>Facility Controller</a:t>
             </a:r>
             <a:endParaRPr lang="ko-KR" altLang="en-US" sz="1400" dirty="0">
               <a:solidFill>
@@ -11742,15 +11699,7 @@
                   <a:schemeClr val="tx1"/>
                 </a:solidFill>
               </a:rPr>
-              <a:t> </a:t>
-            </a:r>
-            <a:r>
-              <a:rPr lang="en-US" altLang="ko-KR" sz="1200" dirty="0" smtClean="0">
-                <a:solidFill>
-                  <a:schemeClr val="tx1"/>
-                </a:solidFill>
-              </a:rPr>
-              <a:t>Manager-A</a:t>
+              <a:t> Manager-A</a:t>
             </a:r>
             <a:endParaRPr lang="ko-KR" altLang="en-US" sz="1200" dirty="0">
               <a:solidFill>
@@ -11812,15 +11761,7 @@
                   <a:schemeClr val="tx1"/>
                 </a:solidFill>
               </a:rPr>
-              <a:t>Facility </a:t>
-            </a:r>
-            <a:r>
-              <a:rPr lang="en-US" altLang="ko-KR" sz="1200" dirty="0" smtClean="0">
-                <a:solidFill>
-                  <a:schemeClr val="tx1"/>
-                </a:solidFill>
-              </a:rPr>
-              <a:t>Controller #1</a:t>
+              <a:t>Facility Controller #1</a:t>
             </a:r>
             <a:endParaRPr lang="ko-KR" altLang="en-US" sz="1200" dirty="0">
               <a:solidFill>
@@ -12006,15 +11947,7 @@
                   <a:schemeClr val="tx1"/>
                 </a:solidFill>
               </a:rPr>
-              <a:t>Facility </a:t>
-            </a:r>
-            <a:r>
-              <a:rPr lang="en-US" altLang="ko-KR" sz="1200" dirty="0" smtClean="0">
-                <a:solidFill>
-                  <a:schemeClr val="tx1"/>
-                </a:solidFill>
-              </a:rPr>
-              <a:t>Controller #n</a:t>
+              <a:t>Facility Controller #n</a:t>
             </a:r>
             <a:endParaRPr lang="ko-KR" altLang="en-US" sz="1200" dirty="0">
               <a:solidFill>
@@ -13499,15 +13432,7 @@
                   <a:schemeClr val="tx1"/>
                 </a:solidFill>
               </a:rPr>
-              <a:t>Shares </a:t>
-            </a:r>
-            <a:r>
-              <a:rPr lang="en-US" altLang="ko-KR" sz="1400" dirty="0" smtClean="0">
-                <a:solidFill>
-                  <a:schemeClr val="tx1"/>
-                </a:solidFill>
-              </a:rPr>
-              <a:t>common protocol</a:t>
+              <a:t>Shares common protocol</a:t>
             </a:r>
             <a:endParaRPr lang="ko-KR" altLang="en-US" sz="1400">
               <a:solidFill>
@@ -13577,31 +13502,7 @@
                   <a:schemeClr val="tx1"/>
                 </a:solidFill>
               </a:rPr>
-              <a:t>Shares </a:t>
-            </a:r>
-            <a:r>
-              <a:rPr lang="en-US" altLang="ko-KR" sz="1400" dirty="0" smtClean="0">
-                <a:solidFill>
-                  <a:schemeClr val="tx1"/>
-                </a:solidFill>
-              </a:rPr>
-              <a:t>common </a:t>
-            </a:r>
-            <a:r>
-              <a:rPr lang="en-US" altLang="ko-KR" sz="1400" dirty="0" smtClean="0">
-                <a:solidFill>
-                  <a:schemeClr val="tx1"/>
-                </a:solidFill>
-              </a:rPr>
-              <a:t>DB</a:t>
-            </a:r>
-            <a:r>
-              <a:rPr lang="en-US" altLang="ko-KR" sz="1400" dirty="0" smtClean="0">
-                <a:solidFill>
-                  <a:schemeClr val="tx1"/>
-                </a:solidFill>
-              </a:rPr>
-              <a:t> schema using JSON</a:t>
+              <a:t>Shares common DB schema using JSON</a:t>
             </a:r>
             <a:endParaRPr lang="ko-KR" altLang="en-US" sz="1400">
               <a:solidFill>

--- a/cmu/SurePark/Pictures_v1.1.pptx
+++ b/cmu/SurePark/Pictures_v1.1.pptx
@@ -276,7 +276,7 @@
           <a:p>
             <a:fld id="{30D46686-9C38-4F0D-B0C6-D73A6F36E862}" type="datetimeFigureOut">
               <a:rPr lang="ko-KR" altLang="en-US" smtClean="0"/>
-              <a:t>2016-06-19</a:t>
+              <a:t>2016-06-20</a:t>
             </a:fld>
             <a:endParaRPr lang="ko-KR" altLang="en-US"/>
           </a:p>
@@ -446,7 +446,7 @@
           <a:p>
             <a:fld id="{30D46686-9C38-4F0D-B0C6-D73A6F36E862}" type="datetimeFigureOut">
               <a:rPr lang="ko-KR" altLang="en-US" smtClean="0"/>
-              <a:t>2016-06-19</a:t>
+              <a:t>2016-06-20</a:t>
             </a:fld>
             <a:endParaRPr lang="ko-KR" altLang="en-US"/>
           </a:p>
@@ -626,7 +626,7 @@
           <a:p>
             <a:fld id="{30D46686-9C38-4F0D-B0C6-D73A6F36E862}" type="datetimeFigureOut">
               <a:rPr lang="ko-KR" altLang="en-US" smtClean="0"/>
-              <a:t>2016-06-19</a:t>
+              <a:t>2016-06-20</a:t>
             </a:fld>
             <a:endParaRPr lang="ko-KR" altLang="en-US"/>
           </a:p>
@@ -796,7 +796,7 @@
           <a:p>
             <a:fld id="{30D46686-9C38-4F0D-B0C6-D73A6F36E862}" type="datetimeFigureOut">
               <a:rPr lang="ko-KR" altLang="en-US" smtClean="0"/>
-              <a:t>2016-06-19</a:t>
+              <a:t>2016-06-20</a:t>
             </a:fld>
             <a:endParaRPr lang="ko-KR" altLang="en-US"/>
           </a:p>
@@ -1040,7 +1040,7 @@
           <a:p>
             <a:fld id="{30D46686-9C38-4F0D-B0C6-D73A6F36E862}" type="datetimeFigureOut">
               <a:rPr lang="ko-KR" altLang="en-US" smtClean="0"/>
-              <a:t>2016-06-19</a:t>
+              <a:t>2016-06-20</a:t>
             </a:fld>
             <a:endParaRPr lang="ko-KR" altLang="en-US"/>
           </a:p>
@@ -1272,7 +1272,7 @@
           <a:p>
             <a:fld id="{30D46686-9C38-4F0D-B0C6-D73A6F36E862}" type="datetimeFigureOut">
               <a:rPr lang="ko-KR" altLang="en-US" smtClean="0"/>
-              <a:t>2016-06-19</a:t>
+              <a:t>2016-06-20</a:t>
             </a:fld>
             <a:endParaRPr lang="ko-KR" altLang="en-US"/>
           </a:p>
@@ -1639,7 +1639,7 @@
           <a:p>
             <a:fld id="{30D46686-9C38-4F0D-B0C6-D73A6F36E862}" type="datetimeFigureOut">
               <a:rPr lang="ko-KR" altLang="en-US" smtClean="0"/>
-              <a:t>2016-06-19</a:t>
+              <a:t>2016-06-20</a:t>
             </a:fld>
             <a:endParaRPr lang="ko-KR" altLang="en-US"/>
           </a:p>
@@ -1757,7 +1757,7 @@
           <a:p>
             <a:fld id="{30D46686-9C38-4F0D-B0C6-D73A6F36E862}" type="datetimeFigureOut">
               <a:rPr lang="ko-KR" altLang="en-US" smtClean="0"/>
-              <a:t>2016-06-19</a:t>
+              <a:t>2016-06-20</a:t>
             </a:fld>
             <a:endParaRPr lang="ko-KR" altLang="en-US"/>
           </a:p>
@@ -1852,7 +1852,7 @@
           <a:p>
             <a:fld id="{30D46686-9C38-4F0D-B0C6-D73A6F36E862}" type="datetimeFigureOut">
               <a:rPr lang="ko-KR" altLang="en-US" smtClean="0"/>
-              <a:t>2016-06-19</a:t>
+              <a:t>2016-06-20</a:t>
             </a:fld>
             <a:endParaRPr lang="ko-KR" altLang="en-US"/>
           </a:p>
@@ -2129,7 +2129,7 @@
           <a:p>
             <a:fld id="{30D46686-9C38-4F0D-B0C6-D73A6F36E862}" type="datetimeFigureOut">
               <a:rPr lang="ko-KR" altLang="en-US" smtClean="0"/>
-              <a:t>2016-06-19</a:t>
+              <a:t>2016-06-20</a:t>
             </a:fld>
             <a:endParaRPr lang="ko-KR" altLang="en-US"/>
           </a:p>
@@ -2386,7 +2386,7 @@
           <a:p>
             <a:fld id="{30D46686-9C38-4F0D-B0C6-D73A6F36E862}" type="datetimeFigureOut">
               <a:rPr lang="ko-KR" altLang="en-US" smtClean="0"/>
-              <a:t>2016-06-19</a:t>
+              <a:t>2016-06-20</a:t>
             </a:fld>
             <a:endParaRPr lang="ko-KR" altLang="en-US"/>
           </a:p>
@@ -2599,7 +2599,7 @@
           <a:p>
             <a:fld id="{30D46686-9C38-4F0D-B0C6-D73A6F36E862}" type="datetimeFigureOut">
               <a:rPr lang="ko-KR" altLang="en-US" smtClean="0"/>
-              <a:t>2016-06-19</a:t>
+              <a:t>2016-06-20</a:t>
             </a:fld>
             <a:endParaRPr lang="ko-KR" altLang="en-US"/>
           </a:p>
@@ -3093,17 +3093,51 @@
           <a:chExt cx="0" cy="0"/>
         </a:xfrm>
       </p:grpSpPr>
+      <p:sp>
+        <p:nvSpPr>
+          <p:cNvPr id="64" name="TextBox 63"/>
+          <p:cNvSpPr txBox="1"/>
+          <p:nvPr/>
+        </p:nvSpPr>
+        <p:spPr>
+          <a:xfrm>
+            <a:off x="659027" y="378941"/>
+            <a:ext cx="3163110" cy="369332"/>
+          </a:xfrm>
+          <a:prstGeom prst="rect">
+            <a:avLst/>
+          </a:prstGeom>
+          <a:noFill/>
+        </p:spPr>
+        <p:txBody>
+          <a:bodyPr wrap="none" rtlCol="0">
+            <a:spAutoFit/>
+          </a:bodyPr>
+          <a:lstStyle/>
+          <a:p>
+            <a:r>
+              <a:rPr lang="en-US" altLang="ko-KR" dirty="0" err="1" smtClean="0"/>
+              <a:t>SurePark</a:t>
+            </a:r>
+            <a:r>
+              <a:rPr lang="en-US" altLang="ko-KR" dirty="0" smtClean="0"/>
+              <a:t> Manager – Static View</a:t>
+            </a:r>
+            <a:endParaRPr lang="ko-KR" altLang="en-US"/>
+          </a:p>
+        </p:txBody>
+      </p:sp>
       <p:grpSp>
         <p:nvGrpSpPr>
-          <p:cNvPr id="63" name="그룹 62"/>
+          <p:cNvPr id="27" name="그룹 26"/>
           <p:cNvGrpSpPr/>
           <p:nvPr/>
         </p:nvGrpSpPr>
         <p:grpSpPr>
           <a:xfrm>
-            <a:off x="455787" y="1023601"/>
+            <a:off x="464841" y="996440"/>
             <a:ext cx="7971521" cy="5393681"/>
-            <a:chOff x="455787" y="570514"/>
+            <a:chOff x="464841" y="996440"/>
             <a:chExt cx="7971521" cy="5393681"/>
           </a:xfrm>
         </p:grpSpPr>
@@ -3115,7 +3149,7 @@
           </p:nvSpPr>
           <p:spPr>
             <a:xfrm>
-              <a:off x="766116" y="887999"/>
+              <a:off x="775170" y="1313925"/>
               <a:ext cx="4555525" cy="3288585"/>
             </a:xfrm>
             <a:prstGeom prst="rect">
@@ -3162,7 +3196,7 @@
           </p:nvGrpSpPr>
           <p:grpSpPr>
             <a:xfrm>
-              <a:off x="1207535" y="1136231"/>
+              <a:off x="1216589" y="1562157"/>
               <a:ext cx="1498913" cy="1148940"/>
               <a:chOff x="969671" y="2167565"/>
               <a:chExt cx="1944000" cy="1440000"/>
@@ -3287,7 +3321,7 @@
           </p:nvGrpSpPr>
           <p:grpSpPr>
             <a:xfrm>
-              <a:off x="3346541" y="1108238"/>
+              <a:off x="3355595" y="1534164"/>
               <a:ext cx="1489039" cy="1176934"/>
               <a:chOff x="969671" y="4516440"/>
               <a:chExt cx="1944000" cy="1440000"/>
@@ -3412,7 +3446,7 @@
           </p:nvGrpSpPr>
           <p:grpSpPr>
             <a:xfrm>
-              <a:off x="1222185" y="2628699"/>
+              <a:off x="1231239" y="3054625"/>
               <a:ext cx="1469612" cy="1204357"/>
               <a:chOff x="4051117" y="4516440"/>
               <a:chExt cx="1944000" cy="1440000"/>
@@ -3537,7 +3571,7 @@
           </p:nvSpPr>
           <p:spPr>
             <a:xfrm>
-              <a:off x="3496895" y="3152854"/>
+              <a:off x="3505949" y="3578780"/>
               <a:ext cx="1019750" cy="944968"/>
             </a:xfrm>
             <a:prstGeom prst="foldedCorner">
@@ -3623,7 +3657,7 @@
           </p:nvSpPr>
           <p:spPr>
             <a:xfrm>
-              <a:off x="5531871" y="2681878"/>
+              <a:off x="5540925" y="3107804"/>
               <a:ext cx="2295396" cy="919599"/>
             </a:xfrm>
             <a:prstGeom prst="foldedCorner">
@@ -3675,23 +3709,7 @@
                     <a:schemeClr val="tx1"/>
                   </a:solidFill>
                 </a:rPr>
-                <a:t>Shares </a:t>
-              </a:r>
-              <a:r>
-                <a:rPr lang="en-US" altLang="ko-KR" sz="1400" dirty="0" smtClean="0">
-                  <a:solidFill>
-                    <a:schemeClr val="tx1"/>
-                  </a:solidFill>
-                </a:rPr>
-                <a:t>common DB </a:t>
-              </a:r>
-              <a:r>
-                <a:rPr lang="en-US" altLang="ko-KR" sz="1400" dirty="0" smtClean="0">
-                  <a:solidFill>
-                    <a:schemeClr val="tx1"/>
-                  </a:solidFill>
-                </a:rPr>
-                <a:t>schema</a:t>
+                <a:t>Shares common DB schema</a:t>
               </a:r>
             </a:p>
             <a:p>
@@ -3733,7 +3751,7 @@
           </p:nvCxnSpPr>
           <p:spPr>
             <a:xfrm>
-              <a:off x="2537158" y="3502510"/>
+              <a:off x="2546212" y="3928436"/>
               <a:ext cx="959737" cy="122828"/>
             </a:xfrm>
             <a:prstGeom prst="line">
@@ -3770,7 +3788,7 @@
           </p:nvCxnSpPr>
           <p:spPr>
             <a:xfrm>
-              <a:off x="4756909" y="1716111"/>
+              <a:off x="4765963" y="2142037"/>
               <a:ext cx="1336354" cy="972806"/>
             </a:xfrm>
             <a:prstGeom prst="line">
@@ -3807,7 +3825,7 @@
           </p:nvSpPr>
           <p:spPr>
             <a:xfrm>
-              <a:off x="3707025" y="4413826"/>
+              <a:off x="3716079" y="4839752"/>
               <a:ext cx="4200179" cy="1270826"/>
             </a:xfrm>
             <a:prstGeom prst="rect">
@@ -3853,7 +3871,7 @@
           </p:nvSpPr>
           <p:spPr>
             <a:xfrm>
-              <a:off x="3713705" y="4439349"/>
+              <a:off x="3722759" y="4865275"/>
               <a:ext cx="1637800" cy="360000"/>
             </a:xfrm>
             <a:prstGeom prst="rect">
@@ -3908,7 +3926,7 @@
           </p:nvGrpSpPr>
           <p:grpSpPr>
             <a:xfrm>
-              <a:off x="3906743" y="5271926"/>
+              <a:off x="3915797" y="5697852"/>
               <a:ext cx="336756" cy="263021"/>
               <a:chOff x="5057814" y="590160"/>
               <a:chExt cx="1944000" cy="1440000"/>
@@ -4025,7 +4043,7 @@
           </p:nvSpPr>
           <p:spPr>
             <a:xfrm>
-              <a:off x="6259763" y="4845608"/>
+              <a:off x="6268817" y="5271534"/>
               <a:ext cx="378377" cy="276614"/>
             </a:xfrm>
             <a:prstGeom prst="foldedCorner">
@@ -4087,7 +4105,7 @@
           </p:nvSpPr>
           <p:spPr>
             <a:xfrm>
-              <a:off x="455787" y="570514"/>
+              <a:off x="464841" y="996440"/>
               <a:ext cx="7971521" cy="5393681"/>
             </a:xfrm>
             <a:prstGeom prst="rect">
@@ -4133,7 +4151,7 @@
           </p:nvCxnSpPr>
           <p:spPr>
             <a:xfrm flipH="1">
-              <a:off x="2713342" y="1730256"/>
+              <a:off x="2722396" y="2156182"/>
               <a:ext cx="605615" cy="1423"/>
             </a:xfrm>
             <a:prstGeom prst="straightConnector1">
@@ -4167,7 +4185,7 @@
           </p:nvCxnSpPr>
           <p:spPr>
             <a:xfrm flipH="1" flipV="1">
-              <a:off x="2439856" y="2285173"/>
+              <a:off x="2448910" y="2711099"/>
               <a:ext cx="6782" cy="466265"/>
             </a:xfrm>
             <a:prstGeom prst="straightConnector1">
@@ -4201,7 +4219,7 @@
           </p:nvCxnSpPr>
           <p:spPr>
             <a:xfrm flipV="1">
-              <a:off x="5231314" y="5385722"/>
+              <a:off x="5240368" y="5811648"/>
               <a:ext cx="424168" cy="12201"/>
             </a:xfrm>
             <a:prstGeom prst="straightConnector1">
@@ -4235,7 +4253,7 @@
           </p:nvGrpSpPr>
           <p:grpSpPr>
             <a:xfrm>
-              <a:off x="1207535" y="4350107"/>
+              <a:off x="1216589" y="4776033"/>
               <a:ext cx="1498913" cy="1148940"/>
               <a:chOff x="969671" y="2167565"/>
               <a:chExt cx="1944000" cy="1440000"/>
@@ -4360,7 +4378,7 @@
           </p:nvGrpSpPr>
           <p:grpSpPr>
             <a:xfrm>
-              <a:off x="5816789" y="1225827"/>
+              <a:off x="5825843" y="1651753"/>
               <a:ext cx="1492962" cy="1071945"/>
               <a:chOff x="969671" y="2167565"/>
               <a:chExt cx="1944000" cy="1440000"/>
@@ -4498,7 +4516,7 @@
           </p:nvCxnSpPr>
           <p:spPr>
             <a:xfrm flipV="1">
-              <a:off x="2446638" y="3625338"/>
+              <a:off x="2455692" y="4051264"/>
               <a:ext cx="1050257" cy="1299239"/>
             </a:xfrm>
             <a:prstGeom prst="line">
@@ -4535,7 +4553,7 @@
           </p:nvSpPr>
           <p:spPr>
             <a:xfrm>
-              <a:off x="3890483" y="4845608"/>
+              <a:off x="3899537" y="5271534"/>
               <a:ext cx="353016" cy="276614"/>
             </a:xfrm>
             <a:prstGeom prst="rect">
@@ -4582,7 +4600,7 @@
           </p:nvSpPr>
           <p:spPr>
             <a:xfrm>
-              <a:off x="4277795" y="4849585"/>
+              <a:off x="4286849" y="5275511"/>
               <a:ext cx="1981968" cy="261610"/>
             </a:xfrm>
             <a:prstGeom prst="rect">
@@ -4616,7 +4634,7 @@
           </p:nvSpPr>
           <p:spPr>
             <a:xfrm>
-              <a:off x="4360521" y="5267118"/>
+              <a:off x="4369575" y="5693044"/>
               <a:ext cx="769931" cy="261610"/>
             </a:xfrm>
             <a:prstGeom prst="rect">
@@ -4646,7 +4664,7 @@
           </p:nvSpPr>
           <p:spPr>
             <a:xfrm>
-              <a:off x="6653683" y="4845608"/>
+              <a:off x="6662737" y="5271534"/>
               <a:ext cx="769931" cy="261610"/>
             </a:xfrm>
             <a:prstGeom prst="rect">
@@ -4676,7 +4694,7 @@
           </p:nvSpPr>
           <p:spPr>
             <a:xfrm>
-              <a:off x="5690386" y="5269619"/>
+              <a:off x="5699440" y="5695545"/>
               <a:ext cx="474691" cy="261610"/>
             </a:xfrm>
             <a:prstGeom prst="rect">
@@ -4706,7 +4724,7 @@
           </p:nvCxnSpPr>
           <p:spPr>
             <a:xfrm flipH="1">
-              <a:off x="6090965" y="2176927"/>
+              <a:off x="6100019" y="2602853"/>
               <a:ext cx="550609" cy="505101"/>
             </a:xfrm>
             <a:prstGeom prst="line">
@@ -4735,41 +4753,75 @@
             </a:fontRef>
           </p:style>
         </p:cxnSp>
+        <p:cxnSp>
+          <p:nvCxnSpPr>
+            <p:cNvPr id="42" name="직선 화살표 연결선 41"/>
+            <p:cNvCxnSpPr/>
+            <p:nvPr/>
+          </p:nvCxnSpPr>
+          <p:spPr>
+            <a:xfrm flipV="1">
+              <a:off x="2722396" y="2552370"/>
+              <a:ext cx="624868" cy="606066"/>
+            </a:xfrm>
+            <a:prstGeom prst="straightConnector1">
+              <a:avLst/>
+            </a:prstGeom>
+            <a:ln w="12700">
+              <a:prstDash val="dash"/>
+              <a:tailEnd type="triangle"/>
+            </a:ln>
+          </p:spPr>
+          <p:style>
+            <a:lnRef idx="1">
+              <a:schemeClr val="dk1"/>
+            </a:lnRef>
+            <a:fillRef idx="0">
+              <a:schemeClr val="dk1"/>
+            </a:fillRef>
+            <a:effectRef idx="0">
+              <a:schemeClr val="dk1"/>
+            </a:effectRef>
+            <a:fontRef idx="minor">
+              <a:schemeClr val="tx1"/>
+            </a:fontRef>
+          </p:style>
+        </p:cxnSp>
+        <p:cxnSp>
+          <p:nvCxnSpPr>
+            <p:cNvPr id="45" name="직선 화살표 연결선 44"/>
+            <p:cNvCxnSpPr/>
+            <p:nvPr/>
+          </p:nvCxnSpPr>
+          <p:spPr>
+            <a:xfrm flipH="1">
+              <a:off x="2700851" y="2692653"/>
+              <a:ext cx="646414" cy="610618"/>
+            </a:xfrm>
+            <a:prstGeom prst="straightConnector1">
+              <a:avLst/>
+            </a:prstGeom>
+            <a:ln w="12700">
+              <a:prstDash val="dash"/>
+              <a:tailEnd type="triangle"/>
+            </a:ln>
+          </p:spPr>
+          <p:style>
+            <a:lnRef idx="1">
+              <a:schemeClr val="dk1"/>
+            </a:lnRef>
+            <a:fillRef idx="0">
+              <a:schemeClr val="dk1"/>
+            </a:fillRef>
+            <a:effectRef idx="0">
+              <a:schemeClr val="dk1"/>
+            </a:effectRef>
+            <a:fontRef idx="minor">
+              <a:schemeClr val="tx1"/>
+            </a:fontRef>
+          </p:style>
+        </p:cxnSp>
       </p:grpSp>
-      <p:sp>
-        <p:nvSpPr>
-          <p:cNvPr id="64" name="TextBox 63"/>
-          <p:cNvSpPr txBox="1"/>
-          <p:nvPr/>
-        </p:nvSpPr>
-        <p:spPr>
-          <a:xfrm>
-            <a:off x="659027" y="378941"/>
-            <a:ext cx="3163110" cy="369332"/>
-          </a:xfrm>
-          <a:prstGeom prst="rect">
-            <a:avLst/>
-          </a:prstGeom>
-          <a:noFill/>
-        </p:spPr>
-        <p:txBody>
-          <a:bodyPr wrap="none" rtlCol="0">
-            <a:spAutoFit/>
-          </a:bodyPr>
-          <a:lstStyle/>
-          <a:p>
-            <a:r>
-              <a:rPr lang="en-US" altLang="ko-KR" dirty="0" err="1" smtClean="0"/>
-              <a:t>SurePark</a:t>
-            </a:r>
-            <a:r>
-              <a:rPr lang="en-US" altLang="ko-KR" dirty="0" smtClean="0"/>
-              <a:t> Manager – Static View</a:t>
-            </a:r>
-            <a:endParaRPr lang="ko-KR" altLang="en-US"/>
-          </a:p>
-        </p:txBody>
-      </p:sp>
     </p:spTree>
     <p:extLst>
       <p:ext uri="{BB962C8B-B14F-4D97-AF65-F5344CB8AC3E}">
@@ -4969,15 +5021,7 @@
                     <a:schemeClr val="tx1"/>
                   </a:solidFill>
                 </a:rPr>
-                <a:t>Facility </a:t>
-              </a:r>
-              <a:r>
-                <a:rPr lang="en-US" altLang="ko-KR" sz="1400" dirty="0" smtClean="0">
-                  <a:solidFill>
-                    <a:schemeClr val="tx1"/>
-                  </a:solidFill>
-                </a:rPr>
-                <a:t>Controller</a:t>
+                <a:t>Facility Controller</a:t>
               </a:r>
               <a:endParaRPr lang="ko-KR" altLang="en-US" sz="1400" dirty="0">
                 <a:solidFill>

--- a/cmu/SurePark/Pictures_v1.1.pptx
+++ b/cmu/SurePark/Pictures_v1.1.pptx
@@ -16,6 +16,7 @@
     <p:sldId id="266" r:id="rId10"/>
     <p:sldId id="267" r:id="rId11"/>
     <p:sldId id="268" r:id="rId12"/>
+    <p:sldId id="270" r:id="rId13"/>
   </p:sldIdLst>
   <p:sldSz cx="9144000" cy="6858000" type="screen4x3"/>
   <p:notesSz cx="6858000" cy="9144000"/>
@@ -276,7 +277,7 @@
           <a:p>
             <a:fld id="{30D46686-9C38-4F0D-B0C6-D73A6F36E862}" type="datetimeFigureOut">
               <a:rPr lang="ko-KR" altLang="en-US" smtClean="0"/>
-              <a:t>2016-06-20</a:t>
+              <a:t>2016-06-21</a:t>
             </a:fld>
             <a:endParaRPr lang="ko-KR" altLang="en-US"/>
           </a:p>
@@ -446,7 +447,7 @@
           <a:p>
             <a:fld id="{30D46686-9C38-4F0D-B0C6-D73A6F36E862}" type="datetimeFigureOut">
               <a:rPr lang="ko-KR" altLang="en-US" smtClean="0"/>
-              <a:t>2016-06-20</a:t>
+              <a:t>2016-06-21</a:t>
             </a:fld>
             <a:endParaRPr lang="ko-KR" altLang="en-US"/>
           </a:p>
@@ -626,7 +627,7 @@
           <a:p>
             <a:fld id="{30D46686-9C38-4F0D-B0C6-D73A6F36E862}" type="datetimeFigureOut">
               <a:rPr lang="ko-KR" altLang="en-US" smtClean="0"/>
-              <a:t>2016-06-20</a:t>
+              <a:t>2016-06-21</a:t>
             </a:fld>
             <a:endParaRPr lang="ko-KR" altLang="en-US"/>
           </a:p>
@@ -796,7 +797,7 @@
           <a:p>
             <a:fld id="{30D46686-9C38-4F0D-B0C6-D73A6F36E862}" type="datetimeFigureOut">
               <a:rPr lang="ko-KR" altLang="en-US" smtClean="0"/>
-              <a:t>2016-06-20</a:t>
+              <a:t>2016-06-21</a:t>
             </a:fld>
             <a:endParaRPr lang="ko-KR" altLang="en-US"/>
           </a:p>
@@ -1040,7 +1041,7 @@
           <a:p>
             <a:fld id="{30D46686-9C38-4F0D-B0C6-D73A6F36E862}" type="datetimeFigureOut">
               <a:rPr lang="ko-KR" altLang="en-US" smtClean="0"/>
-              <a:t>2016-06-20</a:t>
+              <a:t>2016-06-21</a:t>
             </a:fld>
             <a:endParaRPr lang="ko-KR" altLang="en-US"/>
           </a:p>
@@ -1272,7 +1273,7 @@
           <a:p>
             <a:fld id="{30D46686-9C38-4F0D-B0C6-D73A6F36E862}" type="datetimeFigureOut">
               <a:rPr lang="ko-KR" altLang="en-US" smtClean="0"/>
-              <a:t>2016-06-20</a:t>
+              <a:t>2016-06-21</a:t>
             </a:fld>
             <a:endParaRPr lang="ko-KR" altLang="en-US"/>
           </a:p>
@@ -1639,7 +1640,7 @@
           <a:p>
             <a:fld id="{30D46686-9C38-4F0D-B0C6-D73A6F36E862}" type="datetimeFigureOut">
               <a:rPr lang="ko-KR" altLang="en-US" smtClean="0"/>
-              <a:t>2016-06-20</a:t>
+              <a:t>2016-06-21</a:t>
             </a:fld>
             <a:endParaRPr lang="ko-KR" altLang="en-US"/>
           </a:p>
@@ -1757,7 +1758,7 @@
           <a:p>
             <a:fld id="{30D46686-9C38-4F0D-B0C6-D73A6F36E862}" type="datetimeFigureOut">
               <a:rPr lang="ko-KR" altLang="en-US" smtClean="0"/>
-              <a:t>2016-06-20</a:t>
+              <a:t>2016-06-21</a:t>
             </a:fld>
             <a:endParaRPr lang="ko-KR" altLang="en-US"/>
           </a:p>
@@ -1852,7 +1853,7 @@
           <a:p>
             <a:fld id="{30D46686-9C38-4F0D-B0C6-D73A6F36E862}" type="datetimeFigureOut">
               <a:rPr lang="ko-KR" altLang="en-US" smtClean="0"/>
-              <a:t>2016-06-20</a:t>
+              <a:t>2016-06-21</a:t>
             </a:fld>
             <a:endParaRPr lang="ko-KR" altLang="en-US"/>
           </a:p>
@@ -2129,7 +2130,7 @@
           <a:p>
             <a:fld id="{30D46686-9C38-4F0D-B0C6-D73A6F36E862}" type="datetimeFigureOut">
               <a:rPr lang="ko-KR" altLang="en-US" smtClean="0"/>
-              <a:t>2016-06-20</a:t>
+              <a:t>2016-06-21</a:t>
             </a:fld>
             <a:endParaRPr lang="ko-KR" altLang="en-US"/>
           </a:p>
@@ -2386,7 +2387,7 @@
           <a:p>
             <a:fld id="{30D46686-9C38-4F0D-B0C6-D73A6F36E862}" type="datetimeFigureOut">
               <a:rPr lang="ko-KR" altLang="en-US" smtClean="0"/>
-              <a:t>2016-06-20</a:t>
+              <a:t>2016-06-21</a:t>
             </a:fld>
             <a:endParaRPr lang="ko-KR" altLang="en-US"/>
           </a:p>
@@ -2599,7 +2600,7 @@
           <a:p>
             <a:fld id="{30D46686-9C38-4F0D-B0C6-D73A6F36E862}" type="datetimeFigureOut">
               <a:rPr lang="ko-KR" altLang="en-US" smtClean="0"/>
-              <a:t>2016-06-20</a:t>
+              <a:t>2016-06-21</a:t>
             </a:fld>
             <a:endParaRPr lang="ko-KR" altLang="en-US"/>
           </a:p>
@@ -3129,16 +3130,16 @@
       </p:sp>
       <p:grpSp>
         <p:nvGrpSpPr>
-          <p:cNvPr id="27" name="그룹 26"/>
+          <p:cNvPr id="3" name="그룹 2"/>
           <p:cNvGrpSpPr/>
           <p:nvPr/>
         </p:nvGrpSpPr>
         <p:grpSpPr>
           <a:xfrm>
-            <a:off x="464841" y="996440"/>
-            <a:ext cx="7971521" cy="5393681"/>
-            <a:chOff x="464841" y="996440"/>
-            <a:chExt cx="7971521" cy="5393681"/>
+            <a:off x="383814" y="1038287"/>
+            <a:ext cx="7936321" cy="5416834"/>
+            <a:chOff x="383814" y="1038287"/>
+            <a:chExt cx="7936321" cy="5416834"/>
           </a:xfrm>
         </p:grpSpPr>
         <p:sp>
@@ -3149,8 +3150,8 @@
           </p:nvSpPr>
           <p:spPr>
             <a:xfrm>
-              <a:off x="775170" y="1313925"/>
-              <a:ext cx="4555525" cy="3288585"/>
+              <a:off x="775171" y="1332032"/>
+              <a:ext cx="4535409" cy="3302701"/>
             </a:xfrm>
             <a:prstGeom prst="rect">
               <a:avLst/>
@@ -3196,8 +3197,8 @@
           </p:nvGrpSpPr>
           <p:grpSpPr>
             <a:xfrm>
-              <a:off x="1216589" y="1562157"/>
-              <a:ext cx="1498913" cy="1148940"/>
+              <a:off x="1076022" y="1524630"/>
+              <a:ext cx="1182116" cy="954861"/>
               <a:chOff x="969671" y="2167565"/>
               <a:chExt cx="1944000" cy="1440000"/>
             </a:xfrm>
@@ -3321,8 +3322,8 @@
           </p:nvGrpSpPr>
           <p:grpSpPr>
             <a:xfrm>
-              <a:off x="3355595" y="1534164"/>
-              <a:ext cx="1489039" cy="1176934"/>
+              <a:off x="3548512" y="1488557"/>
+              <a:ext cx="1174328" cy="978127"/>
               <a:chOff x="969671" y="4516440"/>
               <a:chExt cx="1944000" cy="1440000"/>
             </a:xfrm>
@@ -3446,8 +3447,8 @@
           </p:nvGrpSpPr>
           <p:grpSpPr>
             <a:xfrm>
-              <a:off x="1231239" y="3054625"/>
-              <a:ext cx="1469612" cy="1204357"/>
+              <a:off x="1085840" y="2892393"/>
+              <a:ext cx="1159008" cy="1000917"/>
               <a:chOff x="4051117" y="4516440"/>
               <a:chExt cx="1944000" cy="1440000"/>
             </a:xfrm>
@@ -3571,8 +3572,8 @@
           </p:nvSpPr>
           <p:spPr>
             <a:xfrm>
-              <a:off x="3505949" y="3578780"/>
-              <a:ext cx="1019750" cy="944968"/>
+              <a:off x="2805000" y="4816400"/>
+              <a:ext cx="1015247" cy="949024"/>
             </a:xfrm>
             <a:prstGeom prst="foldedCorner">
               <a:avLst/>
@@ -3657,8 +3658,8 @@
           </p:nvSpPr>
           <p:spPr>
             <a:xfrm>
-              <a:off x="5540925" y="3107804"/>
-              <a:ext cx="2295396" cy="919599"/>
+              <a:off x="5540926" y="3125911"/>
+              <a:ext cx="2285260" cy="923547"/>
             </a:xfrm>
             <a:prstGeom prst="foldedCorner">
               <a:avLst/>
@@ -3744,15 +3745,13 @@
         <p:cxnSp>
           <p:nvCxnSpPr>
             <p:cNvPr id="13" name="직선 연결선 12"/>
-            <p:cNvCxnSpPr>
-              <a:endCxn id="10" idx="1"/>
-            </p:cNvCxnSpPr>
+            <p:cNvCxnSpPr/>
             <p:nvPr/>
           </p:nvCxnSpPr>
           <p:spPr>
             <a:xfrm>
-              <a:off x="2546212" y="3928436"/>
-              <a:ext cx="959737" cy="122828"/>
+              <a:off x="1947830" y="3738509"/>
+              <a:ext cx="853385" cy="1360407"/>
             </a:xfrm>
             <a:prstGeom prst="line">
               <a:avLst/>
@@ -3788,8 +3787,8 @@
           </p:nvCxnSpPr>
           <p:spPr>
             <a:xfrm>
-              <a:off x="4765963" y="2142037"/>
-              <a:ext cx="1336354" cy="972806"/>
+              <a:off x="4630326" y="2159042"/>
+              <a:ext cx="1330453" cy="976982"/>
             </a:xfrm>
             <a:prstGeom prst="line">
               <a:avLst/>
@@ -3825,8 +3824,8 @@
           </p:nvSpPr>
           <p:spPr>
             <a:xfrm>
-              <a:off x="3716079" y="4839752"/>
-              <a:ext cx="4200179" cy="1270826"/>
+              <a:off x="4042002" y="5029867"/>
+              <a:ext cx="4181632" cy="1276281"/>
             </a:xfrm>
             <a:prstGeom prst="rect">
               <a:avLst/>
@@ -3871,8 +3870,8 @@
           </p:nvSpPr>
           <p:spPr>
             <a:xfrm>
-              <a:off x="3722759" y="4865275"/>
-              <a:ext cx="1637800" cy="360000"/>
+              <a:off x="4048681" y="5055390"/>
+              <a:ext cx="1630568" cy="361545"/>
             </a:xfrm>
             <a:prstGeom prst="rect">
               <a:avLst/>
@@ -3926,8 +3925,8 @@
           </p:nvGrpSpPr>
           <p:grpSpPr>
             <a:xfrm>
-              <a:off x="3915797" y="5697852"/>
-              <a:ext cx="336756" cy="263021"/>
+              <a:off x="4241719" y="5887968"/>
+              <a:ext cx="335269" cy="264151"/>
               <a:chOff x="5057814" y="590160"/>
               <a:chExt cx="1944000" cy="1440000"/>
             </a:xfrm>
@@ -4043,8 +4042,8 @@
           </p:nvSpPr>
           <p:spPr>
             <a:xfrm>
-              <a:off x="6268817" y="5271534"/>
-              <a:ext cx="378377" cy="276614"/>
+              <a:off x="6594740" y="5461649"/>
+              <a:ext cx="376706" cy="277801"/>
             </a:xfrm>
             <a:prstGeom prst="foldedCorner">
               <a:avLst/>
@@ -4105,8 +4104,8 @@
           </p:nvSpPr>
           <p:spPr>
             <a:xfrm>
-              <a:off x="464841" y="996440"/>
-              <a:ext cx="7971521" cy="5393681"/>
+              <a:off x="383814" y="1038287"/>
+              <a:ext cx="7936321" cy="5416834"/>
             </a:xfrm>
             <a:prstGeom prst="rect">
               <a:avLst/>
@@ -4146,47 +4145,15 @@
         <p:cxnSp>
           <p:nvCxnSpPr>
             <p:cNvPr id="30" name="직선 화살표 연결선 29"/>
-            <p:cNvCxnSpPr/>
+            <p:cNvCxnSpPr>
+              <a:endCxn id="4" idx="3"/>
+            </p:cNvCxnSpPr>
             <p:nvPr/>
           </p:nvCxnSpPr>
           <p:spPr>
             <a:xfrm flipH="1">
-              <a:off x="2722396" y="2156182"/>
-              <a:ext cx="605615" cy="1423"/>
-            </a:xfrm>
-            <a:prstGeom prst="straightConnector1">
-              <a:avLst/>
-            </a:prstGeom>
-            <a:ln w="12700">
-              <a:prstDash val="dash"/>
-              <a:tailEnd type="triangle"/>
-            </a:ln>
-          </p:spPr>
-          <p:style>
-            <a:lnRef idx="1">
-              <a:schemeClr val="dk1"/>
-            </a:lnRef>
-            <a:fillRef idx="0">
-              <a:schemeClr val="dk1"/>
-            </a:fillRef>
-            <a:effectRef idx="0">
-              <a:schemeClr val="dk1"/>
-            </a:effectRef>
-            <a:fontRef idx="minor">
-              <a:schemeClr val="tx1"/>
-            </a:fontRef>
-          </p:style>
-        </p:cxnSp>
-        <p:cxnSp>
-          <p:nvCxnSpPr>
-            <p:cNvPr id="32" name="직선 화살표 연결선 31"/>
-            <p:cNvCxnSpPr/>
-            <p:nvPr/>
-          </p:nvCxnSpPr>
-          <p:spPr>
-            <a:xfrm flipH="1" flipV="1">
-              <a:off x="2448910" y="2711099"/>
-              <a:ext cx="6782" cy="466265"/>
+              <a:off x="2258138" y="2049019"/>
+              <a:ext cx="1304182" cy="785"/>
             </a:xfrm>
             <a:prstGeom prst="straightConnector1">
               <a:avLst/>
@@ -4218,9 +4185,9 @@
             <p:nvPr/>
           </p:nvCxnSpPr>
           <p:spPr>
-            <a:xfrm flipV="1">
-              <a:off x="5240368" y="5811648"/>
-              <a:ext cx="424168" cy="12201"/>
+            <a:xfrm>
+              <a:off x="6594739" y="6024009"/>
+              <a:ext cx="422295" cy="31"/>
             </a:xfrm>
             <a:prstGeom prst="straightConnector1">
               <a:avLst/>
@@ -4253,8 +4220,8 @@
           </p:nvGrpSpPr>
           <p:grpSpPr>
             <a:xfrm>
-              <a:off x="1216589" y="4776033"/>
-              <a:ext cx="1498913" cy="1148940"/>
+              <a:off x="807283" y="4868611"/>
+              <a:ext cx="1173594" cy="1050146"/>
               <a:chOff x="969671" y="2167565"/>
               <a:chExt cx="1944000" cy="1440000"/>
             </a:xfrm>
@@ -4378,8 +4345,8 @@
           </p:nvGrpSpPr>
           <p:grpSpPr>
             <a:xfrm>
-              <a:off x="5825843" y="1651753"/>
-              <a:ext cx="1492962" cy="1071945"/>
+              <a:off x="6144685" y="1669861"/>
+              <a:ext cx="1168935" cy="979772"/>
               <a:chOff x="969671" y="2167565"/>
               <a:chExt cx="1944000" cy="1440000"/>
             </a:xfrm>
@@ -4516,8 +4483,8 @@
           </p:nvCxnSpPr>
           <p:spPr>
             <a:xfrm flipV="1">
-              <a:off x="2455692" y="4051264"/>
-              <a:ext cx="1050257" cy="1299239"/>
+              <a:off x="1870412" y="5290912"/>
+              <a:ext cx="934588" cy="68809"/>
             </a:xfrm>
             <a:prstGeom prst="line">
               <a:avLst/>
@@ -4553,8 +4520,8 @@
           </p:nvSpPr>
           <p:spPr>
             <a:xfrm>
-              <a:off x="3899537" y="5271534"/>
-              <a:ext cx="353016" cy="276614"/>
+              <a:off x="4225459" y="5461649"/>
+              <a:ext cx="351457" cy="277801"/>
             </a:xfrm>
             <a:prstGeom prst="rect">
               <a:avLst/>
@@ -4600,8 +4567,8 @@
           </p:nvSpPr>
           <p:spPr>
             <a:xfrm>
-              <a:off x="4286849" y="5275511"/>
-              <a:ext cx="1981968" cy="261610"/>
+              <a:off x="4612772" y="5465626"/>
+              <a:ext cx="1973216" cy="262733"/>
             </a:xfrm>
             <a:prstGeom prst="rect">
               <a:avLst/>
@@ -4634,8 +4601,8 @@
           </p:nvSpPr>
           <p:spPr>
             <a:xfrm>
-              <a:off x="4369575" y="5693044"/>
-              <a:ext cx="769931" cy="261610"/>
+              <a:off x="4630327" y="5892571"/>
+              <a:ext cx="766531" cy="262733"/>
             </a:xfrm>
             <a:prstGeom prst="rect">
               <a:avLst/>
@@ -4664,8 +4631,8 @@
           </p:nvSpPr>
           <p:spPr>
             <a:xfrm>
-              <a:off x="6662737" y="5271534"/>
-              <a:ext cx="769931" cy="261610"/>
+              <a:off x="6988660" y="5461649"/>
+              <a:ext cx="766531" cy="262733"/>
             </a:xfrm>
             <a:prstGeom prst="rect">
               <a:avLst/>
@@ -4694,8 +4661,8 @@
           </p:nvSpPr>
           <p:spPr>
             <a:xfrm>
-              <a:off x="5699440" y="5695545"/>
-              <a:ext cx="474691" cy="261610"/>
+              <a:off x="7053812" y="5895703"/>
+              <a:ext cx="472595" cy="262733"/>
             </a:xfrm>
             <a:prstGeom prst="rect">
               <a:avLst/>
@@ -4724,8 +4691,8 @@
           </p:nvCxnSpPr>
           <p:spPr>
             <a:xfrm flipH="1">
-              <a:off x="6100019" y="2602853"/>
-              <a:ext cx="550609" cy="505101"/>
+              <a:off x="6650627" y="2620960"/>
+              <a:ext cx="2" cy="507269"/>
             </a:xfrm>
             <a:prstGeom prst="line">
               <a:avLst/>
@@ -4761,8 +4728,8 @@
           </p:nvCxnSpPr>
           <p:spPr>
             <a:xfrm flipV="1">
-              <a:off x="2722396" y="2552370"/>
-              <a:ext cx="624868" cy="606066"/>
+              <a:off x="2118023" y="2280807"/>
+              <a:ext cx="1448420" cy="706743"/>
             </a:xfrm>
             <a:prstGeom prst="straightConnector1">
               <a:avLst/>
@@ -4795,8 +4762,531 @@
           </p:nvCxnSpPr>
           <p:spPr>
             <a:xfrm flipH="1">
-              <a:off x="2700851" y="2692653"/>
-              <a:ext cx="646414" cy="610618"/>
+              <a:off x="2244848" y="2441222"/>
+              <a:ext cx="1276275" cy="605689"/>
+            </a:xfrm>
+            <a:prstGeom prst="straightConnector1">
+              <a:avLst/>
+            </a:prstGeom>
+            <a:ln w="12700">
+              <a:prstDash val="dash"/>
+              <a:tailEnd type="triangle"/>
+            </a:ln>
+          </p:spPr>
+          <p:style>
+            <a:lnRef idx="1">
+              <a:schemeClr val="dk1"/>
+            </a:lnRef>
+            <a:fillRef idx="0">
+              <a:schemeClr val="dk1"/>
+            </a:fillRef>
+            <a:effectRef idx="0">
+              <a:schemeClr val="dk1"/>
+            </a:effectRef>
+            <a:fontRef idx="minor">
+              <a:schemeClr val="tx1"/>
+            </a:fontRef>
+          </p:style>
+        </p:cxnSp>
+        <p:grpSp>
+          <p:nvGrpSpPr>
+            <p:cNvPr id="43" name="그룹 42"/>
+            <p:cNvGrpSpPr/>
+            <p:nvPr/>
+          </p:nvGrpSpPr>
+          <p:grpSpPr>
+            <a:xfrm>
+              <a:off x="5400257" y="5887968"/>
+              <a:ext cx="335269" cy="264151"/>
+              <a:chOff x="5057814" y="590160"/>
+              <a:chExt cx="1944000" cy="1440000"/>
+            </a:xfrm>
+          </p:grpSpPr>
+          <p:sp>
+            <p:nvSpPr>
+              <p:cNvPr id="46" name="직사각형 45"/>
+              <p:cNvSpPr/>
+              <p:nvPr/>
+            </p:nvSpPr>
+            <p:spPr>
+              <a:xfrm>
+                <a:off x="5057814" y="734160"/>
+                <a:ext cx="1944000" cy="1296000"/>
+              </a:xfrm>
+              <a:prstGeom prst="rect">
+                <a:avLst/>
+              </a:prstGeom>
+              <a:solidFill>
+                <a:schemeClr val="accent2">
+                  <a:lumMod val="20000"/>
+                  <a:lumOff val="80000"/>
+                </a:schemeClr>
+              </a:solidFill>
+              <a:ln>
+                <a:solidFill>
+                  <a:schemeClr val="tx1"/>
+                </a:solidFill>
+              </a:ln>
+            </p:spPr>
+            <p:style>
+              <a:lnRef idx="2">
+                <a:schemeClr val="accent3">
+                  <a:shade val="50000"/>
+                </a:schemeClr>
+              </a:lnRef>
+              <a:fillRef idx="1">
+                <a:schemeClr val="accent3"/>
+              </a:fillRef>
+              <a:effectRef idx="0">
+                <a:schemeClr val="accent3"/>
+              </a:effectRef>
+              <a:fontRef idx="minor">
+                <a:schemeClr val="lt1"/>
+              </a:fontRef>
+            </p:style>
+            <p:txBody>
+              <a:bodyPr rtlCol="0" anchor="ctr"/>
+              <a:lstStyle/>
+              <a:p>
+                <a:pPr algn="ctr"/>
+                <a:endParaRPr lang="ko-KR" altLang="en-US" sz="1600" dirty="0">
+                  <a:solidFill>
+                    <a:schemeClr val="tx1"/>
+                  </a:solidFill>
+                </a:endParaRPr>
+              </a:p>
+            </p:txBody>
+          </p:sp>
+          <p:sp>
+            <p:nvSpPr>
+              <p:cNvPr id="47" name="사다리꼴 46"/>
+              <p:cNvSpPr/>
+              <p:nvPr/>
+            </p:nvSpPr>
+            <p:spPr>
+              <a:xfrm>
+                <a:off x="5057814" y="590160"/>
+                <a:ext cx="720000" cy="144000"/>
+              </a:xfrm>
+              <a:prstGeom prst="trapezoid">
+                <a:avLst>
+                  <a:gd name="adj" fmla="val 47951"/>
+                </a:avLst>
+              </a:prstGeom>
+              <a:solidFill>
+                <a:schemeClr val="bg1"/>
+              </a:solidFill>
+              <a:ln>
+                <a:solidFill>
+                  <a:schemeClr val="tx1"/>
+                </a:solidFill>
+              </a:ln>
+            </p:spPr>
+            <p:style>
+              <a:lnRef idx="2">
+                <a:schemeClr val="accent1">
+                  <a:shade val="50000"/>
+                </a:schemeClr>
+              </a:lnRef>
+              <a:fillRef idx="1">
+                <a:schemeClr val="accent1"/>
+              </a:fillRef>
+              <a:effectRef idx="0">
+                <a:schemeClr val="accent1"/>
+              </a:effectRef>
+              <a:fontRef idx="minor">
+                <a:schemeClr val="lt1"/>
+              </a:fontRef>
+            </p:style>
+            <p:txBody>
+              <a:bodyPr rtlCol="0" anchor="ctr"/>
+              <a:lstStyle/>
+              <a:p>
+                <a:pPr algn="ctr"/>
+                <a:endParaRPr lang="ko-KR" altLang="en-US"/>
+              </a:p>
+            </p:txBody>
+          </p:sp>
+        </p:grpSp>
+        <p:sp>
+          <p:nvSpPr>
+            <p:cNvPr id="49" name="TextBox 48"/>
+            <p:cNvSpPr txBox="1"/>
+            <p:nvPr/>
+          </p:nvSpPr>
+          <p:spPr>
+            <a:xfrm>
+              <a:off x="5808836" y="5800427"/>
+              <a:ext cx="766531" cy="432736"/>
+            </a:xfrm>
+            <a:prstGeom prst="rect">
+              <a:avLst/>
+            </a:prstGeom>
+            <a:noFill/>
+          </p:spPr>
+          <p:txBody>
+            <a:bodyPr wrap="square" rtlCol="0">
+              <a:spAutoFit/>
+            </a:bodyPr>
+            <a:lstStyle/>
+            <a:p>
+              <a:r>
+                <a:rPr lang="en-US" altLang="ko-KR" sz="1100" dirty="0" smtClean="0"/>
+                <a:t>External Package</a:t>
+              </a:r>
+              <a:endParaRPr lang="ko-KR" altLang="en-US" sz="1100"/>
+            </a:p>
+          </p:txBody>
+        </p:sp>
+        <p:grpSp>
+          <p:nvGrpSpPr>
+            <p:cNvPr id="54" name="그룹 53"/>
+            <p:cNvGrpSpPr/>
+            <p:nvPr/>
+          </p:nvGrpSpPr>
+          <p:grpSpPr>
+            <a:xfrm>
+              <a:off x="2714968" y="3404642"/>
+              <a:ext cx="951382" cy="798893"/>
+              <a:chOff x="5057814" y="590160"/>
+              <a:chExt cx="1944000" cy="1440000"/>
+            </a:xfrm>
+          </p:grpSpPr>
+          <p:sp>
+            <p:nvSpPr>
+              <p:cNvPr id="55" name="직사각형 54"/>
+              <p:cNvSpPr/>
+              <p:nvPr/>
+            </p:nvSpPr>
+            <p:spPr>
+              <a:xfrm>
+                <a:off x="5057814" y="734160"/>
+                <a:ext cx="1944000" cy="1296000"/>
+              </a:xfrm>
+              <a:prstGeom prst="rect">
+                <a:avLst/>
+              </a:prstGeom>
+              <a:solidFill>
+                <a:schemeClr val="accent2">
+                  <a:lumMod val="20000"/>
+                  <a:lumOff val="80000"/>
+                </a:schemeClr>
+              </a:solidFill>
+              <a:ln>
+                <a:solidFill>
+                  <a:schemeClr val="tx1"/>
+                </a:solidFill>
+              </a:ln>
+            </p:spPr>
+            <p:style>
+              <a:lnRef idx="2">
+                <a:schemeClr val="accent3">
+                  <a:shade val="50000"/>
+                </a:schemeClr>
+              </a:lnRef>
+              <a:fillRef idx="1">
+                <a:schemeClr val="accent3"/>
+              </a:fillRef>
+              <a:effectRef idx="0">
+                <a:schemeClr val="accent3"/>
+              </a:effectRef>
+              <a:fontRef idx="minor">
+                <a:schemeClr val="lt1"/>
+              </a:fontRef>
+            </p:style>
+            <p:txBody>
+              <a:bodyPr rtlCol="0" anchor="ctr"/>
+              <a:lstStyle/>
+              <a:p>
+                <a:pPr algn="ctr"/>
+                <a:r>
+                  <a:rPr lang="en-US" altLang="ko-KR" sz="1600" dirty="0" smtClean="0">
+                    <a:solidFill>
+                      <a:schemeClr val="tx1"/>
+                    </a:solidFill>
+                  </a:rPr>
+                  <a:t>JSON</a:t>
+                </a:r>
+                <a:endParaRPr lang="ko-KR" altLang="en-US" sz="1600" dirty="0">
+                  <a:solidFill>
+                    <a:schemeClr val="tx1"/>
+                  </a:solidFill>
+                </a:endParaRPr>
+              </a:p>
+            </p:txBody>
+          </p:sp>
+          <p:sp>
+            <p:nvSpPr>
+              <p:cNvPr id="56" name="사다리꼴 55"/>
+              <p:cNvSpPr/>
+              <p:nvPr/>
+            </p:nvSpPr>
+            <p:spPr>
+              <a:xfrm>
+                <a:off x="5057814" y="590160"/>
+                <a:ext cx="720000" cy="144000"/>
+              </a:xfrm>
+              <a:prstGeom prst="trapezoid">
+                <a:avLst>
+                  <a:gd name="adj" fmla="val 47951"/>
+                </a:avLst>
+              </a:prstGeom>
+              <a:solidFill>
+                <a:schemeClr val="bg1"/>
+              </a:solidFill>
+              <a:ln>
+                <a:solidFill>
+                  <a:schemeClr val="tx1"/>
+                </a:solidFill>
+              </a:ln>
+            </p:spPr>
+            <p:style>
+              <a:lnRef idx="2">
+                <a:schemeClr val="accent1">
+                  <a:shade val="50000"/>
+                </a:schemeClr>
+              </a:lnRef>
+              <a:fillRef idx="1">
+                <a:schemeClr val="accent1"/>
+              </a:fillRef>
+              <a:effectRef idx="0">
+                <a:schemeClr val="accent1"/>
+              </a:effectRef>
+              <a:fontRef idx="minor">
+                <a:schemeClr val="lt1"/>
+              </a:fontRef>
+            </p:style>
+            <p:txBody>
+              <a:bodyPr rtlCol="0" anchor="ctr"/>
+              <a:lstStyle/>
+              <a:p>
+                <a:pPr algn="ctr"/>
+                <a:endParaRPr lang="ko-KR" altLang="en-US"/>
+              </a:p>
+            </p:txBody>
+          </p:sp>
+        </p:grpSp>
+        <p:grpSp>
+          <p:nvGrpSpPr>
+            <p:cNvPr id="57" name="그룹 56"/>
+            <p:cNvGrpSpPr/>
+            <p:nvPr/>
+          </p:nvGrpSpPr>
+          <p:grpSpPr>
+            <a:xfrm>
+              <a:off x="3911979" y="3404970"/>
+              <a:ext cx="951382" cy="798893"/>
+              <a:chOff x="5057814" y="590160"/>
+              <a:chExt cx="1944000" cy="1440000"/>
+            </a:xfrm>
+          </p:grpSpPr>
+          <p:sp>
+            <p:nvSpPr>
+              <p:cNvPr id="58" name="직사각형 57"/>
+              <p:cNvSpPr/>
+              <p:nvPr/>
+            </p:nvSpPr>
+            <p:spPr>
+              <a:xfrm>
+                <a:off x="5057814" y="734160"/>
+                <a:ext cx="1944000" cy="1296000"/>
+              </a:xfrm>
+              <a:prstGeom prst="rect">
+                <a:avLst/>
+              </a:prstGeom>
+              <a:solidFill>
+                <a:schemeClr val="accent2">
+                  <a:lumMod val="20000"/>
+                  <a:lumOff val="80000"/>
+                </a:schemeClr>
+              </a:solidFill>
+              <a:ln>
+                <a:solidFill>
+                  <a:schemeClr val="tx1"/>
+                </a:solidFill>
+              </a:ln>
+            </p:spPr>
+            <p:style>
+              <a:lnRef idx="2">
+                <a:schemeClr val="accent3">
+                  <a:shade val="50000"/>
+                </a:schemeClr>
+              </a:lnRef>
+              <a:fillRef idx="1">
+                <a:schemeClr val="accent3"/>
+              </a:fillRef>
+              <a:effectRef idx="0">
+                <a:schemeClr val="accent3"/>
+              </a:effectRef>
+              <a:fontRef idx="minor">
+                <a:schemeClr val="lt1"/>
+              </a:fontRef>
+            </p:style>
+            <p:txBody>
+              <a:bodyPr rtlCol="0" anchor="ctr"/>
+              <a:lstStyle/>
+              <a:p>
+                <a:pPr algn="ctr"/>
+                <a:r>
+                  <a:rPr lang="en-US" altLang="ko-KR" sz="1600" dirty="0" smtClean="0">
+                    <a:solidFill>
+                      <a:schemeClr val="tx1"/>
+                    </a:solidFill>
+                  </a:rPr>
+                  <a:t>Mongo</a:t>
+                </a:r>
+              </a:p>
+              <a:p>
+                <a:pPr algn="ctr"/>
+                <a:r>
+                  <a:rPr lang="en-US" altLang="ko-KR" sz="1600" dirty="0" smtClean="0">
+                    <a:solidFill>
+                      <a:schemeClr val="tx1"/>
+                    </a:solidFill>
+                  </a:rPr>
+                  <a:t>DB</a:t>
+                </a:r>
+                <a:endParaRPr lang="ko-KR" altLang="en-US" sz="1600" dirty="0">
+                  <a:solidFill>
+                    <a:schemeClr val="tx1"/>
+                  </a:solidFill>
+                </a:endParaRPr>
+              </a:p>
+            </p:txBody>
+          </p:sp>
+          <p:sp>
+            <p:nvSpPr>
+              <p:cNvPr id="60" name="사다리꼴 59"/>
+              <p:cNvSpPr/>
+              <p:nvPr/>
+            </p:nvSpPr>
+            <p:spPr>
+              <a:xfrm>
+                <a:off x="5057814" y="590160"/>
+                <a:ext cx="720000" cy="144000"/>
+              </a:xfrm>
+              <a:prstGeom prst="trapezoid">
+                <a:avLst>
+                  <a:gd name="adj" fmla="val 47951"/>
+                </a:avLst>
+              </a:prstGeom>
+              <a:solidFill>
+                <a:schemeClr val="bg1"/>
+              </a:solidFill>
+              <a:ln>
+                <a:solidFill>
+                  <a:schemeClr val="tx1"/>
+                </a:solidFill>
+              </a:ln>
+            </p:spPr>
+            <p:style>
+              <a:lnRef idx="2">
+                <a:schemeClr val="accent1">
+                  <a:shade val="50000"/>
+                </a:schemeClr>
+              </a:lnRef>
+              <a:fillRef idx="1">
+                <a:schemeClr val="accent1"/>
+              </a:fillRef>
+              <a:effectRef idx="0">
+                <a:schemeClr val="accent1"/>
+              </a:effectRef>
+              <a:fontRef idx="minor">
+                <a:schemeClr val="lt1"/>
+              </a:fontRef>
+            </p:style>
+            <p:txBody>
+              <a:bodyPr rtlCol="0" anchor="ctr"/>
+              <a:lstStyle/>
+              <a:p>
+                <a:pPr algn="ctr"/>
+                <a:endParaRPr lang="ko-KR" altLang="en-US"/>
+              </a:p>
+            </p:txBody>
+          </p:sp>
+        </p:grpSp>
+        <p:cxnSp>
+          <p:nvCxnSpPr>
+            <p:cNvPr id="61" name="직선 화살표 연결선 60"/>
+            <p:cNvCxnSpPr/>
+            <p:nvPr/>
+          </p:nvCxnSpPr>
+          <p:spPr>
+            <a:xfrm flipH="1">
+              <a:off x="3181987" y="2466520"/>
+              <a:ext cx="945017" cy="1017847"/>
+            </a:xfrm>
+            <a:prstGeom prst="straightConnector1">
+              <a:avLst/>
+            </a:prstGeom>
+            <a:ln w="12700">
+              <a:prstDash val="dash"/>
+              <a:tailEnd type="triangle"/>
+            </a:ln>
+          </p:spPr>
+          <p:style>
+            <a:lnRef idx="1">
+              <a:schemeClr val="dk1"/>
+            </a:lnRef>
+            <a:fillRef idx="0">
+              <a:schemeClr val="dk1"/>
+            </a:fillRef>
+            <a:effectRef idx="0">
+              <a:schemeClr val="dk1"/>
+            </a:effectRef>
+            <a:fontRef idx="minor">
+              <a:schemeClr val="tx1"/>
+            </a:fontRef>
+          </p:style>
+        </p:cxnSp>
+        <p:cxnSp>
+          <p:nvCxnSpPr>
+            <p:cNvPr id="62" name="직선 화살표 연결선 61"/>
+            <p:cNvCxnSpPr>
+              <a:stCxn id="6" idx="2"/>
+            </p:cNvCxnSpPr>
+            <p:nvPr/>
+          </p:nvCxnSpPr>
+          <p:spPr>
+            <a:xfrm>
+              <a:off x="4135676" y="2466684"/>
+              <a:ext cx="404096" cy="1042448"/>
+            </a:xfrm>
+            <a:prstGeom prst="straightConnector1">
+              <a:avLst/>
+            </a:prstGeom>
+            <a:ln w="12700">
+              <a:prstDash val="dash"/>
+              <a:tailEnd type="triangle"/>
+            </a:ln>
+          </p:spPr>
+          <p:style>
+            <a:lnRef idx="1">
+              <a:schemeClr val="dk1"/>
+            </a:lnRef>
+            <a:fillRef idx="0">
+              <a:schemeClr val="dk1"/>
+            </a:fillRef>
+            <a:effectRef idx="0">
+              <a:schemeClr val="dk1"/>
+            </a:effectRef>
+            <a:fontRef idx="minor">
+              <a:schemeClr val="tx1"/>
+            </a:fontRef>
+          </p:style>
+        </p:cxnSp>
+        <p:cxnSp>
+          <p:nvCxnSpPr>
+            <p:cNvPr id="85" name="직선 화살표 연결선 84"/>
+            <p:cNvCxnSpPr>
+              <a:stCxn id="8" idx="0"/>
+            </p:cNvCxnSpPr>
+            <p:nvPr/>
+          </p:nvCxnSpPr>
+          <p:spPr>
+            <a:xfrm flipV="1">
+              <a:off x="1665344" y="2520941"/>
+              <a:ext cx="6448" cy="471544"/>
             </a:xfrm>
             <a:prstGeom prst="straightConnector1">
               <a:avLst/>
@@ -6137,6 +6627,1962 @@
 </p:sld>
 </file>
 
+<file path=ppt/slides/slide12.xml><?xml version="1.0" encoding="utf-8"?>
+<p:sld xmlns:a="http://schemas.openxmlformats.org/drawingml/2006/main" xmlns:r="http://schemas.openxmlformats.org/officeDocument/2006/relationships" xmlns:p="http://schemas.openxmlformats.org/presentationml/2006/main">
+  <p:cSld>
+    <p:spTree>
+      <p:nvGrpSpPr>
+        <p:cNvPr id="1" name=""/>
+        <p:cNvGrpSpPr/>
+        <p:nvPr/>
+      </p:nvGrpSpPr>
+      <p:grpSpPr>
+        <a:xfrm>
+          <a:off x="0" y="0"/>
+          <a:ext cx="0" cy="0"/>
+          <a:chOff x="0" y="0"/>
+          <a:chExt cx="0" cy="0"/>
+        </a:xfrm>
+      </p:grpSpPr>
+      <p:sp>
+        <p:nvSpPr>
+          <p:cNvPr id="38" name="TextBox 37"/>
+          <p:cNvSpPr txBox="1"/>
+          <p:nvPr/>
+        </p:nvSpPr>
+        <p:spPr>
+          <a:xfrm>
+            <a:off x="358572" y="272932"/>
+            <a:ext cx="2859757" cy="369332"/>
+          </a:xfrm>
+          <a:prstGeom prst="rect">
+            <a:avLst/>
+          </a:prstGeom>
+          <a:noFill/>
+        </p:spPr>
+        <p:txBody>
+          <a:bodyPr wrap="none" rtlCol="0">
+            <a:spAutoFit/>
+          </a:bodyPr>
+          <a:lstStyle/>
+          <a:p>
+            <a:r>
+              <a:rPr lang="en-US" altLang="ko-KR" dirty="0" smtClean="0"/>
+              <a:t>FC</a:t>
+            </a:r>
+            <a:r>
+              <a:rPr lang="en-US" altLang="ko-KR" dirty="0" smtClean="0"/>
+              <a:t> </a:t>
+            </a:r>
+            <a:r>
+              <a:rPr lang="en-US" altLang="ko-KR" dirty="0" smtClean="0"/>
+              <a:t>Manager – Dynamic View</a:t>
+            </a:r>
+            <a:endParaRPr lang="ko-KR" altLang="en-US"/>
+          </a:p>
+        </p:txBody>
+      </p:sp>
+      <p:sp>
+        <p:nvSpPr>
+          <p:cNvPr id="33" name="직사각형 32"/>
+          <p:cNvSpPr/>
+          <p:nvPr/>
+        </p:nvSpPr>
+        <p:spPr>
+          <a:xfrm>
+            <a:off x="775171" y="1332032"/>
+            <a:ext cx="4535409" cy="3302701"/>
+          </a:xfrm>
+          <a:prstGeom prst="rect">
+            <a:avLst/>
+          </a:prstGeom>
+          <a:noFill/>
+          <a:ln w="25400">
+            <a:solidFill>
+              <a:srgbClr val="FF0000"/>
+            </a:solidFill>
+            <a:prstDash val="sysDash"/>
+          </a:ln>
+        </p:spPr>
+        <p:style>
+          <a:lnRef idx="2">
+            <a:schemeClr val="accent1">
+              <a:shade val="50000"/>
+            </a:schemeClr>
+          </a:lnRef>
+          <a:fillRef idx="1">
+            <a:schemeClr val="accent1"/>
+          </a:fillRef>
+          <a:effectRef idx="0">
+            <a:schemeClr val="accent1"/>
+          </a:effectRef>
+          <a:fontRef idx="minor">
+            <a:schemeClr val="lt1"/>
+          </a:fontRef>
+        </p:style>
+        <p:txBody>
+          <a:bodyPr rtlCol="0" anchor="ctr"/>
+          <a:lstStyle/>
+          <a:p>
+            <a:pPr algn="ctr"/>
+            <a:endParaRPr lang="ko-KR" altLang="en-US"/>
+          </a:p>
+        </p:txBody>
+      </p:sp>
+      <p:grpSp>
+        <p:nvGrpSpPr>
+          <p:cNvPr id="34" name="그룹 33"/>
+          <p:cNvGrpSpPr/>
+          <p:nvPr/>
+        </p:nvGrpSpPr>
+        <p:grpSpPr>
+          <a:xfrm>
+            <a:off x="1076022" y="1524630"/>
+            <a:ext cx="1182116" cy="954861"/>
+            <a:chOff x="969671" y="2167565"/>
+            <a:chExt cx="1944000" cy="1440000"/>
+          </a:xfrm>
+        </p:grpSpPr>
+        <p:sp>
+          <p:nvSpPr>
+            <p:cNvPr id="107" name="직사각형 106"/>
+            <p:cNvSpPr/>
+            <p:nvPr/>
+          </p:nvSpPr>
+          <p:spPr>
+            <a:xfrm>
+              <a:off x="969671" y="2311565"/>
+              <a:ext cx="1944000" cy="1296000"/>
+            </a:xfrm>
+            <a:prstGeom prst="rect">
+              <a:avLst/>
+            </a:prstGeom>
+            <a:solidFill>
+              <a:schemeClr val="bg1"/>
+            </a:solidFill>
+            <a:ln>
+              <a:solidFill>
+                <a:schemeClr val="tx1"/>
+              </a:solidFill>
+            </a:ln>
+          </p:spPr>
+          <p:style>
+            <a:lnRef idx="2">
+              <a:schemeClr val="accent3">
+                <a:shade val="50000"/>
+              </a:schemeClr>
+            </a:lnRef>
+            <a:fillRef idx="1">
+              <a:schemeClr val="accent3"/>
+            </a:fillRef>
+            <a:effectRef idx="0">
+              <a:schemeClr val="accent3"/>
+            </a:effectRef>
+            <a:fontRef idx="minor">
+              <a:schemeClr val="lt1"/>
+            </a:fontRef>
+          </p:style>
+          <p:txBody>
+            <a:bodyPr rtlCol="0" anchor="ctr"/>
+            <a:lstStyle/>
+            <a:p>
+              <a:pPr algn="ctr"/>
+              <a:r>
+                <a:rPr lang="en-US" altLang="ko-KR" sz="1600" dirty="0" smtClean="0">
+                  <a:solidFill>
+                    <a:schemeClr val="tx1"/>
+                  </a:solidFill>
+                </a:rPr>
+                <a:t>Common</a:t>
+              </a:r>
+              <a:endParaRPr lang="ko-KR" altLang="en-US" sz="1600">
+                <a:solidFill>
+                  <a:schemeClr val="tx1"/>
+                </a:solidFill>
+              </a:endParaRPr>
+            </a:p>
+          </p:txBody>
+        </p:sp>
+        <p:sp>
+          <p:nvSpPr>
+            <p:cNvPr id="108" name="사다리꼴 107"/>
+            <p:cNvSpPr/>
+            <p:nvPr/>
+          </p:nvSpPr>
+          <p:spPr>
+            <a:xfrm>
+              <a:off x="969671" y="2167565"/>
+              <a:ext cx="720000" cy="144000"/>
+            </a:xfrm>
+            <a:prstGeom prst="trapezoid">
+              <a:avLst>
+                <a:gd name="adj" fmla="val 47951"/>
+              </a:avLst>
+            </a:prstGeom>
+            <a:solidFill>
+              <a:schemeClr val="bg1"/>
+            </a:solidFill>
+            <a:ln>
+              <a:solidFill>
+                <a:schemeClr val="tx1"/>
+              </a:solidFill>
+            </a:ln>
+          </p:spPr>
+          <p:style>
+            <a:lnRef idx="2">
+              <a:schemeClr val="accent1">
+                <a:shade val="50000"/>
+              </a:schemeClr>
+            </a:lnRef>
+            <a:fillRef idx="1">
+              <a:schemeClr val="accent1"/>
+            </a:fillRef>
+            <a:effectRef idx="0">
+              <a:schemeClr val="accent1"/>
+            </a:effectRef>
+            <a:fontRef idx="minor">
+              <a:schemeClr val="lt1"/>
+            </a:fontRef>
+          </p:style>
+          <p:txBody>
+            <a:bodyPr rtlCol="0" anchor="ctr"/>
+            <a:lstStyle/>
+            <a:p>
+              <a:pPr algn="ctr"/>
+              <a:endParaRPr lang="ko-KR" altLang="en-US"/>
+            </a:p>
+          </p:txBody>
+        </p:sp>
+      </p:grpSp>
+      <p:grpSp>
+        <p:nvGrpSpPr>
+          <p:cNvPr id="35" name="그룹 34"/>
+          <p:cNvGrpSpPr/>
+          <p:nvPr/>
+        </p:nvGrpSpPr>
+        <p:grpSpPr>
+          <a:xfrm>
+            <a:off x="3548512" y="1488557"/>
+            <a:ext cx="1174328" cy="978127"/>
+            <a:chOff x="969671" y="4516440"/>
+            <a:chExt cx="1944000" cy="1440000"/>
+          </a:xfrm>
+        </p:grpSpPr>
+        <p:sp>
+          <p:nvSpPr>
+            <p:cNvPr id="105" name="직사각형 104"/>
+            <p:cNvSpPr/>
+            <p:nvPr/>
+          </p:nvSpPr>
+          <p:spPr>
+            <a:xfrm>
+              <a:off x="969671" y="4660440"/>
+              <a:ext cx="1944000" cy="1296000"/>
+            </a:xfrm>
+            <a:prstGeom prst="rect">
+              <a:avLst/>
+            </a:prstGeom>
+            <a:solidFill>
+              <a:schemeClr val="bg1"/>
+            </a:solidFill>
+            <a:ln>
+              <a:solidFill>
+                <a:schemeClr val="tx1"/>
+              </a:solidFill>
+            </a:ln>
+          </p:spPr>
+          <p:style>
+            <a:lnRef idx="2">
+              <a:schemeClr val="accent3">
+                <a:shade val="50000"/>
+              </a:schemeClr>
+            </a:lnRef>
+            <a:fillRef idx="1">
+              <a:schemeClr val="accent3"/>
+            </a:fillRef>
+            <a:effectRef idx="0">
+              <a:schemeClr val="accent3"/>
+            </a:effectRef>
+            <a:fontRef idx="minor">
+              <a:schemeClr val="lt1"/>
+            </a:fontRef>
+          </p:style>
+          <p:txBody>
+            <a:bodyPr rtlCol="0" anchor="ctr"/>
+            <a:lstStyle/>
+            <a:p>
+              <a:pPr algn="ctr"/>
+              <a:r>
+                <a:rPr lang="en-US" altLang="ko-KR" sz="1600" dirty="0" smtClean="0">
+                  <a:solidFill>
+                    <a:schemeClr val="tx1"/>
+                  </a:solidFill>
+                </a:rPr>
+                <a:t>Management Service</a:t>
+              </a:r>
+              <a:endParaRPr lang="ko-KR" altLang="en-US" sz="1600">
+                <a:solidFill>
+                  <a:schemeClr val="tx1"/>
+                </a:solidFill>
+              </a:endParaRPr>
+            </a:p>
+          </p:txBody>
+        </p:sp>
+        <p:sp>
+          <p:nvSpPr>
+            <p:cNvPr id="106" name="사다리꼴 105"/>
+            <p:cNvSpPr/>
+            <p:nvPr/>
+          </p:nvSpPr>
+          <p:spPr>
+            <a:xfrm>
+              <a:off x="969671" y="4516440"/>
+              <a:ext cx="720000" cy="144000"/>
+            </a:xfrm>
+            <a:prstGeom prst="trapezoid">
+              <a:avLst>
+                <a:gd name="adj" fmla="val 47951"/>
+              </a:avLst>
+            </a:prstGeom>
+            <a:solidFill>
+              <a:schemeClr val="bg1"/>
+            </a:solidFill>
+            <a:ln>
+              <a:solidFill>
+                <a:schemeClr val="tx1"/>
+              </a:solidFill>
+            </a:ln>
+          </p:spPr>
+          <p:style>
+            <a:lnRef idx="2">
+              <a:schemeClr val="accent1">
+                <a:shade val="50000"/>
+              </a:schemeClr>
+            </a:lnRef>
+            <a:fillRef idx="1">
+              <a:schemeClr val="accent1"/>
+            </a:fillRef>
+            <a:effectRef idx="0">
+              <a:schemeClr val="accent1"/>
+            </a:effectRef>
+            <a:fontRef idx="minor">
+              <a:schemeClr val="lt1"/>
+            </a:fontRef>
+          </p:style>
+          <p:txBody>
+            <a:bodyPr rtlCol="0" anchor="ctr"/>
+            <a:lstStyle/>
+            <a:p>
+              <a:pPr algn="ctr"/>
+              <a:endParaRPr lang="ko-KR" altLang="en-US"/>
+            </a:p>
+          </p:txBody>
+        </p:sp>
+      </p:grpSp>
+      <p:grpSp>
+        <p:nvGrpSpPr>
+          <p:cNvPr id="36" name="그룹 35"/>
+          <p:cNvGrpSpPr/>
+          <p:nvPr/>
+        </p:nvGrpSpPr>
+        <p:grpSpPr>
+          <a:xfrm>
+            <a:off x="1085840" y="2892393"/>
+            <a:ext cx="1159008" cy="1000917"/>
+            <a:chOff x="4051117" y="4516440"/>
+            <a:chExt cx="1944000" cy="1440000"/>
+          </a:xfrm>
+        </p:grpSpPr>
+        <p:sp>
+          <p:nvSpPr>
+            <p:cNvPr id="103" name="직사각형 102"/>
+            <p:cNvSpPr/>
+            <p:nvPr/>
+          </p:nvSpPr>
+          <p:spPr>
+            <a:xfrm>
+              <a:off x="4051117" y="4660440"/>
+              <a:ext cx="1944000" cy="1296000"/>
+            </a:xfrm>
+            <a:prstGeom prst="rect">
+              <a:avLst/>
+            </a:prstGeom>
+            <a:solidFill>
+              <a:schemeClr val="bg1"/>
+            </a:solidFill>
+            <a:ln>
+              <a:solidFill>
+                <a:schemeClr val="tx1"/>
+              </a:solidFill>
+            </a:ln>
+          </p:spPr>
+          <p:style>
+            <a:lnRef idx="2">
+              <a:schemeClr val="accent3">
+                <a:shade val="50000"/>
+              </a:schemeClr>
+            </a:lnRef>
+            <a:fillRef idx="1">
+              <a:schemeClr val="accent3"/>
+            </a:fillRef>
+            <a:effectRef idx="0">
+              <a:schemeClr val="accent3"/>
+            </a:effectRef>
+            <a:fontRef idx="minor">
+              <a:schemeClr val="lt1"/>
+            </a:fontRef>
+          </p:style>
+          <p:txBody>
+            <a:bodyPr rtlCol="0" anchor="ctr"/>
+            <a:lstStyle/>
+            <a:p>
+              <a:pPr algn="ctr"/>
+              <a:r>
+                <a:rPr lang="en-US" altLang="ko-KR" sz="1600" dirty="0" smtClean="0">
+                  <a:solidFill>
+                    <a:schemeClr val="tx1"/>
+                  </a:solidFill>
+                </a:rPr>
+                <a:t>Control Service</a:t>
+              </a:r>
+              <a:endParaRPr lang="ko-KR" altLang="en-US" sz="1600">
+                <a:solidFill>
+                  <a:schemeClr val="tx1"/>
+                </a:solidFill>
+              </a:endParaRPr>
+            </a:p>
+          </p:txBody>
+        </p:sp>
+        <p:sp>
+          <p:nvSpPr>
+            <p:cNvPr id="104" name="사다리꼴 103"/>
+            <p:cNvSpPr/>
+            <p:nvPr/>
+          </p:nvSpPr>
+          <p:spPr>
+            <a:xfrm>
+              <a:off x="4051117" y="4516440"/>
+              <a:ext cx="720000" cy="144000"/>
+            </a:xfrm>
+            <a:prstGeom prst="trapezoid">
+              <a:avLst>
+                <a:gd name="adj" fmla="val 47951"/>
+              </a:avLst>
+            </a:prstGeom>
+            <a:solidFill>
+              <a:schemeClr val="bg1"/>
+            </a:solidFill>
+            <a:ln>
+              <a:solidFill>
+                <a:schemeClr val="tx1"/>
+              </a:solidFill>
+            </a:ln>
+          </p:spPr>
+          <p:style>
+            <a:lnRef idx="2">
+              <a:schemeClr val="accent1">
+                <a:shade val="50000"/>
+              </a:schemeClr>
+            </a:lnRef>
+            <a:fillRef idx="1">
+              <a:schemeClr val="accent1"/>
+            </a:fillRef>
+            <a:effectRef idx="0">
+              <a:schemeClr val="accent1"/>
+            </a:effectRef>
+            <a:fontRef idx="minor">
+              <a:schemeClr val="lt1"/>
+            </a:fontRef>
+          </p:style>
+          <p:txBody>
+            <a:bodyPr rtlCol="0" anchor="ctr"/>
+            <a:lstStyle/>
+            <a:p>
+              <a:pPr algn="ctr"/>
+              <a:endParaRPr lang="ko-KR" altLang="en-US"/>
+            </a:p>
+          </p:txBody>
+        </p:sp>
+      </p:grpSp>
+      <p:sp>
+        <p:nvSpPr>
+          <p:cNvPr id="37" name="모서리가 접힌 도형 36"/>
+          <p:cNvSpPr/>
+          <p:nvPr/>
+        </p:nvSpPr>
+        <p:spPr>
+          <a:xfrm>
+            <a:off x="5884770" y="3143134"/>
+            <a:ext cx="1015247" cy="949024"/>
+          </a:xfrm>
+          <a:prstGeom prst="foldedCorner">
+            <a:avLst/>
+          </a:prstGeom>
+          <a:solidFill>
+            <a:schemeClr val="accent1">
+              <a:lumMod val="20000"/>
+              <a:lumOff val="80000"/>
+            </a:schemeClr>
+          </a:solidFill>
+          <a:ln>
+            <a:solidFill>
+              <a:schemeClr val="tx1"/>
+            </a:solidFill>
+          </a:ln>
+        </p:spPr>
+        <p:style>
+          <a:lnRef idx="2">
+            <a:schemeClr val="accent1">
+              <a:shade val="50000"/>
+            </a:schemeClr>
+          </a:lnRef>
+          <a:fillRef idx="1">
+            <a:schemeClr val="accent1"/>
+          </a:fillRef>
+          <a:effectRef idx="0">
+            <a:schemeClr val="accent1"/>
+          </a:effectRef>
+          <a:fontRef idx="minor">
+            <a:schemeClr val="lt1"/>
+          </a:fontRef>
+        </p:style>
+        <p:txBody>
+          <a:bodyPr rtlCol="0" anchor="ctr">
+            <a:scene3d>
+              <a:camera prst="orthographicFront">
+                <a:rot lat="0" lon="0" rev="0"/>
+              </a:camera>
+              <a:lightRig rig="threePt" dir="t"/>
+            </a:scene3d>
+          </a:bodyPr>
+          <a:lstStyle/>
+          <a:p>
+            <a:pPr algn="ctr"/>
+            <a:r>
+              <a:rPr lang="en-US" altLang="ko-KR" sz="1400" dirty="0">
+                <a:solidFill>
+                  <a:schemeClr val="tx1"/>
+                </a:solidFill>
+              </a:rPr>
+              <a:t>Shares </a:t>
+            </a:r>
+            <a:endParaRPr lang="en-US" altLang="ko-KR" sz="1400" dirty="0" smtClean="0">
+              <a:solidFill>
+                <a:schemeClr val="tx1"/>
+              </a:solidFill>
+            </a:endParaRPr>
+          </a:p>
+          <a:p>
+            <a:pPr algn="ctr"/>
+            <a:r>
+              <a:rPr lang="en-US" altLang="ko-KR" sz="1400" dirty="0" smtClean="0">
+                <a:solidFill>
+                  <a:schemeClr val="tx1"/>
+                </a:solidFill>
+              </a:rPr>
+              <a:t>FC-SM protocol</a:t>
+            </a:r>
+            <a:endParaRPr lang="ko-KR" altLang="en-US" sz="1400">
+              <a:solidFill>
+                <a:schemeClr val="tx1"/>
+              </a:solidFill>
+            </a:endParaRPr>
+          </a:p>
+        </p:txBody>
+      </p:sp>
+      <p:cxnSp>
+        <p:nvCxnSpPr>
+          <p:cNvPr id="42" name="직선 연결선 41"/>
+          <p:cNvCxnSpPr/>
+          <p:nvPr/>
+        </p:nvCxnSpPr>
+        <p:spPr>
+          <a:xfrm>
+            <a:off x="4630326" y="2159042"/>
+            <a:ext cx="1330453" cy="976982"/>
+          </a:xfrm>
+          <a:prstGeom prst="line">
+            <a:avLst/>
+          </a:prstGeom>
+          <a:ln w="12700">
+            <a:solidFill>
+              <a:schemeClr val="tx1"/>
+            </a:solidFill>
+            <a:prstDash val="sysDot"/>
+            <a:headEnd type="oval"/>
+          </a:ln>
+        </p:spPr>
+        <p:style>
+          <a:lnRef idx="1">
+            <a:schemeClr val="accent1"/>
+          </a:lnRef>
+          <a:fillRef idx="0">
+            <a:schemeClr val="accent1"/>
+          </a:fillRef>
+          <a:effectRef idx="0">
+            <a:schemeClr val="accent1"/>
+          </a:effectRef>
+          <a:fontRef idx="minor">
+            <a:schemeClr val="tx1"/>
+          </a:fontRef>
+        </p:style>
+      </p:cxnSp>
+      <p:sp>
+        <p:nvSpPr>
+          <p:cNvPr id="43" name="직사각형 42"/>
+          <p:cNvSpPr/>
+          <p:nvPr/>
+        </p:nvSpPr>
+        <p:spPr>
+          <a:xfrm>
+            <a:off x="4042002" y="5029867"/>
+            <a:ext cx="4181632" cy="1276281"/>
+          </a:xfrm>
+          <a:prstGeom prst="rect">
+            <a:avLst/>
+          </a:prstGeom>
+          <a:noFill/>
+          <a:ln>
+            <a:solidFill>
+              <a:schemeClr val="tx1"/>
+            </a:solidFill>
+          </a:ln>
+        </p:spPr>
+        <p:style>
+          <a:lnRef idx="2">
+            <a:schemeClr val="accent1">
+              <a:shade val="50000"/>
+            </a:schemeClr>
+          </a:lnRef>
+          <a:fillRef idx="1">
+            <a:schemeClr val="accent1"/>
+          </a:fillRef>
+          <a:effectRef idx="0">
+            <a:schemeClr val="accent1"/>
+          </a:effectRef>
+          <a:fontRef idx="minor">
+            <a:schemeClr val="lt1"/>
+          </a:fontRef>
+        </p:style>
+        <p:txBody>
+          <a:bodyPr rtlCol="0" anchor="ctr"/>
+          <a:lstStyle/>
+          <a:p>
+            <a:pPr algn="ctr"/>
+            <a:endParaRPr lang="ko-KR" altLang="en-US"/>
+          </a:p>
+        </p:txBody>
+      </p:sp>
+      <p:sp>
+        <p:nvSpPr>
+          <p:cNvPr id="44" name="직사각형 43"/>
+          <p:cNvSpPr/>
+          <p:nvPr/>
+        </p:nvSpPr>
+        <p:spPr>
+          <a:xfrm>
+            <a:off x="4048681" y="5055390"/>
+            <a:ext cx="1630568" cy="361545"/>
+          </a:xfrm>
+          <a:prstGeom prst="rect">
+            <a:avLst/>
+          </a:prstGeom>
+          <a:noFill/>
+          <a:ln>
+            <a:noFill/>
+          </a:ln>
+        </p:spPr>
+        <p:style>
+          <a:lnRef idx="2">
+            <a:schemeClr val="accent1">
+              <a:shade val="50000"/>
+            </a:schemeClr>
+          </a:lnRef>
+          <a:fillRef idx="1">
+            <a:schemeClr val="accent1"/>
+          </a:fillRef>
+          <a:effectRef idx="0">
+            <a:schemeClr val="accent1"/>
+          </a:effectRef>
+          <a:fontRef idx="minor">
+            <a:schemeClr val="lt1"/>
+          </a:fontRef>
+        </p:style>
+        <p:txBody>
+          <a:bodyPr lIns="144000" rtlCol="0" anchor="ctr"/>
+          <a:lstStyle/>
+          <a:p>
+            <a:r>
+              <a:rPr lang="en-US" altLang="ko-KR" sz="1400" b="1" i="1" u="sng" dirty="0" smtClean="0">
+                <a:solidFill>
+                  <a:schemeClr val="tx1"/>
+                </a:solidFill>
+              </a:rPr>
+              <a:t>Legend</a:t>
+            </a:r>
+            <a:endParaRPr lang="ko-KR" altLang="en-US" sz="1400" b="1" i="1" u="sng">
+              <a:solidFill>
+                <a:schemeClr val="tx1"/>
+              </a:solidFill>
+            </a:endParaRPr>
+          </a:p>
+        </p:txBody>
+      </p:sp>
+      <p:grpSp>
+        <p:nvGrpSpPr>
+          <p:cNvPr id="47" name="그룹 46"/>
+          <p:cNvGrpSpPr/>
+          <p:nvPr/>
+        </p:nvGrpSpPr>
+        <p:grpSpPr>
+          <a:xfrm>
+            <a:off x="4241719" y="5887968"/>
+            <a:ext cx="335269" cy="264151"/>
+            <a:chOff x="5057814" y="590160"/>
+            <a:chExt cx="1944000" cy="1440000"/>
+          </a:xfrm>
+        </p:grpSpPr>
+        <p:sp>
+          <p:nvSpPr>
+            <p:cNvPr id="101" name="직사각형 100"/>
+            <p:cNvSpPr/>
+            <p:nvPr/>
+          </p:nvSpPr>
+          <p:spPr>
+            <a:xfrm>
+              <a:off x="5057814" y="734160"/>
+              <a:ext cx="1944000" cy="1296000"/>
+            </a:xfrm>
+            <a:prstGeom prst="rect">
+              <a:avLst/>
+            </a:prstGeom>
+            <a:solidFill>
+              <a:schemeClr val="bg1"/>
+            </a:solidFill>
+            <a:ln>
+              <a:solidFill>
+                <a:schemeClr val="tx1"/>
+              </a:solidFill>
+            </a:ln>
+          </p:spPr>
+          <p:style>
+            <a:lnRef idx="2">
+              <a:schemeClr val="accent3">
+                <a:shade val="50000"/>
+              </a:schemeClr>
+            </a:lnRef>
+            <a:fillRef idx="1">
+              <a:schemeClr val="accent3"/>
+            </a:fillRef>
+            <a:effectRef idx="0">
+              <a:schemeClr val="accent3"/>
+            </a:effectRef>
+            <a:fontRef idx="minor">
+              <a:schemeClr val="lt1"/>
+            </a:fontRef>
+          </p:style>
+          <p:txBody>
+            <a:bodyPr rtlCol="0" anchor="ctr"/>
+            <a:lstStyle/>
+            <a:p>
+              <a:pPr algn="ctr"/>
+              <a:endParaRPr lang="ko-KR" altLang="en-US" sz="1600" dirty="0">
+                <a:solidFill>
+                  <a:schemeClr val="tx1"/>
+                </a:solidFill>
+              </a:endParaRPr>
+            </a:p>
+          </p:txBody>
+        </p:sp>
+        <p:sp>
+          <p:nvSpPr>
+            <p:cNvPr id="102" name="사다리꼴 101"/>
+            <p:cNvSpPr/>
+            <p:nvPr/>
+          </p:nvSpPr>
+          <p:spPr>
+            <a:xfrm>
+              <a:off x="5057814" y="590160"/>
+              <a:ext cx="720000" cy="144000"/>
+            </a:xfrm>
+            <a:prstGeom prst="trapezoid">
+              <a:avLst>
+                <a:gd name="adj" fmla="val 47951"/>
+              </a:avLst>
+            </a:prstGeom>
+            <a:solidFill>
+              <a:schemeClr val="bg1"/>
+            </a:solidFill>
+            <a:ln>
+              <a:solidFill>
+                <a:schemeClr val="tx1"/>
+              </a:solidFill>
+            </a:ln>
+          </p:spPr>
+          <p:style>
+            <a:lnRef idx="2">
+              <a:schemeClr val="accent1">
+                <a:shade val="50000"/>
+              </a:schemeClr>
+            </a:lnRef>
+            <a:fillRef idx="1">
+              <a:schemeClr val="accent1"/>
+            </a:fillRef>
+            <a:effectRef idx="0">
+              <a:schemeClr val="accent1"/>
+            </a:effectRef>
+            <a:fontRef idx="minor">
+              <a:schemeClr val="lt1"/>
+            </a:fontRef>
+          </p:style>
+          <p:txBody>
+            <a:bodyPr rtlCol="0" anchor="ctr"/>
+            <a:lstStyle/>
+            <a:p>
+              <a:pPr algn="ctr"/>
+              <a:endParaRPr lang="ko-KR" altLang="en-US"/>
+            </a:p>
+          </p:txBody>
+        </p:sp>
+      </p:grpSp>
+      <p:sp>
+        <p:nvSpPr>
+          <p:cNvPr id="48" name="모서리가 접힌 도형 47"/>
+          <p:cNvSpPr/>
+          <p:nvPr/>
+        </p:nvSpPr>
+        <p:spPr>
+          <a:xfrm>
+            <a:off x="6594740" y="5461649"/>
+            <a:ext cx="376706" cy="277801"/>
+          </a:xfrm>
+          <a:prstGeom prst="foldedCorner">
+            <a:avLst/>
+          </a:prstGeom>
+          <a:solidFill>
+            <a:schemeClr val="accent1">
+              <a:lumMod val="20000"/>
+              <a:lumOff val="80000"/>
+            </a:schemeClr>
+          </a:solidFill>
+          <a:ln>
+            <a:solidFill>
+              <a:schemeClr val="tx1"/>
+            </a:solidFill>
+          </a:ln>
+        </p:spPr>
+        <p:style>
+          <a:lnRef idx="2">
+            <a:schemeClr val="accent1">
+              <a:shade val="50000"/>
+            </a:schemeClr>
+          </a:lnRef>
+          <a:fillRef idx="1">
+            <a:schemeClr val="accent1"/>
+          </a:fillRef>
+          <a:effectRef idx="0">
+            <a:schemeClr val="accent1"/>
+          </a:effectRef>
+          <a:fontRef idx="minor">
+            <a:schemeClr val="lt1"/>
+          </a:fontRef>
+        </p:style>
+        <p:txBody>
+          <a:bodyPr rtlCol="0" anchor="ctr">
+            <a:scene3d>
+              <a:camera prst="orthographicFront">
+                <a:rot lat="0" lon="0" rev="0"/>
+              </a:camera>
+              <a:lightRig rig="threePt" dir="t"/>
+            </a:scene3d>
+          </a:bodyPr>
+          <a:lstStyle/>
+          <a:p>
+            <a:pPr algn="ctr"/>
+            <a:endParaRPr lang="ko-KR" altLang="en-US" sz="1400" dirty="0">
+              <a:solidFill>
+                <a:schemeClr val="tx1"/>
+              </a:solidFill>
+            </a:endParaRPr>
+          </a:p>
+        </p:txBody>
+      </p:sp>
+      <p:sp>
+        <p:nvSpPr>
+          <p:cNvPr id="49" name="직사각형 48"/>
+          <p:cNvSpPr/>
+          <p:nvPr/>
+        </p:nvSpPr>
+        <p:spPr>
+          <a:xfrm>
+            <a:off x="383814" y="1038287"/>
+            <a:ext cx="7936321" cy="5416834"/>
+          </a:xfrm>
+          <a:prstGeom prst="rect">
+            <a:avLst/>
+          </a:prstGeom>
+          <a:noFill/>
+          <a:ln>
+            <a:solidFill>
+              <a:schemeClr val="tx1"/>
+            </a:solidFill>
+          </a:ln>
+        </p:spPr>
+        <p:style>
+          <a:lnRef idx="2">
+            <a:schemeClr val="accent1">
+              <a:shade val="50000"/>
+            </a:schemeClr>
+          </a:lnRef>
+          <a:fillRef idx="1">
+            <a:schemeClr val="accent1"/>
+          </a:fillRef>
+          <a:effectRef idx="0">
+            <a:schemeClr val="accent1"/>
+          </a:effectRef>
+          <a:fontRef idx="minor">
+            <a:schemeClr val="lt1"/>
+          </a:fontRef>
+        </p:style>
+        <p:txBody>
+          <a:bodyPr rtlCol="0" anchor="ctr"/>
+          <a:lstStyle/>
+          <a:p>
+            <a:pPr algn="ctr"/>
+            <a:endParaRPr lang="ko-KR" altLang="en-US"/>
+          </a:p>
+        </p:txBody>
+      </p:sp>
+      <p:cxnSp>
+        <p:nvCxnSpPr>
+          <p:cNvPr id="53" name="직선 화살표 연결선 52"/>
+          <p:cNvCxnSpPr>
+            <a:endCxn id="107" idx="3"/>
+          </p:cNvCxnSpPr>
+          <p:nvPr/>
+        </p:nvCxnSpPr>
+        <p:spPr>
+          <a:xfrm flipH="1">
+            <a:off x="2258138" y="2049019"/>
+            <a:ext cx="1304182" cy="785"/>
+          </a:xfrm>
+          <a:prstGeom prst="straightConnector1">
+            <a:avLst/>
+          </a:prstGeom>
+          <a:ln w="12700">
+            <a:prstDash val="dash"/>
+            <a:tailEnd type="triangle"/>
+          </a:ln>
+        </p:spPr>
+        <p:style>
+          <a:lnRef idx="1">
+            <a:schemeClr val="dk1"/>
+          </a:lnRef>
+          <a:fillRef idx="0">
+            <a:schemeClr val="dk1"/>
+          </a:fillRef>
+          <a:effectRef idx="0">
+            <a:schemeClr val="dk1"/>
+          </a:effectRef>
+          <a:fontRef idx="minor">
+            <a:schemeClr val="tx1"/>
+          </a:fontRef>
+        </p:style>
+      </p:cxnSp>
+      <p:cxnSp>
+        <p:nvCxnSpPr>
+          <p:cNvPr id="55" name="직선 화살표 연결선 54"/>
+          <p:cNvCxnSpPr/>
+          <p:nvPr/>
+        </p:nvCxnSpPr>
+        <p:spPr>
+          <a:xfrm>
+            <a:off x="6594739" y="6024009"/>
+            <a:ext cx="422295" cy="31"/>
+          </a:xfrm>
+          <a:prstGeom prst="straightConnector1">
+            <a:avLst/>
+          </a:prstGeom>
+          <a:ln w="12700">
+            <a:prstDash val="dash"/>
+            <a:tailEnd type="triangle"/>
+          </a:ln>
+        </p:spPr>
+        <p:style>
+          <a:lnRef idx="1">
+            <a:schemeClr val="dk1"/>
+          </a:lnRef>
+          <a:fillRef idx="0">
+            <a:schemeClr val="dk1"/>
+          </a:fillRef>
+          <a:effectRef idx="0">
+            <a:schemeClr val="dk1"/>
+          </a:effectRef>
+          <a:fontRef idx="minor">
+            <a:schemeClr val="tx1"/>
+          </a:fontRef>
+        </p:style>
+      </p:cxnSp>
+      <p:grpSp>
+        <p:nvGrpSpPr>
+          <p:cNvPr id="64" name="그룹 63"/>
+          <p:cNvGrpSpPr/>
+          <p:nvPr/>
+        </p:nvGrpSpPr>
+        <p:grpSpPr>
+          <a:xfrm>
+            <a:off x="6144685" y="1669861"/>
+            <a:ext cx="1168935" cy="979772"/>
+            <a:chOff x="969671" y="2167565"/>
+            <a:chExt cx="1944000" cy="1440000"/>
+          </a:xfrm>
+        </p:grpSpPr>
+        <p:sp>
+          <p:nvSpPr>
+            <p:cNvPr id="97" name="직사각형 96"/>
+            <p:cNvSpPr/>
+            <p:nvPr/>
+          </p:nvSpPr>
+          <p:spPr>
+            <a:xfrm>
+              <a:off x="969671" y="2311565"/>
+              <a:ext cx="1944000" cy="1296000"/>
+            </a:xfrm>
+            <a:prstGeom prst="rect">
+              <a:avLst/>
+            </a:prstGeom>
+            <a:solidFill>
+              <a:schemeClr val="bg1"/>
+            </a:solidFill>
+            <a:ln>
+              <a:solidFill>
+                <a:schemeClr val="tx1"/>
+              </a:solidFill>
+            </a:ln>
+          </p:spPr>
+          <p:style>
+            <a:lnRef idx="2">
+              <a:schemeClr val="accent3">
+                <a:shade val="50000"/>
+              </a:schemeClr>
+            </a:lnRef>
+            <a:fillRef idx="1">
+              <a:schemeClr val="accent3"/>
+            </a:fillRef>
+            <a:effectRef idx="0">
+              <a:schemeClr val="accent3"/>
+            </a:effectRef>
+            <a:fontRef idx="minor">
+              <a:schemeClr val="lt1"/>
+            </a:fontRef>
+          </p:style>
+          <p:txBody>
+            <a:bodyPr rtlCol="0" anchor="ctr"/>
+            <a:lstStyle/>
+            <a:p>
+              <a:pPr algn="ctr"/>
+              <a:r>
+                <a:rPr lang="en-US" altLang="ko-KR" sz="1600" dirty="0" err="1" smtClean="0">
+                  <a:solidFill>
+                    <a:schemeClr val="tx1"/>
+                  </a:solidFill>
+                </a:rPr>
+                <a:t>SurePark</a:t>
+              </a:r>
+              <a:endParaRPr lang="en-US" altLang="ko-KR" sz="1600" dirty="0" smtClean="0">
+                <a:solidFill>
+                  <a:schemeClr val="tx1"/>
+                </a:solidFill>
+              </a:endParaRPr>
+            </a:p>
+            <a:p>
+              <a:pPr algn="ctr"/>
+              <a:r>
+                <a:rPr lang="en-US" altLang="ko-KR" sz="1600" dirty="0" smtClean="0">
+                  <a:solidFill>
+                    <a:schemeClr val="tx1"/>
+                  </a:solidFill>
+                </a:rPr>
+                <a:t>Manager</a:t>
+              </a:r>
+              <a:endParaRPr lang="ko-KR" altLang="en-US" sz="1600">
+                <a:solidFill>
+                  <a:schemeClr val="tx1"/>
+                </a:solidFill>
+              </a:endParaRPr>
+            </a:p>
+          </p:txBody>
+        </p:sp>
+        <p:sp>
+          <p:nvSpPr>
+            <p:cNvPr id="98" name="사다리꼴 97"/>
+            <p:cNvSpPr/>
+            <p:nvPr/>
+          </p:nvSpPr>
+          <p:spPr>
+            <a:xfrm>
+              <a:off x="969671" y="2167565"/>
+              <a:ext cx="720000" cy="144000"/>
+            </a:xfrm>
+            <a:prstGeom prst="trapezoid">
+              <a:avLst>
+                <a:gd name="adj" fmla="val 47951"/>
+              </a:avLst>
+            </a:prstGeom>
+            <a:solidFill>
+              <a:schemeClr val="bg1"/>
+            </a:solidFill>
+            <a:ln>
+              <a:solidFill>
+                <a:schemeClr val="tx1"/>
+              </a:solidFill>
+            </a:ln>
+          </p:spPr>
+          <p:style>
+            <a:lnRef idx="2">
+              <a:schemeClr val="accent1">
+                <a:shade val="50000"/>
+              </a:schemeClr>
+            </a:lnRef>
+            <a:fillRef idx="1">
+              <a:schemeClr val="accent1"/>
+            </a:fillRef>
+            <a:effectRef idx="0">
+              <a:schemeClr val="accent1"/>
+            </a:effectRef>
+            <a:fontRef idx="minor">
+              <a:schemeClr val="lt1"/>
+            </a:fontRef>
+          </p:style>
+          <p:txBody>
+            <a:bodyPr rtlCol="0" anchor="ctr"/>
+            <a:lstStyle/>
+            <a:p>
+              <a:pPr algn="ctr"/>
+              <a:endParaRPr lang="ko-KR" altLang="en-US"/>
+            </a:p>
+          </p:txBody>
+        </p:sp>
+      </p:grpSp>
+      <p:sp>
+        <p:nvSpPr>
+          <p:cNvPr id="70" name="직사각형 69"/>
+          <p:cNvSpPr/>
+          <p:nvPr/>
+        </p:nvSpPr>
+        <p:spPr>
+          <a:xfrm>
+            <a:off x="4225459" y="5461649"/>
+            <a:ext cx="351457" cy="277801"/>
+          </a:xfrm>
+          <a:prstGeom prst="rect">
+            <a:avLst/>
+          </a:prstGeom>
+          <a:noFill/>
+          <a:ln w="25400">
+            <a:solidFill>
+              <a:srgbClr val="FF0000"/>
+            </a:solidFill>
+            <a:prstDash val="sysDash"/>
+          </a:ln>
+        </p:spPr>
+        <p:style>
+          <a:lnRef idx="2">
+            <a:schemeClr val="accent1">
+              <a:shade val="50000"/>
+            </a:schemeClr>
+          </a:lnRef>
+          <a:fillRef idx="1">
+            <a:schemeClr val="accent1"/>
+          </a:fillRef>
+          <a:effectRef idx="0">
+            <a:schemeClr val="accent1"/>
+          </a:effectRef>
+          <a:fontRef idx="minor">
+            <a:schemeClr val="lt1"/>
+          </a:fontRef>
+        </p:style>
+        <p:txBody>
+          <a:bodyPr rtlCol="0" anchor="ctr"/>
+          <a:lstStyle/>
+          <a:p>
+            <a:pPr algn="ctr"/>
+            <a:endParaRPr lang="ko-KR" altLang="en-US"/>
+          </a:p>
+        </p:txBody>
+      </p:sp>
+      <p:sp>
+        <p:nvSpPr>
+          <p:cNvPr id="71" name="TextBox 70"/>
+          <p:cNvSpPr txBox="1"/>
+          <p:nvPr/>
+        </p:nvSpPr>
+        <p:spPr>
+          <a:xfrm>
+            <a:off x="4612772" y="5465626"/>
+            <a:ext cx="1973216" cy="262733"/>
+          </a:xfrm>
+          <a:prstGeom prst="rect">
+            <a:avLst/>
+          </a:prstGeom>
+          <a:noFill/>
+        </p:spPr>
+        <p:txBody>
+          <a:bodyPr wrap="square" rtlCol="0">
+            <a:spAutoFit/>
+          </a:bodyPr>
+          <a:lstStyle/>
+          <a:p>
+            <a:r>
+              <a:rPr lang="en-US" altLang="ko-KR" sz="1100" dirty="0" err="1" smtClean="0"/>
+              <a:t>SurePark</a:t>
+            </a:r>
+            <a:r>
+              <a:rPr lang="en-US" altLang="ko-KR" sz="1100" dirty="0" smtClean="0"/>
+              <a:t> Manager Boundary</a:t>
+            </a:r>
+            <a:endParaRPr lang="ko-KR" altLang="en-US" sz="1100"/>
+          </a:p>
+        </p:txBody>
+      </p:sp>
+      <p:sp>
+        <p:nvSpPr>
+          <p:cNvPr id="73" name="TextBox 72"/>
+          <p:cNvSpPr txBox="1"/>
+          <p:nvPr/>
+        </p:nvSpPr>
+        <p:spPr>
+          <a:xfrm>
+            <a:off x="4630327" y="5892571"/>
+            <a:ext cx="766531" cy="262733"/>
+          </a:xfrm>
+          <a:prstGeom prst="rect">
+            <a:avLst/>
+          </a:prstGeom>
+          <a:noFill/>
+        </p:spPr>
+        <p:txBody>
+          <a:bodyPr wrap="square" rtlCol="0">
+            <a:spAutoFit/>
+          </a:bodyPr>
+          <a:lstStyle/>
+          <a:p>
+            <a:r>
+              <a:rPr lang="en-US" altLang="ko-KR" sz="1100" dirty="0" smtClean="0"/>
+              <a:t>Package</a:t>
+            </a:r>
+            <a:endParaRPr lang="ko-KR" altLang="en-US" sz="1100"/>
+          </a:p>
+        </p:txBody>
+      </p:sp>
+      <p:sp>
+        <p:nvSpPr>
+          <p:cNvPr id="74" name="TextBox 73"/>
+          <p:cNvSpPr txBox="1"/>
+          <p:nvPr/>
+        </p:nvSpPr>
+        <p:spPr>
+          <a:xfrm>
+            <a:off x="6988660" y="5461649"/>
+            <a:ext cx="766531" cy="262733"/>
+          </a:xfrm>
+          <a:prstGeom prst="rect">
+            <a:avLst/>
+          </a:prstGeom>
+          <a:noFill/>
+        </p:spPr>
+        <p:txBody>
+          <a:bodyPr wrap="square" rtlCol="0">
+            <a:spAutoFit/>
+          </a:bodyPr>
+          <a:lstStyle/>
+          <a:p>
+            <a:r>
+              <a:rPr lang="en-US" altLang="ko-KR" sz="1100" dirty="0" smtClean="0"/>
+              <a:t>Note</a:t>
+            </a:r>
+            <a:endParaRPr lang="ko-KR" altLang="en-US" sz="1100"/>
+          </a:p>
+        </p:txBody>
+      </p:sp>
+      <p:sp>
+        <p:nvSpPr>
+          <p:cNvPr id="77" name="TextBox 76"/>
+          <p:cNvSpPr txBox="1"/>
+          <p:nvPr/>
+        </p:nvSpPr>
+        <p:spPr>
+          <a:xfrm>
+            <a:off x="7053812" y="5895703"/>
+            <a:ext cx="472595" cy="262733"/>
+          </a:xfrm>
+          <a:prstGeom prst="rect">
+            <a:avLst/>
+          </a:prstGeom>
+          <a:noFill/>
+        </p:spPr>
+        <p:txBody>
+          <a:bodyPr wrap="square" rtlCol="0">
+            <a:spAutoFit/>
+          </a:bodyPr>
+          <a:lstStyle/>
+          <a:p>
+            <a:r>
+              <a:rPr lang="en-US" altLang="ko-KR" sz="1100" dirty="0" smtClean="0"/>
+              <a:t>Uses</a:t>
+            </a:r>
+            <a:endParaRPr lang="ko-KR" altLang="en-US" sz="1100"/>
+          </a:p>
+        </p:txBody>
+      </p:sp>
+      <p:cxnSp>
+        <p:nvCxnSpPr>
+          <p:cNvPr id="78" name="직선 연결선 77"/>
+          <p:cNvCxnSpPr/>
+          <p:nvPr/>
+        </p:nvCxnSpPr>
+        <p:spPr>
+          <a:xfrm flipH="1">
+            <a:off x="6650627" y="2620960"/>
+            <a:ext cx="2" cy="507269"/>
+          </a:xfrm>
+          <a:prstGeom prst="line">
+            <a:avLst/>
+          </a:prstGeom>
+          <a:ln w="12700">
+            <a:solidFill>
+              <a:schemeClr val="tx1"/>
+            </a:solidFill>
+            <a:prstDash val="sysDot"/>
+            <a:headEnd type="oval"/>
+          </a:ln>
+        </p:spPr>
+        <p:style>
+          <a:lnRef idx="1">
+            <a:schemeClr val="accent1"/>
+          </a:lnRef>
+          <a:fillRef idx="0">
+            <a:schemeClr val="accent1"/>
+          </a:fillRef>
+          <a:effectRef idx="0">
+            <a:schemeClr val="accent1"/>
+          </a:effectRef>
+          <a:fontRef idx="minor">
+            <a:schemeClr val="tx1"/>
+          </a:fontRef>
+        </p:style>
+      </p:cxnSp>
+      <p:cxnSp>
+        <p:nvCxnSpPr>
+          <p:cNvPr id="79" name="직선 화살표 연결선 78"/>
+          <p:cNvCxnSpPr/>
+          <p:nvPr/>
+        </p:nvCxnSpPr>
+        <p:spPr>
+          <a:xfrm flipV="1">
+            <a:off x="2118023" y="2280807"/>
+            <a:ext cx="1448420" cy="706743"/>
+          </a:xfrm>
+          <a:prstGeom prst="straightConnector1">
+            <a:avLst/>
+          </a:prstGeom>
+          <a:ln w="12700">
+            <a:prstDash val="dash"/>
+            <a:tailEnd type="triangle"/>
+          </a:ln>
+        </p:spPr>
+        <p:style>
+          <a:lnRef idx="1">
+            <a:schemeClr val="dk1"/>
+          </a:lnRef>
+          <a:fillRef idx="0">
+            <a:schemeClr val="dk1"/>
+          </a:fillRef>
+          <a:effectRef idx="0">
+            <a:schemeClr val="dk1"/>
+          </a:effectRef>
+          <a:fontRef idx="minor">
+            <a:schemeClr val="tx1"/>
+          </a:fontRef>
+        </p:style>
+      </p:cxnSp>
+      <p:cxnSp>
+        <p:nvCxnSpPr>
+          <p:cNvPr id="80" name="직선 화살표 연결선 79"/>
+          <p:cNvCxnSpPr/>
+          <p:nvPr/>
+        </p:nvCxnSpPr>
+        <p:spPr>
+          <a:xfrm flipH="1">
+            <a:off x="2244848" y="2441222"/>
+            <a:ext cx="1276275" cy="605689"/>
+          </a:xfrm>
+          <a:prstGeom prst="straightConnector1">
+            <a:avLst/>
+          </a:prstGeom>
+          <a:ln w="12700">
+            <a:prstDash val="dash"/>
+            <a:tailEnd type="triangle"/>
+          </a:ln>
+        </p:spPr>
+        <p:style>
+          <a:lnRef idx="1">
+            <a:schemeClr val="dk1"/>
+          </a:lnRef>
+          <a:fillRef idx="0">
+            <a:schemeClr val="dk1"/>
+          </a:fillRef>
+          <a:effectRef idx="0">
+            <a:schemeClr val="dk1"/>
+          </a:effectRef>
+          <a:fontRef idx="minor">
+            <a:schemeClr val="tx1"/>
+          </a:fontRef>
+        </p:style>
+      </p:cxnSp>
+      <p:grpSp>
+        <p:nvGrpSpPr>
+          <p:cNvPr id="81" name="그룹 80"/>
+          <p:cNvGrpSpPr/>
+          <p:nvPr/>
+        </p:nvGrpSpPr>
+        <p:grpSpPr>
+          <a:xfrm>
+            <a:off x="5400257" y="5887968"/>
+            <a:ext cx="335269" cy="264151"/>
+            <a:chOff x="5057814" y="590160"/>
+            <a:chExt cx="1944000" cy="1440000"/>
+          </a:xfrm>
+        </p:grpSpPr>
+        <p:sp>
+          <p:nvSpPr>
+            <p:cNvPr id="95" name="직사각형 94"/>
+            <p:cNvSpPr/>
+            <p:nvPr/>
+          </p:nvSpPr>
+          <p:spPr>
+            <a:xfrm>
+              <a:off x="5057814" y="734160"/>
+              <a:ext cx="1944000" cy="1296000"/>
+            </a:xfrm>
+            <a:prstGeom prst="rect">
+              <a:avLst/>
+            </a:prstGeom>
+            <a:solidFill>
+              <a:schemeClr val="accent2">
+                <a:lumMod val="20000"/>
+                <a:lumOff val="80000"/>
+              </a:schemeClr>
+            </a:solidFill>
+            <a:ln>
+              <a:solidFill>
+                <a:schemeClr val="tx1"/>
+              </a:solidFill>
+            </a:ln>
+          </p:spPr>
+          <p:style>
+            <a:lnRef idx="2">
+              <a:schemeClr val="accent3">
+                <a:shade val="50000"/>
+              </a:schemeClr>
+            </a:lnRef>
+            <a:fillRef idx="1">
+              <a:schemeClr val="accent3"/>
+            </a:fillRef>
+            <a:effectRef idx="0">
+              <a:schemeClr val="accent3"/>
+            </a:effectRef>
+            <a:fontRef idx="minor">
+              <a:schemeClr val="lt1"/>
+            </a:fontRef>
+          </p:style>
+          <p:txBody>
+            <a:bodyPr rtlCol="0" anchor="ctr"/>
+            <a:lstStyle/>
+            <a:p>
+              <a:pPr algn="ctr"/>
+              <a:endParaRPr lang="ko-KR" altLang="en-US" sz="1600" dirty="0">
+                <a:solidFill>
+                  <a:schemeClr val="tx1"/>
+                </a:solidFill>
+              </a:endParaRPr>
+            </a:p>
+          </p:txBody>
+        </p:sp>
+        <p:sp>
+          <p:nvSpPr>
+            <p:cNvPr id="96" name="사다리꼴 95"/>
+            <p:cNvSpPr/>
+            <p:nvPr/>
+          </p:nvSpPr>
+          <p:spPr>
+            <a:xfrm>
+              <a:off x="5057814" y="590160"/>
+              <a:ext cx="720000" cy="144000"/>
+            </a:xfrm>
+            <a:prstGeom prst="trapezoid">
+              <a:avLst>
+                <a:gd name="adj" fmla="val 47951"/>
+              </a:avLst>
+            </a:prstGeom>
+            <a:solidFill>
+              <a:schemeClr val="bg1"/>
+            </a:solidFill>
+            <a:ln>
+              <a:solidFill>
+                <a:schemeClr val="tx1"/>
+              </a:solidFill>
+            </a:ln>
+          </p:spPr>
+          <p:style>
+            <a:lnRef idx="2">
+              <a:schemeClr val="accent1">
+                <a:shade val="50000"/>
+              </a:schemeClr>
+            </a:lnRef>
+            <a:fillRef idx="1">
+              <a:schemeClr val="accent1"/>
+            </a:fillRef>
+            <a:effectRef idx="0">
+              <a:schemeClr val="accent1"/>
+            </a:effectRef>
+            <a:fontRef idx="minor">
+              <a:schemeClr val="lt1"/>
+            </a:fontRef>
+          </p:style>
+          <p:txBody>
+            <a:bodyPr rtlCol="0" anchor="ctr"/>
+            <a:lstStyle/>
+            <a:p>
+              <a:pPr algn="ctr"/>
+              <a:endParaRPr lang="ko-KR" altLang="en-US"/>
+            </a:p>
+          </p:txBody>
+        </p:sp>
+      </p:grpSp>
+      <p:sp>
+        <p:nvSpPr>
+          <p:cNvPr id="82" name="TextBox 81"/>
+          <p:cNvSpPr txBox="1"/>
+          <p:nvPr/>
+        </p:nvSpPr>
+        <p:spPr>
+          <a:xfrm>
+            <a:off x="5808836" y="5800427"/>
+            <a:ext cx="766531" cy="432736"/>
+          </a:xfrm>
+          <a:prstGeom prst="rect">
+            <a:avLst/>
+          </a:prstGeom>
+          <a:noFill/>
+        </p:spPr>
+        <p:txBody>
+          <a:bodyPr wrap="square" rtlCol="0">
+            <a:spAutoFit/>
+          </a:bodyPr>
+          <a:lstStyle/>
+          <a:p>
+            <a:r>
+              <a:rPr lang="en-US" altLang="ko-KR" sz="1100" dirty="0" smtClean="0"/>
+              <a:t>External Package</a:t>
+            </a:r>
+            <a:endParaRPr lang="ko-KR" altLang="en-US" sz="1100"/>
+          </a:p>
+        </p:txBody>
+      </p:sp>
+      <p:grpSp>
+        <p:nvGrpSpPr>
+          <p:cNvPr id="83" name="그룹 82"/>
+          <p:cNvGrpSpPr/>
+          <p:nvPr/>
+        </p:nvGrpSpPr>
+        <p:grpSpPr>
+          <a:xfrm>
+            <a:off x="2714968" y="3404642"/>
+            <a:ext cx="951382" cy="798893"/>
+            <a:chOff x="5057814" y="590160"/>
+            <a:chExt cx="1944000" cy="1440000"/>
+          </a:xfrm>
+        </p:grpSpPr>
+        <p:sp>
+          <p:nvSpPr>
+            <p:cNvPr id="93" name="직사각형 92"/>
+            <p:cNvSpPr/>
+            <p:nvPr/>
+          </p:nvSpPr>
+          <p:spPr>
+            <a:xfrm>
+              <a:off x="5057814" y="734160"/>
+              <a:ext cx="1944000" cy="1296000"/>
+            </a:xfrm>
+            <a:prstGeom prst="rect">
+              <a:avLst/>
+            </a:prstGeom>
+            <a:solidFill>
+              <a:schemeClr val="accent2">
+                <a:lumMod val="20000"/>
+                <a:lumOff val="80000"/>
+              </a:schemeClr>
+            </a:solidFill>
+            <a:ln>
+              <a:solidFill>
+                <a:schemeClr val="tx1"/>
+              </a:solidFill>
+            </a:ln>
+          </p:spPr>
+          <p:style>
+            <a:lnRef idx="2">
+              <a:schemeClr val="accent3">
+                <a:shade val="50000"/>
+              </a:schemeClr>
+            </a:lnRef>
+            <a:fillRef idx="1">
+              <a:schemeClr val="accent3"/>
+            </a:fillRef>
+            <a:effectRef idx="0">
+              <a:schemeClr val="accent3"/>
+            </a:effectRef>
+            <a:fontRef idx="minor">
+              <a:schemeClr val="lt1"/>
+            </a:fontRef>
+          </p:style>
+          <p:txBody>
+            <a:bodyPr rtlCol="0" anchor="ctr"/>
+            <a:lstStyle/>
+            <a:p>
+              <a:pPr algn="ctr"/>
+              <a:r>
+                <a:rPr lang="en-US" altLang="ko-KR" sz="1600" dirty="0" smtClean="0">
+                  <a:solidFill>
+                    <a:schemeClr val="tx1"/>
+                  </a:solidFill>
+                </a:rPr>
+                <a:t>JSON</a:t>
+              </a:r>
+              <a:endParaRPr lang="ko-KR" altLang="en-US" sz="1600" dirty="0">
+                <a:solidFill>
+                  <a:schemeClr val="tx1"/>
+                </a:solidFill>
+              </a:endParaRPr>
+            </a:p>
+          </p:txBody>
+        </p:sp>
+        <p:sp>
+          <p:nvSpPr>
+            <p:cNvPr id="94" name="사다리꼴 93"/>
+            <p:cNvSpPr/>
+            <p:nvPr/>
+          </p:nvSpPr>
+          <p:spPr>
+            <a:xfrm>
+              <a:off x="5057814" y="590160"/>
+              <a:ext cx="720000" cy="144000"/>
+            </a:xfrm>
+            <a:prstGeom prst="trapezoid">
+              <a:avLst>
+                <a:gd name="adj" fmla="val 47951"/>
+              </a:avLst>
+            </a:prstGeom>
+            <a:solidFill>
+              <a:schemeClr val="bg1"/>
+            </a:solidFill>
+            <a:ln>
+              <a:solidFill>
+                <a:schemeClr val="tx1"/>
+              </a:solidFill>
+            </a:ln>
+          </p:spPr>
+          <p:style>
+            <a:lnRef idx="2">
+              <a:schemeClr val="accent1">
+                <a:shade val="50000"/>
+              </a:schemeClr>
+            </a:lnRef>
+            <a:fillRef idx="1">
+              <a:schemeClr val="accent1"/>
+            </a:fillRef>
+            <a:effectRef idx="0">
+              <a:schemeClr val="accent1"/>
+            </a:effectRef>
+            <a:fontRef idx="minor">
+              <a:schemeClr val="lt1"/>
+            </a:fontRef>
+          </p:style>
+          <p:txBody>
+            <a:bodyPr rtlCol="0" anchor="ctr"/>
+            <a:lstStyle/>
+            <a:p>
+              <a:pPr algn="ctr"/>
+              <a:endParaRPr lang="ko-KR" altLang="en-US"/>
+            </a:p>
+          </p:txBody>
+        </p:sp>
+      </p:grpSp>
+      <p:grpSp>
+        <p:nvGrpSpPr>
+          <p:cNvPr id="84" name="그룹 83"/>
+          <p:cNvGrpSpPr/>
+          <p:nvPr/>
+        </p:nvGrpSpPr>
+        <p:grpSpPr>
+          <a:xfrm>
+            <a:off x="3911979" y="3404970"/>
+            <a:ext cx="951382" cy="798893"/>
+            <a:chOff x="5057814" y="590160"/>
+            <a:chExt cx="1944000" cy="1440000"/>
+          </a:xfrm>
+        </p:grpSpPr>
+        <p:sp>
+          <p:nvSpPr>
+            <p:cNvPr id="90" name="직사각형 89"/>
+            <p:cNvSpPr/>
+            <p:nvPr/>
+          </p:nvSpPr>
+          <p:spPr>
+            <a:xfrm>
+              <a:off x="5057814" y="734160"/>
+              <a:ext cx="1944000" cy="1296000"/>
+            </a:xfrm>
+            <a:prstGeom prst="rect">
+              <a:avLst/>
+            </a:prstGeom>
+            <a:solidFill>
+              <a:schemeClr val="accent2">
+                <a:lumMod val="20000"/>
+                <a:lumOff val="80000"/>
+              </a:schemeClr>
+            </a:solidFill>
+            <a:ln>
+              <a:solidFill>
+                <a:schemeClr val="tx1"/>
+              </a:solidFill>
+            </a:ln>
+          </p:spPr>
+          <p:style>
+            <a:lnRef idx="2">
+              <a:schemeClr val="accent3">
+                <a:shade val="50000"/>
+              </a:schemeClr>
+            </a:lnRef>
+            <a:fillRef idx="1">
+              <a:schemeClr val="accent3"/>
+            </a:fillRef>
+            <a:effectRef idx="0">
+              <a:schemeClr val="accent3"/>
+            </a:effectRef>
+            <a:fontRef idx="minor">
+              <a:schemeClr val="lt1"/>
+            </a:fontRef>
+          </p:style>
+          <p:txBody>
+            <a:bodyPr rtlCol="0" anchor="ctr"/>
+            <a:lstStyle/>
+            <a:p>
+              <a:pPr algn="ctr"/>
+              <a:r>
+                <a:rPr lang="en-US" altLang="ko-KR" sz="1600" dirty="0" smtClean="0">
+                  <a:solidFill>
+                    <a:schemeClr val="tx1"/>
+                  </a:solidFill>
+                </a:rPr>
+                <a:t>Mongo</a:t>
+              </a:r>
+            </a:p>
+            <a:p>
+              <a:pPr algn="ctr"/>
+              <a:r>
+                <a:rPr lang="en-US" altLang="ko-KR" sz="1600" dirty="0" smtClean="0">
+                  <a:solidFill>
+                    <a:schemeClr val="tx1"/>
+                  </a:solidFill>
+                </a:rPr>
+                <a:t>DB</a:t>
+              </a:r>
+              <a:endParaRPr lang="ko-KR" altLang="en-US" sz="1600" dirty="0">
+                <a:solidFill>
+                  <a:schemeClr val="tx1"/>
+                </a:solidFill>
+              </a:endParaRPr>
+            </a:p>
+          </p:txBody>
+        </p:sp>
+        <p:sp>
+          <p:nvSpPr>
+            <p:cNvPr id="92" name="사다리꼴 91"/>
+            <p:cNvSpPr/>
+            <p:nvPr/>
+          </p:nvSpPr>
+          <p:spPr>
+            <a:xfrm>
+              <a:off x="5057814" y="590160"/>
+              <a:ext cx="720000" cy="144000"/>
+            </a:xfrm>
+            <a:prstGeom prst="trapezoid">
+              <a:avLst>
+                <a:gd name="adj" fmla="val 47951"/>
+              </a:avLst>
+            </a:prstGeom>
+            <a:solidFill>
+              <a:schemeClr val="bg1"/>
+            </a:solidFill>
+            <a:ln>
+              <a:solidFill>
+                <a:schemeClr val="tx1"/>
+              </a:solidFill>
+            </a:ln>
+          </p:spPr>
+          <p:style>
+            <a:lnRef idx="2">
+              <a:schemeClr val="accent1">
+                <a:shade val="50000"/>
+              </a:schemeClr>
+            </a:lnRef>
+            <a:fillRef idx="1">
+              <a:schemeClr val="accent1"/>
+            </a:fillRef>
+            <a:effectRef idx="0">
+              <a:schemeClr val="accent1"/>
+            </a:effectRef>
+            <a:fontRef idx="minor">
+              <a:schemeClr val="lt1"/>
+            </a:fontRef>
+          </p:style>
+          <p:txBody>
+            <a:bodyPr rtlCol="0" anchor="ctr"/>
+            <a:lstStyle/>
+            <a:p>
+              <a:pPr algn="ctr"/>
+              <a:endParaRPr lang="ko-KR" altLang="en-US"/>
+            </a:p>
+          </p:txBody>
+        </p:sp>
+      </p:grpSp>
+      <p:cxnSp>
+        <p:nvCxnSpPr>
+          <p:cNvPr id="85" name="직선 화살표 연결선 84"/>
+          <p:cNvCxnSpPr/>
+          <p:nvPr/>
+        </p:nvCxnSpPr>
+        <p:spPr>
+          <a:xfrm flipH="1">
+            <a:off x="3181987" y="2466520"/>
+            <a:ext cx="945017" cy="1017847"/>
+          </a:xfrm>
+          <a:prstGeom prst="straightConnector1">
+            <a:avLst/>
+          </a:prstGeom>
+          <a:ln w="12700">
+            <a:prstDash val="dash"/>
+            <a:tailEnd type="triangle"/>
+          </a:ln>
+        </p:spPr>
+        <p:style>
+          <a:lnRef idx="1">
+            <a:schemeClr val="dk1"/>
+          </a:lnRef>
+          <a:fillRef idx="0">
+            <a:schemeClr val="dk1"/>
+          </a:fillRef>
+          <a:effectRef idx="0">
+            <a:schemeClr val="dk1"/>
+          </a:effectRef>
+          <a:fontRef idx="minor">
+            <a:schemeClr val="tx1"/>
+          </a:fontRef>
+        </p:style>
+      </p:cxnSp>
+      <p:cxnSp>
+        <p:nvCxnSpPr>
+          <p:cNvPr id="87" name="직선 화살표 연결선 86"/>
+          <p:cNvCxnSpPr>
+            <a:stCxn id="105" idx="2"/>
+          </p:cNvCxnSpPr>
+          <p:nvPr/>
+        </p:nvCxnSpPr>
+        <p:spPr>
+          <a:xfrm>
+            <a:off x="4135676" y="2466684"/>
+            <a:ext cx="404096" cy="1042448"/>
+          </a:xfrm>
+          <a:prstGeom prst="straightConnector1">
+            <a:avLst/>
+          </a:prstGeom>
+          <a:ln w="12700">
+            <a:prstDash val="dash"/>
+            <a:tailEnd type="triangle"/>
+          </a:ln>
+        </p:spPr>
+        <p:style>
+          <a:lnRef idx="1">
+            <a:schemeClr val="dk1"/>
+          </a:lnRef>
+          <a:fillRef idx="0">
+            <a:schemeClr val="dk1"/>
+          </a:fillRef>
+          <a:effectRef idx="0">
+            <a:schemeClr val="dk1"/>
+          </a:effectRef>
+          <a:fontRef idx="minor">
+            <a:schemeClr val="tx1"/>
+          </a:fontRef>
+        </p:style>
+      </p:cxnSp>
+      <p:cxnSp>
+        <p:nvCxnSpPr>
+          <p:cNvPr id="88" name="직선 화살표 연결선 87"/>
+          <p:cNvCxnSpPr>
+            <a:stCxn id="103" idx="0"/>
+          </p:cNvCxnSpPr>
+          <p:nvPr/>
+        </p:nvCxnSpPr>
+        <p:spPr>
+          <a:xfrm flipV="1">
+            <a:off x="1665344" y="2520941"/>
+            <a:ext cx="6448" cy="471544"/>
+          </a:xfrm>
+          <a:prstGeom prst="straightConnector1">
+            <a:avLst/>
+          </a:prstGeom>
+          <a:ln w="12700">
+            <a:prstDash val="dash"/>
+            <a:tailEnd type="triangle"/>
+          </a:ln>
+        </p:spPr>
+        <p:style>
+          <a:lnRef idx="1">
+            <a:schemeClr val="dk1"/>
+          </a:lnRef>
+          <a:fillRef idx="0">
+            <a:schemeClr val="dk1"/>
+          </a:fillRef>
+          <a:effectRef idx="0">
+            <a:schemeClr val="dk1"/>
+          </a:effectRef>
+          <a:fontRef idx="minor">
+            <a:schemeClr val="tx1"/>
+          </a:fontRef>
+        </p:style>
+      </p:cxnSp>
+    </p:spTree>
+    <p:extLst>
+      <p:ext uri="{BB962C8B-B14F-4D97-AF65-F5344CB8AC3E}">
+        <p14:creationId xmlns:p14="http://schemas.microsoft.com/office/powerpoint/2010/main" val="722844364"/>
+      </p:ext>
+    </p:extLst>
+  </p:cSld>
+  <p:clrMapOvr>
+    <a:masterClrMapping/>
+  </p:clrMapOvr>
+  <p:timing>
+    <p:tnLst>
+      <p:par>
+        <p:cTn id="1" dur="indefinite" restart="never" nodeType="tmRoot"/>
+      </p:par>
+    </p:tnLst>
+  </p:timing>
+</p:sld>
+</file>
+
 <file path=ppt/slides/slide2.xml><?xml version="1.0" encoding="utf-8"?>
 <p:sld xmlns:a="http://schemas.openxmlformats.org/drawingml/2006/main" xmlns:r="http://schemas.openxmlformats.org/officeDocument/2006/relationships" xmlns:p="http://schemas.openxmlformats.org/presentationml/2006/main">
   <p:cSld>

--- a/cmu/SurePark/Pictures_v1.1.pptx
+++ b/cmu/SurePark/Pictures_v1.1.pptx
@@ -17,6 +17,9 @@
     <p:sldId id="267" r:id="rId11"/>
     <p:sldId id="268" r:id="rId12"/>
     <p:sldId id="270" r:id="rId13"/>
+    <p:sldId id="271" r:id="rId14"/>
+    <p:sldId id="272" r:id="rId15"/>
+    <p:sldId id="273" r:id="rId16"/>
   </p:sldIdLst>
   <p:sldSz cx="9144000" cy="6858000" type="screen4x3"/>
   <p:notesSz cx="6858000" cy="9144000"/>
@@ -118,12 +121,12 @@
   <p:extLst>
     <p:ext uri="{EFAFB233-063F-42B5-8137-9DF3F51BA10A}">
       <p15:sldGuideLst xmlns:p15="http://schemas.microsoft.com/office/powerpoint/2012/main">
-        <p15:guide id="1" orient="horz" pos="2160" userDrawn="1">
+        <p15:guide id="1" orient="horz" pos="1434" userDrawn="1">
           <p15:clr>
             <a:srgbClr val="A4A3A4"/>
           </p15:clr>
         </p15:guide>
-        <p15:guide id="2" pos="2880" userDrawn="1">
+        <p15:guide id="2" pos="136" userDrawn="1">
           <p15:clr>
             <a:srgbClr val="A4A3A4"/>
           </p15:clr>
@@ -277,7 +280,7 @@
           <a:p>
             <a:fld id="{30D46686-9C38-4F0D-B0C6-D73A6F36E862}" type="datetimeFigureOut">
               <a:rPr lang="ko-KR" altLang="en-US" smtClean="0"/>
-              <a:t>2016-06-21</a:t>
+              <a:t>2016-06-22</a:t>
             </a:fld>
             <a:endParaRPr lang="ko-KR" altLang="en-US"/>
           </a:p>
@@ -447,7 +450,7 @@
           <a:p>
             <a:fld id="{30D46686-9C38-4F0D-B0C6-D73A6F36E862}" type="datetimeFigureOut">
               <a:rPr lang="ko-KR" altLang="en-US" smtClean="0"/>
-              <a:t>2016-06-21</a:t>
+              <a:t>2016-06-22</a:t>
             </a:fld>
             <a:endParaRPr lang="ko-KR" altLang="en-US"/>
           </a:p>
@@ -627,7 +630,7 @@
           <a:p>
             <a:fld id="{30D46686-9C38-4F0D-B0C6-D73A6F36E862}" type="datetimeFigureOut">
               <a:rPr lang="ko-KR" altLang="en-US" smtClean="0"/>
-              <a:t>2016-06-21</a:t>
+              <a:t>2016-06-22</a:t>
             </a:fld>
             <a:endParaRPr lang="ko-KR" altLang="en-US"/>
           </a:p>
@@ -797,7 +800,7 @@
           <a:p>
             <a:fld id="{30D46686-9C38-4F0D-B0C6-D73A6F36E862}" type="datetimeFigureOut">
               <a:rPr lang="ko-KR" altLang="en-US" smtClean="0"/>
-              <a:t>2016-06-21</a:t>
+              <a:t>2016-06-22</a:t>
             </a:fld>
             <a:endParaRPr lang="ko-KR" altLang="en-US"/>
           </a:p>
@@ -1041,7 +1044,7 @@
           <a:p>
             <a:fld id="{30D46686-9C38-4F0D-B0C6-D73A6F36E862}" type="datetimeFigureOut">
               <a:rPr lang="ko-KR" altLang="en-US" smtClean="0"/>
-              <a:t>2016-06-21</a:t>
+              <a:t>2016-06-22</a:t>
             </a:fld>
             <a:endParaRPr lang="ko-KR" altLang="en-US"/>
           </a:p>
@@ -1273,7 +1276,7 @@
           <a:p>
             <a:fld id="{30D46686-9C38-4F0D-B0C6-D73A6F36E862}" type="datetimeFigureOut">
               <a:rPr lang="ko-KR" altLang="en-US" smtClean="0"/>
-              <a:t>2016-06-21</a:t>
+              <a:t>2016-06-22</a:t>
             </a:fld>
             <a:endParaRPr lang="ko-KR" altLang="en-US"/>
           </a:p>
@@ -1640,7 +1643,7 @@
           <a:p>
             <a:fld id="{30D46686-9C38-4F0D-B0C6-D73A6F36E862}" type="datetimeFigureOut">
               <a:rPr lang="ko-KR" altLang="en-US" smtClean="0"/>
-              <a:t>2016-06-21</a:t>
+              <a:t>2016-06-22</a:t>
             </a:fld>
             <a:endParaRPr lang="ko-KR" altLang="en-US"/>
           </a:p>
@@ -1758,7 +1761,7 @@
           <a:p>
             <a:fld id="{30D46686-9C38-4F0D-B0C6-D73A6F36E862}" type="datetimeFigureOut">
               <a:rPr lang="ko-KR" altLang="en-US" smtClean="0"/>
-              <a:t>2016-06-21</a:t>
+              <a:t>2016-06-22</a:t>
             </a:fld>
             <a:endParaRPr lang="ko-KR" altLang="en-US"/>
           </a:p>
@@ -1853,7 +1856,7 @@
           <a:p>
             <a:fld id="{30D46686-9C38-4F0D-B0C6-D73A6F36E862}" type="datetimeFigureOut">
               <a:rPr lang="ko-KR" altLang="en-US" smtClean="0"/>
-              <a:t>2016-06-21</a:t>
+              <a:t>2016-06-22</a:t>
             </a:fld>
             <a:endParaRPr lang="ko-KR" altLang="en-US"/>
           </a:p>
@@ -2130,7 +2133,7 @@
           <a:p>
             <a:fld id="{30D46686-9C38-4F0D-B0C6-D73A6F36E862}" type="datetimeFigureOut">
               <a:rPr lang="ko-KR" altLang="en-US" smtClean="0"/>
-              <a:t>2016-06-21</a:t>
+              <a:t>2016-06-22</a:t>
             </a:fld>
             <a:endParaRPr lang="ko-KR" altLang="en-US"/>
           </a:p>
@@ -2387,7 +2390,7 @@
           <a:p>
             <a:fld id="{30D46686-9C38-4F0D-B0C6-D73A6F36E862}" type="datetimeFigureOut">
               <a:rPr lang="ko-KR" altLang="en-US" smtClean="0"/>
-              <a:t>2016-06-21</a:t>
+              <a:t>2016-06-22</a:t>
             </a:fld>
             <a:endParaRPr lang="ko-KR" altLang="en-US"/>
           </a:p>
@@ -2600,7 +2603,7 @@
           <a:p>
             <a:fld id="{30D46686-9C38-4F0D-B0C6-D73A6F36E862}" type="datetimeFigureOut">
               <a:rPr lang="ko-KR" altLang="en-US" smtClean="0"/>
-              <a:t>2016-06-21</a:t>
+              <a:t>2016-06-22</a:t>
             </a:fld>
             <a:endParaRPr lang="ko-KR" altLang="en-US"/>
           </a:p>
@@ -5385,15 +5388,15 @@
       </p:sp>
       <p:grpSp>
         <p:nvGrpSpPr>
-          <p:cNvPr id="76" name="그룹 75"/>
+          <p:cNvPr id="4" name="그룹 3"/>
           <p:cNvGrpSpPr/>
           <p:nvPr/>
         </p:nvGrpSpPr>
         <p:grpSpPr>
           <a:xfrm>
-            <a:off x="358572" y="825893"/>
+            <a:off x="587172" y="995226"/>
             <a:ext cx="7971521" cy="5393681"/>
-            <a:chOff x="358572" y="825893"/>
+            <a:chOff x="587172" y="995226"/>
             <a:chExt cx="7971521" cy="5393681"/>
           </a:xfrm>
         </p:grpSpPr>
@@ -5405,7 +5408,7 @@
           </p:nvSpPr>
           <p:spPr>
             <a:xfrm>
-              <a:off x="6676466" y="1751202"/>
+              <a:off x="740579" y="1920535"/>
               <a:ext cx="1080000" cy="720000"/>
             </a:xfrm>
             <a:prstGeom prst="roundRect">
@@ -5467,7 +5470,7 @@
           </p:nvSpPr>
           <p:spPr>
             <a:xfrm>
-              <a:off x="597048" y="1744610"/>
+              <a:off x="6905066" y="1872259"/>
               <a:ext cx="972000" cy="720000"/>
             </a:xfrm>
             <a:prstGeom prst="roundRect">
@@ -5529,7 +5532,7 @@
           </p:nvSpPr>
           <p:spPr>
             <a:xfrm>
-              <a:off x="650790" y="4537391"/>
+              <a:off x="879390" y="4706724"/>
               <a:ext cx="7274013" cy="1270826"/>
             </a:xfrm>
             <a:prstGeom prst="rect">
@@ -5575,7 +5578,7 @@
           </p:nvSpPr>
           <p:spPr>
             <a:xfrm>
-              <a:off x="657470" y="4562914"/>
+              <a:off x="886070" y="4732247"/>
               <a:ext cx="1637800" cy="360000"/>
             </a:xfrm>
             <a:prstGeom prst="rect">
@@ -5630,7 +5633,7 @@
           </p:nvSpPr>
           <p:spPr>
             <a:xfrm>
-              <a:off x="803327" y="5337090"/>
+              <a:off x="1031927" y="5506423"/>
               <a:ext cx="340143" cy="272792"/>
             </a:xfrm>
             <a:prstGeom prst="roundRect">
@@ -5684,7 +5687,7 @@
           </p:nvSpPr>
           <p:spPr>
             <a:xfrm>
-              <a:off x="1202727" y="5348272"/>
+              <a:off x="1431327" y="5517605"/>
               <a:ext cx="664124" cy="261610"/>
             </a:xfrm>
             <a:prstGeom prst="rect">
@@ -5714,7 +5717,7 @@
           </p:nvSpPr>
           <p:spPr>
             <a:xfrm>
-              <a:off x="1202727" y="4945132"/>
+              <a:off x="1431327" y="5114465"/>
               <a:ext cx="1981968" cy="261610"/>
             </a:xfrm>
             <a:prstGeom prst="rect">
@@ -5748,7 +5751,7 @@
           </p:nvSpPr>
           <p:spPr>
             <a:xfrm>
-              <a:off x="2006661" y="1084725"/>
+              <a:off x="2235261" y="1254058"/>
               <a:ext cx="3924584" cy="2014620"/>
             </a:xfrm>
             <a:prstGeom prst="roundRect">
@@ -5795,7 +5798,7 @@
           </p:nvSpPr>
           <p:spPr>
             <a:xfrm>
-              <a:off x="803327" y="4922914"/>
+              <a:off x="1031927" y="5092247"/>
               <a:ext cx="340143" cy="261610"/>
             </a:xfrm>
             <a:prstGeom prst="roundRect">
@@ -5842,7 +5845,7 @@
           </p:nvSpPr>
           <p:spPr>
             <a:xfrm>
-              <a:off x="1871738" y="5331128"/>
+              <a:off x="2100338" y="5500461"/>
               <a:ext cx="321973" cy="284715"/>
             </a:xfrm>
             <a:prstGeom prst="ellipse">
@@ -5888,7 +5891,7 @@
           </p:nvSpPr>
           <p:spPr>
             <a:xfrm>
-              <a:off x="2277089" y="5353884"/>
+              <a:off x="2505689" y="5523217"/>
               <a:ext cx="664124" cy="261610"/>
             </a:xfrm>
             <a:prstGeom prst="rect">
@@ -5918,7 +5921,7 @@
           </p:nvSpPr>
           <p:spPr>
             <a:xfrm>
-              <a:off x="2517689" y="1640976"/>
+              <a:off x="4553195" y="1769511"/>
               <a:ext cx="1049295" cy="953943"/>
             </a:xfrm>
             <a:prstGeom prst="ellipse">
@@ -5976,7 +5979,7 @@
           </p:nvSpPr>
           <p:spPr>
             <a:xfrm>
-              <a:off x="4333870" y="1640975"/>
+              <a:off x="2764841" y="1781823"/>
               <a:ext cx="1049295" cy="953943"/>
             </a:xfrm>
             <a:prstGeom prst="ellipse">
@@ -6045,7 +6048,7 @@
           </p:nvSpPr>
           <p:spPr>
             <a:xfrm>
-              <a:off x="5728712" y="3454647"/>
+              <a:off x="1834448" y="3598393"/>
               <a:ext cx="1080000" cy="864000"/>
             </a:xfrm>
             <a:prstGeom prst="can">
@@ -6108,14 +6111,12 @@
         <p:cxnSp>
           <p:nvCxnSpPr>
             <p:cNvPr id="16" name="직선 화살표 연결선 15"/>
-            <p:cNvCxnSpPr>
-              <a:endCxn id="58" idx="2"/>
-            </p:cNvCxnSpPr>
+            <p:cNvCxnSpPr/>
             <p:nvPr/>
           </p:nvCxnSpPr>
           <p:spPr>
             <a:xfrm>
-              <a:off x="1573427" y="2117946"/>
+              <a:off x="1834448" y="2280535"/>
               <a:ext cx="944262" cy="2"/>
             </a:xfrm>
             <a:prstGeom prst="straightConnector1">
@@ -6152,7 +6153,7 @@
           </p:nvCxnSpPr>
           <p:spPr>
             <a:xfrm>
-              <a:off x="5387544" y="2111202"/>
+              <a:off x="5616144" y="2280535"/>
               <a:ext cx="1288922" cy="2"/>
             </a:xfrm>
             <a:prstGeom prst="straightConnector1">
@@ -6189,7 +6190,7 @@
           </p:nvCxnSpPr>
           <p:spPr>
             <a:xfrm>
-              <a:off x="2998874" y="5473483"/>
+              <a:off x="3227474" y="5642816"/>
               <a:ext cx="415785" cy="2"/>
             </a:xfrm>
             <a:prstGeom prst="straightConnector1">
@@ -6226,7 +6227,7 @@
           </p:nvSpPr>
           <p:spPr>
             <a:xfrm>
-              <a:off x="3414658" y="5348272"/>
+              <a:off x="3643258" y="5517605"/>
               <a:ext cx="1644597" cy="261610"/>
             </a:xfrm>
             <a:prstGeom prst="rect">
@@ -6256,7 +6257,7 @@
           </p:nvCxnSpPr>
           <p:spPr>
             <a:xfrm>
-              <a:off x="5046699" y="5484925"/>
+              <a:off x="5275299" y="5654258"/>
               <a:ext cx="415785" cy="2"/>
             </a:xfrm>
             <a:prstGeom prst="straightConnector1">
@@ -6294,7 +6295,7 @@
           </p:nvSpPr>
           <p:spPr>
             <a:xfrm>
-              <a:off x="5524746" y="5339366"/>
+              <a:off x="5753346" y="5508699"/>
               <a:ext cx="1402507" cy="261610"/>
             </a:xfrm>
             <a:prstGeom prst="rect">
@@ -6323,9 +6324,9 @@
             <p:nvPr/>
           </p:nvCxnSpPr>
           <p:spPr>
-            <a:xfrm>
-              <a:off x="5073782" y="2594918"/>
-              <a:ext cx="990600" cy="859729"/>
+            <a:xfrm flipH="1">
+              <a:off x="2505689" y="2746506"/>
+              <a:ext cx="783799" cy="925273"/>
             </a:xfrm>
             <a:prstGeom prst="straightConnector1">
               <a:avLst/>
@@ -6362,7 +6363,7 @@
           </p:nvSpPr>
           <p:spPr>
             <a:xfrm>
-              <a:off x="5079730" y="3170037"/>
+              <a:off x="2708401" y="3294452"/>
               <a:ext cx="851515" cy="261610"/>
             </a:xfrm>
             <a:prstGeom prst="rect">
@@ -6387,15 +6388,13 @@
         <p:cxnSp>
           <p:nvCxnSpPr>
             <p:cNvPr id="72" name="직선 화살표 연결선 71"/>
-            <p:cNvCxnSpPr>
-              <a:stCxn id="41" idx="2"/>
-            </p:cNvCxnSpPr>
+            <p:cNvCxnSpPr/>
             <p:nvPr/>
           </p:nvCxnSpPr>
           <p:spPr>
-            <a:xfrm flipH="1">
-              <a:off x="6442273" y="2471202"/>
-              <a:ext cx="774193" cy="983445"/>
+            <a:xfrm>
+              <a:off x="1430118" y="2644952"/>
+              <a:ext cx="876461" cy="1047114"/>
             </a:xfrm>
             <a:prstGeom prst="straightConnector1">
               <a:avLst/>
@@ -6432,7 +6431,7 @@
           </p:nvSpPr>
           <p:spPr>
             <a:xfrm>
-              <a:off x="6676466" y="3102572"/>
+              <a:off x="1540396" y="3279031"/>
               <a:ext cx="473206" cy="261610"/>
             </a:xfrm>
             <a:prstGeom prst="rect">
@@ -6462,7 +6461,7 @@
           </p:nvCxnSpPr>
           <p:spPr>
             <a:xfrm flipH="1">
-              <a:off x="3561795" y="2089462"/>
+              <a:off x="3790395" y="2267262"/>
               <a:ext cx="766886" cy="1"/>
             </a:xfrm>
             <a:prstGeom prst="straightConnector1">
@@ -6500,7 +6499,7 @@
           </p:nvCxnSpPr>
           <p:spPr>
             <a:xfrm flipV="1">
-              <a:off x="2999022" y="5069136"/>
+              <a:off x="3227622" y="5238469"/>
               <a:ext cx="473312" cy="1246"/>
             </a:xfrm>
             <a:prstGeom prst="straightConnector1">
@@ -6538,7 +6537,7 @@
           </p:nvSpPr>
           <p:spPr>
             <a:xfrm>
-              <a:off x="3527216" y="4922914"/>
+              <a:off x="3755816" y="5092247"/>
               <a:ext cx="1210291" cy="261610"/>
             </a:xfrm>
             <a:prstGeom prst="rect">
@@ -6568,7 +6567,7 @@
           </p:nvSpPr>
           <p:spPr>
             <a:xfrm>
-              <a:off x="358572" y="825893"/>
+              <a:off x="587172" y="995226"/>
               <a:ext cx="7971521" cy="5393681"/>
             </a:xfrm>
             <a:prstGeom prst="rect">
@@ -6653,7 +6652,7 @@
         <p:spPr>
           <a:xfrm>
             <a:off x="358572" y="272932"/>
-            <a:ext cx="2859757" cy="369332"/>
+            <a:ext cx="2561470" cy="369332"/>
           </a:xfrm>
           <a:prstGeom prst="rect">
             <a:avLst/>
@@ -6668,7 +6667,11 @@
           <a:p>
             <a:r>
               <a:rPr lang="en-US" altLang="ko-KR" dirty="0" smtClean="0"/>
-              <a:t>FC</a:t>
+              <a:t>FC Manager – </a:t>
+            </a:r>
+            <a:r>
+              <a:rPr lang="en-US" altLang="ko-KR" dirty="0" smtClean="0"/>
+              <a:t>Static</a:t>
             </a:r>
             <a:r>
               <a:rPr lang="en-US" altLang="ko-KR" dirty="0" smtClean="0"/>
@@ -6676,7 +6679,7 @@
             </a:r>
             <a:r>
               <a:rPr lang="en-US" altLang="ko-KR" dirty="0" smtClean="0"/>
-              <a:t>Manager – Dynamic View</a:t>
+              <a:t>View</a:t>
             </a:r>
             <a:endParaRPr lang="ko-KR" altLang="en-US"/>
           </a:p>
@@ -8567,6 +8570,3667 @@
     <p:extLst>
       <p:ext uri="{BB962C8B-B14F-4D97-AF65-F5344CB8AC3E}">
         <p14:creationId xmlns:p14="http://schemas.microsoft.com/office/powerpoint/2010/main" val="722844364"/>
+      </p:ext>
+    </p:extLst>
+  </p:cSld>
+  <p:clrMapOvr>
+    <a:masterClrMapping/>
+  </p:clrMapOvr>
+  <p:timing>
+    <p:tnLst>
+      <p:par>
+        <p:cTn id="1" dur="indefinite" restart="never" nodeType="tmRoot"/>
+      </p:par>
+    </p:tnLst>
+  </p:timing>
+</p:sld>
+</file>
+
+<file path=ppt/slides/slide13.xml><?xml version="1.0" encoding="utf-8"?>
+<p:sld xmlns:a="http://schemas.openxmlformats.org/drawingml/2006/main" xmlns:r="http://schemas.openxmlformats.org/officeDocument/2006/relationships" xmlns:p="http://schemas.openxmlformats.org/presentationml/2006/main">
+  <p:cSld>
+    <p:spTree>
+      <p:nvGrpSpPr>
+        <p:cNvPr id="1" name=""/>
+        <p:cNvGrpSpPr/>
+        <p:nvPr/>
+      </p:nvGrpSpPr>
+      <p:grpSpPr>
+        <a:xfrm>
+          <a:off x="0" y="0"/>
+          <a:ext cx="0" cy="0"/>
+          <a:chOff x="0" y="0"/>
+          <a:chExt cx="0" cy="0"/>
+        </a:xfrm>
+      </p:grpSpPr>
+      <p:sp>
+        <p:nvSpPr>
+          <p:cNvPr id="38" name="TextBox 37"/>
+          <p:cNvSpPr txBox="1"/>
+          <p:nvPr/>
+        </p:nvSpPr>
+        <p:spPr>
+          <a:xfrm>
+            <a:off x="358572" y="272932"/>
+            <a:ext cx="4498154" cy="369332"/>
+          </a:xfrm>
+          <a:prstGeom prst="rect">
+            <a:avLst/>
+          </a:prstGeom>
+          <a:noFill/>
+        </p:spPr>
+        <p:txBody>
+          <a:bodyPr wrap="none" rtlCol="0">
+            <a:spAutoFit/>
+          </a:bodyPr>
+          <a:lstStyle/>
+          <a:p>
+            <a:r>
+              <a:rPr lang="en-US" altLang="ko-KR" dirty="0" smtClean="0"/>
+              <a:t>Communication diagram – make a reservation</a:t>
+            </a:r>
+            <a:endParaRPr lang="ko-KR" altLang="en-US"/>
+          </a:p>
+        </p:txBody>
+      </p:sp>
+      <p:grpSp>
+        <p:nvGrpSpPr>
+          <p:cNvPr id="145" name="그룹 144"/>
+          <p:cNvGrpSpPr/>
+          <p:nvPr/>
+        </p:nvGrpSpPr>
+        <p:grpSpPr>
+          <a:xfrm>
+            <a:off x="358572" y="825893"/>
+            <a:ext cx="7971521" cy="4076307"/>
+            <a:chOff x="358572" y="825893"/>
+            <a:chExt cx="7971521" cy="4076307"/>
+          </a:xfrm>
+        </p:grpSpPr>
+        <p:sp>
+          <p:nvSpPr>
+            <p:cNvPr id="51" name="모서리가 둥근 직사각형 50"/>
+            <p:cNvSpPr/>
+            <p:nvPr/>
+          </p:nvSpPr>
+          <p:spPr>
+            <a:xfrm>
+              <a:off x="2913596" y="1427525"/>
+              <a:ext cx="1080000" cy="720000"/>
+            </a:xfrm>
+            <a:prstGeom prst="roundRect">
+              <a:avLst>
+                <a:gd name="adj" fmla="val 9611"/>
+              </a:avLst>
+            </a:prstGeom>
+            <a:solidFill>
+              <a:schemeClr val="bg1"/>
+            </a:solidFill>
+            <a:ln w="12700">
+              <a:solidFill>
+                <a:schemeClr val="tx1"/>
+              </a:solidFill>
+            </a:ln>
+          </p:spPr>
+          <p:style>
+            <a:lnRef idx="2">
+              <a:schemeClr val="accent1">
+                <a:shade val="50000"/>
+              </a:schemeClr>
+            </a:lnRef>
+            <a:fillRef idx="1">
+              <a:schemeClr val="accent1"/>
+            </a:fillRef>
+            <a:effectRef idx="0">
+              <a:schemeClr val="accent1"/>
+            </a:effectRef>
+            <a:fontRef idx="minor">
+              <a:schemeClr val="lt1"/>
+            </a:fontRef>
+          </p:style>
+          <p:txBody>
+            <a:bodyPr rtlCol="0" anchor="ctr"/>
+            <a:lstStyle/>
+            <a:p>
+              <a:pPr algn="ctr"/>
+              <a:r>
+                <a:rPr lang="en-US" altLang="ko-KR" sz="1400" dirty="0" smtClean="0">
+                  <a:solidFill>
+                    <a:schemeClr val="tx1"/>
+                  </a:solidFill>
+                </a:rPr>
+                <a:t>Web Service</a:t>
+              </a:r>
+              <a:endParaRPr lang="ko-KR" altLang="en-US" sz="1400" dirty="0">
+                <a:solidFill>
+                  <a:schemeClr val="tx1"/>
+                </a:solidFill>
+              </a:endParaRPr>
+            </a:p>
+          </p:txBody>
+        </p:sp>
+        <p:sp>
+          <p:nvSpPr>
+            <p:cNvPr id="52" name="모서리가 둥근 직사각형 51"/>
+            <p:cNvSpPr/>
+            <p:nvPr/>
+          </p:nvSpPr>
+          <p:spPr>
+            <a:xfrm>
+              <a:off x="6757074" y="1432225"/>
+              <a:ext cx="972000" cy="720000"/>
+            </a:xfrm>
+            <a:prstGeom prst="roundRect">
+              <a:avLst>
+                <a:gd name="adj" fmla="val 9611"/>
+              </a:avLst>
+            </a:prstGeom>
+            <a:solidFill>
+              <a:schemeClr val="bg1"/>
+            </a:solidFill>
+            <a:ln w="12700">
+              <a:solidFill>
+                <a:schemeClr val="tx1"/>
+              </a:solidFill>
+            </a:ln>
+          </p:spPr>
+          <p:style>
+            <a:lnRef idx="2">
+              <a:schemeClr val="accent1">
+                <a:shade val="50000"/>
+              </a:schemeClr>
+            </a:lnRef>
+            <a:fillRef idx="1">
+              <a:schemeClr val="accent1"/>
+            </a:fillRef>
+            <a:effectRef idx="0">
+              <a:schemeClr val="accent1"/>
+            </a:effectRef>
+            <a:fontRef idx="minor">
+              <a:schemeClr val="lt1"/>
+            </a:fontRef>
+          </p:style>
+          <p:txBody>
+            <a:bodyPr rtlCol="0" anchor="ctr"/>
+            <a:lstStyle/>
+            <a:p>
+              <a:pPr algn="ctr"/>
+              <a:r>
+                <a:rPr lang="en-US" altLang="ko-KR" sz="1400" dirty="0" smtClean="0">
+                  <a:solidFill>
+                    <a:schemeClr val="tx1"/>
+                  </a:solidFill>
+                </a:rPr>
+                <a:t>Facility Controller</a:t>
+              </a:r>
+              <a:endParaRPr lang="ko-KR" altLang="en-US" sz="1400" dirty="0">
+                <a:solidFill>
+                  <a:schemeClr val="tx1"/>
+                </a:solidFill>
+              </a:endParaRPr>
+            </a:p>
+          </p:txBody>
+        </p:sp>
+        <p:sp>
+          <p:nvSpPr>
+            <p:cNvPr id="54" name="직사각형 53"/>
+            <p:cNvSpPr/>
+            <p:nvPr/>
+          </p:nvSpPr>
+          <p:spPr>
+            <a:xfrm>
+              <a:off x="566123" y="3863837"/>
+              <a:ext cx="4146465" cy="829046"/>
+            </a:xfrm>
+            <a:prstGeom prst="rect">
+              <a:avLst/>
+            </a:prstGeom>
+            <a:noFill/>
+            <a:ln>
+              <a:solidFill>
+                <a:schemeClr val="tx1"/>
+              </a:solidFill>
+            </a:ln>
+          </p:spPr>
+          <p:style>
+            <a:lnRef idx="2">
+              <a:schemeClr val="accent1">
+                <a:shade val="50000"/>
+              </a:schemeClr>
+            </a:lnRef>
+            <a:fillRef idx="1">
+              <a:schemeClr val="accent1"/>
+            </a:fillRef>
+            <a:effectRef idx="0">
+              <a:schemeClr val="accent1"/>
+            </a:effectRef>
+            <a:fontRef idx="minor">
+              <a:schemeClr val="lt1"/>
+            </a:fontRef>
+          </p:style>
+          <p:txBody>
+            <a:bodyPr rtlCol="0" anchor="ctr"/>
+            <a:lstStyle/>
+            <a:p>
+              <a:pPr algn="ctr"/>
+              <a:endParaRPr lang="ko-KR" altLang="en-US"/>
+            </a:p>
+          </p:txBody>
+        </p:sp>
+        <p:sp>
+          <p:nvSpPr>
+            <p:cNvPr id="56" name="직사각형 55"/>
+            <p:cNvSpPr/>
+            <p:nvPr/>
+          </p:nvSpPr>
+          <p:spPr>
+            <a:xfrm>
+              <a:off x="572803" y="3889360"/>
+              <a:ext cx="1637800" cy="360000"/>
+            </a:xfrm>
+            <a:prstGeom prst="rect">
+              <a:avLst/>
+            </a:prstGeom>
+            <a:noFill/>
+            <a:ln>
+              <a:noFill/>
+            </a:ln>
+          </p:spPr>
+          <p:style>
+            <a:lnRef idx="2">
+              <a:schemeClr val="accent1">
+                <a:shade val="50000"/>
+              </a:schemeClr>
+            </a:lnRef>
+            <a:fillRef idx="1">
+              <a:schemeClr val="accent1"/>
+            </a:fillRef>
+            <a:effectRef idx="0">
+              <a:schemeClr val="accent1"/>
+            </a:effectRef>
+            <a:fontRef idx="minor">
+              <a:schemeClr val="lt1"/>
+            </a:fontRef>
+          </p:style>
+          <p:txBody>
+            <a:bodyPr lIns="144000" rtlCol="0" anchor="ctr"/>
+            <a:lstStyle/>
+            <a:p>
+              <a:r>
+                <a:rPr lang="en-US" altLang="ko-KR" sz="1400" b="1" i="1" u="sng" dirty="0" smtClean="0">
+                  <a:solidFill>
+                    <a:schemeClr val="tx1"/>
+                  </a:solidFill>
+                </a:rPr>
+                <a:t>Legend</a:t>
+              </a:r>
+              <a:endParaRPr lang="ko-KR" altLang="en-US" sz="1400" b="1" i="1" u="sng">
+                <a:solidFill>
+                  <a:schemeClr val="tx1"/>
+                </a:solidFill>
+              </a:endParaRPr>
+            </a:p>
+          </p:txBody>
+        </p:sp>
+        <p:sp>
+          <p:nvSpPr>
+            <p:cNvPr id="67" name="원통 66"/>
+            <p:cNvSpPr/>
+            <p:nvPr/>
+          </p:nvSpPr>
+          <p:spPr>
+            <a:xfrm>
+              <a:off x="4032000" y="2766191"/>
+              <a:ext cx="1080000" cy="864000"/>
+            </a:xfrm>
+            <a:prstGeom prst="can">
+              <a:avLst/>
+            </a:prstGeom>
+            <a:solidFill>
+              <a:schemeClr val="bg1"/>
+            </a:solidFill>
+            <a:ln>
+              <a:solidFill>
+                <a:schemeClr val="tx1"/>
+              </a:solidFill>
+            </a:ln>
+          </p:spPr>
+          <p:style>
+            <a:lnRef idx="2">
+              <a:schemeClr val="accent1">
+                <a:shade val="50000"/>
+              </a:schemeClr>
+            </a:lnRef>
+            <a:fillRef idx="1">
+              <a:schemeClr val="accent1"/>
+            </a:fillRef>
+            <a:effectRef idx="0">
+              <a:schemeClr val="accent1"/>
+            </a:effectRef>
+            <a:fontRef idx="minor">
+              <a:schemeClr val="lt1"/>
+            </a:fontRef>
+          </p:style>
+          <p:txBody>
+            <a:bodyPr rtlCol="0" anchor="ctr"/>
+            <a:lstStyle/>
+            <a:p>
+              <a:pPr algn="ctr"/>
+              <a:r>
+                <a:rPr lang="en-US" altLang="ko-KR" sz="1400" dirty="0" err="1" smtClean="0">
+                  <a:solidFill>
+                    <a:schemeClr val="tx1"/>
+                  </a:solidFill>
+                </a:rPr>
+                <a:t>SurePark</a:t>
+              </a:r>
+              <a:r>
+                <a:rPr lang="en-US" altLang="ko-KR" sz="1400" dirty="0" smtClean="0">
+                  <a:solidFill>
+                    <a:schemeClr val="tx1"/>
+                  </a:solidFill>
+                </a:rPr>
+                <a:t> DB</a:t>
+              </a:r>
+              <a:endParaRPr lang="ko-KR" altLang="en-US" sz="1400">
+                <a:solidFill>
+                  <a:schemeClr val="tx1"/>
+                </a:solidFill>
+              </a:endParaRPr>
+            </a:p>
+          </p:txBody>
+        </p:sp>
+        <p:sp>
+          <p:nvSpPr>
+            <p:cNvPr id="75" name="TextBox 74"/>
+            <p:cNvSpPr txBox="1"/>
+            <p:nvPr/>
+          </p:nvSpPr>
+          <p:spPr>
+            <a:xfrm>
+              <a:off x="2217283" y="4237640"/>
+              <a:ext cx="717703" cy="261610"/>
+            </a:xfrm>
+            <a:prstGeom prst="rect">
+              <a:avLst/>
+            </a:prstGeom>
+            <a:noFill/>
+          </p:spPr>
+          <p:txBody>
+            <a:bodyPr wrap="square" rtlCol="0">
+              <a:spAutoFit/>
+            </a:bodyPr>
+            <a:lstStyle/>
+            <a:p>
+              <a:r>
+                <a:rPr lang="en-US" altLang="ko-KR" sz="1100" dirty="0" smtClean="0"/>
+                <a:t>data </a:t>
+              </a:r>
+              <a:r>
+                <a:rPr lang="en-US" altLang="ko-KR" sz="1100" dirty="0" smtClean="0"/>
+                <a:t>flow</a:t>
+              </a:r>
+              <a:endParaRPr lang="ko-KR" altLang="en-US" sz="1100"/>
+            </a:p>
+          </p:txBody>
+        </p:sp>
+        <p:cxnSp>
+          <p:nvCxnSpPr>
+            <p:cNvPr id="76" name="직선 화살표 연결선 75"/>
+            <p:cNvCxnSpPr/>
+            <p:nvPr/>
+          </p:nvCxnSpPr>
+          <p:spPr>
+            <a:xfrm>
+              <a:off x="3101596" y="4354339"/>
+              <a:ext cx="415785" cy="2"/>
+            </a:xfrm>
+            <a:prstGeom prst="straightConnector1">
+              <a:avLst/>
+            </a:prstGeom>
+            <a:ln w="12700">
+              <a:solidFill>
+                <a:schemeClr val="tx1"/>
+              </a:solidFill>
+              <a:prstDash val="dash"/>
+              <a:headEnd type="none"/>
+              <a:tailEnd type="triangle"/>
+            </a:ln>
+          </p:spPr>
+          <p:style>
+            <a:lnRef idx="1">
+              <a:schemeClr val="accent1"/>
+            </a:lnRef>
+            <a:fillRef idx="0">
+              <a:schemeClr val="accent1"/>
+            </a:fillRef>
+            <a:effectRef idx="0">
+              <a:schemeClr val="accent1"/>
+            </a:effectRef>
+            <a:fontRef idx="minor">
+              <a:schemeClr val="tx1"/>
+            </a:fontRef>
+          </p:style>
+        </p:cxnSp>
+        <p:sp>
+          <p:nvSpPr>
+            <p:cNvPr id="86" name="TextBox 85"/>
+            <p:cNvSpPr txBox="1"/>
+            <p:nvPr/>
+          </p:nvSpPr>
+          <p:spPr>
+            <a:xfrm>
+              <a:off x="3508682" y="4223750"/>
+              <a:ext cx="1402507" cy="261610"/>
+            </a:xfrm>
+            <a:prstGeom prst="rect">
+              <a:avLst/>
+            </a:prstGeom>
+            <a:noFill/>
+          </p:spPr>
+          <p:txBody>
+            <a:bodyPr wrap="square" rtlCol="0">
+              <a:spAutoFit/>
+            </a:bodyPr>
+            <a:lstStyle/>
+            <a:p>
+              <a:r>
+                <a:rPr lang="en-US" altLang="ko-KR" sz="1100" dirty="0" smtClean="0"/>
+                <a:t>DB control flow</a:t>
+              </a:r>
+              <a:endParaRPr lang="ko-KR" altLang="en-US" sz="1100"/>
+            </a:p>
+          </p:txBody>
+        </p:sp>
+        <p:cxnSp>
+          <p:nvCxnSpPr>
+            <p:cNvPr id="99" name="직선 화살표 연결선 98"/>
+            <p:cNvCxnSpPr/>
+            <p:nvPr/>
+          </p:nvCxnSpPr>
+          <p:spPr>
+            <a:xfrm flipV="1">
+              <a:off x="4705363" y="2151480"/>
+              <a:ext cx="944514" cy="631068"/>
+            </a:xfrm>
+            <a:prstGeom prst="straightConnector1">
+              <a:avLst/>
+            </a:prstGeom>
+            <a:ln w="12700">
+              <a:solidFill>
+                <a:schemeClr val="tx1"/>
+              </a:solidFill>
+              <a:prstDash val="dash"/>
+              <a:headEnd type="triangle"/>
+              <a:tailEnd type="none"/>
+            </a:ln>
+          </p:spPr>
+          <p:style>
+            <a:lnRef idx="1">
+              <a:schemeClr val="accent1"/>
+            </a:lnRef>
+            <a:fillRef idx="0">
+              <a:schemeClr val="accent1"/>
+            </a:fillRef>
+            <a:effectRef idx="0">
+              <a:schemeClr val="accent1"/>
+            </a:effectRef>
+            <a:fontRef idx="minor">
+              <a:schemeClr val="tx1"/>
+            </a:fontRef>
+          </p:style>
+        </p:cxnSp>
+        <p:sp>
+          <p:nvSpPr>
+            <p:cNvPr id="112" name="직사각형 111"/>
+            <p:cNvSpPr/>
+            <p:nvPr/>
+          </p:nvSpPr>
+          <p:spPr>
+            <a:xfrm>
+              <a:off x="358572" y="825893"/>
+              <a:ext cx="7971521" cy="4076307"/>
+            </a:xfrm>
+            <a:prstGeom prst="rect">
+              <a:avLst/>
+            </a:prstGeom>
+            <a:noFill/>
+            <a:ln>
+              <a:solidFill>
+                <a:schemeClr val="tx1"/>
+              </a:solidFill>
+            </a:ln>
+          </p:spPr>
+          <p:style>
+            <a:lnRef idx="2">
+              <a:schemeClr val="accent1">
+                <a:shade val="50000"/>
+              </a:schemeClr>
+            </a:lnRef>
+            <a:fillRef idx="1">
+              <a:schemeClr val="accent1"/>
+            </a:fillRef>
+            <a:effectRef idx="0">
+              <a:schemeClr val="accent1"/>
+            </a:effectRef>
+            <a:fontRef idx="minor">
+              <a:schemeClr val="lt1"/>
+            </a:fontRef>
+          </p:style>
+          <p:txBody>
+            <a:bodyPr rtlCol="0" anchor="ctr"/>
+            <a:lstStyle/>
+            <a:p>
+              <a:pPr algn="ctr"/>
+              <a:endParaRPr lang="ko-KR" altLang="en-US"/>
+            </a:p>
+          </p:txBody>
+        </p:sp>
+        <p:sp>
+          <p:nvSpPr>
+            <p:cNvPr id="113" name="모서리가 둥근 직사각형 112"/>
+            <p:cNvSpPr/>
+            <p:nvPr/>
+          </p:nvSpPr>
+          <p:spPr>
+            <a:xfrm>
+              <a:off x="5018819" y="1432225"/>
+              <a:ext cx="972000" cy="720000"/>
+            </a:xfrm>
+            <a:prstGeom prst="roundRect">
+              <a:avLst>
+                <a:gd name="adj" fmla="val 9611"/>
+              </a:avLst>
+            </a:prstGeom>
+            <a:solidFill>
+              <a:schemeClr val="bg1"/>
+            </a:solidFill>
+            <a:ln w="12700">
+              <a:solidFill>
+                <a:schemeClr val="tx1"/>
+              </a:solidFill>
+            </a:ln>
+          </p:spPr>
+          <p:style>
+            <a:lnRef idx="2">
+              <a:schemeClr val="accent1">
+                <a:shade val="50000"/>
+              </a:schemeClr>
+            </a:lnRef>
+            <a:fillRef idx="1">
+              <a:schemeClr val="accent1"/>
+            </a:fillRef>
+            <a:effectRef idx="0">
+              <a:schemeClr val="accent1"/>
+            </a:effectRef>
+            <a:fontRef idx="minor">
+              <a:schemeClr val="lt1"/>
+            </a:fontRef>
+          </p:style>
+          <p:txBody>
+            <a:bodyPr rtlCol="0" anchor="ctr"/>
+            <a:lstStyle/>
+            <a:p>
+              <a:pPr algn="ctr"/>
+              <a:r>
+                <a:rPr lang="en-US" altLang="ko-KR" sz="1400" dirty="0" err="1" smtClean="0">
+                  <a:solidFill>
+                    <a:schemeClr val="tx1"/>
+                  </a:solidFill>
+                </a:rPr>
+                <a:t>SurePark</a:t>
+              </a:r>
+              <a:endParaRPr lang="en-US" altLang="ko-KR" sz="1400" dirty="0" smtClean="0">
+                <a:solidFill>
+                  <a:schemeClr val="tx1"/>
+                </a:solidFill>
+              </a:endParaRPr>
+            </a:p>
+            <a:p>
+              <a:pPr algn="ctr"/>
+              <a:r>
+                <a:rPr lang="en-US" altLang="ko-KR" sz="1400" dirty="0" smtClean="0">
+                  <a:solidFill>
+                    <a:schemeClr val="tx1"/>
+                  </a:solidFill>
+                </a:rPr>
+                <a:t>Manager</a:t>
+              </a:r>
+              <a:endParaRPr lang="ko-KR" altLang="en-US" sz="1400" dirty="0">
+                <a:solidFill>
+                  <a:schemeClr val="tx1"/>
+                </a:solidFill>
+              </a:endParaRPr>
+            </a:p>
+          </p:txBody>
+        </p:sp>
+        <p:sp>
+          <p:nvSpPr>
+            <p:cNvPr id="114" name="모서리가 둥근 직사각형 113"/>
+            <p:cNvSpPr/>
+            <p:nvPr/>
+          </p:nvSpPr>
+          <p:spPr>
+            <a:xfrm>
+              <a:off x="826764" y="1434618"/>
+              <a:ext cx="1080000" cy="720000"/>
+            </a:xfrm>
+            <a:prstGeom prst="roundRect">
+              <a:avLst>
+                <a:gd name="adj" fmla="val 9611"/>
+              </a:avLst>
+            </a:prstGeom>
+            <a:solidFill>
+              <a:schemeClr val="bg1"/>
+            </a:solidFill>
+            <a:ln w="12700">
+              <a:solidFill>
+                <a:schemeClr val="tx1"/>
+              </a:solidFill>
+            </a:ln>
+          </p:spPr>
+          <p:style>
+            <a:lnRef idx="2">
+              <a:schemeClr val="accent1">
+                <a:shade val="50000"/>
+              </a:schemeClr>
+            </a:lnRef>
+            <a:fillRef idx="1">
+              <a:schemeClr val="accent1"/>
+            </a:fillRef>
+            <a:effectRef idx="0">
+              <a:schemeClr val="accent1"/>
+            </a:effectRef>
+            <a:fontRef idx="minor">
+              <a:schemeClr val="lt1"/>
+            </a:fontRef>
+          </p:style>
+          <p:txBody>
+            <a:bodyPr rtlCol="0" anchor="ctr"/>
+            <a:lstStyle/>
+            <a:p>
+              <a:pPr algn="ctr"/>
+              <a:r>
+                <a:rPr lang="en-US" altLang="ko-KR" sz="1400" dirty="0" smtClean="0">
+                  <a:solidFill>
+                    <a:schemeClr val="tx1"/>
+                  </a:solidFill>
+                </a:rPr>
+                <a:t>Web Browser</a:t>
+              </a:r>
+              <a:endParaRPr lang="ko-KR" altLang="en-US" sz="1400" dirty="0">
+                <a:solidFill>
+                  <a:schemeClr val="tx1"/>
+                </a:solidFill>
+              </a:endParaRPr>
+            </a:p>
+          </p:txBody>
+        </p:sp>
+        <p:sp>
+          <p:nvSpPr>
+            <p:cNvPr id="12" name="TextBox 11"/>
+            <p:cNvSpPr txBox="1"/>
+            <p:nvPr/>
+          </p:nvSpPr>
+          <p:spPr>
+            <a:xfrm>
+              <a:off x="1893904" y="1321879"/>
+              <a:ext cx="1008609" cy="400110"/>
+            </a:xfrm>
+            <a:prstGeom prst="rect">
+              <a:avLst/>
+            </a:prstGeom>
+            <a:noFill/>
+          </p:spPr>
+          <p:txBody>
+            <a:bodyPr wrap="none" rtlCol="0">
+              <a:spAutoFit/>
+            </a:bodyPr>
+            <a:lstStyle/>
+            <a:p>
+              <a:r>
+                <a:rPr lang="en-US" altLang="ko-KR" sz="1000" dirty="0" smtClean="0"/>
+                <a:t>1. Input </a:t>
+              </a:r>
+            </a:p>
+            <a:p>
+              <a:r>
+                <a:rPr lang="en-US" altLang="ko-KR" sz="1000" dirty="0" smtClean="0"/>
+                <a:t>reservation info</a:t>
+              </a:r>
+              <a:endParaRPr lang="ko-KR" altLang="en-US" sz="1000"/>
+            </a:p>
+          </p:txBody>
+        </p:sp>
+        <p:cxnSp>
+          <p:nvCxnSpPr>
+            <p:cNvPr id="123" name="직선 화살표 연결선 122"/>
+            <p:cNvCxnSpPr/>
+            <p:nvPr/>
+          </p:nvCxnSpPr>
+          <p:spPr>
+            <a:xfrm flipH="1">
+              <a:off x="3983780" y="1795406"/>
+              <a:ext cx="1035037" cy="488"/>
+            </a:xfrm>
+            <a:prstGeom prst="straightConnector1">
+              <a:avLst/>
+            </a:prstGeom>
+            <a:ln w="12700">
+              <a:solidFill>
+                <a:schemeClr val="tx1"/>
+              </a:solidFill>
+              <a:headEnd type="triangle"/>
+              <a:tailEnd type="none"/>
+            </a:ln>
+          </p:spPr>
+          <p:style>
+            <a:lnRef idx="1">
+              <a:schemeClr val="accent1"/>
+            </a:lnRef>
+            <a:fillRef idx="0">
+              <a:schemeClr val="accent1"/>
+            </a:fillRef>
+            <a:effectRef idx="0">
+              <a:schemeClr val="accent1"/>
+            </a:effectRef>
+            <a:fontRef idx="minor">
+              <a:schemeClr val="tx1"/>
+            </a:fontRef>
+          </p:style>
+        </p:cxnSp>
+        <p:cxnSp>
+          <p:nvCxnSpPr>
+            <p:cNvPr id="130" name="직선 화살표 연결선 129"/>
+            <p:cNvCxnSpPr/>
+            <p:nvPr/>
+          </p:nvCxnSpPr>
+          <p:spPr>
+            <a:xfrm flipH="1">
+              <a:off x="1893904" y="1783599"/>
+              <a:ext cx="1035037" cy="488"/>
+            </a:xfrm>
+            <a:prstGeom prst="straightConnector1">
+              <a:avLst/>
+            </a:prstGeom>
+            <a:ln w="12700">
+              <a:solidFill>
+                <a:schemeClr val="tx1"/>
+              </a:solidFill>
+              <a:headEnd type="triangle"/>
+              <a:tailEnd type="none"/>
+            </a:ln>
+          </p:spPr>
+          <p:style>
+            <a:lnRef idx="1">
+              <a:schemeClr val="accent1"/>
+            </a:lnRef>
+            <a:fillRef idx="0">
+              <a:schemeClr val="accent1"/>
+            </a:fillRef>
+            <a:effectRef idx="0">
+              <a:schemeClr val="accent1"/>
+            </a:effectRef>
+            <a:fontRef idx="minor">
+              <a:schemeClr val="tx1"/>
+            </a:fontRef>
+          </p:style>
+        </p:cxnSp>
+        <p:sp>
+          <p:nvSpPr>
+            <p:cNvPr id="131" name="모서리가 둥근 직사각형 130"/>
+            <p:cNvSpPr/>
+            <p:nvPr/>
+          </p:nvSpPr>
+          <p:spPr>
+            <a:xfrm>
+              <a:off x="715373" y="4217945"/>
+              <a:ext cx="340143" cy="272792"/>
+            </a:xfrm>
+            <a:prstGeom prst="roundRect">
+              <a:avLst>
+                <a:gd name="adj" fmla="val 9611"/>
+              </a:avLst>
+            </a:prstGeom>
+            <a:solidFill>
+              <a:schemeClr val="bg1"/>
+            </a:solidFill>
+            <a:ln w="12700">
+              <a:solidFill>
+                <a:schemeClr val="tx1"/>
+              </a:solidFill>
+            </a:ln>
+          </p:spPr>
+          <p:style>
+            <a:lnRef idx="2">
+              <a:schemeClr val="accent1">
+                <a:shade val="50000"/>
+              </a:schemeClr>
+            </a:lnRef>
+            <a:fillRef idx="1">
+              <a:schemeClr val="accent1"/>
+            </a:fillRef>
+            <a:effectRef idx="0">
+              <a:schemeClr val="accent1"/>
+            </a:effectRef>
+            <a:fontRef idx="minor">
+              <a:schemeClr val="lt1"/>
+            </a:fontRef>
+          </p:style>
+          <p:txBody>
+            <a:bodyPr rtlCol="0" anchor="ctr"/>
+            <a:lstStyle/>
+            <a:p>
+              <a:pPr algn="ctr"/>
+              <a:endParaRPr lang="ko-KR" altLang="en-US" sz="1400" dirty="0">
+                <a:solidFill>
+                  <a:schemeClr val="tx1"/>
+                </a:solidFill>
+              </a:endParaRPr>
+            </a:p>
+          </p:txBody>
+        </p:sp>
+        <p:sp>
+          <p:nvSpPr>
+            <p:cNvPr id="132" name="TextBox 131"/>
+            <p:cNvSpPr txBox="1"/>
+            <p:nvPr/>
+          </p:nvSpPr>
+          <p:spPr>
+            <a:xfrm>
+              <a:off x="1114773" y="4229127"/>
+              <a:ext cx="664124" cy="261610"/>
+            </a:xfrm>
+            <a:prstGeom prst="rect">
+              <a:avLst/>
+            </a:prstGeom>
+            <a:noFill/>
+          </p:spPr>
+          <p:txBody>
+            <a:bodyPr wrap="square" rtlCol="0">
+              <a:spAutoFit/>
+            </a:bodyPr>
+            <a:lstStyle/>
+            <a:p>
+              <a:r>
+                <a:rPr lang="en-US" altLang="ko-KR" sz="1100" dirty="0" smtClean="0"/>
+                <a:t>Process</a:t>
+              </a:r>
+              <a:endParaRPr lang="ko-KR" altLang="en-US" sz="1100"/>
+            </a:p>
+          </p:txBody>
+        </p:sp>
+        <p:cxnSp>
+          <p:nvCxnSpPr>
+            <p:cNvPr id="134" name="직선 화살표 연결선 133"/>
+            <p:cNvCxnSpPr/>
+            <p:nvPr/>
+          </p:nvCxnSpPr>
+          <p:spPr>
+            <a:xfrm flipH="1">
+              <a:off x="1849715" y="4369804"/>
+              <a:ext cx="342707" cy="7686"/>
+            </a:xfrm>
+            <a:prstGeom prst="straightConnector1">
+              <a:avLst/>
+            </a:prstGeom>
+            <a:ln w="12700">
+              <a:solidFill>
+                <a:schemeClr val="tx1"/>
+              </a:solidFill>
+              <a:headEnd type="triangle"/>
+              <a:tailEnd type="none"/>
+            </a:ln>
+          </p:spPr>
+          <p:style>
+            <a:lnRef idx="1">
+              <a:schemeClr val="accent1"/>
+            </a:lnRef>
+            <a:fillRef idx="0">
+              <a:schemeClr val="accent1"/>
+            </a:fillRef>
+            <a:effectRef idx="0">
+              <a:schemeClr val="accent1"/>
+            </a:effectRef>
+            <a:fontRef idx="minor">
+              <a:schemeClr val="tx1"/>
+            </a:fontRef>
+          </p:style>
+        </p:cxnSp>
+        <p:sp>
+          <p:nvSpPr>
+            <p:cNvPr id="135" name="TextBox 134"/>
+            <p:cNvSpPr txBox="1"/>
+            <p:nvPr/>
+          </p:nvSpPr>
+          <p:spPr>
+            <a:xfrm>
+              <a:off x="4010209" y="1383489"/>
+              <a:ext cx="1032655" cy="400110"/>
+            </a:xfrm>
+            <a:prstGeom prst="rect">
+              <a:avLst/>
+            </a:prstGeom>
+            <a:noFill/>
+          </p:spPr>
+          <p:txBody>
+            <a:bodyPr wrap="none" rtlCol="0">
+              <a:spAutoFit/>
+            </a:bodyPr>
+            <a:lstStyle/>
+            <a:p>
+              <a:r>
+                <a:rPr lang="en-US" altLang="ko-KR" sz="1000" dirty="0" smtClean="0"/>
+                <a:t>2. Send</a:t>
+              </a:r>
+            </a:p>
+            <a:p>
+              <a:r>
+                <a:rPr lang="en-US" altLang="ko-KR" sz="1000" dirty="0" smtClean="0"/>
+                <a:t>Reservation info</a:t>
+              </a:r>
+              <a:endParaRPr lang="ko-KR" altLang="en-US" sz="1000"/>
+            </a:p>
+          </p:txBody>
+        </p:sp>
+        <p:sp>
+          <p:nvSpPr>
+            <p:cNvPr id="136" name="TextBox 135"/>
+            <p:cNvSpPr txBox="1"/>
+            <p:nvPr/>
+          </p:nvSpPr>
+          <p:spPr>
+            <a:xfrm>
+              <a:off x="5121884" y="2460107"/>
+              <a:ext cx="1032655" cy="400110"/>
+            </a:xfrm>
+            <a:prstGeom prst="rect">
+              <a:avLst/>
+            </a:prstGeom>
+            <a:noFill/>
+          </p:spPr>
+          <p:txBody>
+            <a:bodyPr wrap="none" rtlCol="0">
+              <a:spAutoFit/>
+            </a:bodyPr>
+            <a:lstStyle/>
+            <a:p>
+              <a:r>
+                <a:rPr lang="en-US" altLang="ko-KR" sz="1000" dirty="0" smtClean="0"/>
+                <a:t>3. Write</a:t>
+              </a:r>
+            </a:p>
+            <a:p>
+              <a:r>
+                <a:rPr lang="en-US" altLang="ko-KR" sz="1000" dirty="0" smtClean="0"/>
+                <a:t>Reservation info</a:t>
+              </a:r>
+              <a:endParaRPr lang="ko-KR" altLang="en-US" sz="1000"/>
+            </a:p>
+          </p:txBody>
+        </p:sp>
+        <p:cxnSp>
+          <p:nvCxnSpPr>
+            <p:cNvPr id="137" name="직선 화살표 연결선 136"/>
+            <p:cNvCxnSpPr/>
+            <p:nvPr/>
+          </p:nvCxnSpPr>
+          <p:spPr>
+            <a:xfrm flipV="1">
+              <a:off x="4004733" y="1929955"/>
+              <a:ext cx="1024475" cy="8912"/>
+            </a:xfrm>
+            <a:prstGeom prst="straightConnector1">
+              <a:avLst/>
+            </a:prstGeom>
+            <a:ln w="12700">
+              <a:solidFill>
+                <a:schemeClr val="tx1"/>
+              </a:solidFill>
+              <a:headEnd type="triangle"/>
+              <a:tailEnd type="none"/>
+            </a:ln>
+          </p:spPr>
+          <p:style>
+            <a:lnRef idx="1">
+              <a:schemeClr val="accent1"/>
+            </a:lnRef>
+            <a:fillRef idx="0">
+              <a:schemeClr val="accent1"/>
+            </a:fillRef>
+            <a:effectRef idx="0">
+              <a:schemeClr val="accent1"/>
+            </a:effectRef>
+            <a:fontRef idx="minor">
+              <a:schemeClr val="tx1"/>
+            </a:fontRef>
+          </p:style>
+        </p:cxnSp>
+        <p:sp>
+          <p:nvSpPr>
+            <p:cNvPr id="138" name="TextBox 137"/>
+            <p:cNvSpPr txBox="1"/>
+            <p:nvPr/>
+          </p:nvSpPr>
+          <p:spPr>
+            <a:xfrm>
+              <a:off x="3978796" y="1965529"/>
+              <a:ext cx="1109599" cy="246221"/>
+            </a:xfrm>
+            <a:prstGeom prst="rect">
+              <a:avLst/>
+            </a:prstGeom>
+            <a:noFill/>
+          </p:spPr>
+          <p:txBody>
+            <a:bodyPr wrap="none" rtlCol="0">
+              <a:spAutoFit/>
+            </a:bodyPr>
+            <a:lstStyle/>
+            <a:p>
+              <a:r>
+                <a:rPr lang="en-US" altLang="ko-KR" sz="1000" dirty="0"/>
+                <a:t>5</a:t>
+              </a:r>
+              <a:r>
+                <a:rPr lang="en-US" altLang="ko-KR" sz="1000" dirty="0" smtClean="0"/>
+                <a:t>. Reservation OK</a:t>
+              </a:r>
+              <a:endParaRPr lang="ko-KR" altLang="en-US" sz="1000"/>
+            </a:p>
+          </p:txBody>
+        </p:sp>
+        <p:cxnSp>
+          <p:nvCxnSpPr>
+            <p:cNvPr id="139" name="직선 화살표 연결선 138"/>
+            <p:cNvCxnSpPr/>
+            <p:nvPr/>
+          </p:nvCxnSpPr>
+          <p:spPr>
+            <a:xfrm>
+              <a:off x="1905000" y="1913467"/>
+              <a:ext cx="1015850" cy="7577"/>
+            </a:xfrm>
+            <a:prstGeom prst="straightConnector1">
+              <a:avLst/>
+            </a:prstGeom>
+            <a:ln w="12700">
+              <a:solidFill>
+                <a:schemeClr val="tx1"/>
+              </a:solidFill>
+              <a:headEnd type="triangle"/>
+              <a:tailEnd type="none"/>
+            </a:ln>
+          </p:spPr>
+          <p:style>
+            <a:lnRef idx="1">
+              <a:schemeClr val="accent1"/>
+            </a:lnRef>
+            <a:fillRef idx="0">
+              <a:schemeClr val="accent1"/>
+            </a:fillRef>
+            <a:effectRef idx="0">
+              <a:schemeClr val="accent1"/>
+            </a:effectRef>
+            <a:fontRef idx="minor">
+              <a:schemeClr val="tx1"/>
+            </a:fontRef>
+          </p:style>
+        </p:cxnSp>
+        <p:sp>
+          <p:nvSpPr>
+            <p:cNvPr id="140" name="TextBox 139"/>
+            <p:cNvSpPr txBox="1"/>
+            <p:nvPr/>
+          </p:nvSpPr>
+          <p:spPr>
+            <a:xfrm>
+              <a:off x="2091072" y="1926292"/>
+              <a:ext cx="614271" cy="246221"/>
+            </a:xfrm>
+            <a:prstGeom prst="rect">
+              <a:avLst/>
+            </a:prstGeom>
+            <a:noFill/>
+          </p:spPr>
+          <p:txBody>
+            <a:bodyPr wrap="none" rtlCol="0">
+              <a:spAutoFit/>
+            </a:bodyPr>
+            <a:lstStyle/>
+            <a:p>
+              <a:r>
+                <a:rPr lang="en-US" altLang="ko-KR" sz="1000" dirty="0" smtClean="0"/>
+                <a:t>6. notify</a:t>
+              </a:r>
+              <a:endParaRPr lang="ko-KR" altLang="en-US" sz="1000"/>
+            </a:p>
+          </p:txBody>
+        </p:sp>
+        <p:cxnSp>
+          <p:nvCxnSpPr>
+            <p:cNvPr id="141" name="직선 화살표 연결선 140"/>
+            <p:cNvCxnSpPr/>
+            <p:nvPr/>
+          </p:nvCxnSpPr>
+          <p:spPr>
+            <a:xfrm flipV="1">
+              <a:off x="4571089" y="2193901"/>
+              <a:ext cx="879224" cy="565940"/>
+            </a:xfrm>
+            <a:prstGeom prst="straightConnector1">
+              <a:avLst/>
+            </a:prstGeom>
+            <a:ln w="12700">
+              <a:solidFill>
+                <a:schemeClr val="tx1"/>
+              </a:solidFill>
+              <a:prstDash val="dash"/>
+              <a:headEnd type="none"/>
+              <a:tailEnd type="triangle"/>
+            </a:ln>
+          </p:spPr>
+          <p:style>
+            <a:lnRef idx="1">
+              <a:schemeClr val="accent1"/>
+            </a:lnRef>
+            <a:fillRef idx="0">
+              <a:schemeClr val="accent1"/>
+            </a:fillRef>
+            <a:effectRef idx="0">
+              <a:schemeClr val="accent1"/>
+            </a:effectRef>
+            <a:fontRef idx="minor">
+              <a:schemeClr val="tx1"/>
+            </a:fontRef>
+          </p:style>
+        </p:cxnSp>
+        <p:sp>
+          <p:nvSpPr>
+            <p:cNvPr id="144" name="TextBox 143"/>
+            <p:cNvSpPr txBox="1"/>
+            <p:nvPr/>
+          </p:nvSpPr>
+          <p:spPr>
+            <a:xfrm>
+              <a:off x="4478950" y="2283453"/>
+              <a:ext cx="678391" cy="246221"/>
+            </a:xfrm>
+            <a:prstGeom prst="rect">
+              <a:avLst/>
+            </a:prstGeom>
+            <a:noFill/>
+          </p:spPr>
+          <p:txBody>
+            <a:bodyPr wrap="none" rtlCol="0">
+              <a:spAutoFit/>
+            </a:bodyPr>
+            <a:lstStyle/>
+            <a:p>
+              <a:r>
+                <a:rPr lang="en-US" altLang="ko-KR" sz="1000" dirty="0" smtClean="0"/>
+                <a:t>4. </a:t>
+              </a:r>
+              <a:r>
+                <a:rPr lang="en-US" altLang="ko-KR" sz="1000" dirty="0" err="1" smtClean="0"/>
+                <a:t>Ack</a:t>
+              </a:r>
+              <a:r>
+                <a:rPr lang="en-US" altLang="ko-KR" sz="1000" dirty="0" smtClean="0"/>
+                <a:t> OK</a:t>
+              </a:r>
+              <a:endParaRPr lang="ko-KR" altLang="en-US" sz="1000"/>
+            </a:p>
+          </p:txBody>
+        </p:sp>
+      </p:grpSp>
+    </p:spTree>
+    <p:extLst>
+      <p:ext uri="{BB962C8B-B14F-4D97-AF65-F5344CB8AC3E}">
+        <p14:creationId xmlns:p14="http://schemas.microsoft.com/office/powerpoint/2010/main" val="1718904269"/>
+      </p:ext>
+    </p:extLst>
+  </p:cSld>
+  <p:clrMapOvr>
+    <a:masterClrMapping/>
+  </p:clrMapOvr>
+  <p:timing>
+    <p:tnLst>
+      <p:par>
+        <p:cTn id="1" dur="indefinite" restart="never" nodeType="tmRoot"/>
+      </p:par>
+    </p:tnLst>
+  </p:timing>
+</p:sld>
+</file>
+
+<file path=ppt/slides/slide14.xml><?xml version="1.0" encoding="utf-8"?>
+<p:sld xmlns:a="http://schemas.openxmlformats.org/drawingml/2006/main" xmlns:r="http://schemas.openxmlformats.org/officeDocument/2006/relationships" xmlns:p="http://schemas.openxmlformats.org/presentationml/2006/main">
+  <p:cSld>
+    <p:spTree>
+      <p:nvGrpSpPr>
+        <p:cNvPr id="1" name=""/>
+        <p:cNvGrpSpPr/>
+        <p:nvPr/>
+      </p:nvGrpSpPr>
+      <p:grpSpPr>
+        <a:xfrm>
+          <a:off x="0" y="0"/>
+          <a:ext cx="0" cy="0"/>
+          <a:chOff x="0" y="0"/>
+          <a:chExt cx="0" cy="0"/>
+        </a:xfrm>
+      </p:grpSpPr>
+      <p:sp>
+        <p:nvSpPr>
+          <p:cNvPr id="38" name="TextBox 37"/>
+          <p:cNvSpPr txBox="1"/>
+          <p:nvPr/>
+        </p:nvSpPr>
+        <p:spPr>
+          <a:xfrm>
+            <a:off x="358572" y="272932"/>
+            <a:ext cx="4575227" cy="369332"/>
+          </a:xfrm>
+          <a:prstGeom prst="rect">
+            <a:avLst/>
+          </a:prstGeom>
+          <a:noFill/>
+        </p:spPr>
+        <p:txBody>
+          <a:bodyPr wrap="none" rtlCol="0">
+            <a:spAutoFit/>
+          </a:bodyPr>
+          <a:lstStyle/>
+          <a:p>
+            <a:r>
+              <a:rPr lang="en-US" altLang="ko-KR" dirty="0" smtClean="0"/>
+              <a:t>Communication diagram – show up &amp; parking </a:t>
+            </a:r>
+            <a:endParaRPr lang="ko-KR" altLang="en-US"/>
+          </a:p>
+        </p:txBody>
+      </p:sp>
+      <p:grpSp>
+        <p:nvGrpSpPr>
+          <p:cNvPr id="4" name="그룹 3"/>
+          <p:cNvGrpSpPr/>
+          <p:nvPr/>
+        </p:nvGrpSpPr>
+        <p:grpSpPr>
+          <a:xfrm>
+            <a:off x="358572" y="825893"/>
+            <a:ext cx="7971521" cy="4076307"/>
+            <a:chOff x="358572" y="825893"/>
+            <a:chExt cx="7971521" cy="4076307"/>
+          </a:xfrm>
+        </p:grpSpPr>
+        <p:sp>
+          <p:nvSpPr>
+            <p:cNvPr id="51" name="모서리가 둥근 직사각형 50"/>
+            <p:cNvSpPr/>
+            <p:nvPr/>
+          </p:nvSpPr>
+          <p:spPr>
+            <a:xfrm>
+              <a:off x="2913596" y="1427525"/>
+              <a:ext cx="1080000" cy="720000"/>
+            </a:xfrm>
+            <a:prstGeom prst="roundRect">
+              <a:avLst>
+                <a:gd name="adj" fmla="val 9611"/>
+              </a:avLst>
+            </a:prstGeom>
+            <a:solidFill>
+              <a:schemeClr val="bg1"/>
+            </a:solidFill>
+            <a:ln w="12700">
+              <a:solidFill>
+                <a:schemeClr val="tx1"/>
+              </a:solidFill>
+            </a:ln>
+          </p:spPr>
+          <p:style>
+            <a:lnRef idx="2">
+              <a:schemeClr val="accent1">
+                <a:shade val="50000"/>
+              </a:schemeClr>
+            </a:lnRef>
+            <a:fillRef idx="1">
+              <a:schemeClr val="accent1"/>
+            </a:fillRef>
+            <a:effectRef idx="0">
+              <a:schemeClr val="accent1"/>
+            </a:effectRef>
+            <a:fontRef idx="minor">
+              <a:schemeClr val="lt1"/>
+            </a:fontRef>
+          </p:style>
+          <p:txBody>
+            <a:bodyPr rtlCol="0" anchor="ctr"/>
+            <a:lstStyle/>
+            <a:p>
+              <a:pPr algn="ctr"/>
+              <a:r>
+                <a:rPr lang="en-US" altLang="ko-KR" sz="1400" dirty="0" smtClean="0">
+                  <a:solidFill>
+                    <a:schemeClr val="tx1"/>
+                  </a:solidFill>
+                </a:rPr>
+                <a:t>Web Service</a:t>
+              </a:r>
+              <a:endParaRPr lang="ko-KR" altLang="en-US" sz="1400" dirty="0">
+                <a:solidFill>
+                  <a:schemeClr val="tx1"/>
+                </a:solidFill>
+              </a:endParaRPr>
+            </a:p>
+          </p:txBody>
+        </p:sp>
+        <p:sp>
+          <p:nvSpPr>
+            <p:cNvPr id="52" name="모서리가 둥근 직사각형 51"/>
+            <p:cNvSpPr/>
+            <p:nvPr/>
+          </p:nvSpPr>
+          <p:spPr>
+            <a:xfrm>
+              <a:off x="7004905" y="1395962"/>
+              <a:ext cx="972000" cy="720000"/>
+            </a:xfrm>
+            <a:prstGeom prst="roundRect">
+              <a:avLst>
+                <a:gd name="adj" fmla="val 9611"/>
+              </a:avLst>
+            </a:prstGeom>
+            <a:solidFill>
+              <a:schemeClr val="bg1"/>
+            </a:solidFill>
+            <a:ln w="12700">
+              <a:solidFill>
+                <a:schemeClr val="tx1"/>
+              </a:solidFill>
+            </a:ln>
+          </p:spPr>
+          <p:style>
+            <a:lnRef idx="2">
+              <a:schemeClr val="accent1">
+                <a:shade val="50000"/>
+              </a:schemeClr>
+            </a:lnRef>
+            <a:fillRef idx="1">
+              <a:schemeClr val="accent1"/>
+            </a:fillRef>
+            <a:effectRef idx="0">
+              <a:schemeClr val="accent1"/>
+            </a:effectRef>
+            <a:fontRef idx="minor">
+              <a:schemeClr val="lt1"/>
+            </a:fontRef>
+          </p:style>
+          <p:txBody>
+            <a:bodyPr rtlCol="0" anchor="ctr"/>
+            <a:lstStyle/>
+            <a:p>
+              <a:pPr algn="ctr"/>
+              <a:r>
+                <a:rPr lang="en-US" altLang="ko-KR" sz="1400" dirty="0" smtClean="0">
+                  <a:solidFill>
+                    <a:schemeClr val="tx1"/>
+                  </a:solidFill>
+                </a:rPr>
+                <a:t>Facility Controller</a:t>
+              </a:r>
+              <a:endParaRPr lang="ko-KR" altLang="en-US" sz="1400" dirty="0">
+                <a:solidFill>
+                  <a:schemeClr val="tx1"/>
+                </a:solidFill>
+              </a:endParaRPr>
+            </a:p>
+          </p:txBody>
+        </p:sp>
+        <p:sp>
+          <p:nvSpPr>
+            <p:cNvPr id="54" name="직사각형 53"/>
+            <p:cNvSpPr/>
+            <p:nvPr/>
+          </p:nvSpPr>
+          <p:spPr>
+            <a:xfrm>
+              <a:off x="566123" y="3863837"/>
+              <a:ext cx="4146465" cy="829046"/>
+            </a:xfrm>
+            <a:prstGeom prst="rect">
+              <a:avLst/>
+            </a:prstGeom>
+            <a:noFill/>
+            <a:ln>
+              <a:solidFill>
+                <a:schemeClr val="tx1"/>
+              </a:solidFill>
+            </a:ln>
+          </p:spPr>
+          <p:style>
+            <a:lnRef idx="2">
+              <a:schemeClr val="accent1">
+                <a:shade val="50000"/>
+              </a:schemeClr>
+            </a:lnRef>
+            <a:fillRef idx="1">
+              <a:schemeClr val="accent1"/>
+            </a:fillRef>
+            <a:effectRef idx="0">
+              <a:schemeClr val="accent1"/>
+            </a:effectRef>
+            <a:fontRef idx="minor">
+              <a:schemeClr val="lt1"/>
+            </a:fontRef>
+          </p:style>
+          <p:txBody>
+            <a:bodyPr rtlCol="0" anchor="ctr"/>
+            <a:lstStyle/>
+            <a:p>
+              <a:pPr algn="ctr"/>
+              <a:endParaRPr lang="ko-KR" altLang="en-US"/>
+            </a:p>
+          </p:txBody>
+        </p:sp>
+        <p:sp>
+          <p:nvSpPr>
+            <p:cNvPr id="56" name="직사각형 55"/>
+            <p:cNvSpPr/>
+            <p:nvPr/>
+          </p:nvSpPr>
+          <p:spPr>
+            <a:xfrm>
+              <a:off x="572803" y="3889360"/>
+              <a:ext cx="1637800" cy="360000"/>
+            </a:xfrm>
+            <a:prstGeom prst="rect">
+              <a:avLst/>
+            </a:prstGeom>
+            <a:noFill/>
+            <a:ln>
+              <a:noFill/>
+            </a:ln>
+          </p:spPr>
+          <p:style>
+            <a:lnRef idx="2">
+              <a:schemeClr val="accent1">
+                <a:shade val="50000"/>
+              </a:schemeClr>
+            </a:lnRef>
+            <a:fillRef idx="1">
+              <a:schemeClr val="accent1"/>
+            </a:fillRef>
+            <a:effectRef idx="0">
+              <a:schemeClr val="accent1"/>
+            </a:effectRef>
+            <a:fontRef idx="minor">
+              <a:schemeClr val="lt1"/>
+            </a:fontRef>
+          </p:style>
+          <p:txBody>
+            <a:bodyPr lIns="144000" rtlCol="0" anchor="ctr"/>
+            <a:lstStyle/>
+            <a:p>
+              <a:r>
+                <a:rPr lang="en-US" altLang="ko-KR" sz="1400" b="1" i="1" u="sng" dirty="0" smtClean="0">
+                  <a:solidFill>
+                    <a:schemeClr val="tx1"/>
+                  </a:solidFill>
+                </a:rPr>
+                <a:t>Legend</a:t>
+              </a:r>
+              <a:endParaRPr lang="ko-KR" altLang="en-US" sz="1400" b="1" i="1" u="sng">
+                <a:solidFill>
+                  <a:schemeClr val="tx1"/>
+                </a:solidFill>
+              </a:endParaRPr>
+            </a:p>
+          </p:txBody>
+        </p:sp>
+        <p:sp>
+          <p:nvSpPr>
+            <p:cNvPr id="67" name="원통 66"/>
+            <p:cNvSpPr/>
+            <p:nvPr/>
+          </p:nvSpPr>
+          <p:spPr>
+            <a:xfrm>
+              <a:off x="4032000" y="2766191"/>
+              <a:ext cx="1080000" cy="864000"/>
+            </a:xfrm>
+            <a:prstGeom prst="can">
+              <a:avLst/>
+            </a:prstGeom>
+            <a:solidFill>
+              <a:schemeClr val="bg1"/>
+            </a:solidFill>
+            <a:ln>
+              <a:solidFill>
+                <a:schemeClr val="tx1"/>
+              </a:solidFill>
+            </a:ln>
+          </p:spPr>
+          <p:style>
+            <a:lnRef idx="2">
+              <a:schemeClr val="accent1">
+                <a:shade val="50000"/>
+              </a:schemeClr>
+            </a:lnRef>
+            <a:fillRef idx="1">
+              <a:schemeClr val="accent1"/>
+            </a:fillRef>
+            <a:effectRef idx="0">
+              <a:schemeClr val="accent1"/>
+            </a:effectRef>
+            <a:fontRef idx="minor">
+              <a:schemeClr val="lt1"/>
+            </a:fontRef>
+          </p:style>
+          <p:txBody>
+            <a:bodyPr rtlCol="0" anchor="ctr"/>
+            <a:lstStyle/>
+            <a:p>
+              <a:pPr algn="ctr"/>
+              <a:r>
+                <a:rPr lang="en-US" altLang="ko-KR" sz="1400" dirty="0" err="1" smtClean="0">
+                  <a:solidFill>
+                    <a:schemeClr val="tx1"/>
+                  </a:solidFill>
+                </a:rPr>
+                <a:t>SurePark</a:t>
+              </a:r>
+              <a:r>
+                <a:rPr lang="en-US" altLang="ko-KR" sz="1400" dirty="0" smtClean="0">
+                  <a:solidFill>
+                    <a:schemeClr val="tx1"/>
+                  </a:solidFill>
+                </a:rPr>
+                <a:t> DB</a:t>
+              </a:r>
+              <a:endParaRPr lang="ko-KR" altLang="en-US" sz="1400">
+                <a:solidFill>
+                  <a:schemeClr val="tx1"/>
+                </a:solidFill>
+              </a:endParaRPr>
+            </a:p>
+          </p:txBody>
+        </p:sp>
+        <p:sp>
+          <p:nvSpPr>
+            <p:cNvPr id="75" name="TextBox 74"/>
+            <p:cNvSpPr txBox="1"/>
+            <p:nvPr/>
+          </p:nvSpPr>
+          <p:spPr>
+            <a:xfrm>
+              <a:off x="2217283" y="4237640"/>
+              <a:ext cx="717703" cy="261610"/>
+            </a:xfrm>
+            <a:prstGeom prst="rect">
+              <a:avLst/>
+            </a:prstGeom>
+            <a:noFill/>
+          </p:spPr>
+          <p:txBody>
+            <a:bodyPr wrap="square" rtlCol="0">
+              <a:spAutoFit/>
+            </a:bodyPr>
+            <a:lstStyle/>
+            <a:p>
+              <a:r>
+                <a:rPr lang="en-US" altLang="ko-KR" sz="1100" dirty="0" smtClean="0"/>
+                <a:t>data </a:t>
+              </a:r>
+              <a:r>
+                <a:rPr lang="en-US" altLang="ko-KR" sz="1100" dirty="0" smtClean="0"/>
+                <a:t>flow</a:t>
+              </a:r>
+              <a:endParaRPr lang="ko-KR" altLang="en-US" sz="1100"/>
+            </a:p>
+          </p:txBody>
+        </p:sp>
+        <p:cxnSp>
+          <p:nvCxnSpPr>
+            <p:cNvPr id="76" name="직선 화살표 연결선 75"/>
+            <p:cNvCxnSpPr/>
+            <p:nvPr/>
+          </p:nvCxnSpPr>
+          <p:spPr>
+            <a:xfrm>
+              <a:off x="3101596" y="4354339"/>
+              <a:ext cx="415785" cy="2"/>
+            </a:xfrm>
+            <a:prstGeom prst="straightConnector1">
+              <a:avLst/>
+            </a:prstGeom>
+            <a:ln w="12700">
+              <a:solidFill>
+                <a:schemeClr val="tx1"/>
+              </a:solidFill>
+              <a:prstDash val="dash"/>
+              <a:headEnd type="none"/>
+              <a:tailEnd type="triangle"/>
+            </a:ln>
+          </p:spPr>
+          <p:style>
+            <a:lnRef idx="1">
+              <a:schemeClr val="accent1"/>
+            </a:lnRef>
+            <a:fillRef idx="0">
+              <a:schemeClr val="accent1"/>
+            </a:fillRef>
+            <a:effectRef idx="0">
+              <a:schemeClr val="accent1"/>
+            </a:effectRef>
+            <a:fontRef idx="minor">
+              <a:schemeClr val="tx1"/>
+            </a:fontRef>
+          </p:style>
+        </p:cxnSp>
+        <p:sp>
+          <p:nvSpPr>
+            <p:cNvPr id="86" name="TextBox 85"/>
+            <p:cNvSpPr txBox="1"/>
+            <p:nvPr/>
+          </p:nvSpPr>
+          <p:spPr>
+            <a:xfrm>
+              <a:off x="3508682" y="4223750"/>
+              <a:ext cx="1402507" cy="261610"/>
+            </a:xfrm>
+            <a:prstGeom prst="rect">
+              <a:avLst/>
+            </a:prstGeom>
+            <a:noFill/>
+          </p:spPr>
+          <p:txBody>
+            <a:bodyPr wrap="square" rtlCol="0">
+              <a:spAutoFit/>
+            </a:bodyPr>
+            <a:lstStyle/>
+            <a:p>
+              <a:r>
+                <a:rPr lang="en-US" altLang="ko-KR" sz="1100" dirty="0" smtClean="0"/>
+                <a:t>DB control flow</a:t>
+              </a:r>
+              <a:endParaRPr lang="ko-KR" altLang="en-US" sz="1100"/>
+            </a:p>
+          </p:txBody>
+        </p:sp>
+        <p:cxnSp>
+          <p:nvCxnSpPr>
+            <p:cNvPr id="99" name="직선 화살표 연결선 98"/>
+            <p:cNvCxnSpPr/>
+            <p:nvPr/>
+          </p:nvCxnSpPr>
+          <p:spPr>
+            <a:xfrm flipV="1">
+              <a:off x="4705363" y="2151480"/>
+              <a:ext cx="944514" cy="631068"/>
+            </a:xfrm>
+            <a:prstGeom prst="straightConnector1">
+              <a:avLst/>
+            </a:prstGeom>
+            <a:ln w="12700">
+              <a:solidFill>
+                <a:schemeClr val="tx1"/>
+              </a:solidFill>
+              <a:prstDash val="dash"/>
+              <a:headEnd type="triangle"/>
+              <a:tailEnd type="none"/>
+            </a:ln>
+          </p:spPr>
+          <p:style>
+            <a:lnRef idx="1">
+              <a:schemeClr val="accent1"/>
+            </a:lnRef>
+            <a:fillRef idx="0">
+              <a:schemeClr val="accent1"/>
+            </a:fillRef>
+            <a:effectRef idx="0">
+              <a:schemeClr val="accent1"/>
+            </a:effectRef>
+            <a:fontRef idx="minor">
+              <a:schemeClr val="tx1"/>
+            </a:fontRef>
+          </p:style>
+        </p:cxnSp>
+        <p:sp>
+          <p:nvSpPr>
+            <p:cNvPr id="112" name="직사각형 111"/>
+            <p:cNvSpPr/>
+            <p:nvPr/>
+          </p:nvSpPr>
+          <p:spPr>
+            <a:xfrm>
+              <a:off x="358572" y="825893"/>
+              <a:ext cx="7971521" cy="4076307"/>
+            </a:xfrm>
+            <a:prstGeom prst="rect">
+              <a:avLst/>
+            </a:prstGeom>
+            <a:noFill/>
+            <a:ln>
+              <a:solidFill>
+                <a:schemeClr val="tx1"/>
+              </a:solidFill>
+            </a:ln>
+          </p:spPr>
+          <p:style>
+            <a:lnRef idx="2">
+              <a:schemeClr val="accent1">
+                <a:shade val="50000"/>
+              </a:schemeClr>
+            </a:lnRef>
+            <a:fillRef idx="1">
+              <a:schemeClr val="accent1"/>
+            </a:fillRef>
+            <a:effectRef idx="0">
+              <a:schemeClr val="accent1"/>
+            </a:effectRef>
+            <a:fontRef idx="minor">
+              <a:schemeClr val="lt1"/>
+            </a:fontRef>
+          </p:style>
+          <p:txBody>
+            <a:bodyPr rtlCol="0" anchor="ctr"/>
+            <a:lstStyle/>
+            <a:p>
+              <a:pPr algn="ctr"/>
+              <a:endParaRPr lang="ko-KR" altLang="en-US"/>
+            </a:p>
+          </p:txBody>
+        </p:sp>
+        <p:sp>
+          <p:nvSpPr>
+            <p:cNvPr id="113" name="모서리가 둥근 직사각형 112"/>
+            <p:cNvSpPr/>
+            <p:nvPr/>
+          </p:nvSpPr>
+          <p:spPr>
+            <a:xfrm>
+              <a:off x="5018819" y="1432225"/>
+              <a:ext cx="972000" cy="720000"/>
+            </a:xfrm>
+            <a:prstGeom prst="roundRect">
+              <a:avLst>
+                <a:gd name="adj" fmla="val 9611"/>
+              </a:avLst>
+            </a:prstGeom>
+            <a:solidFill>
+              <a:schemeClr val="bg1"/>
+            </a:solidFill>
+            <a:ln w="12700">
+              <a:solidFill>
+                <a:schemeClr val="tx1"/>
+              </a:solidFill>
+            </a:ln>
+          </p:spPr>
+          <p:style>
+            <a:lnRef idx="2">
+              <a:schemeClr val="accent1">
+                <a:shade val="50000"/>
+              </a:schemeClr>
+            </a:lnRef>
+            <a:fillRef idx="1">
+              <a:schemeClr val="accent1"/>
+            </a:fillRef>
+            <a:effectRef idx="0">
+              <a:schemeClr val="accent1"/>
+            </a:effectRef>
+            <a:fontRef idx="minor">
+              <a:schemeClr val="lt1"/>
+            </a:fontRef>
+          </p:style>
+          <p:txBody>
+            <a:bodyPr rtlCol="0" anchor="ctr"/>
+            <a:lstStyle/>
+            <a:p>
+              <a:pPr algn="ctr"/>
+              <a:r>
+                <a:rPr lang="en-US" altLang="ko-KR" sz="1400" dirty="0" err="1" smtClean="0">
+                  <a:solidFill>
+                    <a:schemeClr val="tx1"/>
+                  </a:solidFill>
+                </a:rPr>
+                <a:t>SurePark</a:t>
+              </a:r>
+              <a:endParaRPr lang="en-US" altLang="ko-KR" sz="1400" dirty="0" smtClean="0">
+                <a:solidFill>
+                  <a:schemeClr val="tx1"/>
+                </a:solidFill>
+              </a:endParaRPr>
+            </a:p>
+            <a:p>
+              <a:pPr algn="ctr"/>
+              <a:r>
+                <a:rPr lang="en-US" altLang="ko-KR" sz="1400" dirty="0" smtClean="0">
+                  <a:solidFill>
+                    <a:schemeClr val="tx1"/>
+                  </a:solidFill>
+                </a:rPr>
+                <a:t>Manager</a:t>
+              </a:r>
+              <a:endParaRPr lang="ko-KR" altLang="en-US" sz="1400" dirty="0">
+                <a:solidFill>
+                  <a:schemeClr val="tx1"/>
+                </a:solidFill>
+              </a:endParaRPr>
+            </a:p>
+          </p:txBody>
+        </p:sp>
+        <p:sp>
+          <p:nvSpPr>
+            <p:cNvPr id="114" name="모서리가 둥근 직사각형 113"/>
+            <p:cNvSpPr/>
+            <p:nvPr/>
+          </p:nvSpPr>
+          <p:spPr>
+            <a:xfrm>
+              <a:off x="826764" y="1434618"/>
+              <a:ext cx="1080000" cy="720000"/>
+            </a:xfrm>
+            <a:prstGeom prst="roundRect">
+              <a:avLst>
+                <a:gd name="adj" fmla="val 9611"/>
+              </a:avLst>
+            </a:prstGeom>
+            <a:solidFill>
+              <a:schemeClr val="bg1"/>
+            </a:solidFill>
+            <a:ln w="12700">
+              <a:solidFill>
+                <a:schemeClr val="tx1"/>
+              </a:solidFill>
+            </a:ln>
+          </p:spPr>
+          <p:style>
+            <a:lnRef idx="2">
+              <a:schemeClr val="accent1">
+                <a:shade val="50000"/>
+              </a:schemeClr>
+            </a:lnRef>
+            <a:fillRef idx="1">
+              <a:schemeClr val="accent1"/>
+            </a:fillRef>
+            <a:effectRef idx="0">
+              <a:schemeClr val="accent1"/>
+            </a:effectRef>
+            <a:fontRef idx="minor">
+              <a:schemeClr val="lt1"/>
+            </a:fontRef>
+          </p:style>
+          <p:txBody>
+            <a:bodyPr rtlCol="0" anchor="ctr"/>
+            <a:lstStyle/>
+            <a:p>
+              <a:pPr algn="ctr"/>
+              <a:r>
+                <a:rPr lang="en-US" altLang="ko-KR" sz="1400" dirty="0" smtClean="0">
+                  <a:solidFill>
+                    <a:schemeClr val="tx1"/>
+                  </a:solidFill>
+                </a:rPr>
+                <a:t>Web Browser</a:t>
+              </a:r>
+              <a:endParaRPr lang="ko-KR" altLang="en-US" sz="1400" dirty="0">
+                <a:solidFill>
+                  <a:schemeClr val="tx1"/>
+                </a:solidFill>
+              </a:endParaRPr>
+            </a:p>
+          </p:txBody>
+        </p:sp>
+        <p:sp>
+          <p:nvSpPr>
+            <p:cNvPr id="12" name="TextBox 11"/>
+            <p:cNvSpPr txBox="1"/>
+            <p:nvPr/>
+          </p:nvSpPr>
+          <p:spPr>
+            <a:xfrm>
+              <a:off x="2021068" y="1357063"/>
+              <a:ext cx="742511" cy="400110"/>
+            </a:xfrm>
+            <a:prstGeom prst="rect">
+              <a:avLst/>
+            </a:prstGeom>
+            <a:noFill/>
+          </p:spPr>
+          <p:txBody>
+            <a:bodyPr wrap="none" rtlCol="0">
+              <a:spAutoFit/>
+            </a:bodyPr>
+            <a:lstStyle/>
+            <a:p>
+              <a:r>
+                <a:rPr lang="en-US" altLang="ko-KR" sz="1000" dirty="0" smtClean="0"/>
+                <a:t>1. Input </a:t>
+              </a:r>
+            </a:p>
+            <a:p>
+              <a:r>
+                <a:rPr lang="en-US" altLang="ko-KR" sz="1000" dirty="0" smtClean="0"/>
+                <a:t>Confirm ID</a:t>
+              </a:r>
+              <a:endParaRPr lang="ko-KR" altLang="en-US" sz="1000"/>
+            </a:p>
+          </p:txBody>
+        </p:sp>
+        <p:cxnSp>
+          <p:nvCxnSpPr>
+            <p:cNvPr id="123" name="직선 화살표 연결선 122"/>
+            <p:cNvCxnSpPr/>
+            <p:nvPr/>
+          </p:nvCxnSpPr>
+          <p:spPr>
+            <a:xfrm flipH="1">
+              <a:off x="3983780" y="1795406"/>
+              <a:ext cx="1035037" cy="488"/>
+            </a:xfrm>
+            <a:prstGeom prst="straightConnector1">
+              <a:avLst/>
+            </a:prstGeom>
+            <a:ln w="12700">
+              <a:solidFill>
+                <a:schemeClr val="tx1"/>
+              </a:solidFill>
+              <a:headEnd type="triangle"/>
+              <a:tailEnd type="none"/>
+            </a:ln>
+          </p:spPr>
+          <p:style>
+            <a:lnRef idx="1">
+              <a:schemeClr val="accent1"/>
+            </a:lnRef>
+            <a:fillRef idx="0">
+              <a:schemeClr val="accent1"/>
+            </a:fillRef>
+            <a:effectRef idx="0">
+              <a:schemeClr val="accent1"/>
+            </a:effectRef>
+            <a:fontRef idx="minor">
+              <a:schemeClr val="tx1"/>
+            </a:fontRef>
+          </p:style>
+        </p:cxnSp>
+        <p:cxnSp>
+          <p:nvCxnSpPr>
+            <p:cNvPr id="130" name="직선 화살표 연결선 129"/>
+            <p:cNvCxnSpPr/>
+            <p:nvPr/>
+          </p:nvCxnSpPr>
+          <p:spPr>
+            <a:xfrm flipH="1">
+              <a:off x="1893904" y="1783599"/>
+              <a:ext cx="1035037" cy="488"/>
+            </a:xfrm>
+            <a:prstGeom prst="straightConnector1">
+              <a:avLst/>
+            </a:prstGeom>
+            <a:ln w="12700">
+              <a:solidFill>
+                <a:schemeClr val="tx1"/>
+              </a:solidFill>
+              <a:headEnd type="triangle"/>
+              <a:tailEnd type="none"/>
+            </a:ln>
+          </p:spPr>
+          <p:style>
+            <a:lnRef idx="1">
+              <a:schemeClr val="accent1"/>
+            </a:lnRef>
+            <a:fillRef idx="0">
+              <a:schemeClr val="accent1"/>
+            </a:fillRef>
+            <a:effectRef idx="0">
+              <a:schemeClr val="accent1"/>
+            </a:effectRef>
+            <a:fontRef idx="minor">
+              <a:schemeClr val="tx1"/>
+            </a:fontRef>
+          </p:style>
+        </p:cxnSp>
+        <p:sp>
+          <p:nvSpPr>
+            <p:cNvPr id="131" name="모서리가 둥근 직사각형 130"/>
+            <p:cNvSpPr/>
+            <p:nvPr/>
+          </p:nvSpPr>
+          <p:spPr>
+            <a:xfrm>
+              <a:off x="715373" y="4217945"/>
+              <a:ext cx="340143" cy="272792"/>
+            </a:xfrm>
+            <a:prstGeom prst="roundRect">
+              <a:avLst>
+                <a:gd name="adj" fmla="val 9611"/>
+              </a:avLst>
+            </a:prstGeom>
+            <a:solidFill>
+              <a:schemeClr val="bg1"/>
+            </a:solidFill>
+            <a:ln w="12700">
+              <a:solidFill>
+                <a:schemeClr val="tx1"/>
+              </a:solidFill>
+            </a:ln>
+          </p:spPr>
+          <p:style>
+            <a:lnRef idx="2">
+              <a:schemeClr val="accent1">
+                <a:shade val="50000"/>
+              </a:schemeClr>
+            </a:lnRef>
+            <a:fillRef idx="1">
+              <a:schemeClr val="accent1"/>
+            </a:fillRef>
+            <a:effectRef idx="0">
+              <a:schemeClr val="accent1"/>
+            </a:effectRef>
+            <a:fontRef idx="minor">
+              <a:schemeClr val="lt1"/>
+            </a:fontRef>
+          </p:style>
+          <p:txBody>
+            <a:bodyPr rtlCol="0" anchor="ctr"/>
+            <a:lstStyle/>
+            <a:p>
+              <a:pPr algn="ctr"/>
+              <a:endParaRPr lang="ko-KR" altLang="en-US" sz="1400" dirty="0">
+                <a:solidFill>
+                  <a:schemeClr val="tx1"/>
+                </a:solidFill>
+              </a:endParaRPr>
+            </a:p>
+          </p:txBody>
+        </p:sp>
+        <p:sp>
+          <p:nvSpPr>
+            <p:cNvPr id="132" name="TextBox 131"/>
+            <p:cNvSpPr txBox="1"/>
+            <p:nvPr/>
+          </p:nvSpPr>
+          <p:spPr>
+            <a:xfrm>
+              <a:off x="1114773" y="4229127"/>
+              <a:ext cx="664124" cy="261610"/>
+            </a:xfrm>
+            <a:prstGeom prst="rect">
+              <a:avLst/>
+            </a:prstGeom>
+            <a:noFill/>
+          </p:spPr>
+          <p:txBody>
+            <a:bodyPr wrap="square" rtlCol="0">
+              <a:spAutoFit/>
+            </a:bodyPr>
+            <a:lstStyle/>
+            <a:p>
+              <a:r>
+                <a:rPr lang="en-US" altLang="ko-KR" sz="1100" dirty="0" smtClean="0"/>
+                <a:t>Process</a:t>
+              </a:r>
+              <a:endParaRPr lang="ko-KR" altLang="en-US" sz="1100"/>
+            </a:p>
+          </p:txBody>
+        </p:sp>
+        <p:cxnSp>
+          <p:nvCxnSpPr>
+            <p:cNvPr id="134" name="직선 화살표 연결선 133"/>
+            <p:cNvCxnSpPr/>
+            <p:nvPr/>
+          </p:nvCxnSpPr>
+          <p:spPr>
+            <a:xfrm flipH="1">
+              <a:off x="1849715" y="4369804"/>
+              <a:ext cx="342707" cy="7686"/>
+            </a:xfrm>
+            <a:prstGeom prst="straightConnector1">
+              <a:avLst/>
+            </a:prstGeom>
+            <a:ln w="12700">
+              <a:solidFill>
+                <a:schemeClr val="tx1"/>
+              </a:solidFill>
+              <a:headEnd type="triangle"/>
+              <a:tailEnd type="none"/>
+            </a:ln>
+          </p:spPr>
+          <p:style>
+            <a:lnRef idx="1">
+              <a:schemeClr val="accent1"/>
+            </a:lnRef>
+            <a:fillRef idx="0">
+              <a:schemeClr val="accent1"/>
+            </a:fillRef>
+            <a:effectRef idx="0">
+              <a:schemeClr val="accent1"/>
+            </a:effectRef>
+            <a:fontRef idx="minor">
+              <a:schemeClr val="tx1"/>
+            </a:fontRef>
+          </p:style>
+        </p:cxnSp>
+        <p:sp>
+          <p:nvSpPr>
+            <p:cNvPr id="135" name="TextBox 134"/>
+            <p:cNvSpPr txBox="1"/>
+            <p:nvPr/>
+          </p:nvSpPr>
+          <p:spPr>
+            <a:xfrm>
+              <a:off x="3262222" y="2397229"/>
+              <a:ext cx="777777" cy="400110"/>
+            </a:xfrm>
+            <a:prstGeom prst="rect">
+              <a:avLst/>
+            </a:prstGeom>
+            <a:noFill/>
+          </p:spPr>
+          <p:txBody>
+            <a:bodyPr wrap="none" rtlCol="0">
+              <a:spAutoFit/>
+            </a:bodyPr>
+            <a:lstStyle/>
+            <a:p>
+              <a:r>
+                <a:rPr lang="en-US" altLang="ko-KR" sz="1000" dirty="0" smtClean="0"/>
+                <a:t>2. Verify </a:t>
+              </a:r>
+            </a:p>
+            <a:p>
+              <a:r>
+                <a:rPr lang="en-US" altLang="ko-KR" sz="1000" dirty="0" smtClean="0"/>
+                <a:t>reservation</a:t>
+              </a:r>
+              <a:endParaRPr lang="ko-KR" altLang="en-US" sz="1000"/>
+            </a:p>
+          </p:txBody>
+        </p:sp>
+        <p:sp>
+          <p:nvSpPr>
+            <p:cNvPr id="136" name="TextBox 135"/>
+            <p:cNvSpPr txBox="1"/>
+            <p:nvPr/>
+          </p:nvSpPr>
+          <p:spPr>
+            <a:xfrm>
+              <a:off x="5112093" y="2452741"/>
+              <a:ext cx="1032655" cy="400110"/>
+            </a:xfrm>
+            <a:prstGeom prst="rect">
+              <a:avLst/>
+            </a:prstGeom>
+            <a:noFill/>
+          </p:spPr>
+          <p:txBody>
+            <a:bodyPr wrap="none" rtlCol="0">
+              <a:spAutoFit/>
+            </a:bodyPr>
+            <a:lstStyle/>
+            <a:p>
+              <a:r>
+                <a:rPr lang="en-US" altLang="ko-KR" sz="1000" dirty="0" smtClean="0"/>
+                <a:t>6. Update </a:t>
+              </a:r>
+            </a:p>
+            <a:p>
+              <a:r>
+                <a:rPr lang="en-US" altLang="ko-KR" sz="1000" dirty="0" smtClean="0"/>
+                <a:t>Reservation info</a:t>
+              </a:r>
+              <a:endParaRPr lang="ko-KR" altLang="en-US" sz="1000"/>
+            </a:p>
+          </p:txBody>
+        </p:sp>
+        <p:cxnSp>
+          <p:nvCxnSpPr>
+            <p:cNvPr id="137" name="직선 화살표 연결선 136"/>
+            <p:cNvCxnSpPr/>
+            <p:nvPr/>
+          </p:nvCxnSpPr>
+          <p:spPr>
+            <a:xfrm>
+              <a:off x="5985933" y="1896533"/>
+              <a:ext cx="1024167" cy="2"/>
+            </a:xfrm>
+            <a:prstGeom prst="straightConnector1">
+              <a:avLst/>
+            </a:prstGeom>
+            <a:ln w="12700">
+              <a:solidFill>
+                <a:schemeClr val="tx1"/>
+              </a:solidFill>
+              <a:headEnd type="triangle"/>
+              <a:tailEnd type="none"/>
+            </a:ln>
+          </p:spPr>
+          <p:style>
+            <a:lnRef idx="1">
+              <a:schemeClr val="accent1"/>
+            </a:lnRef>
+            <a:fillRef idx="0">
+              <a:schemeClr val="accent1"/>
+            </a:fillRef>
+            <a:effectRef idx="0">
+              <a:schemeClr val="accent1"/>
+            </a:effectRef>
+            <a:fontRef idx="minor">
+              <a:schemeClr val="tx1"/>
+            </a:fontRef>
+          </p:style>
+        </p:cxnSp>
+        <p:sp>
+          <p:nvSpPr>
+            <p:cNvPr id="138" name="TextBox 137"/>
+            <p:cNvSpPr txBox="1"/>
+            <p:nvPr/>
+          </p:nvSpPr>
+          <p:spPr>
+            <a:xfrm>
+              <a:off x="3948271" y="1966098"/>
+              <a:ext cx="1247457" cy="246221"/>
+            </a:xfrm>
+            <a:prstGeom prst="rect">
+              <a:avLst/>
+            </a:prstGeom>
+            <a:noFill/>
+          </p:spPr>
+          <p:txBody>
+            <a:bodyPr wrap="none" rtlCol="0">
+              <a:spAutoFit/>
+            </a:bodyPr>
+            <a:lstStyle/>
+            <a:p>
+              <a:r>
+                <a:rPr lang="en-US" altLang="ko-KR" sz="1000" dirty="0" smtClean="0"/>
+                <a:t>7. Update </a:t>
+              </a:r>
+              <a:r>
+                <a:rPr lang="en-US" altLang="ko-KR" sz="1000" dirty="0" err="1" smtClean="0"/>
+                <a:t>SlotStatus</a:t>
+              </a:r>
+              <a:endParaRPr lang="ko-KR" altLang="en-US" sz="1000"/>
+            </a:p>
+          </p:txBody>
+        </p:sp>
+        <p:cxnSp>
+          <p:nvCxnSpPr>
+            <p:cNvPr id="139" name="직선 화살표 연결선 138"/>
+            <p:cNvCxnSpPr/>
+            <p:nvPr/>
+          </p:nvCxnSpPr>
+          <p:spPr>
+            <a:xfrm>
+              <a:off x="1905000" y="1913467"/>
+              <a:ext cx="1015850" cy="7577"/>
+            </a:xfrm>
+            <a:prstGeom prst="straightConnector1">
+              <a:avLst/>
+            </a:prstGeom>
+            <a:ln w="12700">
+              <a:solidFill>
+                <a:schemeClr val="tx1"/>
+              </a:solidFill>
+              <a:headEnd type="triangle"/>
+              <a:tailEnd type="none"/>
+            </a:ln>
+          </p:spPr>
+          <p:style>
+            <a:lnRef idx="1">
+              <a:schemeClr val="accent1"/>
+            </a:lnRef>
+            <a:fillRef idx="0">
+              <a:schemeClr val="accent1"/>
+            </a:fillRef>
+            <a:effectRef idx="0">
+              <a:schemeClr val="accent1"/>
+            </a:effectRef>
+            <a:fontRef idx="minor">
+              <a:schemeClr val="tx1"/>
+            </a:fontRef>
+          </p:style>
+        </p:cxnSp>
+        <p:sp>
+          <p:nvSpPr>
+            <p:cNvPr id="140" name="TextBox 139"/>
+            <p:cNvSpPr txBox="1"/>
+            <p:nvPr/>
+          </p:nvSpPr>
+          <p:spPr>
+            <a:xfrm>
+              <a:off x="2091072" y="1926292"/>
+              <a:ext cx="614271" cy="246221"/>
+            </a:xfrm>
+            <a:prstGeom prst="rect">
+              <a:avLst/>
+            </a:prstGeom>
+            <a:noFill/>
+          </p:spPr>
+          <p:txBody>
+            <a:bodyPr wrap="none" rtlCol="0">
+              <a:spAutoFit/>
+            </a:bodyPr>
+            <a:lstStyle/>
+            <a:p>
+              <a:r>
+                <a:rPr lang="en-US" altLang="ko-KR" sz="1000" dirty="0" smtClean="0"/>
+                <a:t>8. notify</a:t>
+              </a:r>
+              <a:endParaRPr lang="ko-KR" altLang="en-US" sz="1000"/>
+            </a:p>
+          </p:txBody>
+        </p:sp>
+        <p:cxnSp>
+          <p:nvCxnSpPr>
+            <p:cNvPr id="141" name="직선 화살표 연결선 140"/>
+            <p:cNvCxnSpPr>
+              <a:stCxn id="67" idx="1"/>
+            </p:cNvCxnSpPr>
+            <p:nvPr/>
+          </p:nvCxnSpPr>
+          <p:spPr>
+            <a:xfrm flipH="1" flipV="1">
+              <a:off x="3518579" y="2151008"/>
+              <a:ext cx="1053421" cy="615183"/>
+            </a:xfrm>
+            <a:prstGeom prst="straightConnector1">
+              <a:avLst/>
+            </a:prstGeom>
+            <a:ln w="12700">
+              <a:solidFill>
+                <a:schemeClr val="tx1"/>
+              </a:solidFill>
+              <a:prstDash val="dash"/>
+              <a:headEnd type="none"/>
+              <a:tailEnd type="triangle"/>
+            </a:ln>
+          </p:spPr>
+          <p:style>
+            <a:lnRef idx="1">
+              <a:schemeClr val="accent1"/>
+            </a:lnRef>
+            <a:fillRef idx="0">
+              <a:schemeClr val="accent1"/>
+            </a:fillRef>
+            <a:effectRef idx="0">
+              <a:schemeClr val="accent1"/>
+            </a:effectRef>
+            <a:fontRef idx="minor">
+              <a:schemeClr val="tx1"/>
+            </a:fontRef>
+          </p:style>
+        </p:cxnSp>
+        <p:sp>
+          <p:nvSpPr>
+            <p:cNvPr id="30" name="TextBox 29"/>
+            <p:cNvSpPr txBox="1"/>
+            <p:nvPr/>
+          </p:nvSpPr>
+          <p:spPr>
+            <a:xfrm>
+              <a:off x="4110900" y="1364817"/>
+              <a:ext cx="875561" cy="400110"/>
+            </a:xfrm>
+            <a:prstGeom prst="rect">
+              <a:avLst/>
+            </a:prstGeom>
+            <a:noFill/>
+          </p:spPr>
+          <p:txBody>
+            <a:bodyPr wrap="none" rtlCol="0">
+              <a:spAutoFit/>
+            </a:bodyPr>
+            <a:lstStyle/>
+            <a:p>
+              <a:r>
+                <a:rPr lang="en-US" altLang="ko-KR" sz="1000" dirty="0" smtClean="0"/>
+                <a:t>3. Request to</a:t>
+              </a:r>
+            </a:p>
+            <a:p>
+              <a:r>
+                <a:rPr lang="en-US" altLang="ko-KR" sz="1000" dirty="0" err="1" smtClean="0"/>
+                <a:t>OpenGate</a:t>
+              </a:r>
+              <a:endParaRPr lang="ko-KR" altLang="en-US" sz="1000"/>
+            </a:p>
+          </p:txBody>
+        </p:sp>
+        <p:cxnSp>
+          <p:nvCxnSpPr>
+            <p:cNvPr id="32" name="직선 화살표 연결선 31"/>
+            <p:cNvCxnSpPr/>
+            <p:nvPr/>
+          </p:nvCxnSpPr>
+          <p:spPr>
+            <a:xfrm flipH="1">
+              <a:off x="5974963" y="1755962"/>
+              <a:ext cx="1035037" cy="488"/>
+            </a:xfrm>
+            <a:prstGeom prst="straightConnector1">
+              <a:avLst/>
+            </a:prstGeom>
+            <a:ln w="12700">
+              <a:solidFill>
+                <a:schemeClr val="tx1"/>
+              </a:solidFill>
+              <a:headEnd type="triangle"/>
+              <a:tailEnd type="none"/>
+            </a:ln>
+          </p:spPr>
+          <p:style>
+            <a:lnRef idx="1">
+              <a:schemeClr val="accent1"/>
+            </a:lnRef>
+            <a:fillRef idx="0">
+              <a:schemeClr val="accent1"/>
+            </a:fillRef>
+            <a:effectRef idx="0">
+              <a:schemeClr val="accent1"/>
+            </a:effectRef>
+            <a:fontRef idx="minor">
+              <a:schemeClr val="tx1"/>
+            </a:fontRef>
+          </p:style>
+        </p:cxnSp>
+        <p:sp>
+          <p:nvSpPr>
+            <p:cNvPr id="33" name="TextBox 32"/>
+            <p:cNvSpPr txBox="1"/>
+            <p:nvPr/>
+          </p:nvSpPr>
+          <p:spPr>
+            <a:xfrm>
+              <a:off x="6073000" y="1355852"/>
+              <a:ext cx="875561" cy="400110"/>
+            </a:xfrm>
+            <a:prstGeom prst="rect">
+              <a:avLst/>
+            </a:prstGeom>
+            <a:noFill/>
+          </p:spPr>
+          <p:txBody>
+            <a:bodyPr wrap="none" rtlCol="0">
+              <a:spAutoFit/>
+            </a:bodyPr>
+            <a:lstStyle/>
+            <a:p>
+              <a:r>
+                <a:rPr lang="en-US" altLang="ko-KR" sz="1000" dirty="0" smtClean="0"/>
+                <a:t>4. Request to</a:t>
+              </a:r>
+            </a:p>
+            <a:p>
+              <a:r>
+                <a:rPr lang="en-US" altLang="ko-KR" sz="1000" dirty="0" err="1" smtClean="0"/>
+                <a:t>OpenGate</a:t>
+              </a:r>
+              <a:endParaRPr lang="ko-KR" altLang="en-US" sz="1000"/>
+            </a:p>
+          </p:txBody>
+        </p:sp>
+        <p:sp>
+          <p:nvSpPr>
+            <p:cNvPr id="34" name="TextBox 33"/>
+            <p:cNvSpPr txBox="1"/>
+            <p:nvPr/>
+          </p:nvSpPr>
+          <p:spPr>
+            <a:xfrm>
+              <a:off x="5974963" y="1921044"/>
+              <a:ext cx="1120820" cy="246221"/>
+            </a:xfrm>
+            <a:prstGeom prst="rect">
+              <a:avLst/>
+            </a:prstGeom>
+            <a:noFill/>
+          </p:spPr>
+          <p:txBody>
+            <a:bodyPr wrap="none" rtlCol="0">
+              <a:spAutoFit/>
+            </a:bodyPr>
+            <a:lstStyle/>
+            <a:p>
+              <a:r>
+                <a:rPr lang="en-US" altLang="ko-KR" sz="1000" dirty="0"/>
+                <a:t>5</a:t>
+              </a:r>
+              <a:r>
+                <a:rPr lang="en-US" altLang="ko-KR" sz="1000" dirty="0" smtClean="0"/>
+                <a:t>. Send </a:t>
+              </a:r>
+              <a:r>
+                <a:rPr lang="en-US" altLang="ko-KR" sz="1000" dirty="0" err="1" smtClean="0"/>
+                <a:t>SlotStatus</a:t>
+              </a:r>
+              <a:endParaRPr lang="en-US" altLang="ko-KR" sz="1000" dirty="0" smtClean="0"/>
+            </a:p>
+          </p:txBody>
+        </p:sp>
+        <p:cxnSp>
+          <p:nvCxnSpPr>
+            <p:cNvPr id="36" name="직선 화살표 연결선 35"/>
+            <p:cNvCxnSpPr/>
+            <p:nvPr/>
+          </p:nvCxnSpPr>
+          <p:spPr>
+            <a:xfrm>
+              <a:off x="3989214" y="1919719"/>
+              <a:ext cx="1024167" cy="2"/>
+            </a:xfrm>
+            <a:prstGeom prst="straightConnector1">
+              <a:avLst/>
+            </a:prstGeom>
+            <a:ln w="12700">
+              <a:solidFill>
+                <a:schemeClr val="tx1"/>
+              </a:solidFill>
+              <a:headEnd type="triangle"/>
+              <a:tailEnd type="none"/>
+            </a:ln>
+          </p:spPr>
+          <p:style>
+            <a:lnRef idx="1">
+              <a:schemeClr val="accent1"/>
+            </a:lnRef>
+            <a:fillRef idx="0">
+              <a:schemeClr val="accent1"/>
+            </a:fillRef>
+            <a:effectRef idx="0">
+              <a:schemeClr val="accent1"/>
+            </a:effectRef>
+            <a:fontRef idx="minor">
+              <a:schemeClr val="tx1"/>
+            </a:fontRef>
+          </p:style>
+        </p:cxnSp>
+      </p:grpSp>
+    </p:spTree>
+    <p:extLst>
+      <p:ext uri="{BB962C8B-B14F-4D97-AF65-F5344CB8AC3E}">
+        <p14:creationId xmlns:p14="http://schemas.microsoft.com/office/powerpoint/2010/main" val="902630329"/>
+      </p:ext>
+    </p:extLst>
+  </p:cSld>
+  <p:clrMapOvr>
+    <a:masterClrMapping/>
+  </p:clrMapOvr>
+  <p:timing>
+    <p:tnLst>
+      <p:par>
+        <p:cTn id="1" dur="indefinite" restart="never" nodeType="tmRoot"/>
+      </p:par>
+    </p:tnLst>
+  </p:timing>
+</p:sld>
+</file>
+
+<file path=ppt/slides/slide15.xml><?xml version="1.0" encoding="utf-8"?>
+<p:sld xmlns:a="http://schemas.openxmlformats.org/drawingml/2006/main" xmlns:r="http://schemas.openxmlformats.org/officeDocument/2006/relationships" xmlns:p="http://schemas.openxmlformats.org/presentationml/2006/main">
+  <p:cSld>
+    <p:spTree>
+      <p:nvGrpSpPr>
+        <p:cNvPr id="1" name=""/>
+        <p:cNvGrpSpPr/>
+        <p:nvPr/>
+      </p:nvGrpSpPr>
+      <p:grpSpPr>
+        <a:xfrm>
+          <a:off x="0" y="0"/>
+          <a:ext cx="0" cy="0"/>
+          <a:chOff x="0" y="0"/>
+          <a:chExt cx="0" cy="0"/>
+        </a:xfrm>
+      </p:grpSpPr>
+      <p:sp>
+        <p:nvSpPr>
+          <p:cNvPr id="38" name="TextBox 37"/>
+          <p:cNvSpPr txBox="1"/>
+          <p:nvPr/>
+        </p:nvSpPr>
+        <p:spPr>
+          <a:xfrm>
+            <a:off x="358572" y="272932"/>
+            <a:ext cx="3257174" cy="369332"/>
+          </a:xfrm>
+          <a:prstGeom prst="rect">
+            <a:avLst/>
+          </a:prstGeom>
+          <a:noFill/>
+        </p:spPr>
+        <p:txBody>
+          <a:bodyPr wrap="none" rtlCol="0">
+            <a:spAutoFit/>
+          </a:bodyPr>
+          <a:lstStyle/>
+          <a:p>
+            <a:r>
+              <a:rPr lang="en-US" altLang="ko-KR" dirty="0" smtClean="0"/>
+              <a:t>Communication diagram – leave </a:t>
+            </a:r>
+            <a:endParaRPr lang="ko-KR" altLang="en-US"/>
+          </a:p>
+        </p:txBody>
+      </p:sp>
+      <p:grpSp>
+        <p:nvGrpSpPr>
+          <p:cNvPr id="2" name="그룹 1"/>
+          <p:cNvGrpSpPr/>
+          <p:nvPr/>
+        </p:nvGrpSpPr>
+        <p:grpSpPr>
+          <a:xfrm>
+            <a:off x="358572" y="825893"/>
+            <a:ext cx="7971521" cy="4076307"/>
+            <a:chOff x="358572" y="825893"/>
+            <a:chExt cx="7971521" cy="4076307"/>
+          </a:xfrm>
+        </p:grpSpPr>
+        <p:sp>
+          <p:nvSpPr>
+            <p:cNvPr id="51" name="모서리가 둥근 직사각형 50"/>
+            <p:cNvSpPr/>
+            <p:nvPr/>
+          </p:nvSpPr>
+          <p:spPr>
+            <a:xfrm>
+              <a:off x="2913596" y="1427525"/>
+              <a:ext cx="1080000" cy="720000"/>
+            </a:xfrm>
+            <a:prstGeom prst="roundRect">
+              <a:avLst>
+                <a:gd name="adj" fmla="val 9611"/>
+              </a:avLst>
+            </a:prstGeom>
+            <a:solidFill>
+              <a:schemeClr val="bg1"/>
+            </a:solidFill>
+            <a:ln w="12700">
+              <a:solidFill>
+                <a:schemeClr val="tx1"/>
+              </a:solidFill>
+            </a:ln>
+          </p:spPr>
+          <p:style>
+            <a:lnRef idx="2">
+              <a:schemeClr val="accent1">
+                <a:shade val="50000"/>
+              </a:schemeClr>
+            </a:lnRef>
+            <a:fillRef idx="1">
+              <a:schemeClr val="accent1"/>
+            </a:fillRef>
+            <a:effectRef idx="0">
+              <a:schemeClr val="accent1"/>
+            </a:effectRef>
+            <a:fontRef idx="minor">
+              <a:schemeClr val="lt1"/>
+            </a:fontRef>
+          </p:style>
+          <p:txBody>
+            <a:bodyPr rtlCol="0" anchor="ctr"/>
+            <a:lstStyle/>
+            <a:p>
+              <a:pPr algn="ctr"/>
+              <a:r>
+                <a:rPr lang="en-US" altLang="ko-KR" sz="1400" dirty="0" smtClean="0">
+                  <a:solidFill>
+                    <a:schemeClr val="tx1"/>
+                  </a:solidFill>
+                </a:rPr>
+                <a:t>Web Service</a:t>
+              </a:r>
+              <a:endParaRPr lang="ko-KR" altLang="en-US" sz="1400" dirty="0">
+                <a:solidFill>
+                  <a:schemeClr val="tx1"/>
+                </a:solidFill>
+              </a:endParaRPr>
+            </a:p>
+          </p:txBody>
+        </p:sp>
+        <p:sp>
+          <p:nvSpPr>
+            <p:cNvPr id="52" name="모서리가 둥근 직사각형 51"/>
+            <p:cNvSpPr/>
+            <p:nvPr/>
+          </p:nvSpPr>
+          <p:spPr>
+            <a:xfrm>
+              <a:off x="7004905" y="1395962"/>
+              <a:ext cx="972000" cy="720000"/>
+            </a:xfrm>
+            <a:prstGeom prst="roundRect">
+              <a:avLst>
+                <a:gd name="adj" fmla="val 9611"/>
+              </a:avLst>
+            </a:prstGeom>
+            <a:solidFill>
+              <a:schemeClr val="bg1"/>
+            </a:solidFill>
+            <a:ln w="12700">
+              <a:solidFill>
+                <a:schemeClr val="tx1"/>
+              </a:solidFill>
+            </a:ln>
+          </p:spPr>
+          <p:style>
+            <a:lnRef idx="2">
+              <a:schemeClr val="accent1">
+                <a:shade val="50000"/>
+              </a:schemeClr>
+            </a:lnRef>
+            <a:fillRef idx="1">
+              <a:schemeClr val="accent1"/>
+            </a:fillRef>
+            <a:effectRef idx="0">
+              <a:schemeClr val="accent1"/>
+            </a:effectRef>
+            <a:fontRef idx="minor">
+              <a:schemeClr val="lt1"/>
+            </a:fontRef>
+          </p:style>
+          <p:txBody>
+            <a:bodyPr rtlCol="0" anchor="ctr"/>
+            <a:lstStyle/>
+            <a:p>
+              <a:pPr algn="ctr"/>
+              <a:r>
+                <a:rPr lang="en-US" altLang="ko-KR" sz="1400" dirty="0" smtClean="0">
+                  <a:solidFill>
+                    <a:schemeClr val="tx1"/>
+                  </a:solidFill>
+                </a:rPr>
+                <a:t>Facility Controller</a:t>
+              </a:r>
+              <a:endParaRPr lang="ko-KR" altLang="en-US" sz="1400" dirty="0">
+                <a:solidFill>
+                  <a:schemeClr val="tx1"/>
+                </a:solidFill>
+              </a:endParaRPr>
+            </a:p>
+          </p:txBody>
+        </p:sp>
+        <p:sp>
+          <p:nvSpPr>
+            <p:cNvPr id="54" name="직사각형 53"/>
+            <p:cNvSpPr/>
+            <p:nvPr/>
+          </p:nvSpPr>
+          <p:spPr>
+            <a:xfrm>
+              <a:off x="566123" y="3863837"/>
+              <a:ext cx="4146465" cy="829046"/>
+            </a:xfrm>
+            <a:prstGeom prst="rect">
+              <a:avLst/>
+            </a:prstGeom>
+            <a:noFill/>
+            <a:ln>
+              <a:solidFill>
+                <a:schemeClr val="tx1"/>
+              </a:solidFill>
+            </a:ln>
+          </p:spPr>
+          <p:style>
+            <a:lnRef idx="2">
+              <a:schemeClr val="accent1">
+                <a:shade val="50000"/>
+              </a:schemeClr>
+            </a:lnRef>
+            <a:fillRef idx="1">
+              <a:schemeClr val="accent1"/>
+            </a:fillRef>
+            <a:effectRef idx="0">
+              <a:schemeClr val="accent1"/>
+            </a:effectRef>
+            <a:fontRef idx="minor">
+              <a:schemeClr val="lt1"/>
+            </a:fontRef>
+          </p:style>
+          <p:txBody>
+            <a:bodyPr rtlCol="0" anchor="ctr"/>
+            <a:lstStyle/>
+            <a:p>
+              <a:pPr algn="ctr"/>
+              <a:endParaRPr lang="ko-KR" altLang="en-US"/>
+            </a:p>
+          </p:txBody>
+        </p:sp>
+        <p:sp>
+          <p:nvSpPr>
+            <p:cNvPr id="56" name="직사각형 55"/>
+            <p:cNvSpPr/>
+            <p:nvPr/>
+          </p:nvSpPr>
+          <p:spPr>
+            <a:xfrm>
+              <a:off x="572803" y="3889360"/>
+              <a:ext cx="1637800" cy="360000"/>
+            </a:xfrm>
+            <a:prstGeom prst="rect">
+              <a:avLst/>
+            </a:prstGeom>
+            <a:noFill/>
+            <a:ln>
+              <a:noFill/>
+            </a:ln>
+          </p:spPr>
+          <p:style>
+            <a:lnRef idx="2">
+              <a:schemeClr val="accent1">
+                <a:shade val="50000"/>
+              </a:schemeClr>
+            </a:lnRef>
+            <a:fillRef idx="1">
+              <a:schemeClr val="accent1"/>
+            </a:fillRef>
+            <a:effectRef idx="0">
+              <a:schemeClr val="accent1"/>
+            </a:effectRef>
+            <a:fontRef idx="minor">
+              <a:schemeClr val="lt1"/>
+            </a:fontRef>
+          </p:style>
+          <p:txBody>
+            <a:bodyPr lIns="144000" rtlCol="0" anchor="ctr"/>
+            <a:lstStyle/>
+            <a:p>
+              <a:r>
+                <a:rPr lang="en-US" altLang="ko-KR" sz="1400" b="1" i="1" u="sng" dirty="0" smtClean="0">
+                  <a:solidFill>
+                    <a:schemeClr val="tx1"/>
+                  </a:solidFill>
+                </a:rPr>
+                <a:t>Legend</a:t>
+              </a:r>
+              <a:endParaRPr lang="ko-KR" altLang="en-US" sz="1400" b="1" i="1" u="sng">
+                <a:solidFill>
+                  <a:schemeClr val="tx1"/>
+                </a:solidFill>
+              </a:endParaRPr>
+            </a:p>
+          </p:txBody>
+        </p:sp>
+        <p:sp>
+          <p:nvSpPr>
+            <p:cNvPr id="67" name="원통 66"/>
+            <p:cNvSpPr/>
+            <p:nvPr/>
+          </p:nvSpPr>
+          <p:spPr>
+            <a:xfrm>
+              <a:off x="4032000" y="2766191"/>
+              <a:ext cx="1080000" cy="864000"/>
+            </a:xfrm>
+            <a:prstGeom prst="can">
+              <a:avLst/>
+            </a:prstGeom>
+            <a:solidFill>
+              <a:schemeClr val="bg1"/>
+            </a:solidFill>
+            <a:ln>
+              <a:solidFill>
+                <a:schemeClr val="tx1"/>
+              </a:solidFill>
+            </a:ln>
+          </p:spPr>
+          <p:style>
+            <a:lnRef idx="2">
+              <a:schemeClr val="accent1">
+                <a:shade val="50000"/>
+              </a:schemeClr>
+            </a:lnRef>
+            <a:fillRef idx="1">
+              <a:schemeClr val="accent1"/>
+            </a:fillRef>
+            <a:effectRef idx="0">
+              <a:schemeClr val="accent1"/>
+            </a:effectRef>
+            <a:fontRef idx="minor">
+              <a:schemeClr val="lt1"/>
+            </a:fontRef>
+          </p:style>
+          <p:txBody>
+            <a:bodyPr rtlCol="0" anchor="ctr"/>
+            <a:lstStyle/>
+            <a:p>
+              <a:pPr algn="ctr"/>
+              <a:r>
+                <a:rPr lang="en-US" altLang="ko-KR" sz="1400" dirty="0" err="1" smtClean="0">
+                  <a:solidFill>
+                    <a:schemeClr val="tx1"/>
+                  </a:solidFill>
+                </a:rPr>
+                <a:t>SurePark</a:t>
+              </a:r>
+              <a:r>
+                <a:rPr lang="en-US" altLang="ko-KR" sz="1400" dirty="0" smtClean="0">
+                  <a:solidFill>
+                    <a:schemeClr val="tx1"/>
+                  </a:solidFill>
+                </a:rPr>
+                <a:t> DB</a:t>
+              </a:r>
+              <a:endParaRPr lang="ko-KR" altLang="en-US" sz="1400">
+                <a:solidFill>
+                  <a:schemeClr val="tx1"/>
+                </a:solidFill>
+              </a:endParaRPr>
+            </a:p>
+          </p:txBody>
+        </p:sp>
+        <p:sp>
+          <p:nvSpPr>
+            <p:cNvPr id="75" name="TextBox 74"/>
+            <p:cNvSpPr txBox="1"/>
+            <p:nvPr/>
+          </p:nvSpPr>
+          <p:spPr>
+            <a:xfrm>
+              <a:off x="2217283" y="4237640"/>
+              <a:ext cx="717703" cy="261610"/>
+            </a:xfrm>
+            <a:prstGeom prst="rect">
+              <a:avLst/>
+            </a:prstGeom>
+            <a:noFill/>
+          </p:spPr>
+          <p:txBody>
+            <a:bodyPr wrap="square" rtlCol="0">
+              <a:spAutoFit/>
+            </a:bodyPr>
+            <a:lstStyle/>
+            <a:p>
+              <a:r>
+                <a:rPr lang="en-US" altLang="ko-KR" sz="1100" dirty="0" smtClean="0"/>
+                <a:t>data </a:t>
+              </a:r>
+              <a:r>
+                <a:rPr lang="en-US" altLang="ko-KR" sz="1100" dirty="0" smtClean="0"/>
+                <a:t>flow</a:t>
+              </a:r>
+              <a:endParaRPr lang="ko-KR" altLang="en-US" sz="1100"/>
+            </a:p>
+          </p:txBody>
+        </p:sp>
+        <p:cxnSp>
+          <p:nvCxnSpPr>
+            <p:cNvPr id="76" name="직선 화살표 연결선 75"/>
+            <p:cNvCxnSpPr/>
+            <p:nvPr/>
+          </p:nvCxnSpPr>
+          <p:spPr>
+            <a:xfrm>
+              <a:off x="3101596" y="4354339"/>
+              <a:ext cx="415785" cy="2"/>
+            </a:xfrm>
+            <a:prstGeom prst="straightConnector1">
+              <a:avLst/>
+            </a:prstGeom>
+            <a:ln w="12700">
+              <a:solidFill>
+                <a:schemeClr val="tx1"/>
+              </a:solidFill>
+              <a:prstDash val="dash"/>
+              <a:headEnd type="none"/>
+              <a:tailEnd type="triangle"/>
+            </a:ln>
+          </p:spPr>
+          <p:style>
+            <a:lnRef idx="1">
+              <a:schemeClr val="accent1"/>
+            </a:lnRef>
+            <a:fillRef idx="0">
+              <a:schemeClr val="accent1"/>
+            </a:fillRef>
+            <a:effectRef idx="0">
+              <a:schemeClr val="accent1"/>
+            </a:effectRef>
+            <a:fontRef idx="minor">
+              <a:schemeClr val="tx1"/>
+            </a:fontRef>
+          </p:style>
+        </p:cxnSp>
+        <p:sp>
+          <p:nvSpPr>
+            <p:cNvPr id="86" name="TextBox 85"/>
+            <p:cNvSpPr txBox="1"/>
+            <p:nvPr/>
+          </p:nvSpPr>
+          <p:spPr>
+            <a:xfrm>
+              <a:off x="3508682" y="4223750"/>
+              <a:ext cx="1402507" cy="261610"/>
+            </a:xfrm>
+            <a:prstGeom prst="rect">
+              <a:avLst/>
+            </a:prstGeom>
+            <a:noFill/>
+          </p:spPr>
+          <p:txBody>
+            <a:bodyPr wrap="square" rtlCol="0">
+              <a:spAutoFit/>
+            </a:bodyPr>
+            <a:lstStyle/>
+            <a:p>
+              <a:r>
+                <a:rPr lang="en-US" altLang="ko-KR" sz="1100" dirty="0" smtClean="0"/>
+                <a:t>DB control flow</a:t>
+              </a:r>
+              <a:endParaRPr lang="ko-KR" altLang="en-US" sz="1100"/>
+            </a:p>
+          </p:txBody>
+        </p:sp>
+        <p:cxnSp>
+          <p:nvCxnSpPr>
+            <p:cNvPr id="99" name="직선 화살표 연결선 98"/>
+            <p:cNvCxnSpPr/>
+            <p:nvPr/>
+          </p:nvCxnSpPr>
+          <p:spPr>
+            <a:xfrm flipV="1">
+              <a:off x="4705363" y="2151480"/>
+              <a:ext cx="944514" cy="631068"/>
+            </a:xfrm>
+            <a:prstGeom prst="straightConnector1">
+              <a:avLst/>
+            </a:prstGeom>
+            <a:ln w="12700">
+              <a:solidFill>
+                <a:schemeClr val="tx1"/>
+              </a:solidFill>
+              <a:prstDash val="dash"/>
+              <a:headEnd type="triangle"/>
+              <a:tailEnd type="none"/>
+            </a:ln>
+          </p:spPr>
+          <p:style>
+            <a:lnRef idx="1">
+              <a:schemeClr val="accent1"/>
+            </a:lnRef>
+            <a:fillRef idx="0">
+              <a:schemeClr val="accent1"/>
+            </a:fillRef>
+            <a:effectRef idx="0">
+              <a:schemeClr val="accent1"/>
+            </a:effectRef>
+            <a:fontRef idx="minor">
+              <a:schemeClr val="tx1"/>
+            </a:fontRef>
+          </p:style>
+        </p:cxnSp>
+        <p:sp>
+          <p:nvSpPr>
+            <p:cNvPr id="112" name="직사각형 111"/>
+            <p:cNvSpPr/>
+            <p:nvPr/>
+          </p:nvSpPr>
+          <p:spPr>
+            <a:xfrm>
+              <a:off x="358572" y="825893"/>
+              <a:ext cx="7971521" cy="4076307"/>
+            </a:xfrm>
+            <a:prstGeom prst="rect">
+              <a:avLst/>
+            </a:prstGeom>
+            <a:noFill/>
+            <a:ln>
+              <a:solidFill>
+                <a:schemeClr val="tx1"/>
+              </a:solidFill>
+            </a:ln>
+          </p:spPr>
+          <p:style>
+            <a:lnRef idx="2">
+              <a:schemeClr val="accent1">
+                <a:shade val="50000"/>
+              </a:schemeClr>
+            </a:lnRef>
+            <a:fillRef idx="1">
+              <a:schemeClr val="accent1"/>
+            </a:fillRef>
+            <a:effectRef idx="0">
+              <a:schemeClr val="accent1"/>
+            </a:effectRef>
+            <a:fontRef idx="minor">
+              <a:schemeClr val="lt1"/>
+            </a:fontRef>
+          </p:style>
+          <p:txBody>
+            <a:bodyPr rtlCol="0" anchor="ctr"/>
+            <a:lstStyle/>
+            <a:p>
+              <a:pPr algn="ctr"/>
+              <a:endParaRPr lang="ko-KR" altLang="en-US"/>
+            </a:p>
+          </p:txBody>
+        </p:sp>
+        <p:sp>
+          <p:nvSpPr>
+            <p:cNvPr id="113" name="모서리가 둥근 직사각형 112"/>
+            <p:cNvSpPr/>
+            <p:nvPr/>
+          </p:nvSpPr>
+          <p:spPr>
+            <a:xfrm>
+              <a:off x="5018819" y="1432225"/>
+              <a:ext cx="972000" cy="720000"/>
+            </a:xfrm>
+            <a:prstGeom prst="roundRect">
+              <a:avLst>
+                <a:gd name="adj" fmla="val 9611"/>
+              </a:avLst>
+            </a:prstGeom>
+            <a:solidFill>
+              <a:schemeClr val="bg1"/>
+            </a:solidFill>
+            <a:ln w="12700">
+              <a:solidFill>
+                <a:schemeClr val="tx1"/>
+              </a:solidFill>
+            </a:ln>
+          </p:spPr>
+          <p:style>
+            <a:lnRef idx="2">
+              <a:schemeClr val="accent1">
+                <a:shade val="50000"/>
+              </a:schemeClr>
+            </a:lnRef>
+            <a:fillRef idx="1">
+              <a:schemeClr val="accent1"/>
+            </a:fillRef>
+            <a:effectRef idx="0">
+              <a:schemeClr val="accent1"/>
+            </a:effectRef>
+            <a:fontRef idx="minor">
+              <a:schemeClr val="lt1"/>
+            </a:fontRef>
+          </p:style>
+          <p:txBody>
+            <a:bodyPr rtlCol="0" anchor="ctr"/>
+            <a:lstStyle/>
+            <a:p>
+              <a:pPr algn="ctr"/>
+              <a:r>
+                <a:rPr lang="en-US" altLang="ko-KR" sz="1400" dirty="0" err="1" smtClean="0">
+                  <a:solidFill>
+                    <a:schemeClr val="tx1"/>
+                  </a:solidFill>
+                </a:rPr>
+                <a:t>SurePark</a:t>
+              </a:r>
+              <a:endParaRPr lang="en-US" altLang="ko-KR" sz="1400" dirty="0" smtClean="0">
+                <a:solidFill>
+                  <a:schemeClr val="tx1"/>
+                </a:solidFill>
+              </a:endParaRPr>
+            </a:p>
+            <a:p>
+              <a:pPr algn="ctr"/>
+              <a:r>
+                <a:rPr lang="en-US" altLang="ko-KR" sz="1400" dirty="0" smtClean="0">
+                  <a:solidFill>
+                    <a:schemeClr val="tx1"/>
+                  </a:solidFill>
+                </a:rPr>
+                <a:t>Manager</a:t>
+              </a:r>
+              <a:endParaRPr lang="ko-KR" altLang="en-US" sz="1400" dirty="0">
+                <a:solidFill>
+                  <a:schemeClr val="tx1"/>
+                </a:solidFill>
+              </a:endParaRPr>
+            </a:p>
+          </p:txBody>
+        </p:sp>
+        <p:sp>
+          <p:nvSpPr>
+            <p:cNvPr id="114" name="모서리가 둥근 직사각형 113"/>
+            <p:cNvSpPr/>
+            <p:nvPr/>
+          </p:nvSpPr>
+          <p:spPr>
+            <a:xfrm>
+              <a:off x="826764" y="1434618"/>
+              <a:ext cx="1080000" cy="720000"/>
+            </a:xfrm>
+            <a:prstGeom prst="roundRect">
+              <a:avLst>
+                <a:gd name="adj" fmla="val 9611"/>
+              </a:avLst>
+            </a:prstGeom>
+            <a:solidFill>
+              <a:schemeClr val="bg1"/>
+            </a:solidFill>
+            <a:ln w="12700">
+              <a:solidFill>
+                <a:schemeClr val="tx1"/>
+              </a:solidFill>
+            </a:ln>
+          </p:spPr>
+          <p:style>
+            <a:lnRef idx="2">
+              <a:schemeClr val="accent1">
+                <a:shade val="50000"/>
+              </a:schemeClr>
+            </a:lnRef>
+            <a:fillRef idx="1">
+              <a:schemeClr val="accent1"/>
+            </a:fillRef>
+            <a:effectRef idx="0">
+              <a:schemeClr val="accent1"/>
+            </a:effectRef>
+            <a:fontRef idx="minor">
+              <a:schemeClr val="lt1"/>
+            </a:fontRef>
+          </p:style>
+          <p:txBody>
+            <a:bodyPr rtlCol="0" anchor="ctr"/>
+            <a:lstStyle/>
+            <a:p>
+              <a:pPr algn="ctr"/>
+              <a:r>
+                <a:rPr lang="en-US" altLang="ko-KR" sz="1400" dirty="0" smtClean="0">
+                  <a:solidFill>
+                    <a:schemeClr val="tx1"/>
+                  </a:solidFill>
+                </a:rPr>
+                <a:t>Web Browser</a:t>
+              </a:r>
+              <a:endParaRPr lang="ko-KR" altLang="en-US" sz="1400" dirty="0">
+                <a:solidFill>
+                  <a:schemeClr val="tx1"/>
+                </a:solidFill>
+              </a:endParaRPr>
+            </a:p>
+          </p:txBody>
+        </p:sp>
+        <p:sp>
+          <p:nvSpPr>
+            <p:cNvPr id="12" name="TextBox 11"/>
+            <p:cNvSpPr txBox="1"/>
+            <p:nvPr/>
+          </p:nvSpPr>
+          <p:spPr>
+            <a:xfrm>
+              <a:off x="5945363" y="1346371"/>
+              <a:ext cx="1120820" cy="400110"/>
+            </a:xfrm>
+            <a:prstGeom prst="rect">
+              <a:avLst/>
+            </a:prstGeom>
+            <a:noFill/>
+          </p:spPr>
+          <p:txBody>
+            <a:bodyPr wrap="none" rtlCol="0">
+              <a:spAutoFit/>
+            </a:bodyPr>
+            <a:lstStyle/>
+            <a:p>
+              <a:r>
+                <a:rPr lang="en-US" altLang="ko-KR" sz="1000" dirty="0" smtClean="0"/>
+                <a:t>1. Send </a:t>
+              </a:r>
+              <a:r>
+                <a:rPr lang="en-US" altLang="ko-KR" sz="1000" dirty="0" err="1" smtClean="0"/>
+                <a:t>SlotStatus</a:t>
+              </a:r>
+              <a:endParaRPr lang="en-US" altLang="ko-KR" sz="1000" dirty="0" smtClean="0"/>
+            </a:p>
+            <a:p>
+              <a:r>
+                <a:rPr lang="en-US" altLang="ko-KR" sz="1000" dirty="0" smtClean="0"/>
+                <a:t>2. Send </a:t>
+              </a:r>
+              <a:r>
+                <a:rPr lang="en-US" altLang="ko-KR" sz="1000" dirty="0" err="1" smtClean="0"/>
+                <a:t>GetOut</a:t>
+              </a:r>
+              <a:endParaRPr lang="ko-KR" altLang="en-US" sz="1000"/>
+            </a:p>
+          </p:txBody>
+        </p:sp>
+        <p:sp>
+          <p:nvSpPr>
+            <p:cNvPr id="131" name="모서리가 둥근 직사각형 130"/>
+            <p:cNvSpPr/>
+            <p:nvPr/>
+          </p:nvSpPr>
+          <p:spPr>
+            <a:xfrm>
+              <a:off x="715373" y="4217945"/>
+              <a:ext cx="340143" cy="272792"/>
+            </a:xfrm>
+            <a:prstGeom prst="roundRect">
+              <a:avLst>
+                <a:gd name="adj" fmla="val 9611"/>
+              </a:avLst>
+            </a:prstGeom>
+            <a:solidFill>
+              <a:schemeClr val="bg1"/>
+            </a:solidFill>
+            <a:ln w="12700">
+              <a:solidFill>
+                <a:schemeClr val="tx1"/>
+              </a:solidFill>
+            </a:ln>
+          </p:spPr>
+          <p:style>
+            <a:lnRef idx="2">
+              <a:schemeClr val="accent1">
+                <a:shade val="50000"/>
+              </a:schemeClr>
+            </a:lnRef>
+            <a:fillRef idx="1">
+              <a:schemeClr val="accent1"/>
+            </a:fillRef>
+            <a:effectRef idx="0">
+              <a:schemeClr val="accent1"/>
+            </a:effectRef>
+            <a:fontRef idx="minor">
+              <a:schemeClr val="lt1"/>
+            </a:fontRef>
+          </p:style>
+          <p:txBody>
+            <a:bodyPr rtlCol="0" anchor="ctr"/>
+            <a:lstStyle/>
+            <a:p>
+              <a:pPr algn="ctr"/>
+              <a:endParaRPr lang="ko-KR" altLang="en-US" sz="1400" dirty="0">
+                <a:solidFill>
+                  <a:schemeClr val="tx1"/>
+                </a:solidFill>
+              </a:endParaRPr>
+            </a:p>
+          </p:txBody>
+        </p:sp>
+        <p:sp>
+          <p:nvSpPr>
+            <p:cNvPr id="132" name="TextBox 131"/>
+            <p:cNvSpPr txBox="1"/>
+            <p:nvPr/>
+          </p:nvSpPr>
+          <p:spPr>
+            <a:xfrm>
+              <a:off x="1114773" y="4229127"/>
+              <a:ext cx="664124" cy="261610"/>
+            </a:xfrm>
+            <a:prstGeom prst="rect">
+              <a:avLst/>
+            </a:prstGeom>
+            <a:noFill/>
+          </p:spPr>
+          <p:txBody>
+            <a:bodyPr wrap="square" rtlCol="0">
+              <a:spAutoFit/>
+            </a:bodyPr>
+            <a:lstStyle/>
+            <a:p>
+              <a:r>
+                <a:rPr lang="en-US" altLang="ko-KR" sz="1100" dirty="0" smtClean="0"/>
+                <a:t>Process</a:t>
+              </a:r>
+              <a:endParaRPr lang="ko-KR" altLang="en-US" sz="1100"/>
+            </a:p>
+          </p:txBody>
+        </p:sp>
+        <p:cxnSp>
+          <p:nvCxnSpPr>
+            <p:cNvPr id="134" name="직선 화살표 연결선 133"/>
+            <p:cNvCxnSpPr/>
+            <p:nvPr/>
+          </p:nvCxnSpPr>
+          <p:spPr>
+            <a:xfrm flipH="1">
+              <a:off x="1849715" y="4369804"/>
+              <a:ext cx="342707" cy="7686"/>
+            </a:xfrm>
+            <a:prstGeom prst="straightConnector1">
+              <a:avLst/>
+            </a:prstGeom>
+            <a:ln w="12700">
+              <a:solidFill>
+                <a:schemeClr val="tx1"/>
+              </a:solidFill>
+              <a:headEnd type="triangle"/>
+              <a:tailEnd type="none"/>
+            </a:ln>
+          </p:spPr>
+          <p:style>
+            <a:lnRef idx="1">
+              <a:schemeClr val="accent1"/>
+            </a:lnRef>
+            <a:fillRef idx="0">
+              <a:schemeClr val="accent1"/>
+            </a:fillRef>
+            <a:effectRef idx="0">
+              <a:schemeClr val="accent1"/>
+            </a:effectRef>
+            <a:fontRef idx="minor">
+              <a:schemeClr val="tx1"/>
+            </a:fontRef>
+          </p:style>
+        </p:cxnSp>
+        <p:sp>
+          <p:nvSpPr>
+            <p:cNvPr id="136" name="TextBox 135"/>
+            <p:cNvSpPr txBox="1"/>
+            <p:nvPr/>
+          </p:nvSpPr>
+          <p:spPr>
+            <a:xfrm>
+              <a:off x="5152060" y="2406197"/>
+              <a:ext cx="1624163" cy="400110"/>
+            </a:xfrm>
+            <a:prstGeom prst="rect">
+              <a:avLst/>
+            </a:prstGeom>
+            <a:noFill/>
+          </p:spPr>
+          <p:txBody>
+            <a:bodyPr wrap="none" rtlCol="0">
+              <a:spAutoFit/>
+            </a:bodyPr>
+            <a:lstStyle/>
+            <a:p>
+              <a:r>
+                <a:rPr lang="en-US" altLang="ko-KR" sz="1000" dirty="0" smtClean="0"/>
+                <a:t>3. Update </a:t>
+              </a:r>
+            </a:p>
+            <a:p>
+              <a:r>
+                <a:rPr lang="en-US" altLang="ko-KR" sz="1000" dirty="0" smtClean="0"/>
+                <a:t>Reservation info &amp; charging</a:t>
+              </a:r>
+              <a:endParaRPr lang="ko-KR" altLang="en-US" sz="1000"/>
+            </a:p>
+          </p:txBody>
+        </p:sp>
+        <p:cxnSp>
+          <p:nvCxnSpPr>
+            <p:cNvPr id="137" name="직선 화살표 연결선 136"/>
+            <p:cNvCxnSpPr/>
+            <p:nvPr/>
+          </p:nvCxnSpPr>
+          <p:spPr>
+            <a:xfrm>
+              <a:off x="5985779" y="1755569"/>
+              <a:ext cx="1024167" cy="2"/>
+            </a:xfrm>
+            <a:prstGeom prst="straightConnector1">
+              <a:avLst/>
+            </a:prstGeom>
+            <a:ln w="12700">
+              <a:solidFill>
+                <a:schemeClr val="tx1"/>
+              </a:solidFill>
+              <a:headEnd type="triangle"/>
+              <a:tailEnd type="none"/>
+            </a:ln>
+          </p:spPr>
+          <p:style>
+            <a:lnRef idx="1">
+              <a:schemeClr val="accent1"/>
+            </a:lnRef>
+            <a:fillRef idx="0">
+              <a:schemeClr val="accent1"/>
+            </a:fillRef>
+            <a:effectRef idx="0">
+              <a:schemeClr val="accent1"/>
+            </a:effectRef>
+            <a:fontRef idx="minor">
+              <a:schemeClr val="tx1"/>
+            </a:fontRef>
+          </p:style>
+        </p:cxnSp>
+        <p:cxnSp>
+          <p:nvCxnSpPr>
+            <p:cNvPr id="35" name="직선 화살표 연결선 34"/>
+            <p:cNvCxnSpPr/>
+            <p:nvPr/>
+          </p:nvCxnSpPr>
+          <p:spPr>
+            <a:xfrm>
+              <a:off x="3988556" y="1733277"/>
+              <a:ext cx="1024167" cy="2"/>
+            </a:xfrm>
+            <a:prstGeom prst="straightConnector1">
+              <a:avLst/>
+            </a:prstGeom>
+            <a:ln w="12700">
+              <a:solidFill>
+                <a:schemeClr val="tx1"/>
+              </a:solidFill>
+              <a:headEnd type="triangle"/>
+              <a:tailEnd type="none"/>
+            </a:ln>
+          </p:spPr>
+          <p:style>
+            <a:lnRef idx="1">
+              <a:schemeClr val="accent1"/>
+            </a:lnRef>
+            <a:fillRef idx="0">
+              <a:schemeClr val="accent1"/>
+            </a:fillRef>
+            <a:effectRef idx="0">
+              <a:schemeClr val="accent1"/>
+            </a:effectRef>
+            <a:fontRef idx="minor">
+              <a:schemeClr val="tx1"/>
+            </a:fontRef>
+          </p:style>
+        </p:cxnSp>
+        <p:sp>
+          <p:nvSpPr>
+            <p:cNvPr id="37" name="TextBox 36"/>
+            <p:cNvSpPr txBox="1"/>
+            <p:nvPr/>
+          </p:nvSpPr>
+          <p:spPr>
+            <a:xfrm>
+              <a:off x="3951366" y="1457291"/>
+              <a:ext cx="1247457" cy="246221"/>
+            </a:xfrm>
+            <a:prstGeom prst="rect">
+              <a:avLst/>
+            </a:prstGeom>
+            <a:noFill/>
+          </p:spPr>
+          <p:txBody>
+            <a:bodyPr wrap="none" rtlCol="0">
+              <a:spAutoFit/>
+            </a:bodyPr>
+            <a:lstStyle/>
+            <a:p>
+              <a:r>
+                <a:rPr lang="en-US" altLang="ko-KR" sz="1000" dirty="0" smtClean="0"/>
+                <a:t>4. Update </a:t>
+              </a:r>
+              <a:r>
+                <a:rPr lang="en-US" altLang="ko-KR" sz="1000" dirty="0" err="1" smtClean="0"/>
+                <a:t>SlotStatus</a:t>
+              </a:r>
+              <a:endParaRPr lang="en-US" altLang="ko-KR" sz="1000" dirty="0" smtClean="0"/>
+            </a:p>
+          </p:txBody>
+        </p:sp>
+        <p:cxnSp>
+          <p:nvCxnSpPr>
+            <p:cNvPr id="39" name="직선 화살표 연결선 38"/>
+            <p:cNvCxnSpPr/>
+            <p:nvPr/>
+          </p:nvCxnSpPr>
+          <p:spPr>
+            <a:xfrm>
+              <a:off x="1896683" y="1727024"/>
+              <a:ext cx="1024167" cy="2"/>
+            </a:xfrm>
+            <a:prstGeom prst="straightConnector1">
+              <a:avLst/>
+            </a:prstGeom>
+            <a:ln w="12700">
+              <a:solidFill>
+                <a:schemeClr val="tx1"/>
+              </a:solidFill>
+              <a:headEnd type="triangle"/>
+              <a:tailEnd type="none"/>
+            </a:ln>
+          </p:spPr>
+          <p:style>
+            <a:lnRef idx="1">
+              <a:schemeClr val="accent1"/>
+            </a:lnRef>
+            <a:fillRef idx="0">
+              <a:schemeClr val="accent1"/>
+            </a:fillRef>
+            <a:effectRef idx="0">
+              <a:schemeClr val="accent1"/>
+            </a:effectRef>
+            <a:fontRef idx="minor">
+              <a:schemeClr val="tx1"/>
+            </a:fontRef>
+          </p:style>
+        </p:cxnSp>
+        <p:sp>
+          <p:nvSpPr>
+            <p:cNvPr id="40" name="TextBox 39"/>
+            <p:cNvSpPr txBox="1"/>
+            <p:nvPr/>
+          </p:nvSpPr>
+          <p:spPr>
+            <a:xfrm>
+              <a:off x="2037840" y="1457291"/>
+              <a:ext cx="614271" cy="246221"/>
+            </a:xfrm>
+            <a:prstGeom prst="rect">
+              <a:avLst/>
+            </a:prstGeom>
+            <a:noFill/>
+          </p:spPr>
+          <p:txBody>
+            <a:bodyPr wrap="none" rtlCol="0">
+              <a:spAutoFit/>
+            </a:bodyPr>
+            <a:lstStyle/>
+            <a:p>
+              <a:r>
+                <a:rPr lang="en-US" altLang="ko-KR" sz="1000" dirty="0" smtClean="0"/>
+                <a:t>5. notify</a:t>
+              </a:r>
+            </a:p>
+          </p:txBody>
+        </p:sp>
+      </p:grpSp>
+    </p:spTree>
+    <p:extLst>
+      <p:ext uri="{BB962C8B-B14F-4D97-AF65-F5344CB8AC3E}">
+        <p14:creationId xmlns:p14="http://schemas.microsoft.com/office/powerpoint/2010/main" val="2371366782"/>
       </p:ext>
     </p:extLst>
   </p:cSld>

--- a/cmu/SurePark/Pictures_v1.1.pptx
+++ b/cmu/SurePark/Pictures_v1.1.pptx
@@ -20,6 +20,8 @@
     <p:sldId id="271" r:id="rId14"/>
     <p:sldId id="272" r:id="rId15"/>
     <p:sldId id="273" r:id="rId16"/>
+    <p:sldId id="274" r:id="rId17"/>
+    <p:sldId id="275" r:id="rId18"/>
   </p:sldIdLst>
   <p:sldSz cx="9144000" cy="6858000" type="screen4x3"/>
   <p:notesSz cx="6858000" cy="9144000"/>
@@ -12247,6 +12249,1040 @@
 </p:sld>
 </file>
 
+<file path=ppt/slides/slide16.xml><?xml version="1.0" encoding="utf-8"?>
+<p:sld xmlns:a="http://schemas.openxmlformats.org/drawingml/2006/main" xmlns:r="http://schemas.openxmlformats.org/officeDocument/2006/relationships" xmlns:p="http://schemas.openxmlformats.org/presentationml/2006/main">
+  <p:cSld>
+    <p:spTree>
+      <p:nvGrpSpPr>
+        <p:cNvPr id="1" name=""/>
+        <p:cNvGrpSpPr/>
+        <p:nvPr/>
+      </p:nvGrpSpPr>
+      <p:grpSpPr>
+        <a:xfrm>
+          <a:off x="0" y="0"/>
+          <a:ext cx="0" cy="0"/>
+          <a:chOff x="0" y="0"/>
+          <a:chExt cx="0" cy="0"/>
+        </a:xfrm>
+      </p:grpSpPr>
+      <p:sp>
+        <p:nvSpPr>
+          <p:cNvPr id="38" name="TextBox 37"/>
+          <p:cNvSpPr txBox="1"/>
+          <p:nvPr/>
+        </p:nvSpPr>
+        <p:spPr>
+          <a:xfrm>
+            <a:off x="358572" y="272932"/>
+            <a:ext cx="1818768" cy="369332"/>
+          </a:xfrm>
+          <a:prstGeom prst="rect">
+            <a:avLst/>
+          </a:prstGeom>
+          <a:noFill/>
+        </p:spPr>
+        <p:txBody>
+          <a:bodyPr wrap="none" rtlCol="0">
+            <a:spAutoFit/>
+          </a:bodyPr>
+          <a:lstStyle/>
+          <a:p>
+            <a:r>
+              <a:rPr lang="en-US" altLang="ko-KR" dirty="0" smtClean="0"/>
+              <a:t>FC-SM heart beat</a:t>
+            </a:r>
+            <a:endParaRPr lang="ko-KR" altLang="en-US"/>
+          </a:p>
+        </p:txBody>
+      </p:sp>
+      <p:grpSp>
+        <p:nvGrpSpPr>
+          <p:cNvPr id="4" name="그룹 3"/>
+          <p:cNvGrpSpPr/>
+          <p:nvPr/>
+        </p:nvGrpSpPr>
+        <p:grpSpPr>
+          <a:xfrm>
+            <a:off x="485578" y="834360"/>
+            <a:ext cx="6130640" cy="2679307"/>
+            <a:chOff x="485578" y="834360"/>
+            <a:chExt cx="6130640" cy="2679307"/>
+          </a:xfrm>
+        </p:grpSpPr>
+        <p:sp>
+          <p:nvSpPr>
+            <p:cNvPr id="52" name="모서리가 둥근 직사각형 51"/>
+            <p:cNvSpPr/>
+            <p:nvPr/>
+          </p:nvSpPr>
+          <p:spPr>
+            <a:xfrm>
+              <a:off x="3632723" y="1234335"/>
+              <a:ext cx="972000" cy="720000"/>
+            </a:xfrm>
+            <a:prstGeom prst="roundRect">
+              <a:avLst>
+                <a:gd name="adj" fmla="val 9611"/>
+              </a:avLst>
+            </a:prstGeom>
+            <a:solidFill>
+              <a:schemeClr val="bg1"/>
+            </a:solidFill>
+            <a:ln w="12700">
+              <a:solidFill>
+                <a:schemeClr val="tx1"/>
+              </a:solidFill>
+            </a:ln>
+          </p:spPr>
+          <p:style>
+            <a:lnRef idx="2">
+              <a:schemeClr val="accent1">
+                <a:shade val="50000"/>
+              </a:schemeClr>
+            </a:lnRef>
+            <a:fillRef idx="1">
+              <a:schemeClr val="accent1"/>
+            </a:fillRef>
+            <a:effectRef idx="0">
+              <a:schemeClr val="accent1"/>
+            </a:effectRef>
+            <a:fontRef idx="minor">
+              <a:schemeClr val="lt1"/>
+            </a:fontRef>
+          </p:style>
+          <p:txBody>
+            <a:bodyPr rtlCol="0" anchor="ctr"/>
+            <a:lstStyle/>
+            <a:p>
+              <a:pPr algn="ctr"/>
+              <a:r>
+                <a:rPr lang="en-US" altLang="ko-KR" sz="1400" dirty="0" smtClean="0">
+                  <a:solidFill>
+                    <a:schemeClr val="tx1"/>
+                  </a:solidFill>
+                </a:rPr>
+                <a:t>Facility Controller</a:t>
+              </a:r>
+              <a:endParaRPr lang="ko-KR" altLang="en-US" sz="1400" dirty="0">
+                <a:solidFill>
+                  <a:schemeClr val="tx1"/>
+                </a:solidFill>
+              </a:endParaRPr>
+            </a:p>
+          </p:txBody>
+        </p:sp>
+        <p:sp>
+          <p:nvSpPr>
+            <p:cNvPr id="54" name="직사각형 53"/>
+            <p:cNvSpPr/>
+            <p:nvPr/>
+          </p:nvSpPr>
+          <p:spPr>
+            <a:xfrm>
+              <a:off x="4844733" y="1212439"/>
+              <a:ext cx="1378268" cy="1285228"/>
+            </a:xfrm>
+            <a:prstGeom prst="rect">
+              <a:avLst/>
+            </a:prstGeom>
+            <a:noFill/>
+            <a:ln>
+              <a:solidFill>
+                <a:schemeClr val="tx1"/>
+              </a:solidFill>
+            </a:ln>
+          </p:spPr>
+          <p:style>
+            <a:lnRef idx="2">
+              <a:schemeClr val="accent1">
+                <a:shade val="50000"/>
+              </a:schemeClr>
+            </a:lnRef>
+            <a:fillRef idx="1">
+              <a:schemeClr val="accent1"/>
+            </a:fillRef>
+            <a:effectRef idx="0">
+              <a:schemeClr val="accent1"/>
+            </a:effectRef>
+            <a:fontRef idx="minor">
+              <a:schemeClr val="lt1"/>
+            </a:fontRef>
+          </p:style>
+          <p:txBody>
+            <a:bodyPr rtlCol="0" anchor="ctr"/>
+            <a:lstStyle/>
+            <a:p>
+              <a:pPr algn="ctr"/>
+              <a:endParaRPr lang="ko-KR" altLang="en-US"/>
+            </a:p>
+          </p:txBody>
+        </p:sp>
+        <p:sp>
+          <p:nvSpPr>
+            <p:cNvPr id="56" name="직사각형 55"/>
+            <p:cNvSpPr/>
+            <p:nvPr/>
+          </p:nvSpPr>
+          <p:spPr>
+            <a:xfrm>
+              <a:off x="4851412" y="1237962"/>
+              <a:ext cx="1637800" cy="360000"/>
+            </a:xfrm>
+            <a:prstGeom prst="rect">
+              <a:avLst/>
+            </a:prstGeom>
+            <a:noFill/>
+            <a:ln>
+              <a:noFill/>
+            </a:ln>
+          </p:spPr>
+          <p:style>
+            <a:lnRef idx="2">
+              <a:schemeClr val="accent1">
+                <a:shade val="50000"/>
+              </a:schemeClr>
+            </a:lnRef>
+            <a:fillRef idx="1">
+              <a:schemeClr val="accent1"/>
+            </a:fillRef>
+            <a:effectRef idx="0">
+              <a:schemeClr val="accent1"/>
+            </a:effectRef>
+            <a:fontRef idx="minor">
+              <a:schemeClr val="lt1"/>
+            </a:fontRef>
+          </p:style>
+          <p:txBody>
+            <a:bodyPr lIns="144000" rtlCol="0" anchor="ctr"/>
+            <a:lstStyle/>
+            <a:p>
+              <a:r>
+                <a:rPr lang="en-US" altLang="ko-KR" sz="1400" b="1" i="1" u="sng" dirty="0" smtClean="0">
+                  <a:solidFill>
+                    <a:schemeClr val="tx1"/>
+                  </a:solidFill>
+                </a:rPr>
+                <a:t>Legend</a:t>
+              </a:r>
+              <a:endParaRPr lang="ko-KR" altLang="en-US" sz="1400" b="1" i="1" u="sng">
+                <a:solidFill>
+                  <a:schemeClr val="tx1"/>
+                </a:solidFill>
+              </a:endParaRPr>
+            </a:p>
+          </p:txBody>
+        </p:sp>
+        <p:sp>
+          <p:nvSpPr>
+            <p:cNvPr id="75" name="TextBox 74"/>
+            <p:cNvSpPr txBox="1"/>
+            <p:nvPr/>
+          </p:nvSpPr>
+          <p:spPr>
+            <a:xfrm>
+              <a:off x="5369895" y="1932439"/>
+              <a:ext cx="717703" cy="261610"/>
+            </a:xfrm>
+            <a:prstGeom prst="rect">
+              <a:avLst/>
+            </a:prstGeom>
+            <a:noFill/>
+          </p:spPr>
+          <p:txBody>
+            <a:bodyPr wrap="square" rtlCol="0">
+              <a:spAutoFit/>
+            </a:bodyPr>
+            <a:lstStyle/>
+            <a:p>
+              <a:r>
+                <a:rPr lang="en-US" altLang="ko-KR" sz="1100" dirty="0" smtClean="0"/>
+                <a:t>data </a:t>
+              </a:r>
+              <a:r>
+                <a:rPr lang="en-US" altLang="ko-KR" sz="1100" dirty="0" smtClean="0"/>
+                <a:t>flow</a:t>
+              </a:r>
+              <a:endParaRPr lang="ko-KR" altLang="en-US" sz="1100"/>
+            </a:p>
+          </p:txBody>
+        </p:sp>
+        <p:sp>
+          <p:nvSpPr>
+            <p:cNvPr id="112" name="직사각형 111"/>
+            <p:cNvSpPr/>
+            <p:nvPr/>
+          </p:nvSpPr>
+          <p:spPr>
+            <a:xfrm>
+              <a:off x="485578" y="834360"/>
+              <a:ext cx="6130640" cy="2679307"/>
+            </a:xfrm>
+            <a:prstGeom prst="rect">
+              <a:avLst/>
+            </a:prstGeom>
+            <a:noFill/>
+            <a:ln>
+              <a:solidFill>
+                <a:schemeClr val="tx1"/>
+              </a:solidFill>
+            </a:ln>
+          </p:spPr>
+          <p:style>
+            <a:lnRef idx="2">
+              <a:schemeClr val="accent1">
+                <a:shade val="50000"/>
+              </a:schemeClr>
+            </a:lnRef>
+            <a:fillRef idx="1">
+              <a:schemeClr val="accent1"/>
+            </a:fillRef>
+            <a:effectRef idx="0">
+              <a:schemeClr val="accent1"/>
+            </a:effectRef>
+            <a:fontRef idx="minor">
+              <a:schemeClr val="lt1"/>
+            </a:fontRef>
+          </p:style>
+          <p:txBody>
+            <a:bodyPr rtlCol="0" anchor="ctr"/>
+            <a:lstStyle/>
+            <a:p>
+              <a:pPr algn="ctr"/>
+              <a:endParaRPr lang="ko-KR" altLang="en-US"/>
+            </a:p>
+          </p:txBody>
+        </p:sp>
+        <p:sp>
+          <p:nvSpPr>
+            <p:cNvPr id="113" name="모서리가 둥근 직사각형 112"/>
+            <p:cNvSpPr/>
+            <p:nvPr/>
+          </p:nvSpPr>
+          <p:spPr>
+            <a:xfrm>
+              <a:off x="881294" y="1212439"/>
+              <a:ext cx="972000" cy="720000"/>
+            </a:xfrm>
+            <a:prstGeom prst="roundRect">
+              <a:avLst>
+                <a:gd name="adj" fmla="val 9611"/>
+              </a:avLst>
+            </a:prstGeom>
+            <a:solidFill>
+              <a:schemeClr val="bg1"/>
+            </a:solidFill>
+            <a:ln w="12700">
+              <a:solidFill>
+                <a:schemeClr val="tx1"/>
+              </a:solidFill>
+            </a:ln>
+          </p:spPr>
+          <p:style>
+            <a:lnRef idx="2">
+              <a:schemeClr val="accent1">
+                <a:shade val="50000"/>
+              </a:schemeClr>
+            </a:lnRef>
+            <a:fillRef idx="1">
+              <a:schemeClr val="accent1"/>
+            </a:fillRef>
+            <a:effectRef idx="0">
+              <a:schemeClr val="accent1"/>
+            </a:effectRef>
+            <a:fontRef idx="minor">
+              <a:schemeClr val="lt1"/>
+            </a:fontRef>
+          </p:style>
+          <p:txBody>
+            <a:bodyPr rtlCol="0" anchor="ctr"/>
+            <a:lstStyle/>
+            <a:p>
+              <a:pPr algn="ctr"/>
+              <a:r>
+                <a:rPr lang="en-US" altLang="ko-KR" sz="1400" dirty="0" err="1" smtClean="0">
+                  <a:solidFill>
+                    <a:schemeClr val="tx1"/>
+                  </a:solidFill>
+                </a:rPr>
+                <a:t>SurePark</a:t>
+              </a:r>
+              <a:endParaRPr lang="en-US" altLang="ko-KR" sz="1400" dirty="0" smtClean="0">
+                <a:solidFill>
+                  <a:schemeClr val="tx1"/>
+                </a:solidFill>
+              </a:endParaRPr>
+            </a:p>
+            <a:p>
+              <a:pPr algn="ctr"/>
+              <a:r>
+                <a:rPr lang="en-US" altLang="ko-KR" sz="1400" dirty="0" smtClean="0">
+                  <a:solidFill>
+                    <a:schemeClr val="tx1"/>
+                  </a:solidFill>
+                </a:rPr>
+                <a:t>Manager</a:t>
+              </a:r>
+              <a:endParaRPr lang="ko-KR" altLang="en-US" sz="1400" dirty="0">
+                <a:solidFill>
+                  <a:schemeClr val="tx1"/>
+                </a:solidFill>
+              </a:endParaRPr>
+            </a:p>
+          </p:txBody>
+        </p:sp>
+        <p:sp>
+          <p:nvSpPr>
+            <p:cNvPr id="131" name="모서리가 둥근 직사각형 130"/>
+            <p:cNvSpPr/>
+            <p:nvPr/>
+          </p:nvSpPr>
+          <p:spPr>
+            <a:xfrm>
+              <a:off x="4993982" y="1566547"/>
+              <a:ext cx="340143" cy="272792"/>
+            </a:xfrm>
+            <a:prstGeom prst="roundRect">
+              <a:avLst>
+                <a:gd name="adj" fmla="val 9611"/>
+              </a:avLst>
+            </a:prstGeom>
+            <a:solidFill>
+              <a:schemeClr val="bg1"/>
+            </a:solidFill>
+            <a:ln w="12700">
+              <a:solidFill>
+                <a:schemeClr val="tx1"/>
+              </a:solidFill>
+            </a:ln>
+          </p:spPr>
+          <p:style>
+            <a:lnRef idx="2">
+              <a:schemeClr val="accent1">
+                <a:shade val="50000"/>
+              </a:schemeClr>
+            </a:lnRef>
+            <a:fillRef idx="1">
+              <a:schemeClr val="accent1"/>
+            </a:fillRef>
+            <a:effectRef idx="0">
+              <a:schemeClr val="accent1"/>
+            </a:effectRef>
+            <a:fontRef idx="minor">
+              <a:schemeClr val="lt1"/>
+            </a:fontRef>
+          </p:style>
+          <p:txBody>
+            <a:bodyPr rtlCol="0" anchor="ctr"/>
+            <a:lstStyle/>
+            <a:p>
+              <a:pPr algn="ctr"/>
+              <a:endParaRPr lang="ko-KR" altLang="en-US" sz="1400" dirty="0">
+                <a:solidFill>
+                  <a:schemeClr val="tx1"/>
+                </a:solidFill>
+              </a:endParaRPr>
+            </a:p>
+          </p:txBody>
+        </p:sp>
+        <p:sp>
+          <p:nvSpPr>
+            <p:cNvPr id="132" name="TextBox 131"/>
+            <p:cNvSpPr txBox="1"/>
+            <p:nvPr/>
+          </p:nvSpPr>
+          <p:spPr>
+            <a:xfrm>
+              <a:off x="5393382" y="1577729"/>
+              <a:ext cx="664124" cy="261610"/>
+            </a:xfrm>
+            <a:prstGeom prst="rect">
+              <a:avLst/>
+            </a:prstGeom>
+            <a:noFill/>
+          </p:spPr>
+          <p:txBody>
+            <a:bodyPr wrap="square" rtlCol="0">
+              <a:spAutoFit/>
+            </a:bodyPr>
+            <a:lstStyle/>
+            <a:p>
+              <a:r>
+                <a:rPr lang="en-US" altLang="ko-KR" sz="1100" dirty="0" smtClean="0"/>
+                <a:t>Process</a:t>
+              </a:r>
+              <a:endParaRPr lang="ko-KR" altLang="en-US" sz="1100"/>
+            </a:p>
+          </p:txBody>
+        </p:sp>
+        <p:cxnSp>
+          <p:nvCxnSpPr>
+            <p:cNvPr id="134" name="직선 화살표 연결선 133"/>
+            <p:cNvCxnSpPr/>
+            <p:nvPr/>
+          </p:nvCxnSpPr>
+          <p:spPr>
+            <a:xfrm flipH="1">
+              <a:off x="4993982" y="2106097"/>
+              <a:ext cx="342707" cy="7686"/>
+            </a:xfrm>
+            <a:prstGeom prst="straightConnector1">
+              <a:avLst/>
+            </a:prstGeom>
+            <a:ln w="12700">
+              <a:solidFill>
+                <a:schemeClr val="tx1"/>
+              </a:solidFill>
+              <a:headEnd type="triangle"/>
+              <a:tailEnd type="none"/>
+            </a:ln>
+          </p:spPr>
+          <p:style>
+            <a:lnRef idx="1">
+              <a:schemeClr val="accent1"/>
+            </a:lnRef>
+            <a:fillRef idx="0">
+              <a:schemeClr val="accent1"/>
+            </a:fillRef>
+            <a:effectRef idx="0">
+              <a:schemeClr val="accent1"/>
+            </a:effectRef>
+            <a:fontRef idx="minor">
+              <a:schemeClr val="tx1"/>
+            </a:fontRef>
+          </p:style>
+        </p:cxnSp>
+        <p:sp>
+          <p:nvSpPr>
+            <p:cNvPr id="136" name="TextBox 135"/>
+            <p:cNvSpPr txBox="1"/>
+            <p:nvPr/>
+          </p:nvSpPr>
+          <p:spPr>
+            <a:xfrm>
+              <a:off x="2230216" y="1212439"/>
+              <a:ext cx="1162498" cy="400110"/>
+            </a:xfrm>
+            <a:prstGeom prst="rect">
+              <a:avLst/>
+            </a:prstGeom>
+            <a:noFill/>
+          </p:spPr>
+          <p:txBody>
+            <a:bodyPr wrap="none" rtlCol="0">
+              <a:spAutoFit/>
+            </a:bodyPr>
+            <a:lstStyle/>
+            <a:p>
+              <a:r>
+                <a:rPr lang="en-US" altLang="ko-KR" sz="1000" dirty="0" smtClean="0"/>
+                <a:t>Send </a:t>
+              </a:r>
+              <a:r>
+                <a:rPr lang="en-US" altLang="ko-KR" sz="1000" dirty="0" err="1" smtClean="0"/>
+                <a:t>HeartBeat</a:t>
+              </a:r>
+              <a:endParaRPr lang="en-US" altLang="ko-KR" sz="1000" dirty="0" smtClean="0"/>
+            </a:p>
+            <a:p>
+              <a:r>
+                <a:rPr lang="en-US" altLang="ko-KR" sz="1000" dirty="0" smtClean="0"/>
+                <a:t>[every 10 seconds]</a:t>
+              </a:r>
+              <a:endParaRPr lang="ko-KR" altLang="en-US" sz="1000"/>
+            </a:p>
+          </p:txBody>
+        </p:sp>
+        <p:cxnSp>
+          <p:nvCxnSpPr>
+            <p:cNvPr id="137" name="직선 화살표 연결선 136"/>
+            <p:cNvCxnSpPr>
+              <a:endCxn id="52" idx="1"/>
+            </p:cNvCxnSpPr>
+            <p:nvPr/>
+          </p:nvCxnSpPr>
+          <p:spPr>
+            <a:xfrm>
+              <a:off x="1842408" y="1593504"/>
+              <a:ext cx="1790315" cy="831"/>
+            </a:xfrm>
+            <a:prstGeom prst="straightConnector1">
+              <a:avLst/>
+            </a:prstGeom>
+            <a:ln w="12700">
+              <a:solidFill>
+                <a:schemeClr val="tx1"/>
+              </a:solidFill>
+              <a:headEnd type="triangle"/>
+              <a:tailEnd type="none"/>
+            </a:ln>
+          </p:spPr>
+          <p:style>
+            <a:lnRef idx="1">
+              <a:schemeClr val="accent1"/>
+            </a:lnRef>
+            <a:fillRef idx="0">
+              <a:schemeClr val="accent1"/>
+            </a:fillRef>
+            <a:effectRef idx="0">
+              <a:schemeClr val="accent1"/>
+            </a:effectRef>
+            <a:fontRef idx="minor">
+              <a:schemeClr val="tx1"/>
+            </a:fontRef>
+          </p:style>
+        </p:cxnSp>
+        <p:sp>
+          <p:nvSpPr>
+            <p:cNvPr id="27" name="모서리가 접힌 도형 26"/>
+            <p:cNvSpPr/>
+            <p:nvPr/>
+          </p:nvSpPr>
+          <p:spPr>
+            <a:xfrm>
+              <a:off x="881294" y="2116068"/>
+              <a:ext cx="2285260" cy="923547"/>
+            </a:xfrm>
+            <a:prstGeom prst="foldedCorner">
+              <a:avLst/>
+            </a:prstGeom>
+            <a:solidFill>
+              <a:schemeClr val="accent1">
+                <a:lumMod val="20000"/>
+                <a:lumOff val="80000"/>
+              </a:schemeClr>
+            </a:solidFill>
+            <a:ln>
+              <a:solidFill>
+                <a:schemeClr val="tx1"/>
+              </a:solidFill>
+            </a:ln>
+          </p:spPr>
+          <p:style>
+            <a:lnRef idx="2">
+              <a:schemeClr val="accent1">
+                <a:shade val="50000"/>
+              </a:schemeClr>
+            </a:lnRef>
+            <a:fillRef idx="1">
+              <a:schemeClr val="accent1"/>
+            </a:fillRef>
+            <a:effectRef idx="0">
+              <a:schemeClr val="accent1"/>
+            </a:effectRef>
+            <a:fontRef idx="minor">
+              <a:schemeClr val="lt1"/>
+            </a:fontRef>
+          </p:style>
+          <p:txBody>
+            <a:bodyPr rtlCol="0" anchor="ctr">
+              <a:scene3d>
+                <a:camera prst="orthographicFront">
+                  <a:rot lat="0" lon="0" rev="0"/>
+                </a:camera>
+                <a:lightRig rig="threePt" dir="t"/>
+              </a:scene3d>
+            </a:bodyPr>
+            <a:lstStyle/>
+            <a:p>
+              <a:pPr algn="ctr"/>
+              <a:r>
+                <a:rPr lang="en-US" altLang="ko-KR" sz="1400" dirty="0" smtClean="0">
+                  <a:solidFill>
+                    <a:schemeClr val="tx1"/>
+                  </a:solidFill>
+                </a:rPr>
+                <a:t>If no heartbeat within 20 </a:t>
+              </a:r>
+              <a:r>
+                <a:rPr lang="en-US" altLang="ko-KR" sz="1400" dirty="0" err="1" smtClean="0">
+                  <a:solidFill>
+                    <a:schemeClr val="tx1"/>
+                  </a:solidFill>
+                </a:rPr>
+                <a:t>secs</a:t>
+              </a:r>
+              <a:r>
+                <a:rPr lang="en-US" altLang="ko-KR" sz="1400" dirty="0" smtClean="0">
+                  <a:solidFill>
+                    <a:schemeClr val="tx1"/>
+                  </a:solidFill>
+                </a:rPr>
+                <a:t>, </a:t>
+              </a:r>
+              <a:r>
+                <a:rPr lang="en-US" altLang="ko-KR" sz="1400" dirty="0" err="1" smtClean="0">
+                  <a:solidFill>
+                    <a:schemeClr val="tx1"/>
+                  </a:solidFill>
+                </a:rPr>
+                <a:t>SurePark</a:t>
+              </a:r>
+              <a:r>
+                <a:rPr lang="en-US" altLang="ko-KR" sz="1400" dirty="0" smtClean="0">
+                  <a:solidFill>
+                    <a:schemeClr val="tx1"/>
+                  </a:solidFill>
+                </a:rPr>
+                <a:t> Manager notify it to </a:t>
+              </a:r>
+              <a:r>
+                <a:rPr lang="en-US" altLang="ko-KR" sz="1400" dirty="0" err="1" smtClean="0">
+                  <a:solidFill>
+                    <a:schemeClr val="tx1"/>
+                  </a:solidFill>
+                </a:rPr>
+                <a:t>SurePark</a:t>
+              </a:r>
+              <a:r>
+                <a:rPr lang="en-US" altLang="ko-KR" sz="1400" dirty="0" smtClean="0">
+                  <a:solidFill>
+                    <a:schemeClr val="tx1"/>
+                  </a:solidFill>
+                </a:rPr>
+                <a:t> Service.</a:t>
+              </a:r>
+              <a:endParaRPr lang="ko-KR" altLang="en-US" sz="1400">
+                <a:solidFill>
+                  <a:schemeClr val="tx1"/>
+                </a:solidFill>
+              </a:endParaRPr>
+            </a:p>
+          </p:txBody>
+        </p:sp>
+      </p:grpSp>
+    </p:spTree>
+    <p:extLst>
+      <p:ext uri="{BB962C8B-B14F-4D97-AF65-F5344CB8AC3E}">
+        <p14:creationId xmlns:p14="http://schemas.microsoft.com/office/powerpoint/2010/main" val="952762138"/>
+      </p:ext>
+    </p:extLst>
+  </p:cSld>
+  <p:clrMapOvr>
+    <a:masterClrMapping/>
+  </p:clrMapOvr>
+  <p:timing>
+    <p:tnLst>
+      <p:par>
+        <p:cTn id="1" dur="indefinite" restart="never" nodeType="tmRoot"/>
+      </p:par>
+    </p:tnLst>
+  </p:timing>
+</p:sld>
+</file>
+
+<file path=ppt/slides/slide17.xml><?xml version="1.0" encoding="utf-8"?>
+<p:sld xmlns:a="http://schemas.openxmlformats.org/drawingml/2006/main" xmlns:r="http://schemas.openxmlformats.org/officeDocument/2006/relationships" xmlns:p="http://schemas.openxmlformats.org/presentationml/2006/main">
+  <p:cSld>
+    <p:spTree>
+      <p:nvGrpSpPr>
+        <p:cNvPr id="1" name=""/>
+        <p:cNvGrpSpPr/>
+        <p:nvPr/>
+      </p:nvGrpSpPr>
+      <p:grpSpPr>
+        <a:xfrm>
+          <a:off x="0" y="0"/>
+          <a:ext cx="0" cy="0"/>
+          <a:chOff x="0" y="0"/>
+          <a:chExt cx="0" cy="0"/>
+        </a:xfrm>
+      </p:grpSpPr>
+      <p:sp>
+        <p:nvSpPr>
+          <p:cNvPr id="38" name="TextBox 37"/>
+          <p:cNvSpPr txBox="1"/>
+          <p:nvPr/>
+        </p:nvSpPr>
+        <p:spPr>
+          <a:xfrm>
+            <a:off x="358572" y="272932"/>
+            <a:ext cx="1818768" cy="369332"/>
+          </a:xfrm>
+          <a:prstGeom prst="rect">
+            <a:avLst/>
+          </a:prstGeom>
+          <a:noFill/>
+        </p:spPr>
+        <p:txBody>
+          <a:bodyPr wrap="none" rtlCol="0">
+            <a:spAutoFit/>
+          </a:bodyPr>
+          <a:lstStyle/>
+          <a:p>
+            <a:r>
+              <a:rPr lang="en-US" altLang="ko-KR" dirty="0" smtClean="0"/>
+              <a:t>FC-SM heart beat</a:t>
+            </a:r>
+            <a:endParaRPr lang="ko-KR" altLang="en-US"/>
+          </a:p>
+        </p:txBody>
+      </p:sp>
+      <p:grpSp>
+        <p:nvGrpSpPr>
+          <p:cNvPr id="10" name="그룹 9"/>
+          <p:cNvGrpSpPr/>
+          <p:nvPr/>
+        </p:nvGrpSpPr>
+        <p:grpSpPr>
+          <a:xfrm>
+            <a:off x="1767764" y="5611825"/>
+            <a:ext cx="1749793" cy="586534"/>
+            <a:chOff x="1767764" y="5611825"/>
+            <a:chExt cx="1749793" cy="586534"/>
+          </a:xfrm>
+        </p:grpSpPr>
+        <p:grpSp>
+          <p:nvGrpSpPr>
+            <p:cNvPr id="7" name="그룹 6"/>
+            <p:cNvGrpSpPr/>
+            <p:nvPr/>
+          </p:nvGrpSpPr>
+          <p:grpSpPr>
+            <a:xfrm>
+              <a:off x="1767765" y="5948492"/>
+              <a:ext cx="409575" cy="238125"/>
+              <a:chOff x="3016207" y="6063821"/>
+              <a:chExt cx="409575" cy="238125"/>
+            </a:xfrm>
+          </p:grpSpPr>
+          <p:pic>
+            <p:nvPicPr>
+              <p:cNvPr id="5" name="그림 4"/>
+              <p:cNvPicPr>
+                <a:picLocks noChangeAspect="1"/>
+              </p:cNvPicPr>
+              <p:nvPr/>
+            </p:nvPicPr>
+            <p:blipFill>
+              <a:blip r:embed="rId2"/>
+              <a:stretch>
+                <a:fillRect/>
+              </a:stretch>
+            </p:blipFill>
+            <p:spPr>
+              <a:xfrm>
+                <a:off x="3016207" y="6063821"/>
+                <a:ext cx="409575" cy="238125"/>
+              </a:xfrm>
+              <a:prstGeom prst="rect">
+                <a:avLst/>
+              </a:prstGeom>
+            </p:spPr>
+          </p:pic>
+          <p:sp>
+            <p:nvSpPr>
+              <p:cNvPr id="6" name="모서리가 둥근 직사각형 5"/>
+              <p:cNvSpPr/>
+              <p:nvPr/>
+            </p:nvSpPr>
+            <p:spPr>
+              <a:xfrm>
+                <a:off x="3016207" y="6063821"/>
+                <a:ext cx="409575" cy="238125"/>
+              </a:xfrm>
+              <a:prstGeom prst="roundRect">
+                <a:avLst/>
+              </a:prstGeom>
+              <a:noFill/>
+              <a:ln w="3175">
+                <a:solidFill>
+                  <a:schemeClr val="tx1"/>
+                </a:solidFill>
+              </a:ln>
+            </p:spPr>
+            <p:style>
+              <a:lnRef idx="2">
+                <a:schemeClr val="accent1">
+                  <a:shade val="50000"/>
+                </a:schemeClr>
+              </a:lnRef>
+              <a:fillRef idx="1">
+                <a:schemeClr val="accent1"/>
+              </a:fillRef>
+              <a:effectRef idx="0">
+                <a:schemeClr val="accent1"/>
+              </a:effectRef>
+              <a:fontRef idx="minor">
+                <a:schemeClr val="lt1"/>
+              </a:fontRef>
+            </p:style>
+            <p:txBody>
+              <a:bodyPr rtlCol="0" anchor="ctr"/>
+              <a:lstStyle/>
+              <a:p>
+                <a:pPr algn="ctr"/>
+                <a:endParaRPr lang="ko-KR" altLang="en-US"/>
+              </a:p>
+            </p:txBody>
+          </p:sp>
+        </p:grpSp>
+        <p:sp>
+          <p:nvSpPr>
+            <p:cNvPr id="21" name="TextBox 20"/>
+            <p:cNvSpPr txBox="1"/>
+            <p:nvPr/>
+          </p:nvSpPr>
+          <p:spPr>
+            <a:xfrm>
+              <a:off x="2251595" y="5936749"/>
+              <a:ext cx="1265962" cy="261610"/>
+            </a:xfrm>
+            <a:prstGeom prst="rect">
+              <a:avLst/>
+            </a:prstGeom>
+            <a:noFill/>
+          </p:spPr>
+          <p:txBody>
+            <a:bodyPr wrap="square" rtlCol="0">
+              <a:spAutoFit/>
+            </a:bodyPr>
+            <a:lstStyle/>
+            <a:p>
+              <a:r>
+                <a:rPr lang="en-US" altLang="ko-KR" sz="1100" dirty="0" smtClean="0"/>
+                <a:t>Internal Lifeline</a:t>
+              </a:r>
+              <a:endParaRPr lang="ko-KR" altLang="en-US" sz="1100"/>
+            </a:p>
+          </p:txBody>
+        </p:sp>
+        <p:grpSp>
+          <p:nvGrpSpPr>
+            <p:cNvPr id="9" name="그룹 8"/>
+            <p:cNvGrpSpPr/>
+            <p:nvPr/>
+          </p:nvGrpSpPr>
+          <p:grpSpPr>
+            <a:xfrm>
+              <a:off x="1767764" y="5623568"/>
+              <a:ext cx="409575" cy="255588"/>
+              <a:chOff x="1767764" y="5623568"/>
+              <a:chExt cx="409575" cy="255588"/>
+            </a:xfrm>
+          </p:grpSpPr>
+          <p:pic>
+            <p:nvPicPr>
+              <p:cNvPr id="8" name="그림 7"/>
+              <p:cNvPicPr>
+                <a:picLocks noChangeAspect="1"/>
+              </p:cNvPicPr>
+              <p:nvPr/>
+            </p:nvPicPr>
+            <p:blipFill>
+              <a:blip r:embed="rId3"/>
+              <a:stretch>
+                <a:fillRect/>
+              </a:stretch>
+            </p:blipFill>
+            <p:spPr>
+              <a:xfrm>
+                <a:off x="1767765" y="5629774"/>
+                <a:ext cx="409574" cy="249382"/>
+              </a:xfrm>
+              <a:prstGeom prst="rect">
+                <a:avLst/>
+              </a:prstGeom>
+            </p:spPr>
+          </p:pic>
+          <p:sp>
+            <p:nvSpPr>
+              <p:cNvPr id="24" name="모서리가 둥근 직사각형 23"/>
+              <p:cNvSpPr/>
+              <p:nvPr/>
+            </p:nvSpPr>
+            <p:spPr>
+              <a:xfrm>
+                <a:off x="1767764" y="5623568"/>
+                <a:ext cx="409575" cy="238125"/>
+              </a:xfrm>
+              <a:prstGeom prst="roundRect">
+                <a:avLst/>
+              </a:prstGeom>
+              <a:noFill/>
+              <a:ln w="3175">
+                <a:solidFill>
+                  <a:schemeClr val="tx1"/>
+                </a:solidFill>
+              </a:ln>
+            </p:spPr>
+            <p:style>
+              <a:lnRef idx="2">
+                <a:schemeClr val="accent1">
+                  <a:shade val="50000"/>
+                </a:schemeClr>
+              </a:lnRef>
+              <a:fillRef idx="1">
+                <a:schemeClr val="accent1"/>
+              </a:fillRef>
+              <a:effectRef idx="0">
+                <a:schemeClr val="accent1"/>
+              </a:effectRef>
+              <a:fontRef idx="minor">
+                <a:schemeClr val="lt1"/>
+              </a:fontRef>
+            </p:style>
+            <p:txBody>
+              <a:bodyPr rtlCol="0" anchor="ctr"/>
+              <a:lstStyle/>
+              <a:p>
+                <a:pPr algn="ctr"/>
+                <a:endParaRPr lang="ko-KR" altLang="en-US"/>
+              </a:p>
+            </p:txBody>
+          </p:sp>
+        </p:grpSp>
+        <p:sp>
+          <p:nvSpPr>
+            <p:cNvPr id="26" name="TextBox 25"/>
+            <p:cNvSpPr txBox="1"/>
+            <p:nvPr/>
+          </p:nvSpPr>
+          <p:spPr>
+            <a:xfrm>
+              <a:off x="2251595" y="5611825"/>
+              <a:ext cx="1265962" cy="261610"/>
+            </a:xfrm>
+            <a:prstGeom prst="rect">
+              <a:avLst/>
+            </a:prstGeom>
+            <a:noFill/>
+          </p:spPr>
+          <p:txBody>
+            <a:bodyPr wrap="square" rtlCol="0">
+              <a:spAutoFit/>
+            </a:bodyPr>
+            <a:lstStyle/>
+            <a:p>
+              <a:r>
+                <a:rPr lang="en-US" altLang="ko-KR" sz="1100" dirty="0" smtClean="0"/>
+                <a:t>External Lifeline</a:t>
+              </a:r>
+              <a:endParaRPr lang="ko-KR" altLang="en-US" sz="1100"/>
+            </a:p>
+          </p:txBody>
+        </p:sp>
+      </p:grpSp>
+    </p:spTree>
+    <p:extLst>
+      <p:ext uri="{BB962C8B-B14F-4D97-AF65-F5344CB8AC3E}">
+        <p14:creationId xmlns:p14="http://schemas.microsoft.com/office/powerpoint/2010/main" val="1536086066"/>
+      </p:ext>
+    </p:extLst>
+  </p:cSld>
+  <p:clrMapOvr>
+    <a:masterClrMapping/>
+  </p:clrMapOvr>
+  <p:timing>
+    <p:tnLst>
+      <p:par>
+        <p:cTn id="1" dur="indefinite" restart="never" nodeType="tmRoot"/>
+      </p:par>
+    </p:tnLst>
+  </p:timing>
+</p:sld>
+</file>
+
 <file path=ppt/slides/slide2.xml><?xml version="1.0" encoding="utf-8"?>
 <p:sld xmlns:a="http://schemas.openxmlformats.org/drawingml/2006/main" xmlns:r="http://schemas.openxmlformats.org/officeDocument/2006/relationships" xmlns:p="http://schemas.openxmlformats.org/presentationml/2006/main">
   <p:cSld>
@@ -19581,12 +20617,23 @@
           <a:p>
             <a:pPr algn="ctr"/>
             <a:r>
-              <a:rPr lang="en-US" altLang="ko-KR" sz="1400" dirty="0" smtClean="0">
+              <a:rPr lang="en-US" altLang="ko-KR" sz="1400" dirty="0">
                 <a:solidFill>
                   <a:schemeClr val="tx1"/>
                 </a:solidFill>
               </a:rPr>
-              <a:t>Shares common protocol</a:t>
+              <a:t>Shares </a:t>
+            </a:r>
+          </a:p>
+          <a:p>
+            <a:pPr algn="ctr"/>
+            <a:r>
+              <a:rPr lang="en-US" altLang="ko-KR" sz="1400" dirty="0">
+                <a:solidFill>
+                  <a:schemeClr val="tx1"/>
+                </a:solidFill>
+              </a:rPr>
+              <a:t>FC-SM protocol</a:t>
             </a:r>
             <a:endParaRPr lang="ko-KR" altLang="en-US" sz="1400">
               <a:solidFill>
@@ -19605,7 +20652,7 @@
         <p:spPr>
           <a:xfrm>
             <a:off x="4843117" y="2311565"/>
-            <a:ext cx="1152000" cy="1296000"/>
+            <a:ext cx="1823256" cy="1296000"/>
           </a:xfrm>
           <a:prstGeom prst="foldedCorner">
             <a:avLst/>
@@ -19651,12 +20698,34 @@
           <a:p>
             <a:pPr algn="ctr"/>
             <a:r>
-              <a:rPr lang="en-US" altLang="ko-KR" sz="1400" dirty="0" smtClean="0">
+              <a:rPr lang="en-US" altLang="ko-KR" sz="1400" dirty="0">
                 <a:solidFill>
                   <a:schemeClr val="tx1"/>
                 </a:solidFill>
               </a:rPr>
-              <a:t>Shares common DB schema using JSON</a:t>
+              <a:t>Shares common DB schema</a:t>
+            </a:r>
+          </a:p>
+          <a:p>
+            <a:pPr algn="ctr"/>
+            <a:r>
+              <a:rPr lang="en-US" altLang="ko-KR" sz="1400" dirty="0">
+                <a:solidFill>
+                  <a:schemeClr val="tx1"/>
+                </a:solidFill>
+              </a:rPr>
+              <a:t>&amp;</a:t>
+            </a:r>
+          </a:p>
+          <a:p>
+            <a:pPr algn="ctr"/>
+            <a:r>
+              <a:rPr lang="en-US" altLang="ko-KR" sz="1400" dirty="0">
+                <a:solidFill>
+                  <a:schemeClr val="tx1"/>
+                </a:solidFill>
+              </a:rPr>
+              <a:t>Shares SM-WS protocol</a:t>
             </a:r>
             <a:endParaRPr lang="ko-KR" altLang="en-US" sz="1400">
               <a:solidFill>
@@ -19755,7 +20824,7 @@
         <p:spPr>
           <a:xfrm flipV="1">
             <a:off x="2735170" y="3607565"/>
-            <a:ext cx="2683947" cy="1293881"/>
+            <a:ext cx="3019575" cy="1293882"/>
           </a:xfrm>
           <a:prstGeom prst="line">
             <a:avLst/>
@@ -19793,8 +20862,8 @@
         </p:nvCxnSpPr>
         <p:spPr>
           <a:xfrm flipH="1" flipV="1">
-            <a:off x="5419117" y="3607565"/>
-            <a:ext cx="373308" cy="1268876"/>
+            <a:off x="5754745" y="3607565"/>
+            <a:ext cx="37680" cy="1268876"/>
           </a:xfrm>
           <a:prstGeom prst="line">
             <a:avLst/>
@@ -19932,7 +21001,7 @@
           <p:nvPr>
             <p:extLst>
               <p:ext uri="{D42A27DB-BD31-4B8C-83A1-F6EECF244321}">
-                <p14:modId xmlns:p14="http://schemas.microsoft.com/office/powerpoint/2010/main" val="755771293"/>
+                <p14:modId xmlns:p14="http://schemas.microsoft.com/office/powerpoint/2010/main" val="2046042221"/>
               </p:ext>
             </p:extLst>
           </p:nvPr>
@@ -19998,7 +21067,7 @@
       </p:graphicFrame>
       <p:grpSp>
         <p:nvGrpSpPr>
-          <p:cNvPr id="3" name="그룹 2"/>
+          <p:cNvPr id="7" name="그룹 6"/>
           <p:cNvGrpSpPr/>
           <p:nvPr/>
         </p:nvGrpSpPr>
@@ -20006,8 +21075,8 @@
           <a:xfrm>
             <a:off x="6502434" y="4865290"/>
             <a:ext cx="442635" cy="361564"/>
-            <a:chOff x="5057814" y="590160"/>
-            <a:chExt cx="1944000" cy="1440000"/>
+            <a:chOff x="6502434" y="4865290"/>
+            <a:chExt cx="442635" cy="361564"/>
           </a:xfrm>
         </p:grpSpPr>
         <p:sp>
@@ -20018,8 +21087,8 @@
           </p:nvSpPr>
           <p:spPr>
             <a:xfrm>
-              <a:off x="5057814" y="734160"/>
-              <a:ext cx="1944000" cy="1296000"/>
+              <a:off x="6502434" y="4901446"/>
+              <a:ext cx="442635" cy="325408"/>
             </a:xfrm>
             <a:prstGeom prst="rect">
               <a:avLst/>
@@ -20070,8 +21139,8 @@
           </p:nvSpPr>
           <p:spPr>
             <a:xfrm>
-              <a:off x="5057814" y="590160"/>
-              <a:ext cx="720000" cy="144000"/>
+              <a:off x="6502434" y="4865290"/>
+              <a:ext cx="163939" cy="36156"/>
             </a:xfrm>
             <a:prstGeom prst="trapezoid">
               <a:avLst>
